--- a/SLIDES/talk.pptx
+++ b/SLIDES/talk.pptx
@@ -5,10 +5,10 @@
     <p:sldMasterId id="2147483660" r:id="rId4"/>
   </p:sldMasterIdLst>
   <p:notesMasterIdLst>
-    <p:notesMasterId r:id="rId43"/>
+    <p:notesMasterId r:id="rId46"/>
   </p:notesMasterIdLst>
   <p:handoutMasterIdLst>
-    <p:handoutMasterId r:id="rId44"/>
+    <p:handoutMasterId r:id="rId47"/>
   </p:handoutMasterIdLst>
   <p:sldIdLst>
     <p:sldId id="286" r:id="rId5"/>
@@ -41,14 +41,17 @@
     <p:sldId id="355" r:id="rId32"/>
     <p:sldId id="367" r:id="rId33"/>
     <p:sldId id="371" r:id="rId34"/>
-    <p:sldId id="354" r:id="rId35"/>
-    <p:sldId id="361" r:id="rId36"/>
-    <p:sldId id="362" r:id="rId37"/>
-    <p:sldId id="353" r:id="rId38"/>
-    <p:sldId id="363" r:id="rId39"/>
-    <p:sldId id="364" r:id="rId40"/>
-    <p:sldId id="365" r:id="rId41"/>
-    <p:sldId id="366" r:id="rId42"/>
+    <p:sldId id="378" r:id="rId35"/>
+    <p:sldId id="377" r:id="rId36"/>
+    <p:sldId id="354" r:id="rId37"/>
+    <p:sldId id="361" r:id="rId38"/>
+    <p:sldId id="362" r:id="rId39"/>
+    <p:sldId id="353" r:id="rId40"/>
+    <p:sldId id="363" r:id="rId41"/>
+    <p:sldId id="364" r:id="rId42"/>
+    <p:sldId id="365" r:id="rId43"/>
+    <p:sldId id="379" r:id="rId44"/>
+    <p:sldId id="366" r:id="rId45"/>
   </p:sldIdLst>
   <p:sldSz cx="12192000" cy="6858000"/>
   <p:notesSz cx="6858000" cy="9144000"/>
@@ -185,6 +188,8 @@
             <p14:sldId id="355"/>
             <p14:sldId id="367"/>
             <p14:sldId id="371"/>
+            <p14:sldId id="378"/>
+            <p14:sldId id="377"/>
             <p14:sldId id="354"/>
             <p14:sldId id="361"/>
             <p14:sldId id="362"/>
@@ -192,6 +197,7 @@
             <p14:sldId id="363"/>
             <p14:sldId id="364"/>
             <p14:sldId id="365"/>
+            <p14:sldId id="379"/>
             <p14:sldId id="366"/>
           </p14:sldIdLst>
         </p14:section>
@@ -309,7 +315,7 @@
           <a:p>
             <a:fld id="{80680FBE-A8DF-4758-9AC4-3A9E1039168F}" type="datetimeFigureOut">
               <a:rPr lang="en-US" smtClean="0"/>
-              <a:t>6/8/2021</a:t>
+              <a:t>6/9/2021</a:t>
             </a:fld>
             <a:endParaRPr lang="en-US" dirty="0"/>
           </a:p>
@@ -474,7 +480,7 @@
           <a:p>
             <a:fld id="{EC13577B-6902-467D-A26C-08A0DD5E4E03}" type="datetimeFigureOut">
               <a:rPr lang="en-US" smtClean="0"/>
-              <a:t>6/8/2021</a:t>
+              <a:t>6/9/2021</a:t>
             </a:fld>
             <a:endParaRPr lang="en-US" dirty="0"/>
           </a:p>
@@ -1180,7 +1186,7 @@
             <a:fld id="{8BEEBAAA-29B5-4AF5-BC5F-7E580C29002D}" type="datetimeFigureOut">
               <a:rPr lang="en-US" smtClean="0"/>
               <a:pPr/>
-              <a:t>6/8/2021</a:t>
+              <a:t>6/9/2021</a:t>
             </a:fld>
             <a:endParaRPr lang="en-US" dirty="0"/>
           </a:p>
@@ -1755,7 +1761,7 @@
           <a:p>
             <a:fld id="{4D723AB6-704A-42C8-AB51-31B091223600}" type="datetimeFigureOut">
               <a:rPr lang="en-GB" smtClean="0"/>
-              <a:t>08/06/2021</a:t>
+              <a:t>09/06/2021</a:t>
             </a:fld>
             <a:endParaRPr lang="en-GB"/>
           </a:p>
@@ -1955,7 +1961,7 @@
           <a:p>
             <a:fld id="{4D723AB6-704A-42C8-AB51-31B091223600}" type="datetimeFigureOut">
               <a:rPr lang="en-GB" smtClean="0"/>
-              <a:t>08/06/2021</a:t>
+              <a:t>09/06/2021</a:t>
             </a:fld>
             <a:endParaRPr lang="en-GB"/>
           </a:p>
@@ -2228,7 +2234,7 @@
             <a:fld id="{8BEEBAAA-29B5-4AF5-BC5F-7E580C29002D}" type="datetimeFigureOut">
               <a:rPr lang="en-US" smtClean="0"/>
               <a:pPr/>
-              <a:t>6/8/2021</a:t>
+              <a:t>6/9/2021</a:t>
             </a:fld>
             <a:endParaRPr lang="en-US" dirty="0"/>
           </a:p>
@@ -17518,6 +17524,331 @@
       </p:sp>
       <p:pic>
         <p:nvPicPr>
+          <p:cNvPr id="9" name="Picture 8" descr="A close up of a logo&#10;&#10;Description automatically generated">
+            <a:extLst>
+              <a:ext uri="{FF2B5EF4-FFF2-40B4-BE49-F238E27FC236}">
+                <a16:creationId xmlns:a16="http://schemas.microsoft.com/office/drawing/2014/main" id="{9272062C-F409-43F8-9C97-ABA172A3AB0F}"/>
+              </a:ext>
+            </a:extLst>
+          </p:cNvPr>
+          <p:cNvPicPr/>
+          <p:nvPr/>
+        </p:nvPicPr>
+        <p:blipFill>
+          <a:blip r:embed="rId2">
+            <a:extLst>
+              <a:ext uri="{28A0092B-C50C-407E-A947-70E740481C1C}">
+                <a14:useLocalDpi xmlns:a14="http://schemas.microsoft.com/office/drawing/2010/main" val="0"/>
+              </a:ext>
+            </a:extLst>
+          </a:blip>
+          <a:stretch>
+            <a:fillRect/>
+          </a:stretch>
+        </p:blipFill>
+        <p:spPr>
+          <a:xfrm>
+            <a:off x="1061720" y="1455491"/>
+            <a:ext cx="10177780" cy="4878634"/>
+          </a:xfrm>
+          <a:prstGeom prst="rect">
+            <a:avLst/>
+          </a:prstGeom>
+        </p:spPr>
+      </p:pic>
+    </p:spTree>
+    <p:extLst>
+      <p:ext uri="{BB962C8B-B14F-4D97-AF65-F5344CB8AC3E}">
+        <p14:creationId xmlns:p14="http://schemas.microsoft.com/office/powerpoint/2010/main" val="3888437272"/>
+      </p:ext>
+    </p:extLst>
+  </p:cSld>
+  <p:clrMapOvr>
+    <a:masterClrMapping/>
+  </p:clrMapOvr>
+</p:sld>
+</file>
+
+<file path=ppt/slides/slide31.xml><?xml version="1.0" encoding="utf-8"?>
+<p:sld xmlns:a="http://schemas.openxmlformats.org/drawingml/2006/main" xmlns:r="http://schemas.openxmlformats.org/officeDocument/2006/relationships" xmlns:p="http://schemas.openxmlformats.org/presentationml/2006/main">
+  <p:cSld>
+    <p:spTree>
+      <p:nvGrpSpPr>
+        <p:cNvPr id="1" name=""/>
+        <p:cNvGrpSpPr/>
+        <p:nvPr/>
+      </p:nvGrpSpPr>
+      <p:grpSpPr>
+        <a:xfrm>
+          <a:off x="0" y="0"/>
+          <a:ext cx="0" cy="0"/>
+          <a:chOff x="0" y="0"/>
+          <a:chExt cx="0" cy="0"/>
+        </a:xfrm>
+      </p:grpSpPr>
+      <p:sp>
+        <p:nvSpPr>
+          <p:cNvPr id="4" name="Title 3"/>
+          <p:cNvSpPr>
+            <a:spLocks noGrp="1"/>
+          </p:cNvSpPr>
+          <p:nvPr>
+            <p:ph type="title"/>
+          </p:nvPr>
+        </p:nvSpPr>
+        <p:spPr>
+          <a:xfrm>
+            <a:off x="541609" y="426301"/>
+            <a:ext cx="9869216" cy="749992"/>
+          </a:xfrm>
+        </p:spPr>
+        <p:txBody>
+          <a:bodyPr>
+            <a:noAutofit/>
+          </a:bodyPr>
+          <a:lstStyle/>
+          <a:p>
+            <a:r>
+              <a:rPr lang="en-US" sz="4000" dirty="0">
+                <a:latin typeface="Segoe UI Light" panose="020B0502040204020203" pitchFamily="34" charset="0"/>
+                <a:cs typeface="Segoe UI Light" panose="020B0502040204020203" pitchFamily="34" charset="0"/>
+              </a:rPr>
+              <a:t>Shadow DOM – explained more fully later…</a:t>
+            </a:r>
+          </a:p>
+        </p:txBody>
+      </p:sp>
+      <p:sp>
+        <p:nvSpPr>
+          <p:cNvPr id="25" name="Content Placeholder 17"/>
+          <p:cNvSpPr txBox="1">
+            <a:spLocks/>
+          </p:cNvSpPr>
+          <p:nvPr/>
+        </p:nvSpPr>
+        <p:spPr>
+          <a:xfrm>
+            <a:off x="541609" y="1455491"/>
+            <a:ext cx="5110161" cy="471149"/>
+          </a:xfrm>
+          <a:prstGeom prst="rect">
+            <a:avLst/>
+          </a:prstGeom>
+        </p:spPr>
+        <p:txBody>
+          <a:bodyPr vert="horz" lIns="91440" tIns="45720" rIns="91440" bIns="45720" rtlCol="0">
+            <a:normAutofit/>
+          </a:bodyPr>
+          <a:lstStyle>
+            <a:lvl1pPr marL="228600" indent="-228600" algn="l" defTabSz="914400" rtl="0" eaLnBrk="1" latinLnBrk="0" hangingPunct="1">
+              <a:lnSpc>
+                <a:spcPts val="1800"/>
+              </a:lnSpc>
+              <a:spcBef>
+                <a:spcPts val="1000"/>
+              </a:spcBef>
+              <a:spcAft>
+                <a:spcPts val="1000"/>
+              </a:spcAft>
+              <a:buFont typeface="Arial" panose="020B0604020202020204" pitchFamily="34" charset="0"/>
+              <a:buChar char="•"/>
+              <a:defRPr lang="en-US" sz="1200" kern="1200" smtClean="0">
+                <a:solidFill>
+                  <a:schemeClr val="tx1">
+                    <a:lumMod val="75000"/>
+                    <a:lumOff val="25000"/>
+                  </a:schemeClr>
+                </a:solidFill>
+                <a:latin typeface="+mn-lt"/>
+                <a:ea typeface="+mn-ea"/>
+                <a:cs typeface="+mn-cs"/>
+              </a:defRPr>
+            </a:lvl1pPr>
+            <a:lvl2pPr marL="685800" indent="-228600" algn="l" defTabSz="914400" rtl="0" eaLnBrk="1" latinLnBrk="0" hangingPunct="1">
+              <a:lnSpc>
+                <a:spcPts val="1800"/>
+              </a:lnSpc>
+              <a:spcBef>
+                <a:spcPts val="1000"/>
+              </a:spcBef>
+              <a:spcAft>
+                <a:spcPts val="1000"/>
+              </a:spcAft>
+              <a:buFont typeface="Arial" panose="020B0604020202020204" pitchFamily="34" charset="0"/>
+              <a:buChar char="•"/>
+              <a:defRPr lang="en-US" sz="1200" kern="1200" smtClean="0">
+                <a:solidFill>
+                  <a:schemeClr val="tx1">
+                    <a:lumMod val="75000"/>
+                    <a:lumOff val="25000"/>
+                  </a:schemeClr>
+                </a:solidFill>
+                <a:latin typeface="+mn-lt"/>
+                <a:ea typeface="+mn-ea"/>
+                <a:cs typeface="+mn-cs"/>
+              </a:defRPr>
+            </a:lvl2pPr>
+            <a:lvl3pPr marL="1143000" indent="-228600" algn="l" defTabSz="914400" rtl="0" eaLnBrk="1" latinLnBrk="0" hangingPunct="1">
+              <a:lnSpc>
+                <a:spcPts val="1800"/>
+              </a:lnSpc>
+              <a:spcBef>
+                <a:spcPts val="1000"/>
+              </a:spcBef>
+              <a:spcAft>
+                <a:spcPts val="1000"/>
+              </a:spcAft>
+              <a:buFont typeface="Arial" panose="020B0604020202020204" pitchFamily="34" charset="0"/>
+              <a:buChar char="•"/>
+              <a:defRPr lang="en-US" sz="1200" kern="1200" smtClean="0">
+                <a:solidFill>
+                  <a:schemeClr val="tx1">
+                    <a:lumMod val="75000"/>
+                    <a:lumOff val="25000"/>
+                  </a:schemeClr>
+                </a:solidFill>
+                <a:latin typeface="+mn-lt"/>
+                <a:ea typeface="+mn-ea"/>
+                <a:cs typeface="+mn-cs"/>
+              </a:defRPr>
+            </a:lvl3pPr>
+            <a:lvl4pPr marL="1600200" indent="-228600" algn="l" defTabSz="914400" rtl="0" eaLnBrk="1" latinLnBrk="0" hangingPunct="1">
+              <a:lnSpc>
+                <a:spcPts val="1800"/>
+              </a:lnSpc>
+              <a:spcBef>
+                <a:spcPts val="1000"/>
+              </a:spcBef>
+              <a:spcAft>
+                <a:spcPts val="1000"/>
+              </a:spcAft>
+              <a:buFont typeface="Arial" panose="020B0604020202020204" pitchFamily="34" charset="0"/>
+              <a:buChar char="•"/>
+              <a:defRPr lang="en-US" sz="1200" kern="1200" smtClean="0">
+                <a:solidFill>
+                  <a:schemeClr val="tx1">
+                    <a:lumMod val="75000"/>
+                    <a:lumOff val="25000"/>
+                  </a:schemeClr>
+                </a:solidFill>
+                <a:latin typeface="+mn-lt"/>
+                <a:ea typeface="+mn-ea"/>
+                <a:cs typeface="+mn-cs"/>
+              </a:defRPr>
+            </a:lvl4pPr>
+            <a:lvl5pPr marL="2057400" indent="-228600" algn="l" defTabSz="914400" rtl="0" eaLnBrk="1" latinLnBrk="0" hangingPunct="1">
+              <a:lnSpc>
+                <a:spcPts val="1800"/>
+              </a:lnSpc>
+              <a:spcBef>
+                <a:spcPts val="1000"/>
+              </a:spcBef>
+              <a:spcAft>
+                <a:spcPts val="1000"/>
+              </a:spcAft>
+              <a:buFont typeface="Arial" panose="020B0604020202020204" pitchFamily="34" charset="0"/>
+              <a:buChar char="•"/>
+              <a:defRPr lang="en-US" sz="1200" kern="1200">
+                <a:solidFill>
+                  <a:schemeClr val="tx1">
+                    <a:lumMod val="75000"/>
+                    <a:lumOff val="25000"/>
+                  </a:schemeClr>
+                </a:solidFill>
+                <a:latin typeface="+mn-lt"/>
+                <a:ea typeface="+mn-ea"/>
+                <a:cs typeface="+mn-cs"/>
+              </a:defRPr>
+            </a:lvl5pPr>
+            <a:lvl6pPr marL="2514600" indent="-228600" algn="l" defTabSz="914400" rtl="0" eaLnBrk="1" latinLnBrk="0" hangingPunct="1">
+              <a:lnSpc>
+                <a:spcPct val="90000"/>
+              </a:lnSpc>
+              <a:spcBef>
+                <a:spcPct val="30000"/>
+              </a:spcBef>
+              <a:buFont typeface="Arial" panose="020B0604020202020204" pitchFamily="34" charset="0"/>
+              <a:buChar char="•"/>
+              <a:defRPr sz="1800" kern="1200">
+                <a:solidFill>
+                  <a:schemeClr val="tx1"/>
+                </a:solidFill>
+                <a:latin typeface="+mn-lt"/>
+                <a:ea typeface="+mn-ea"/>
+                <a:cs typeface="+mn-cs"/>
+              </a:defRPr>
+            </a:lvl6pPr>
+            <a:lvl7pPr marL="2971800" indent="-228600" algn="l" defTabSz="914400" rtl="0" eaLnBrk="1" latinLnBrk="0" hangingPunct="1">
+              <a:lnSpc>
+                <a:spcPct val="90000"/>
+              </a:lnSpc>
+              <a:spcBef>
+                <a:spcPct val="30000"/>
+              </a:spcBef>
+              <a:buFont typeface="Arial" panose="020B0604020202020204" pitchFamily="34" charset="0"/>
+              <a:buChar char="•"/>
+              <a:defRPr sz="1800" kern="1200">
+                <a:solidFill>
+                  <a:schemeClr val="tx1"/>
+                </a:solidFill>
+                <a:latin typeface="+mn-lt"/>
+                <a:ea typeface="+mn-ea"/>
+                <a:cs typeface="+mn-cs"/>
+              </a:defRPr>
+            </a:lvl7pPr>
+            <a:lvl8pPr marL="3429000" indent="-228600" algn="l" defTabSz="914400" rtl="0" eaLnBrk="1" latinLnBrk="0" hangingPunct="1">
+              <a:lnSpc>
+                <a:spcPct val="90000"/>
+              </a:lnSpc>
+              <a:spcBef>
+                <a:spcPct val="30000"/>
+              </a:spcBef>
+              <a:buFont typeface="Arial" panose="020B0604020202020204" pitchFamily="34" charset="0"/>
+              <a:buChar char="•"/>
+              <a:defRPr sz="1800" kern="1200">
+                <a:solidFill>
+                  <a:schemeClr val="tx1"/>
+                </a:solidFill>
+                <a:latin typeface="+mn-lt"/>
+                <a:ea typeface="+mn-ea"/>
+                <a:cs typeface="+mn-cs"/>
+              </a:defRPr>
+            </a:lvl8pPr>
+            <a:lvl9pPr marL="3886200" indent="-228600" algn="l" defTabSz="914400" rtl="0" eaLnBrk="1" latinLnBrk="0" hangingPunct="1">
+              <a:lnSpc>
+                <a:spcPct val="90000"/>
+              </a:lnSpc>
+              <a:spcBef>
+                <a:spcPct val="30000"/>
+              </a:spcBef>
+              <a:buFont typeface="Arial" panose="020B0604020202020204" pitchFamily="34" charset="0"/>
+              <a:buChar char="•"/>
+              <a:defRPr sz="1800" kern="1200">
+                <a:solidFill>
+                  <a:schemeClr val="tx1"/>
+                </a:solidFill>
+                <a:latin typeface="+mn-lt"/>
+                <a:ea typeface="+mn-ea"/>
+                <a:cs typeface="+mn-cs"/>
+              </a:defRPr>
+            </a:lvl9pPr>
+          </a:lstStyle>
+          <a:p>
+            <a:pPr marL="0" indent="0">
+              <a:spcAft>
+                <a:spcPts val="2000"/>
+              </a:spcAft>
+              <a:buNone/>
+            </a:pPr>
+            <a:endParaRPr lang="en-US" sz="1800" dirty="0">
+              <a:latin typeface="Segoe UI" panose="020B0502040204020203" pitchFamily="34" charset="0"/>
+              <a:cs typeface="Segoe UI" panose="020B0502040204020203" pitchFamily="34" charset="0"/>
+            </a:endParaRPr>
+          </a:p>
+        </p:txBody>
+      </p:sp>
+      <p:pic>
+        <p:nvPicPr>
           <p:cNvPr id="7" name="Picture 6" descr="Graphical user interface, text&#10;&#10;Description automatically generated">
             <a:extLst>
               <a:ext uri="{FF2B5EF4-FFF2-40B4-BE49-F238E27FC236}">
@@ -17626,7 +17957,7 @@
     </p:spTree>
     <p:extLst>
       <p:ext uri="{BB962C8B-B14F-4D97-AF65-F5344CB8AC3E}">
-        <p14:creationId xmlns:p14="http://schemas.microsoft.com/office/powerpoint/2010/main" val="3888437272"/>
+        <p14:creationId xmlns:p14="http://schemas.microsoft.com/office/powerpoint/2010/main" val="2350814908"/>
       </p:ext>
     </p:extLst>
   </p:cSld>
@@ -17636,7 +17967,420 @@
 </p:sld>
 </file>
 
-<file path=ppt/slides/slide31.xml><?xml version="1.0" encoding="utf-8"?>
+<file path=ppt/slides/slide32.xml><?xml version="1.0" encoding="utf-8"?>
+<p:sld xmlns:a="http://schemas.openxmlformats.org/drawingml/2006/main" xmlns:r="http://schemas.openxmlformats.org/officeDocument/2006/relationships" xmlns:p="http://schemas.openxmlformats.org/presentationml/2006/main">
+  <p:cSld>
+    <p:spTree>
+      <p:nvGrpSpPr>
+        <p:cNvPr id="1" name=""/>
+        <p:cNvGrpSpPr/>
+        <p:nvPr/>
+      </p:nvGrpSpPr>
+      <p:grpSpPr>
+        <a:xfrm>
+          <a:off x="0" y="0"/>
+          <a:ext cx="0" cy="0"/>
+          <a:chOff x="0" y="0"/>
+          <a:chExt cx="0" cy="0"/>
+        </a:xfrm>
+      </p:grpSpPr>
+      <p:sp>
+        <p:nvSpPr>
+          <p:cNvPr id="4" name="Title 3"/>
+          <p:cNvSpPr>
+            <a:spLocks noGrp="1"/>
+          </p:cNvSpPr>
+          <p:nvPr>
+            <p:ph type="title"/>
+          </p:nvPr>
+        </p:nvSpPr>
+        <p:spPr>
+          <a:xfrm>
+            <a:off x="541609" y="426301"/>
+            <a:ext cx="9869216" cy="749992"/>
+          </a:xfrm>
+        </p:spPr>
+        <p:txBody>
+          <a:bodyPr>
+            <a:noAutofit/>
+          </a:bodyPr>
+          <a:lstStyle/>
+          <a:p>
+            <a:r>
+              <a:rPr lang="en-US" sz="4000" dirty="0">
+                <a:latin typeface="Segoe UI Light" panose="020B0502040204020203" pitchFamily="34" charset="0"/>
+                <a:cs typeface="Segoe UI Light" panose="020B0502040204020203" pitchFamily="34" charset="0"/>
+              </a:rPr>
+              <a:t>Lifecycles</a:t>
+            </a:r>
+          </a:p>
+        </p:txBody>
+      </p:sp>
+      <p:sp>
+        <p:nvSpPr>
+          <p:cNvPr id="25" name="Content Placeholder 17"/>
+          <p:cNvSpPr txBox="1">
+            <a:spLocks/>
+          </p:cNvSpPr>
+          <p:nvPr/>
+        </p:nvSpPr>
+        <p:spPr>
+          <a:xfrm>
+            <a:off x="541609" y="1455491"/>
+            <a:ext cx="5110161" cy="471149"/>
+          </a:xfrm>
+          <a:prstGeom prst="rect">
+            <a:avLst/>
+          </a:prstGeom>
+        </p:spPr>
+        <p:txBody>
+          <a:bodyPr vert="horz" lIns="91440" tIns="45720" rIns="91440" bIns="45720" rtlCol="0">
+            <a:normAutofit/>
+          </a:bodyPr>
+          <a:lstStyle>
+            <a:lvl1pPr marL="228600" indent="-228600" algn="l" defTabSz="914400" rtl="0" eaLnBrk="1" latinLnBrk="0" hangingPunct="1">
+              <a:lnSpc>
+                <a:spcPts val="1800"/>
+              </a:lnSpc>
+              <a:spcBef>
+                <a:spcPts val="1000"/>
+              </a:spcBef>
+              <a:spcAft>
+                <a:spcPts val="1000"/>
+              </a:spcAft>
+              <a:buFont typeface="Arial" panose="020B0604020202020204" pitchFamily="34" charset="0"/>
+              <a:buChar char="•"/>
+              <a:defRPr lang="en-US" sz="1200" kern="1200" smtClean="0">
+                <a:solidFill>
+                  <a:schemeClr val="tx1">
+                    <a:lumMod val="75000"/>
+                    <a:lumOff val="25000"/>
+                  </a:schemeClr>
+                </a:solidFill>
+                <a:latin typeface="+mn-lt"/>
+                <a:ea typeface="+mn-ea"/>
+                <a:cs typeface="+mn-cs"/>
+              </a:defRPr>
+            </a:lvl1pPr>
+            <a:lvl2pPr marL="685800" indent="-228600" algn="l" defTabSz="914400" rtl="0" eaLnBrk="1" latinLnBrk="0" hangingPunct="1">
+              <a:lnSpc>
+                <a:spcPts val="1800"/>
+              </a:lnSpc>
+              <a:spcBef>
+                <a:spcPts val="1000"/>
+              </a:spcBef>
+              <a:spcAft>
+                <a:spcPts val="1000"/>
+              </a:spcAft>
+              <a:buFont typeface="Arial" panose="020B0604020202020204" pitchFamily="34" charset="0"/>
+              <a:buChar char="•"/>
+              <a:defRPr lang="en-US" sz="1200" kern="1200" smtClean="0">
+                <a:solidFill>
+                  <a:schemeClr val="tx1">
+                    <a:lumMod val="75000"/>
+                    <a:lumOff val="25000"/>
+                  </a:schemeClr>
+                </a:solidFill>
+                <a:latin typeface="+mn-lt"/>
+                <a:ea typeface="+mn-ea"/>
+                <a:cs typeface="+mn-cs"/>
+              </a:defRPr>
+            </a:lvl2pPr>
+            <a:lvl3pPr marL="1143000" indent="-228600" algn="l" defTabSz="914400" rtl="0" eaLnBrk="1" latinLnBrk="0" hangingPunct="1">
+              <a:lnSpc>
+                <a:spcPts val="1800"/>
+              </a:lnSpc>
+              <a:spcBef>
+                <a:spcPts val="1000"/>
+              </a:spcBef>
+              <a:spcAft>
+                <a:spcPts val="1000"/>
+              </a:spcAft>
+              <a:buFont typeface="Arial" panose="020B0604020202020204" pitchFamily="34" charset="0"/>
+              <a:buChar char="•"/>
+              <a:defRPr lang="en-US" sz="1200" kern="1200" smtClean="0">
+                <a:solidFill>
+                  <a:schemeClr val="tx1">
+                    <a:lumMod val="75000"/>
+                    <a:lumOff val="25000"/>
+                  </a:schemeClr>
+                </a:solidFill>
+                <a:latin typeface="+mn-lt"/>
+                <a:ea typeface="+mn-ea"/>
+                <a:cs typeface="+mn-cs"/>
+              </a:defRPr>
+            </a:lvl3pPr>
+            <a:lvl4pPr marL="1600200" indent="-228600" algn="l" defTabSz="914400" rtl="0" eaLnBrk="1" latinLnBrk="0" hangingPunct="1">
+              <a:lnSpc>
+                <a:spcPts val="1800"/>
+              </a:lnSpc>
+              <a:spcBef>
+                <a:spcPts val="1000"/>
+              </a:spcBef>
+              <a:spcAft>
+                <a:spcPts val="1000"/>
+              </a:spcAft>
+              <a:buFont typeface="Arial" panose="020B0604020202020204" pitchFamily="34" charset="0"/>
+              <a:buChar char="•"/>
+              <a:defRPr lang="en-US" sz="1200" kern="1200" smtClean="0">
+                <a:solidFill>
+                  <a:schemeClr val="tx1">
+                    <a:lumMod val="75000"/>
+                    <a:lumOff val="25000"/>
+                  </a:schemeClr>
+                </a:solidFill>
+                <a:latin typeface="+mn-lt"/>
+                <a:ea typeface="+mn-ea"/>
+                <a:cs typeface="+mn-cs"/>
+              </a:defRPr>
+            </a:lvl4pPr>
+            <a:lvl5pPr marL="2057400" indent="-228600" algn="l" defTabSz="914400" rtl="0" eaLnBrk="1" latinLnBrk="0" hangingPunct="1">
+              <a:lnSpc>
+                <a:spcPts val="1800"/>
+              </a:lnSpc>
+              <a:spcBef>
+                <a:spcPts val="1000"/>
+              </a:spcBef>
+              <a:spcAft>
+                <a:spcPts val="1000"/>
+              </a:spcAft>
+              <a:buFont typeface="Arial" panose="020B0604020202020204" pitchFamily="34" charset="0"/>
+              <a:buChar char="•"/>
+              <a:defRPr lang="en-US" sz="1200" kern="1200">
+                <a:solidFill>
+                  <a:schemeClr val="tx1">
+                    <a:lumMod val="75000"/>
+                    <a:lumOff val="25000"/>
+                  </a:schemeClr>
+                </a:solidFill>
+                <a:latin typeface="+mn-lt"/>
+                <a:ea typeface="+mn-ea"/>
+                <a:cs typeface="+mn-cs"/>
+              </a:defRPr>
+            </a:lvl5pPr>
+            <a:lvl6pPr marL="2514600" indent="-228600" algn="l" defTabSz="914400" rtl="0" eaLnBrk="1" latinLnBrk="0" hangingPunct="1">
+              <a:lnSpc>
+                <a:spcPct val="90000"/>
+              </a:lnSpc>
+              <a:spcBef>
+                <a:spcPct val="30000"/>
+              </a:spcBef>
+              <a:buFont typeface="Arial" panose="020B0604020202020204" pitchFamily="34" charset="0"/>
+              <a:buChar char="•"/>
+              <a:defRPr sz="1800" kern="1200">
+                <a:solidFill>
+                  <a:schemeClr val="tx1"/>
+                </a:solidFill>
+                <a:latin typeface="+mn-lt"/>
+                <a:ea typeface="+mn-ea"/>
+                <a:cs typeface="+mn-cs"/>
+              </a:defRPr>
+            </a:lvl6pPr>
+            <a:lvl7pPr marL="2971800" indent="-228600" algn="l" defTabSz="914400" rtl="0" eaLnBrk="1" latinLnBrk="0" hangingPunct="1">
+              <a:lnSpc>
+                <a:spcPct val="90000"/>
+              </a:lnSpc>
+              <a:spcBef>
+                <a:spcPct val="30000"/>
+              </a:spcBef>
+              <a:buFont typeface="Arial" panose="020B0604020202020204" pitchFamily="34" charset="0"/>
+              <a:buChar char="•"/>
+              <a:defRPr sz="1800" kern="1200">
+                <a:solidFill>
+                  <a:schemeClr val="tx1"/>
+                </a:solidFill>
+                <a:latin typeface="+mn-lt"/>
+                <a:ea typeface="+mn-ea"/>
+                <a:cs typeface="+mn-cs"/>
+              </a:defRPr>
+            </a:lvl7pPr>
+            <a:lvl8pPr marL="3429000" indent="-228600" algn="l" defTabSz="914400" rtl="0" eaLnBrk="1" latinLnBrk="0" hangingPunct="1">
+              <a:lnSpc>
+                <a:spcPct val="90000"/>
+              </a:lnSpc>
+              <a:spcBef>
+                <a:spcPct val="30000"/>
+              </a:spcBef>
+              <a:buFont typeface="Arial" panose="020B0604020202020204" pitchFamily="34" charset="0"/>
+              <a:buChar char="•"/>
+              <a:defRPr sz="1800" kern="1200">
+                <a:solidFill>
+                  <a:schemeClr val="tx1"/>
+                </a:solidFill>
+                <a:latin typeface="+mn-lt"/>
+                <a:ea typeface="+mn-ea"/>
+                <a:cs typeface="+mn-cs"/>
+              </a:defRPr>
+            </a:lvl8pPr>
+            <a:lvl9pPr marL="3886200" indent="-228600" algn="l" defTabSz="914400" rtl="0" eaLnBrk="1" latinLnBrk="0" hangingPunct="1">
+              <a:lnSpc>
+                <a:spcPct val="90000"/>
+              </a:lnSpc>
+              <a:spcBef>
+                <a:spcPct val="30000"/>
+              </a:spcBef>
+              <a:buFont typeface="Arial" panose="020B0604020202020204" pitchFamily="34" charset="0"/>
+              <a:buChar char="•"/>
+              <a:defRPr sz="1800" kern="1200">
+                <a:solidFill>
+                  <a:schemeClr val="tx1"/>
+                </a:solidFill>
+                <a:latin typeface="+mn-lt"/>
+                <a:ea typeface="+mn-ea"/>
+                <a:cs typeface="+mn-cs"/>
+              </a:defRPr>
+            </a:lvl9pPr>
+          </a:lstStyle>
+          <a:p>
+            <a:pPr marL="0" indent="0">
+              <a:spcAft>
+                <a:spcPts val="2000"/>
+              </a:spcAft>
+              <a:buNone/>
+            </a:pPr>
+            <a:endParaRPr lang="en-US" sz="1800" dirty="0">
+              <a:latin typeface="Segoe UI" panose="020B0502040204020203" pitchFamily="34" charset="0"/>
+              <a:cs typeface="Segoe UI" panose="020B0502040204020203" pitchFamily="34" charset="0"/>
+            </a:endParaRPr>
+          </a:p>
+        </p:txBody>
+      </p:sp>
+      <p:pic>
+        <p:nvPicPr>
+          <p:cNvPr id="11" name="Picture 10" descr="A screenshot of a social media post&#10;&#10;Description automatically generated">
+            <a:extLst>
+              <a:ext uri="{FF2B5EF4-FFF2-40B4-BE49-F238E27FC236}">
+                <a16:creationId xmlns:a16="http://schemas.microsoft.com/office/drawing/2014/main" id="{4E7A3A2C-7C3E-4967-A116-9E637F7C3D69}"/>
+              </a:ext>
+            </a:extLst>
+          </p:cNvPr>
+          <p:cNvPicPr/>
+          <p:nvPr/>
+        </p:nvPicPr>
+        <p:blipFill>
+          <a:blip r:embed="rId2">
+            <a:extLst>
+              <a:ext uri="{28A0092B-C50C-407E-A947-70E740481C1C}">
+                <a14:useLocalDpi xmlns:a14="http://schemas.microsoft.com/office/drawing/2010/main" val="0"/>
+              </a:ext>
+            </a:extLst>
+          </a:blip>
+          <a:stretch>
+            <a:fillRect/>
+          </a:stretch>
+        </p:blipFill>
+        <p:spPr>
+          <a:xfrm>
+            <a:off x="1262107" y="1455491"/>
+            <a:ext cx="9440727" cy="4978899"/>
+          </a:xfrm>
+          <a:prstGeom prst="rect">
+            <a:avLst/>
+          </a:prstGeom>
+        </p:spPr>
+      </p:pic>
+      <p:sp>
+        <p:nvSpPr>
+          <p:cNvPr id="2" name="Arrow: Right 1">
+            <a:extLst>
+              <a:ext uri="{FF2B5EF4-FFF2-40B4-BE49-F238E27FC236}">
+                <a16:creationId xmlns:a16="http://schemas.microsoft.com/office/drawing/2014/main" id="{5A48B060-CB9A-4DA7-904D-8CD40306B3E3}"/>
+              </a:ext>
+            </a:extLst>
+          </p:cNvPr>
+          <p:cNvSpPr/>
+          <p:nvPr/>
+        </p:nvSpPr>
+        <p:spPr>
+          <a:xfrm>
+            <a:off x="541609" y="5677988"/>
+            <a:ext cx="1095602" cy="261257"/>
+          </a:xfrm>
+          <a:prstGeom prst="rightArrow">
+            <a:avLst/>
+          </a:prstGeom>
+          <a:solidFill>
+            <a:srgbClr val="FF0000"/>
+          </a:solidFill>
+        </p:spPr>
+        <p:style>
+          <a:lnRef idx="2">
+            <a:schemeClr val="accent1">
+              <a:shade val="50000"/>
+            </a:schemeClr>
+          </a:lnRef>
+          <a:fillRef idx="1">
+            <a:schemeClr val="accent1"/>
+          </a:fillRef>
+          <a:effectRef idx="0">
+            <a:schemeClr val="accent1"/>
+          </a:effectRef>
+          <a:fontRef idx="minor">
+            <a:schemeClr val="lt1"/>
+          </a:fontRef>
+        </p:style>
+        <p:txBody>
+          <a:bodyPr rtlCol="0" anchor="ctr"/>
+          <a:lstStyle/>
+          <a:p>
+            <a:pPr algn="ctr"/>
+            <a:endParaRPr lang="en-GB"/>
+          </a:p>
+        </p:txBody>
+      </p:sp>
+      <p:sp>
+        <p:nvSpPr>
+          <p:cNvPr id="3" name="TextBox 2">
+            <a:extLst>
+              <a:ext uri="{FF2B5EF4-FFF2-40B4-BE49-F238E27FC236}">
+                <a16:creationId xmlns:a16="http://schemas.microsoft.com/office/drawing/2014/main" id="{704165E5-CEA7-4660-9AFC-4E9CB65F045F}"/>
+              </a:ext>
+            </a:extLst>
+          </p:cNvPr>
+          <p:cNvSpPr txBox="1"/>
+          <p:nvPr/>
+        </p:nvSpPr>
+        <p:spPr>
+          <a:xfrm>
+            <a:off x="354057" y="5963585"/>
+            <a:ext cx="1875337" cy="369332"/>
+          </a:xfrm>
+          <a:prstGeom prst="rect">
+            <a:avLst/>
+          </a:prstGeom>
+          <a:noFill/>
+        </p:spPr>
+        <p:txBody>
+          <a:bodyPr wrap="square" rtlCol="0">
+            <a:spAutoFit/>
+          </a:bodyPr>
+          <a:lstStyle/>
+          <a:p>
+            <a:r>
+              <a:rPr lang="en-GB" dirty="0">
+                <a:solidFill>
+                  <a:srgbClr val="FF0000"/>
+                </a:solidFill>
+              </a:rPr>
+              <a:t>Seldom used…</a:t>
+            </a:r>
+          </a:p>
+        </p:txBody>
+      </p:sp>
+    </p:spTree>
+    <p:extLst>
+      <p:ext uri="{BB962C8B-B14F-4D97-AF65-F5344CB8AC3E}">
+        <p14:creationId xmlns:p14="http://schemas.microsoft.com/office/powerpoint/2010/main" val="3745728171"/>
+      </p:ext>
+    </p:extLst>
+  </p:cSld>
+  <p:clrMapOvr>
+    <a:masterClrMapping/>
+  </p:clrMapOvr>
+</p:sld>
+</file>
+
+<file path=ppt/slides/slide33.xml><?xml version="1.0" encoding="utf-8"?>
 <p:sld xmlns:a="http://schemas.openxmlformats.org/drawingml/2006/main" xmlns:r="http://schemas.openxmlformats.org/officeDocument/2006/relationships" xmlns:p="http://schemas.openxmlformats.org/presentationml/2006/main">
   <p:cSld>
     <p:spTree>
@@ -18145,29 +18889,8 @@
                 <a:latin typeface="Segoe UI Light" panose="020B0502040204020203" pitchFamily="34" charset="0"/>
                 <a:cs typeface="Segoe UI Light" panose="020B0502040204020203" pitchFamily="34" charset="0"/>
               </a:rPr>
-              <a:t>Google 20,000</a:t>
+              <a:t>Google 20,000+, GitHub</a:t>
             </a:r>
-            <a:r>
-              <a:rPr lang="en-GB" sz="3800">
-                <a:solidFill>
-                  <a:schemeClr val="bg2">
-                    <a:lumMod val="25000"/>
-                  </a:schemeClr>
-                </a:solidFill>
-                <a:latin typeface="Segoe UI Light" panose="020B0502040204020203" pitchFamily="34" charset="0"/>
-                <a:cs typeface="Segoe UI Light" panose="020B0502040204020203" pitchFamily="34" charset="0"/>
-              </a:rPr>
-              <a:t>+, GitHub</a:t>
-            </a:r>
-            <a:endParaRPr lang="en-GB" sz="3800" dirty="0">
-              <a:solidFill>
-                <a:schemeClr val="bg2">
-                  <a:lumMod val="25000"/>
-                </a:schemeClr>
-              </a:solidFill>
-              <a:latin typeface="Segoe UI Light" panose="020B0502040204020203" pitchFamily="34" charset="0"/>
-              <a:cs typeface="Segoe UI Light" panose="020B0502040204020203" pitchFamily="34" charset="0"/>
-            </a:endParaRPr>
           </a:p>
           <a:p>
             <a:pPr lvl="1">
@@ -18469,840 +19192,6 @@
 </p:sld>
 </file>
 
-<file path=ppt/slides/slide32.xml><?xml version="1.0" encoding="utf-8"?>
-<p:sld xmlns:a="http://schemas.openxmlformats.org/drawingml/2006/main" xmlns:r="http://schemas.openxmlformats.org/officeDocument/2006/relationships" xmlns:p="http://schemas.openxmlformats.org/presentationml/2006/main">
-  <p:cSld>
-    <p:spTree>
-      <p:nvGrpSpPr>
-        <p:cNvPr id="1" name=""/>
-        <p:cNvGrpSpPr/>
-        <p:nvPr/>
-      </p:nvGrpSpPr>
-      <p:grpSpPr>
-        <a:xfrm>
-          <a:off x="0" y="0"/>
-          <a:ext cx="0" cy="0"/>
-          <a:chOff x="0" y="0"/>
-          <a:chExt cx="0" cy="0"/>
-        </a:xfrm>
-      </p:grpSpPr>
-      <p:sp>
-        <p:nvSpPr>
-          <p:cNvPr id="4" name="Title 3"/>
-          <p:cNvSpPr>
-            <a:spLocks noGrp="1"/>
-          </p:cNvSpPr>
-          <p:nvPr>
-            <p:ph type="title"/>
-          </p:nvPr>
-        </p:nvSpPr>
-        <p:spPr>
-          <a:xfrm>
-            <a:off x="541609" y="426301"/>
-            <a:ext cx="8578726" cy="749992"/>
-          </a:xfrm>
-        </p:spPr>
-        <p:txBody>
-          <a:bodyPr>
-            <a:noAutofit/>
-          </a:bodyPr>
-          <a:lstStyle/>
-          <a:p>
-            <a:r>
-              <a:rPr lang="en-US" sz="4000" dirty="0">
-                <a:latin typeface="Segoe UI Light" panose="020B0502040204020203" pitchFamily="34" charset="0"/>
-                <a:cs typeface="Segoe UI Light" panose="020B0502040204020203" pitchFamily="34" charset="0"/>
-              </a:rPr>
-              <a:t>Types of Web Components</a:t>
-            </a:r>
-          </a:p>
-        </p:txBody>
-      </p:sp>
-      <p:sp>
-        <p:nvSpPr>
-          <p:cNvPr id="25" name="Content Placeholder 17"/>
-          <p:cNvSpPr txBox="1">
-            <a:spLocks/>
-          </p:cNvSpPr>
-          <p:nvPr/>
-        </p:nvSpPr>
-        <p:spPr>
-          <a:xfrm>
-            <a:off x="678427" y="1330374"/>
-            <a:ext cx="5110161" cy="471149"/>
-          </a:xfrm>
-          <a:prstGeom prst="rect">
-            <a:avLst/>
-          </a:prstGeom>
-        </p:spPr>
-        <p:txBody>
-          <a:bodyPr vert="horz" lIns="91440" tIns="45720" rIns="91440" bIns="45720" rtlCol="0">
-            <a:normAutofit/>
-          </a:bodyPr>
-          <a:lstStyle>
-            <a:lvl1pPr marL="228600" indent="-228600" algn="l" defTabSz="914400" rtl="0" eaLnBrk="1" latinLnBrk="0" hangingPunct="1">
-              <a:lnSpc>
-                <a:spcPts val="1800"/>
-              </a:lnSpc>
-              <a:spcBef>
-                <a:spcPts val="1000"/>
-              </a:spcBef>
-              <a:spcAft>
-                <a:spcPts val="1000"/>
-              </a:spcAft>
-              <a:buFont typeface="Arial" panose="020B0604020202020204" pitchFamily="34" charset="0"/>
-              <a:buChar char="•"/>
-              <a:defRPr lang="en-US" sz="1200" kern="1200" smtClean="0">
-                <a:solidFill>
-                  <a:schemeClr val="tx1">
-                    <a:lumMod val="75000"/>
-                    <a:lumOff val="25000"/>
-                  </a:schemeClr>
-                </a:solidFill>
-                <a:latin typeface="+mn-lt"/>
-                <a:ea typeface="+mn-ea"/>
-                <a:cs typeface="+mn-cs"/>
-              </a:defRPr>
-            </a:lvl1pPr>
-            <a:lvl2pPr marL="685800" indent="-228600" algn="l" defTabSz="914400" rtl="0" eaLnBrk="1" latinLnBrk="0" hangingPunct="1">
-              <a:lnSpc>
-                <a:spcPts val="1800"/>
-              </a:lnSpc>
-              <a:spcBef>
-                <a:spcPts val="1000"/>
-              </a:spcBef>
-              <a:spcAft>
-                <a:spcPts val="1000"/>
-              </a:spcAft>
-              <a:buFont typeface="Arial" panose="020B0604020202020204" pitchFamily="34" charset="0"/>
-              <a:buChar char="•"/>
-              <a:defRPr lang="en-US" sz="1200" kern="1200" smtClean="0">
-                <a:solidFill>
-                  <a:schemeClr val="tx1">
-                    <a:lumMod val="75000"/>
-                    <a:lumOff val="25000"/>
-                  </a:schemeClr>
-                </a:solidFill>
-                <a:latin typeface="+mn-lt"/>
-                <a:ea typeface="+mn-ea"/>
-                <a:cs typeface="+mn-cs"/>
-              </a:defRPr>
-            </a:lvl2pPr>
-            <a:lvl3pPr marL="1143000" indent="-228600" algn="l" defTabSz="914400" rtl="0" eaLnBrk="1" latinLnBrk="0" hangingPunct="1">
-              <a:lnSpc>
-                <a:spcPts val="1800"/>
-              </a:lnSpc>
-              <a:spcBef>
-                <a:spcPts val="1000"/>
-              </a:spcBef>
-              <a:spcAft>
-                <a:spcPts val="1000"/>
-              </a:spcAft>
-              <a:buFont typeface="Arial" panose="020B0604020202020204" pitchFamily="34" charset="0"/>
-              <a:buChar char="•"/>
-              <a:defRPr lang="en-US" sz="1200" kern="1200" smtClean="0">
-                <a:solidFill>
-                  <a:schemeClr val="tx1">
-                    <a:lumMod val="75000"/>
-                    <a:lumOff val="25000"/>
-                  </a:schemeClr>
-                </a:solidFill>
-                <a:latin typeface="+mn-lt"/>
-                <a:ea typeface="+mn-ea"/>
-                <a:cs typeface="+mn-cs"/>
-              </a:defRPr>
-            </a:lvl3pPr>
-            <a:lvl4pPr marL="1600200" indent="-228600" algn="l" defTabSz="914400" rtl="0" eaLnBrk="1" latinLnBrk="0" hangingPunct="1">
-              <a:lnSpc>
-                <a:spcPts val="1800"/>
-              </a:lnSpc>
-              <a:spcBef>
-                <a:spcPts val="1000"/>
-              </a:spcBef>
-              <a:spcAft>
-                <a:spcPts val="1000"/>
-              </a:spcAft>
-              <a:buFont typeface="Arial" panose="020B0604020202020204" pitchFamily="34" charset="0"/>
-              <a:buChar char="•"/>
-              <a:defRPr lang="en-US" sz="1200" kern="1200" smtClean="0">
-                <a:solidFill>
-                  <a:schemeClr val="tx1">
-                    <a:lumMod val="75000"/>
-                    <a:lumOff val="25000"/>
-                  </a:schemeClr>
-                </a:solidFill>
-                <a:latin typeface="+mn-lt"/>
-                <a:ea typeface="+mn-ea"/>
-                <a:cs typeface="+mn-cs"/>
-              </a:defRPr>
-            </a:lvl4pPr>
-            <a:lvl5pPr marL="2057400" indent="-228600" algn="l" defTabSz="914400" rtl="0" eaLnBrk="1" latinLnBrk="0" hangingPunct="1">
-              <a:lnSpc>
-                <a:spcPts val="1800"/>
-              </a:lnSpc>
-              <a:spcBef>
-                <a:spcPts val="1000"/>
-              </a:spcBef>
-              <a:spcAft>
-                <a:spcPts val="1000"/>
-              </a:spcAft>
-              <a:buFont typeface="Arial" panose="020B0604020202020204" pitchFamily="34" charset="0"/>
-              <a:buChar char="•"/>
-              <a:defRPr lang="en-US" sz="1200" kern="1200">
-                <a:solidFill>
-                  <a:schemeClr val="tx1">
-                    <a:lumMod val="75000"/>
-                    <a:lumOff val="25000"/>
-                  </a:schemeClr>
-                </a:solidFill>
-                <a:latin typeface="+mn-lt"/>
-                <a:ea typeface="+mn-ea"/>
-                <a:cs typeface="+mn-cs"/>
-              </a:defRPr>
-            </a:lvl5pPr>
-            <a:lvl6pPr marL="2514600" indent="-228600" algn="l" defTabSz="914400" rtl="0" eaLnBrk="1" latinLnBrk="0" hangingPunct="1">
-              <a:lnSpc>
-                <a:spcPct val="90000"/>
-              </a:lnSpc>
-              <a:spcBef>
-                <a:spcPct val="30000"/>
-              </a:spcBef>
-              <a:buFont typeface="Arial" panose="020B0604020202020204" pitchFamily="34" charset="0"/>
-              <a:buChar char="•"/>
-              <a:defRPr sz="1800" kern="1200">
-                <a:solidFill>
-                  <a:schemeClr val="tx1"/>
-                </a:solidFill>
-                <a:latin typeface="+mn-lt"/>
-                <a:ea typeface="+mn-ea"/>
-                <a:cs typeface="+mn-cs"/>
-              </a:defRPr>
-            </a:lvl6pPr>
-            <a:lvl7pPr marL="2971800" indent="-228600" algn="l" defTabSz="914400" rtl="0" eaLnBrk="1" latinLnBrk="0" hangingPunct="1">
-              <a:lnSpc>
-                <a:spcPct val="90000"/>
-              </a:lnSpc>
-              <a:spcBef>
-                <a:spcPct val="30000"/>
-              </a:spcBef>
-              <a:buFont typeface="Arial" panose="020B0604020202020204" pitchFamily="34" charset="0"/>
-              <a:buChar char="•"/>
-              <a:defRPr sz="1800" kern="1200">
-                <a:solidFill>
-                  <a:schemeClr val="tx1"/>
-                </a:solidFill>
-                <a:latin typeface="+mn-lt"/>
-                <a:ea typeface="+mn-ea"/>
-                <a:cs typeface="+mn-cs"/>
-              </a:defRPr>
-            </a:lvl7pPr>
-            <a:lvl8pPr marL="3429000" indent="-228600" algn="l" defTabSz="914400" rtl="0" eaLnBrk="1" latinLnBrk="0" hangingPunct="1">
-              <a:lnSpc>
-                <a:spcPct val="90000"/>
-              </a:lnSpc>
-              <a:spcBef>
-                <a:spcPct val="30000"/>
-              </a:spcBef>
-              <a:buFont typeface="Arial" panose="020B0604020202020204" pitchFamily="34" charset="0"/>
-              <a:buChar char="•"/>
-              <a:defRPr sz="1800" kern="1200">
-                <a:solidFill>
-                  <a:schemeClr val="tx1"/>
-                </a:solidFill>
-                <a:latin typeface="+mn-lt"/>
-                <a:ea typeface="+mn-ea"/>
-                <a:cs typeface="+mn-cs"/>
-              </a:defRPr>
-            </a:lvl8pPr>
-            <a:lvl9pPr marL="3886200" indent="-228600" algn="l" defTabSz="914400" rtl="0" eaLnBrk="1" latinLnBrk="0" hangingPunct="1">
-              <a:lnSpc>
-                <a:spcPct val="90000"/>
-              </a:lnSpc>
-              <a:spcBef>
-                <a:spcPct val="30000"/>
-              </a:spcBef>
-              <a:buFont typeface="Arial" panose="020B0604020202020204" pitchFamily="34" charset="0"/>
-              <a:buChar char="•"/>
-              <a:defRPr sz="1800" kern="1200">
-                <a:solidFill>
-                  <a:schemeClr val="tx1"/>
-                </a:solidFill>
-                <a:latin typeface="+mn-lt"/>
-                <a:ea typeface="+mn-ea"/>
-                <a:cs typeface="+mn-cs"/>
-              </a:defRPr>
-            </a:lvl9pPr>
-          </a:lstStyle>
-          <a:p>
-            <a:pPr marL="0" indent="0">
-              <a:spcAft>
-                <a:spcPts val="2000"/>
-              </a:spcAft>
-              <a:buNone/>
-            </a:pPr>
-            <a:endParaRPr lang="en-US" sz="1800" dirty="0">
-              <a:latin typeface="Segoe UI" panose="020B0502040204020203" pitchFamily="34" charset="0"/>
-              <a:cs typeface="Segoe UI" panose="020B0502040204020203" pitchFamily="34" charset="0"/>
-            </a:endParaRPr>
-          </a:p>
-        </p:txBody>
-      </p:sp>
-      <p:sp>
-        <p:nvSpPr>
-          <p:cNvPr id="8" name="TextBox 7">
-            <a:extLst>
-              <a:ext uri="{FF2B5EF4-FFF2-40B4-BE49-F238E27FC236}">
-                <a16:creationId xmlns:a16="http://schemas.microsoft.com/office/drawing/2014/main" id="{D4329088-EA16-420B-B145-A30265C6D3B4}"/>
-              </a:ext>
-            </a:extLst>
-          </p:cNvPr>
-          <p:cNvSpPr txBox="1"/>
-          <p:nvPr/>
-        </p:nvSpPr>
-        <p:spPr>
-          <a:xfrm>
-            <a:off x="541609" y="1691065"/>
-            <a:ext cx="10971964" cy="4185761"/>
-          </a:xfrm>
-          <a:prstGeom prst="rect">
-            <a:avLst/>
-          </a:prstGeom>
-          <a:noFill/>
-        </p:spPr>
-        <p:txBody>
-          <a:bodyPr wrap="square">
-            <a:spAutoFit/>
-          </a:bodyPr>
-          <a:lstStyle/>
-          <a:p>
-            <a:pPr marL="457200" lvl="1" indent="0">
-              <a:buNone/>
-            </a:pPr>
-            <a:r>
-              <a:rPr lang="en-GB" sz="3800" dirty="0">
-                <a:solidFill>
-                  <a:schemeClr val="bg2">
-                    <a:lumMod val="25000"/>
-                  </a:schemeClr>
-                </a:solidFill>
-                <a:latin typeface="Segoe UI Light" panose="020B0502040204020203" pitchFamily="34" charset="0"/>
-                <a:cs typeface="Segoe UI Light" panose="020B0502040204020203" pitchFamily="34" charset="0"/>
-              </a:rPr>
-              <a:t>These are only limited by our use of JS as they are regular JS components.</a:t>
-            </a:r>
-          </a:p>
-          <a:p>
-            <a:pPr marL="457200" lvl="1" indent="0">
-              <a:buNone/>
-            </a:pPr>
-            <a:endParaRPr lang="en-GB" sz="3800" dirty="0">
-              <a:solidFill>
-                <a:schemeClr val="bg2">
-                  <a:lumMod val="25000"/>
-                </a:schemeClr>
-              </a:solidFill>
-              <a:latin typeface="Segoe UI Light" panose="020B0502040204020203" pitchFamily="34" charset="0"/>
-              <a:cs typeface="Segoe UI Light" panose="020B0502040204020203" pitchFamily="34" charset="0"/>
-            </a:endParaRPr>
-          </a:p>
-          <a:p>
-            <a:pPr marL="457200" lvl="1" indent="0">
-              <a:buNone/>
-            </a:pPr>
-            <a:r>
-              <a:rPr lang="en-GB" sz="3800" dirty="0">
-                <a:solidFill>
-                  <a:schemeClr val="bg2">
-                    <a:lumMod val="25000"/>
-                  </a:schemeClr>
-                </a:solidFill>
-                <a:latin typeface="Segoe UI Light" panose="020B0502040204020203" pitchFamily="34" charset="0"/>
-                <a:cs typeface="Segoe UI Light" panose="020B0502040204020203" pitchFamily="34" charset="0"/>
-              </a:rPr>
-              <a:t>We will look at couple of UI components and many more highly functional components that have built in functionality…</a:t>
-            </a:r>
-          </a:p>
-          <a:p>
-            <a:pPr marL="457200" lvl="1" indent="0">
-              <a:buNone/>
-            </a:pPr>
-            <a:endParaRPr lang="en-GB" sz="3800" dirty="0">
-              <a:solidFill>
-                <a:schemeClr val="bg2">
-                  <a:lumMod val="25000"/>
-                </a:schemeClr>
-              </a:solidFill>
-              <a:latin typeface="Segoe UI Light" panose="020B0502040204020203" pitchFamily="34" charset="0"/>
-              <a:cs typeface="Segoe UI Light" panose="020B0502040204020203" pitchFamily="34" charset="0"/>
-            </a:endParaRPr>
-          </a:p>
-        </p:txBody>
-      </p:sp>
-    </p:spTree>
-    <p:extLst>
-      <p:ext uri="{BB962C8B-B14F-4D97-AF65-F5344CB8AC3E}">
-        <p14:creationId xmlns:p14="http://schemas.microsoft.com/office/powerpoint/2010/main" val="2010978496"/>
-      </p:ext>
-    </p:extLst>
-  </p:cSld>
-  <p:clrMapOvr>
-    <a:masterClrMapping/>
-  </p:clrMapOvr>
-</p:sld>
-</file>
-
-<file path=ppt/slides/slide33.xml><?xml version="1.0" encoding="utf-8"?>
-<p:sld xmlns:a="http://schemas.openxmlformats.org/drawingml/2006/main" xmlns:r="http://schemas.openxmlformats.org/officeDocument/2006/relationships" xmlns:p="http://schemas.openxmlformats.org/presentationml/2006/main">
-  <p:cSld>
-    <p:spTree>
-      <p:nvGrpSpPr>
-        <p:cNvPr id="1" name=""/>
-        <p:cNvGrpSpPr/>
-        <p:nvPr/>
-      </p:nvGrpSpPr>
-      <p:grpSpPr>
-        <a:xfrm>
-          <a:off x="0" y="0"/>
-          <a:ext cx="0" cy="0"/>
-          <a:chOff x="0" y="0"/>
-          <a:chExt cx="0" cy="0"/>
-        </a:xfrm>
-      </p:grpSpPr>
-      <p:sp>
-        <p:nvSpPr>
-          <p:cNvPr id="4" name="Title 3"/>
-          <p:cNvSpPr>
-            <a:spLocks noGrp="1"/>
-          </p:cNvSpPr>
-          <p:nvPr>
-            <p:ph type="title"/>
-          </p:nvPr>
-        </p:nvSpPr>
-        <p:spPr>
-          <a:xfrm>
-            <a:off x="541609" y="426301"/>
-            <a:ext cx="8578726" cy="749992"/>
-          </a:xfrm>
-        </p:spPr>
-        <p:txBody>
-          <a:bodyPr>
-            <a:noAutofit/>
-          </a:bodyPr>
-          <a:lstStyle/>
-          <a:p>
-            <a:r>
-              <a:rPr lang="en-US" sz="4000" dirty="0">
-                <a:latin typeface="Segoe UI Light" panose="020B0502040204020203" pitchFamily="34" charset="0"/>
-                <a:cs typeface="Segoe UI Light" panose="020B0502040204020203" pitchFamily="34" charset="0"/>
-              </a:rPr>
-              <a:t>Types of Web Components</a:t>
-            </a:r>
-          </a:p>
-        </p:txBody>
-      </p:sp>
-      <p:sp>
-        <p:nvSpPr>
-          <p:cNvPr id="25" name="Content Placeholder 17"/>
-          <p:cNvSpPr txBox="1">
-            <a:spLocks/>
-          </p:cNvSpPr>
-          <p:nvPr/>
-        </p:nvSpPr>
-        <p:spPr>
-          <a:xfrm>
-            <a:off x="541609" y="1455491"/>
-            <a:ext cx="5110161" cy="471149"/>
-          </a:xfrm>
-          <a:prstGeom prst="rect">
-            <a:avLst/>
-          </a:prstGeom>
-        </p:spPr>
-        <p:txBody>
-          <a:bodyPr vert="horz" lIns="91440" tIns="45720" rIns="91440" bIns="45720" rtlCol="0">
-            <a:normAutofit/>
-          </a:bodyPr>
-          <a:lstStyle>
-            <a:lvl1pPr marL="228600" indent="-228600" algn="l" defTabSz="914400" rtl="0" eaLnBrk="1" latinLnBrk="0" hangingPunct="1">
-              <a:lnSpc>
-                <a:spcPts val="1800"/>
-              </a:lnSpc>
-              <a:spcBef>
-                <a:spcPts val="1000"/>
-              </a:spcBef>
-              <a:spcAft>
-                <a:spcPts val="1000"/>
-              </a:spcAft>
-              <a:buFont typeface="Arial" panose="020B0604020202020204" pitchFamily="34" charset="0"/>
-              <a:buChar char="•"/>
-              <a:defRPr lang="en-US" sz="1200" kern="1200" smtClean="0">
-                <a:solidFill>
-                  <a:schemeClr val="tx1">
-                    <a:lumMod val="75000"/>
-                    <a:lumOff val="25000"/>
-                  </a:schemeClr>
-                </a:solidFill>
-                <a:latin typeface="+mn-lt"/>
-                <a:ea typeface="+mn-ea"/>
-                <a:cs typeface="+mn-cs"/>
-              </a:defRPr>
-            </a:lvl1pPr>
-            <a:lvl2pPr marL="685800" indent="-228600" algn="l" defTabSz="914400" rtl="0" eaLnBrk="1" latinLnBrk="0" hangingPunct="1">
-              <a:lnSpc>
-                <a:spcPts val="1800"/>
-              </a:lnSpc>
-              <a:spcBef>
-                <a:spcPts val="1000"/>
-              </a:spcBef>
-              <a:spcAft>
-                <a:spcPts val="1000"/>
-              </a:spcAft>
-              <a:buFont typeface="Arial" panose="020B0604020202020204" pitchFamily="34" charset="0"/>
-              <a:buChar char="•"/>
-              <a:defRPr lang="en-US" sz="1200" kern="1200" smtClean="0">
-                <a:solidFill>
-                  <a:schemeClr val="tx1">
-                    <a:lumMod val="75000"/>
-                    <a:lumOff val="25000"/>
-                  </a:schemeClr>
-                </a:solidFill>
-                <a:latin typeface="+mn-lt"/>
-                <a:ea typeface="+mn-ea"/>
-                <a:cs typeface="+mn-cs"/>
-              </a:defRPr>
-            </a:lvl2pPr>
-            <a:lvl3pPr marL="1143000" indent="-228600" algn="l" defTabSz="914400" rtl="0" eaLnBrk="1" latinLnBrk="0" hangingPunct="1">
-              <a:lnSpc>
-                <a:spcPts val="1800"/>
-              </a:lnSpc>
-              <a:spcBef>
-                <a:spcPts val="1000"/>
-              </a:spcBef>
-              <a:spcAft>
-                <a:spcPts val="1000"/>
-              </a:spcAft>
-              <a:buFont typeface="Arial" panose="020B0604020202020204" pitchFamily="34" charset="0"/>
-              <a:buChar char="•"/>
-              <a:defRPr lang="en-US" sz="1200" kern="1200" smtClean="0">
-                <a:solidFill>
-                  <a:schemeClr val="tx1">
-                    <a:lumMod val="75000"/>
-                    <a:lumOff val="25000"/>
-                  </a:schemeClr>
-                </a:solidFill>
-                <a:latin typeface="+mn-lt"/>
-                <a:ea typeface="+mn-ea"/>
-                <a:cs typeface="+mn-cs"/>
-              </a:defRPr>
-            </a:lvl3pPr>
-            <a:lvl4pPr marL="1600200" indent="-228600" algn="l" defTabSz="914400" rtl="0" eaLnBrk="1" latinLnBrk="0" hangingPunct="1">
-              <a:lnSpc>
-                <a:spcPts val="1800"/>
-              </a:lnSpc>
-              <a:spcBef>
-                <a:spcPts val="1000"/>
-              </a:spcBef>
-              <a:spcAft>
-                <a:spcPts val="1000"/>
-              </a:spcAft>
-              <a:buFont typeface="Arial" panose="020B0604020202020204" pitchFamily="34" charset="0"/>
-              <a:buChar char="•"/>
-              <a:defRPr lang="en-US" sz="1200" kern="1200" smtClean="0">
-                <a:solidFill>
-                  <a:schemeClr val="tx1">
-                    <a:lumMod val="75000"/>
-                    <a:lumOff val="25000"/>
-                  </a:schemeClr>
-                </a:solidFill>
-                <a:latin typeface="+mn-lt"/>
-                <a:ea typeface="+mn-ea"/>
-                <a:cs typeface="+mn-cs"/>
-              </a:defRPr>
-            </a:lvl4pPr>
-            <a:lvl5pPr marL="2057400" indent="-228600" algn="l" defTabSz="914400" rtl="0" eaLnBrk="1" latinLnBrk="0" hangingPunct="1">
-              <a:lnSpc>
-                <a:spcPts val="1800"/>
-              </a:lnSpc>
-              <a:spcBef>
-                <a:spcPts val="1000"/>
-              </a:spcBef>
-              <a:spcAft>
-                <a:spcPts val="1000"/>
-              </a:spcAft>
-              <a:buFont typeface="Arial" panose="020B0604020202020204" pitchFamily="34" charset="0"/>
-              <a:buChar char="•"/>
-              <a:defRPr lang="en-US" sz="1200" kern="1200">
-                <a:solidFill>
-                  <a:schemeClr val="tx1">
-                    <a:lumMod val="75000"/>
-                    <a:lumOff val="25000"/>
-                  </a:schemeClr>
-                </a:solidFill>
-                <a:latin typeface="+mn-lt"/>
-                <a:ea typeface="+mn-ea"/>
-                <a:cs typeface="+mn-cs"/>
-              </a:defRPr>
-            </a:lvl5pPr>
-            <a:lvl6pPr marL="2514600" indent="-228600" algn="l" defTabSz="914400" rtl="0" eaLnBrk="1" latinLnBrk="0" hangingPunct="1">
-              <a:lnSpc>
-                <a:spcPct val="90000"/>
-              </a:lnSpc>
-              <a:spcBef>
-                <a:spcPct val="30000"/>
-              </a:spcBef>
-              <a:buFont typeface="Arial" panose="020B0604020202020204" pitchFamily="34" charset="0"/>
-              <a:buChar char="•"/>
-              <a:defRPr sz="1800" kern="1200">
-                <a:solidFill>
-                  <a:schemeClr val="tx1"/>
-                </a:solidFill>
-                <a:latin typeface="+mn-lt"/>
-                <a:ea typeface="+mn-ea"/>
-                <a:cs typeface="+mn-cs"/>
-              </a:defRPr>
-            </a:lvl6pPr>
-            <a:lvl7pPr marL="2971800" indent="-228600" algn="l" defTabSz="914400" rtl="0" eaLnBrk="1" latinLnBrk="0" hangingPunct="1">
-              <a:lnSpc>
-                <a:spcPct val="90000"/>
-              </a:lnSpc>
-              <a:spcBef>
-                <a:spcPct val="30000"/>
-              </a:spcBef>
-              <a:buFont typeface="Arial" panose="020B0604020202020204" pitchFamily="34" charset="0"/>
-              <a:buChar char="•"/>
-              <a:defRPr sz="1800" kern="1200">
-                <a:solidFill>
-                  <a:schemeClr val="tx1"/>
-                </a:solidFill>
-                <a:latin typeface="+mn-lt"/>
-                <a:ea typeface="+mn-ea"/>
-                <a:cs typeface="+mn-cs"/>
-              </a:defRPr>
-            </a:lvl7pPr>
-            <a:lvl8pPr marL="3429000" indent="-228600" algn="l" defTabSz="914400" rtl="0" eaLnBrk="1" latinLnBrk="0" hangingPunct="1">
-              <a:lnSpc>
-                <a:spcPct val="90000"/>
-              </a:lnSpc>
-              <a:spcBef>
-                <a:spcPct val="30000"/>
-              </a:spcBef>
-              <a:buFont typeface="Arial" panose="020B0604020202020204" pitchFamily="34" charset="0"/>
-              <a:buChar char="•"/>
-              <a:defRPr sz="1800" kern="1200">
-                <a:solidFill>
-                  <a:schemeClr val="tx1"/>
-                </a:solidFill>
-                <a:latin typeface="+mn-lt"/>
-                <a:ea typeface="+mn-ea"/>
-                <a:cs typeface="+mn-cs"/>
-              </a:defRPr>
-            </a:lvl8pPr>
-            <a:lvl9pPr marL="3886200" indent="-228600" algn="l" defTabSz="914400" rtl="0" eaLnBrk="1" latinLnBrk="0" hangingPunct="1">
-              <a:lnSpc>
-                <a:spcPct val="90000"/>
-              </a:lnSpc>
-              <a:spcBef>
-                <a:spcPct val="30000"/>
-              </a:spcBef>
-              <a:buFont typeface="Arial" panose="020B0604020202020204" pitchFamily="34" charset="0"/>
-              <a:buChar char="•"/>
-              <a:defRPr sz="1800" kern="1200">
-                <a:solidFill>
-                  <a:schemeClr val="tx1"/>
-                </a:solidFill>
-                <a:latin typeface="+mn-lt"/>
-                <a:ea typeface="+mn-ea"/>
-                <a:cs typeface="+mn-cs"/>
-              </a:defRPr>
-            </a:lvl9pPr>
-          </a:lstStyle>
-          <a:p>
-            <a:pPr marL="0" indent="0">
-              <a:spcAft>
-                <a:spcPts val="2000"/>
-              </a:spcAft>
-              <a:buNone/>
-            </a:pPr>
-            <a:endParaRPr lang="en-US" sz="1800" dirty="0">
-              <a:latin typeface="Segoe UI" panose="020B0502040204020203" pitchFamily="34" charset="0"/>
-              <a:cs typeface="Segoe UI" panose="020B0502040204020203" pitchFamily="34" charset="0"/>
-            </a:endParaRPr>
-          </a:p>
-        </p:txBody>
-      </p:sp>
-      <p:sp>
-        <p:nvSpPr>
-          <p:cNvPr id="8" name="TextBox 7">
-            <a:extLst>
-              <a:ext uri="{FF2B5EF4-FFF2-40B4-BE49-F238E27FC236}">
-                <a16:creationId xmlns:a16="http://schemas.microsoft.com/office/drawing/2014/main" id="{D4329088-EA16-420B-B145-A30265C6D3B4}"/>
-              </a:ext>
-            </a:extLst>
-          </p:cNvPr>
-          <p:cNvSpPr txBox="1"/>
-          <p:nvPr/>
-        </p:nvSpPr>
-        <p:spPr>
-          <a:xfrm>
-            <a:off x="541609" y="1012639"/>
-            <a:ext cx="10971964" cy="6524863"/>
-          </a:xfrm>
-          <a:prstGeom prst="rect">
-            <a:avLst/>
-          </a:prstGeom>
-          <a:noFill/>
-        </p:spPr>
-        <p:txBody>
-          <a:bodyPr wrap="square">
-            <a:spAutoFit/>
-          </a:bodyPr>
-          <a:lstStyle/>
-          <a:p>
-            <a:pPr marL="457200" lvl="1" indent="0">
-              <a:buNone/>
-            </a:pPr>
-            <a:endParaRPr lang="en-GB" sz="3800" dirty="0">
-              <a:solidFill>
-                <a:schemeClr val="bg2">
-                  <a:lumMod val="25000"/>
-                </a:schemeClr>
-              </a:solidFill>
-              <a:latin typeface="Segoe UI Light" panose="020B0502040204020203" pitchFamily="34" charset="0"/>
-              <a:cs typeface="Segoe UI Light" panose="020B0502040204020203" pitchFamily="34" charset="0"/>
-            </a:endParaRPr>
-          </a:p>
-          <a:p>
-            <a:pPr marL="1028700" lvl="1" indent="-571500">
-              <a:buFont typeface="Arial" panose="020B0604020202020204" pitchFamily="34" charset="0"/>
-              <a:buChar char="•"/>
-            </a:pPr>
-            <a:r>
-              <a:rPr lang="en-GB" sz="3800" dirty="0">
-                <a:solidFill>
-                  <a:schemeClr val="bg2">
-                    <a:lumMod val="25000"/>
-                  </a:schemeClr>
-                </a:solidFill>
-                <a:latin typeface="Segoe UI Light" panose="020B0502040204020203" pitchFamily="34" charset="0"/>
-                <a:cs typeface="Segoe UI Light" panose="020B0502040204020203" pitchFamily="34" charset="0"/>
-              </a:rPr>
-              <a:t>Fetch requests.</a:t>
-            </a:r>
-          </a:p>
-          <a:p>
-            <a:pPr marL="1028700" lvl="1" indent="-571500">
-              <a:buFont typeface="Arial" panose="020B0604020202020204" pitchFamily="34" charset="0"/>
-              <a:buChar char="•"/>
-            </a:pPr>
-            <a:r>
-              <a:rPr lang="en-GB" sz="3800" dirty="0">
-                <a:solidFill>
-                  <a:schemeClr val="bg2">
-                    <a:lumMod val="25000"/>
-                  </a:schemeClr>
-                </a:solidFill>
-                <a:latin typeface="Segoe UI Light" panose="020B0502040204020203" pitchFamily="34" charset="0"/>
-                <a:cs typeface="Segoe UI Light" panose="020B0502040204020203" pitchFamily="34" charset="0"/>
-              </a:rPr>
-              <a:t>Lazy loading and dynamic loading (scripts/components).</a:t>
-            </a:r>
-          </a:p>
-          <a:p>
-            <a:pPr marL="1028700" lvl="1" indent="-571500">
-              <a:buFont typeface="Arial" panose="020B0604020202020204" pitchFamily="34" charset="0"/>
-              <a:buChar char="•"/>
-            </a:pPr>
-            <a:r>
-              <a:rPr lang="en-GB" sz="3800" dirty="0">
-                <a:solidFill>
-                  <a:schemeClr val="bg2">
-                    <a:lumMod val="25000"/>
-                  </a:schemeClr>
-                </a:solidFill>
-                <a:latin typeface="Segoe UI Light" panose="020B0502040204020203" pitchFamily="34" charset="0"/>
-                <a:cs typeface="Segoe UI Light" panose="020B0502040204020203" pitchFamily="34" charset="0"/>
-              </a:rPr>
-              <a:t>Storing JSON in IndexedDB and rendering it via templates.</a:t>
-            </a:r>
-          </a:p>
-          <a:p>
-            <a:pPr marL="1028700" lvl="1" indent="-571500">
-              <a:buFont typeface="Arial" panose="020B0604020202020204" pitchFamily="34" charset="0"/>
-              <a:buChar char="•"/>
-            </a:pPr>
-            <a:r>
-              <a:rPr lang="en-GB" sz="3800" dirty="0">
-                <a:solidFill>
-                  <a:schemeClr val="bg2">
-                    <a:lumMod val="25000"/>
-                  </a:schemeClr>
-                </a:solidFill>
-                <a:latin typeface="Segoe UI Light" panose="020B0502040204020203" pitchFamily="34" charset="0"/>
-                <a:cs typeface="Segoe UI Light" panose="020B0502040204020203" pitchFamily="34" charset="0"/>
-              </a:rPr>
-              <a:t>Authentication and storage of JSON Web Tokens.</a:t>
-            </a:r>
-          </a:p>
-          <a:p>
-            <a:pPr marL="1028700" lvl="1" indent="-571500">
-              <a:buFont typeface="Arial" panose="020B0604020202020204" pitchFamily="34" charset="0"/>
-              <a:buChar char="•"/>
-            </a:pPr>
-            <a:r>
-              <a:rPr lang="en-GB" sz="3800" dirty="0">
-                <a:solidFill>
-                  <a:schemeClr val="bg2">
-                    <a:lumMod val="25000"/>
-                  </a:schemeClr>
-                </a:solidFill>
-                <a:latin typeface="Segoe UI Light" panose="020B0502040204020203" pitchFamily="34" charset="0"/>
-                <a:cs typeface="Segoe UI Light" panose="020B0502040204020203" pitchFamily="34" charset="0"/>
-              </a:rPr>
-              <a:t>Added offline capability and ‘instant’ pages.</a:t>
-            </a:r>
-          </a:p>
-          <a:p>
-            <a:pPr marL="457200" lvl="1" indent="0">
-              <a:buNone/>
-            </a:pPr>
-            <a:endParaRPr lang="en-GB" sz="3800" dirty="0">
-              <a:solidFill>
-                <a:schemeClr val="bg2">
-                  <a:lumMod val="25000"/>
-                </a:schemeClr>
-              </a:solidFill>
-              <a:latin typeface="Segoe UI Light" panose="020B0502040204020203" pitchFamily="34" charset="0"/>
-              <a:cs typeface="Segoe UI Light" panose="020B0502040204020203" pitchFamily="34" charset="0"/>
-            </a:endParaRPr>
-          </a:p>
-          <a:p>
-            <a:pPr marL="457200" lvl="1" indent="0">
-              <a:buNone/>
-            </a:pPr>
-            <a:endParaRPr lang="en-GB" sz="3800" dirty="0">
-              <a:solidFill>
-                <a:schemeClr val="bg2">
-                  <a:lumMod val="25000"/>
-                </a:schemeClr>
-              </a:solidFill>
-              <a:latin typeface="Segoe UI Light" panose="020B0502040204020203" pitchFamily="34" charset="0"/>
-              <a:cs typeface="Segoe UI Light" panose="020B0502040204020203" pitchFamily="34" charset="0"/>
-            </a:endParaRPr>
-          </a:p>
-        </p:txBody>
-      </p:sp>
-    </p:spTree>
-    <p:extLst>
-      <p:ext uri="{BB962C8B-B14F-4D97-AF65-F5344CB8AC3E}">
-        <p14:creationId xmlns:p14="http://schemas.microsoft.com/office/powerpoint/2010/main" val="1862207496"/>
-      </p:ext>
-    </p:extLst>
-  </p:cSld>
-  <p:clrMapOvr>
-    <a:masterClrMapping/>
-  </p:clrMapOvr>
-</p:sld>
-</file>
-
 <file path=ppt/slides/slide34.xml><?xml version="1.0" encoding="utf-8"?>
 <p:sld xmlns:a="http://schemas.openxmlformats.org/drawingml/2006/main" xmlns:r="http://schemas.openxmlformats.org/officeDocument/2006/relationships" xmlns:p="http://schemas.openxmlformats.org/presentationml/2006/main">
   <p:cSld>
@@ -19347,7 +19236,7 @@
                 <a:latin typeface="Segoe UI Light" panose="020B0502040204020203" pitchFamily="34" charset="0"/>
                 <a:cs typeface="Segoe UI Light" panose="020B0502040204020203" pitchFamily="34" charset="0"/>
               </a:rPr>
-              <a:t>Useful references</a:t>
+              <a:t>Types of Web Components</a:t>
             </a:r>
           </a:p>
         </p:txBody>
@@ -19362,7 +19251,7 @@
         </p:nvSpPr>
         <p:spPr>
           <a:xfrm>
-            <a:off x="541609" y="1455491"/>
+            <a:off x="678427" y="1330374"/>
             <a:ext cx="5110161" cy="471149"/>
           </a:xfrm>
           <a:prstGeom prst="rect">
@@ -19583,263 +19472,33 @@
       </p:sp>
       <p:sp>
         <p:nvSpPr>
-          <p:cNvPr id="36" name="Content Placeholder 17"/>
-          <p:cNvSpPr txBox="1">
-            <a:spLocks/>
-          </p:cNvSpPr>
+          <p:cNvPr id="8" name="TextBox 7">
+            <a:extLst>
+              <a:ext uri="{FF2B5EF4-FFF2-40B4-BE49-F238E27FC236}">
+                <a16:creationId xmlns:a16="http://schemas.microsoft.com/office/drawing/2014/main" id="{D4329088-EA16-420B-B145-A30265C6D3B4}"/>
+              </a:ext>
+            </a:extLst>
+          </p:cNvPr>
+          <p:cNvSpPr txBox="1"/>
           <p:nvPr/>
         </p:nvSpPr>
         <p:spPr>
           <a:xfrm>
-            <a:off x="667892" y="1550741"/>
-            <a:ext cx="10356444" cy="5147658"/>
+            <a:off x="541609" y="1691065"/>
+            <a:ext cx="10971964" cy="4185761"/>
           </a:xfrm>
           <a:prstGeom prst="rect">
             <a:avLst/>
           </a:prstGeom>
+          <a:noFill/>
         </p:spPr>
         <p:txBody>
-          <a:bodyPr vert="horz" lIns="91440" tIns="45720" rIns="91440" bIns="45720" rtlCol="0">
-            <a:noAutofit/>
+          <a:bodyPr wrap="square">
+            <a:spAutoFit/>
           </a:bodyPr>
-          <a:lstStyle>
-            <a:lvl1pPr marL="228600" indent="-228600" algn="l" defTabSz="914400" rtl="0" eaLnBrk="1" latinLnBrk="0" hangingPunct="1">
-              <a:lnSpc>
-                <a:spcPts val="1800"/>
-              </a:lnSpc>
-              <a:spcBef>
-                <a:spcPts val="1000"/>
-              </a:spcBef>
-              <a:spcAft>
-                <a:spcPts val="1000"/>
-              </a:spcAft>
-              <a:buFont typeface="Arial" panose="020B0604020202020204" pitchFamily="34" charset="0"/>
-              <a:buChar char="•"/>
-              <a:defRPr lang="en-US" sz="1200" kern="1200" smtClean="0">
-                <a:solidFill>
-                  <a:schemeClr val="tx1">
-                    <a:lumMod val="75000"/>
-                    <a:lumOff val="25000"/>
-                  </a:schemeClr>
-                </a:solidFill>
-                <a:latin typeface="+mn-lt"/>
-                <a:ea typeface="+mn-ea"/>
-                <a:cs typeface="+mn-cs"/>
-              </a:defRPr>
-            </a:lvl1pPr>
-            <a:lvl2pPr marL="685800" indent="-228600" algn="l" defTabSz="914400" rtl="0" eaLnBrk="1" latinLnBrk="0" hangingPunct="1">
-              <a:lnSpc>
-                <a:spcPts val="1800"/>
-              </a:lnSpc>
-              <a:spcBef>
-                <a:spcPts val="1000"/>
-              </a:spcBef>
-              <a:spcAft>
-                <a:spcPts val="1000"/>
-              </a:spcAft>
-              <a:buFont typeface="Arial" panose="020B0604020202020204" pitchFamily="34" charset="0"/>
-              <a:buChar char="•"/>
-              <a:defRPr lang="en-US" sz="1200" kern="1200" smtClean="0">
-                <a:solidFill>
-                  <a:schemeClr val="tx1">
-                    <a:lumMod val="75000"/>
-                    <a:lumOff val="25000"/>
-                  </a:schemeClr>
-                </a:solidFill>
-                <a:latin typeface="+mn-lt"/>
-                <a:ea typeface="+mn-ea"/>
-                <a:cs typeface="+mn-cs"/>
-              </a:defRPr>
-            </a:lvl2pPr>
-            <a:lvl3pPr marL="1143000" indent="-228600" algn="l" defTabSz="914400" rtl="0" eaLnBrk="1" latinLnBrk="0" hangingPunct="1">
-              <a:lnSpc>
-                <a:spcPts val="1800"/>
-              </a:lnSpc>
-              <a:spcBef>
-                <a:spcPts val="1000"/>
-              </a:spcBef>
-              <a:spcAft>
-                <a:spcPts val="1000"/>
-              </a:spcAft>
-              <a:buFont typeface="Arial" panose="020B0604020202020204" pitchFamily="34" charset="0"/>
-              <a:buChar char="•"/>
-              <a:defRPr lang="en-US" sz="1200" kern="1200" smtClean="0">
-                <a:solidFill>
-                  <a:schemeClr val="tx1">
-                    <a:lumMod val="75000"/>
-                    <a:lumOff val="25000"/>
-                  </a:schemeClr>
-                </a:solidFill>
-                <a:latin typeface="+mn-lt"/>
-                <a:ea typeface="+mn-ea"/>
-                <a:cs typeface="+mn-cs"/>
-              </a:defRPr>
-            </a:lvl3pPr>
-            <a:lvl4pPr marL="1600200" indent="-228600" algn="l" defTabSz="914400" rtl="0" eaLnBrk="1" latinLnBrk="0" hangingPunct="1">
-              <a:lnSpc>
-                <a:spcPts val="1800"/>
-              </a:lnSpc>
-              <a:spcBef>
-                <a:spcPts val="1000"/>
-              </a:spcBef>
-              <a:spcAft>
-                <a:spcPts val="1000"/>
-              </a:spcAft>
-              <a:buFont typeface="Arial" panose="020B0604020202020204" pitchFamily="34" charset="0"/>
-              <a:buChar char="•"/>
-              <a:defRPr lang="en-US" sz="1200" kern="1200" smtClean="0">
-                <a:solidFill>
-                  <a:schemeClr val="tx1">
-                    <a:lumMod val="75000"/>
-                    <a:lumOff val="25000"/>
-                  </a:schemeClr>
-                </a:solidFill>
-                <a:latin typeface="+mn-lt"/>
-                <a:ea typeface="+mn-ea"/>
-                <a:cs typeface="+mn-cs"/>
-              </a:defRPr>
-            </a:lvl4pPr>
-            <a:lvl5pPr marL="2057400" indent="-228600" algn="l" defTabSz="914400" rtl="0" eaLnBrk="1" latinLnBrk="0" hangingPunct="1">
-              <a:lnSpc>
-                <a:spcPts val="1800"/>
-              </a:lnSpc>
-              <a:spcBef>
-                <a:spcPts val="1000"/>
-              </a:spcBef>
-              <a:spcAft>
-                <a:spcPts val="1000"/>
-              </a:spcAft>
-              <a:buFont typeface="Arial" panose="020B0604020202020204" pitchFamily="34" charset="0"/>
-              <a:buChar char="•"/>
-              <a:defRPr lang="en-US" sz="1200" kern="1200">
-                <a:solidFill>
-                  <a:schemeClr val="tx1">
-                    <a:lumMod val="75000"/>
-                    <a:lumOff val="25000"/>
-                  </a:schemeClr>
-                </a:solidFill>
-                <a:latin typeface="+mn-lt"/>
-                <a:ea typeface="+mn-ea"/>
-                <a:cs typeface="+mn-cs"/>
-              </a:defRPr>
-            </a:lvl5pPr>
-            <a:lvl6pPr marL="2514600" indent="-228600" algn="l" defTabSz="914400" rtl="0" eaLnBrk="1" latinLnBrk="0" hangingPunct="1">
-              <a:lnSpc>
-                <a:spcPct val="90000"/>
-              </a:lnSpc>
-              <a:spcBef>
-                <a:spcPct val="30000"/>
-              </a:spcBef>
-              <a:buFont typeface="Arial" panose="020B0604020202020204" pitchFamily="34" charset="0"/>
-              <a:buChar char="•"/>
-              <a:defRPr sz="1800" kern="1200">
-                <a:solidFill>
-                  <a:schemeClr val="tx1"/>
-                </a:solidFill>
-                <a:latin typeface="+mn-lt"/>
-                <a:ea typeface="+mn-ea"/>
-                <a:cs typeface="+mn-cs"/>
-              </a:defRPr>
-            </a:lvl6pPr>
-            <a:lvl7pPr marL="2971800" indent="-228600" algn="l" defTabSz="914400" rtl="0" eaLnBrk="1" latinLnBrk="0" hangingPunct="1">
-              <a:lnSpc>
-                <a:spcPct val="90000"/>
-              </a:lnSpc>
-              <a:spcBef>
-                <a:spcPct val="30000"/>
-              </a:spcBef>
-              <a:buFont typeface="Arial" panose="020B0604020202020204" pitchFamily="34" charset="0"/>
-              <a:buChar char="•"/>
-              <a:defRPr sz="1800" kern="1200">
-                <a:solidFill>
-                  <a:schemeClr val="tx1"/>
-                </a:solidFill>
-                <a:latin typeface="+mn-lt"/>
-                <a:ea typeface="+mn-ea"/>
-                <a:cs typeface="+mn-cs"/>
-              </a:defRPr>
-            </a:lvl7pPr>
-            <a:lvl8pPr marL="3429000" indent="-228600" algn="l" defTabSz="914400" rtl="0" eaLnBrk="1" latinLnBrk="0" hangingPunct="1">
-              <a:lnSpc>
-                <a:spcPct val="90000"/>
-              </a:lnSpc>
-              <a:spcBef>
-                <a:spcPct val="30000"/>
-              </a:spcBef>
-              <a:buFont typeface="Arial" panose="020B0604020202020204" pitchFamily="34" charset="0"/>
-              <a:buChar char="•"/>
-              <a:defRPr sz="1800" kern="1200">
-                <a:solidFill>
-                  <a:schemeClr val="tx1"/>
-                </a:solidFill>
-                <a:latin typeface="+mn-lt"/>
-                <a:ea typeface="+mn-ea"/>
-                <a:cs typeface="+mn-cs"/>
-              </a:defRPr>
-            </a:lvl8pPr>
-            <a:lvl9pPr marL="3886200" indent="-228600" algn="l" defTabSz="914400" rtl="0" eaLnBrk="1" latinLnBrk="0" hangingPunct="1">
-              <a:lnSpc>
-                <a:spcPct val="90000"/>
-              </a:lnSpc>
-              <a:spcBef>
-                <a:spcPct val="30000"/>
-              </a:spcBef>
-              <a:buFont typeface="Arial" panose="020B0604020202020204" pitchFamily="34" charset="0"/>
-              <a:buChar char="•"/>
-              <a:defRPr sz="1800" kern="1200">
-                <a:solidFill>
-                  <a:schemeClr val="tx1"/>
-                </a:solidFill>
-                <a:latin typeface="+mn-lt"/>
-                <a:ea typeface="+mn-ea"/>
-                <a:cs typeface="+mn-cs"/>
-              </a:defRPr>
-            </a:lvl9pPr>
-          </a:lstStyle>
+          <a:lstStyle/>
           <a:p>
             <a:pPr marL="457200" lvl="1" indent="0">
-              <a:lnSpc>
-                <a:spcPts val="3000"/>
-              </a:lnSpc>
-              <a:buNone/>
-            </a:pPr>
-            <a:r>
-              <a:rPr lang="en-GB" sz="3800" b="1" dirty="0">
-                <a:solidFill>
-                  <a:schemeClr val="bg2">
-                    <a:lumMod val="25000"/>
-                  </a:schemeClr>
-                </a:solidFill>
-                <a:latin typeface="Segoe UI Light" panose="020B0502040204020203" pitchFamily="34" charset="0"/>
-                <a:cs typeface="Segoe UI Light" panose="020B0502040204020203" pitchFamily="34" charset="0"/>
-                <a:hlinkClick r:id="rId2">
-                  <a:extLst>
-                    <a:ext uri="{A12FA001-AC4F-418D-AE19-62706E023703}">
-                      <ahyp:hlinkClr xmlns:ahyp="http://schemas.microsoft.com/office/drawing/2018/hyperlinkcolor" val="tx"/>
-                    </a:ext>
-                  </a:extLst>
-                </a:hlinkClick>
-              </a:rPr>
-              <a:t>https://www.webcomponents.org/</a:t>
-            </a:r>
-            <a:r>
-              <a:rPr lang="en-GB" sz="3800" b="1" dirty="0">
-                <a:solidFill>
-                  <a:schemeClr val="bg2">
-                    <a:lumMod val="25000"/>
-                  </a:schemeClr>
-                </a:solidFill>
-                <a:latin typeface="Segoe UI Light" panose="020B0502040204020203" pitchFamily="34" charset="0"/>
-                <a:cs typeface="Segoe UI Light" panose="020B0502040204020203" pitchFamily="34" charset="0"/>
-              </a:rPr>
-              <a:t> </a:t>
-            </a:r>
-          </a:p>
-          <a:p>
-            <a:pPr marL="457200" lvl="1" indent="0">
-              <a:lnSpc>
-                <a:spcPts val="3000"/>
-              </a:lnSpc>
               <a:buNone/>
             </a:pPr>
             <a:r>
@@ -19852,153 +19511,12 @@
                 <a:latin typeface="Segoe UI Light" panose="020B0502040204020203" pitchFamily="34" charset="0"/>
                 <a:cs typeface="Segoe UI Light" panose="020B0502040204020203" pitchFamily="34" charset="0"/>
               </a:rPr>
-              <a:t>- main reference site</a:t>
+              <a:t>These are only limited by our use of JS as they are regular JS components.</a:t>
             </a:r>
           </a:p>
           <a:p>
             <a:pPr marL="457200" lvl="1" indent="0">
-              <a:lnSpc>
-                <a:spcPts val="3000"/>
-              </a:lnSpc>
               <a:buNone/>
-            </a:pPr>
-            <a:r>
-              <a:rPr lang="en-GB" sz="3800" b="1" dirty="0">
-                <a:solidFill>
-                  <a:schemeClr val="bg2">
-                    <a:lumMod val="25000"/>
-                  </a:schemeClr>
-                </a:solidFill>
-                <a:latin typeface="Segoe UI Light" panose="020B0502040204020203" pitchFamily="34" charset="0"/>
-                <a:cs typeface="Segoe UI Light" panose="020B0502040204020203" pitchFamily="34" charset="0"/>
-                <a:hlinkClick r:id="rId3">
-                  <a:extLst>
-                    <a:ext uri="{A12FA001-AC4F-418D-AE19-62706E023703}">
-                      <ahyp:hlinkClr xmlns:ahyp="http://schemas.microsoft.com/office/drawing/2018/hyperlinkcolor" val="tx"/>
-                    </a:ext>
-                  </a:extLst>
-                </a:hlinkClick>
-              </a:rPr>
-              <a:t>https://custom-elements-everywhere.com/</a:t>
-            </a:r>
-            <a:r>
-              <a:rPr lang="en-GB" sz="3800" b="1" dirty="0">
-                <a:solidFill>
-                  <a:schemeClr val="bg2">
-                    <a:lumMod val="25000"/>
-                  </a:schemeClr>
-                </a:solidFill>
-                <a:latin typeface="Segoe UI Light" panose="020B0502040204020203" pitchFamily="34" charset="0"/>
-                <a:cs typeface="Segoe UI Light" panose="020B0502040204020203" pitchFamily="34" charset="0"/>
-              </a:rPr>
-              <a:t> </a:t>
-            </a:r>
-          </a:p>
-          <a:p>
-            <a:pPr marL="457200" lvl="1" indent="0">
-              <a:lnSpc>
-                <a:spcPts val="3500"/>
-              </a:lnSpc>
-              <a:buNone/>
-            </a:pPr>
-            <a:r>
-              <a:rPr lang="en-GB" sz="3800" dirty="0">
-                <a:solidFill>
-                  <a:schemeClr val="bg2">
-                    <a:lumMod val="25000"/>
-                  </a:schemeClr>
-                </a:solidFill>
-                <a:latin typeface="Segoe UI Light" panose="020B0502040204020203" pitchFamily="34" charset="0"/>
-                <a:cs typeface="Segoe UI Light" panose="020B0502040204020203" pitchFamily="34" charset="0"/>
-              </a:rPr>
-              <a:t>(Making sure frameworks and custom elements can be BFFs )</a:t>
-            </a:r>
-          </a:p>
-          <a:p>
-            <a:pPr marL="457200" lvl="1" indent="0">
-              <a:lnSpc>
-                <a:spcPts val="3000"/>
-              </a:lnSpc>
-              <a:buNone/>
-            </a:pPr>
-            <a:r>
-              <a:rPr lang="en-GB" sz="3800" b="1" dirty="0">
-                <a:solidFill>
-                  <a:schemeClr val="bg2">
-                    <a:lumMod val="25000"/>
-                  </a:schemeClr>
-                </a:solidFill>
-                <a:latin typeface="Segoe UI Light" panose="020B0502040204020203" pitchFamily="34" charset="0"/>
-                <a:cs typeface="Segoe UI Light" panose="020B0502040204020203" pitchFamily="34" charset="0"/>
-                <a:hlinkClick r:id="rId4">
-                  <a:extLst>
-                    <a:ext uri="{A12FA001-AC4F-418D-AE19-62706E023703}">
-                      <ahyp:hlinkClr xmlns:ahyp="http://schemas.microsoft.com/office/drawing/2018/hyperlinkcolor" val="tx"/>
-                    </a:ext>
-                  </a:extLst>
-                </a:hlinkClick>
-              </a:rPr>
-              <a:t>https://webcomponents.dev/</a:t>
-            </a:r>
-            <a:r>
-              <a:rPr lang="en-GB" sz="3800" b="1" dirty="0">
-                <a:solidFill>
-                  <a:schemeClr val="bg2">
-                    <a:lumMod val="25000"/>
-                  </a:schemeClr>
-                </a:solidFill>
-                <a:latin typeface="Segoe UI Light" panose="020B0502040204020203" pitchFamily="34" charset="0"/>
-                <a:cs typeface="Segoe UI Light" panose="020B0502040204020203" pitchFamily="34" charset="0"/>
-              </a:rPr>
-              <a:t> </a:t>
-            </a:r>
-          </a:p>
-          <a:p>
-            <a:pPr lvl="1">
-              <a:lnSpc>
-                <a:spcPts val="3000"/>
-              </a:lnSpc>
-              <a:buFontTx/>
-              <a:buChar char="-"/>
-            </a:pPr>
-            <a:r>
-              <a:rPr lang="en-GB" sz="3800" dirty="0">
-                <a:solidFill>
-                  <a:schemeClr val="bg2">
-                    <a:lumMod val="25000"/>
-                  </a:schemeClr>
-                </a:solidFill>
-                <a:latin typeface="Segoe UI Light" panose="020B0502040204020203" pitchFamily="34" charset="0"/>
-                <a:cs typeface="Segoe UI Light" panose="020B0502040204020203" pitchFamily="34" charset="0"/>
-              </a:rPr>
-              <a:t>over 40 libraries and compilers </a:t>
-            </a:r>
-          </a:p>
-          <a:p>
-            <a:pPr marL="457200" lvl="1" indent="0">
-              <a:lnSpc>
-                <a:spcPts val="3000"/>
-              </a:lnSpc>
-              <a:buNone/>
-            </a:pPr>
-            <a:r>
-              <a:rPr lang="en-GB" sz="3800" i="1" dirty="0">
-                <a:solidFill>
-                  <a:schemeClr val="bg2">
-                    <a:lumMod val="25000"/>
-                  </a:schemeClr>
-                </a:solidFill>
-                <a:latin typeface="Segoe UI Light" panose="020B0502040204020203" pitchFamily="34" charset="0"/>
-                <a:cs typeface="Segoe UI Light" panose="020B0502040204020203" pitchFamily="34" charset="0"/>
-              </a:rPr>
-              <a:t>let’s see these libraries and compilers…</a:t>
-            </a:r>
-          </a:p>
-          <a:p>
-            <a:pPr lvl="1">
-              <a:lnSpc>
-                <a:spcPts val="4000"/>
-              </a:lnSpc>
             </a:pPr>
             <a:endParaRPr lang="en-GB" sz="3800" dirty="0">
               <a:solidFill>
@@ -20011,17 +19529,27 @@
             </a:endParaRPr>
           </a:p>
           <a:p>
-            <a:pPr marL="0" lvl="0" indent="0">
-              <a:spcBef>
-                <a:spcPct val="0"/>
-              </a:spcBef>
-              <a:spcAft>
-                <a:spcPts val="2000"/>
-              </a:spcAft>
+            <a:pPr marL="457200" lvl="1" indent="0">
               <a:buNone/>
-              <a:defRPr/>
             </a:pPr>
-            <a:endParaRPr lang="en-US" sz="3800" dirty="0">
+            <a:r>
+              <a:rPr lang="en-GB" sz="3800" dirty="0">
+                <a:solidFill>
+                  <a:schemeClr val="bg2">
+                    <a:lumMod val="25000"/>
+                  </a:schemeClr>
+                </a:solidFill>
+                <a:latin typeface="Segoe UI Light" panose="020B0502040204020203" pitchFamily="34" charset="0"/>
+                <a:cs typeface="Segoe UI Light" panose="020B0502040204020203" pitchFamily="34" charset="0"/>
+              </a:rPr>
+              <a:t>We will look at couple of UI components and many more highly functional components that have built in functionality…</a:t>
+            </a:r>
+          </a:p>
+          <a:p>
+            <a:pPr marL="457200" lvl="1" indent="0">
+              <a:buNone/>
+            </a:pPr>
+            <a:endParaRPr lang="en-GB" sz="3800" dirty="0">
               <a:solidFill>
                 <a:schemeClr val="bg2">
                   <a:lumMod val="25000"/>
@@ -20036,7 +19564,7 @@
     </p:spTree>
     <p:extLst>
       <p:ext uri="{BB962C8B-B14F-4D97-AF65-F5344CB8AC3E}">
-        <p14:creationId xmlns:p14="http://schemas.microsoft.com/office/powerpoint/2010/main" val="2661540520"/>
+        <p14:creationId xmlns:p14="http://schemas.microsoft.com/office/powerpoint/2010/main" val="2010978496"/>
       </p:ext>
     </p:extLst>
   </p:cSld>
@@ -20090,7 +19618,7 @@
                 <a:latin typeface="Segoe UI Light" panose="020B0502040204020203" pitchFamily="34" charset="0"/>
                 <a:cs typeface="Segoe UI Light" panose="020B0502040204020203" pitchFamily="34" charset="0"/>
               </a:rPr>
-              <a:t>Demo time</a:t>
+              <a:t>Types of Web Components</a:t>
             </a:r>
           </a:p>
         </p:txBody>
@@ -20338,8 +19866,8 @@
         </p:nvSpPr>
         <p:spPr>
           <a:xfrm>
-            <a:off x="610018" y="1102145"/>
-            <a:ext cx="10971964" cy="2345386"/>
+            <a:off x="541609" y="1012639"/>
+            <a:ext cx="10971964" cy="6524863"/>
           </a:xfrm>
           <a:prstGeom prst="rect">
             <a:avLst/>
@@ -20366,14 +19894,12 @@
             </a:endParaRPr>
           </a:p>
           <a:p>
-            <a:pPr marL="457200" lvl="1" indent="0">
-              <a:lnSpc>
-                <a:spcPts val="4500"/>
-              </a:lnSpc>
-              <a:buNone/>
+            <a:pPr marL="1028700" lvl="1" indent="-571500">
+              <a:buFont typeface="Arial" panose="020B0604020202020204" pitchFamily="34" charset="0"/>
+              <a:buChar char="•"/>
             </a:pPr>
             <a:r>
-              <a:rPr lang="en-GB" sz="2800" b="1" dirty="0">
+              <a:rPr lang="en-GB" sz="3800" dirty="0">
                 <a:solidFill>
                   <a:schemeClr val="bg2">
                     <a:lumMod val="25000"/>
@@ -20382,51 +19908,34 @@
                 <a:latin typeface="Segoe UI Light" panose="020B0502040204020203" pitchFamily="34" charset="0"/>
                 <a:cs typeface="Segoe UI Light" panose="020B0502040204020203" pitchFamily="34" charset="0"/>
               </a:rPr>
-              <a:t>1. Business case (1) site:</a:t>
+              <a:t>Fetch requests.</a:t>
             </a:r>
           </a:p>
           <a:p>
-            <a:pPr lvl="1">
-              <a:lnSpc>
-                <a:spcPts val="4500"/>
-              </a:lnSpc>
+            <a:pPr marL="1028700" lvl="1" indent="-571500">
+              <a:buFont typeface="Arial" panose="020B0604020202020204" pitchFamily="34" charset="0"/>
+              <a:buChar char="•"/>
             </a:pPr>
             <a:r>
-              <a:rPr lang="en-GB" sz="2800" dirty="0">
-                <a:solidFill>
-                  <a:srgbClr val="0070C0"/>
-                </a:solidFill>
-                <a:latin typeface="Segoe UI Light" panose="020B0502040204020203" pitchFamily="34" charset="0"/>
-                <a:cs typeface="Segoe UI Light" panose="020B0502040204020203" pitchFamily="34" charset="0"/>
-                <a:hlinkClick r:id="rId2">
-                  <a:extLst>
-                    <a:ext uri="{A12FA001-AC4F-418D-AE19-62706E023703}">
-                      <ahyp:hlinkClr xmlns:ahyp="http://schemas.microsoft.com/office/drawing/2018/hyperlinkcolor" val="tx"/>
-                    </a:ext>
-                  </a:extLst>
-                </a:hlinkClick>
-              </a:rPr>
-              <a:t>https://wpjs.co.uk/demo1</a:t>
-            </a:r>
-            <a:r>
-              <a:rPr lang="en-GB" sz="2800" dirty="0">
-                <a:solidFill>
-                  <a:srgbClr val="0070C0"/>
+              <a:rPr lang="en-GB" sz="3800" dirty="0">
+                <a:solidFill>
+                  <a:schemeClr val="bg2">
+                    <a:lumMod val="25000"/>
+                  </a:schemeClr>
                 </a:solidFill>
                 <a:latin typeface="Segoe UI Light" panose="020B0502040204020203" pitchFamily="34" charset="0"/>
                 <a:cs typeface="Segoe UI Light" panose="020B0502040204020203" pitchFamily="34" charset="0"/>
               </a:rPr>
-              <a:t> (in repo)</a:t>
+              <a:t>Lazy loading and dynamic loading (scripts/components).</a:t>
             </a:r>
           </a:p>
           <a:p>
-            <a:pPr lvl="1">
-              <a:lnSpc>
-                <a:spcPts val="4500"/>
-              </a:lnSpc>
+            <a:pPr marL="1028700" lvl="1" indent="-571500">
+              <a:buFont typeface="Arial" panose="020B0604020202020204" pitchFamily="34" charset="0"/>
+              <a:buChar char="•"/>
             </a:pPr>
             <a:r>
-              <a:rPr lang="en-GB" sz="2800" b="1" dirty="0">
+              <a:rPr lang="en-GB" sz="3800" dirty="0">
                 <a:solidFill>
                   <a:schemeClr val="bg2">
                     <a:lumMod val="25000"/>
@@ -20435,15 +19944,79 @@
                 <a:latin typeface="Segoe UI Light" panose="020B0502040204020203" pitchFamily="34" charset="0"/>
                 <a:cs typeface="Segoe UI Light" panose="020B0502040204020203" pitchFamily="34" charset="0"/>
               </a:rPr>
-              <a:t>2. Conference app.</a:t>
+              <a:t>Storing JSON in IndexedDB and rendering it via templates.</a:t>
             </a:r>
+          </a:p>
+          <a:p>
+            <a:pPr marL="1028700" lvl="1" indent="-571500">
+              <a:buFont typeface="Arial" panose="020B0604020202020204" pitchFamily="34" charset="0"/>
+              <a:buChar char="•"/>
+            </a:pPr>
+            <a:r>
+              <a:rPr lang="en-GB" sz="3800" dirty="0">
+                <a:solidFill>
+                  <a:schemeClr val="bg2">
+                    <a:lumMod val="25000"/>
+                  </a:schemeClr>
+                </a:solidFill>
+                <a:latin typeface="Segoe UI Light" panose="020B0502040204020203" pitchFamily="34" charset="0"/>
+                <a:cs typeface="Segoe UI Light" panose="020B0502040204020203" pitchFamily="34" charset="0"/>
+              </a:rPr>
+              <a:t>Authentication and storage of JSON Web Tokens.</a:t>
+            </a:r>
+          </a:p>
+          <a:p>
+            <a:pPr marL="1028700" lvl="1" indent="-571500">
+              <a:buFont typeface="Arial" panose="020B0604020202020204" pitchFamily="34" charset="0"/>
+              <a:buChar char="•"/>
+            </a:pPr>
+            <a:r>
+              <a:rPr lang="en-GB" sz="3800" dirty="0">
+                <a:solidFill>
+                  <a:schemeClr val="bg2">
+                    <a:lumMod val="25000"/>
+                  </a:schemeClr>
+                </a:solidFill>
+                <a:latin typeface="Segoe UI Light" panose="020B0502040204020203" pitchFamily="34" charset="0"/>
+                <a:cs typeface="Segoe UI Light" panose="020B0502040204020203" pitchFamily="34" charset="0"/>
+              </a:rPr>
+              <a:t>Added offline capability and ‘instant’ pages.</a:t>
+            </a:r>
+          </a:p>
+          <a:p>
+            <a:pPr marL="457200" lvl="1" indent="0">
+              <a:buNone/>
+            </a:pPr>
+            <a:endParaRPr lang="en-GB" sz="3800" dirty="0">
+              <a:solidFill>
+                <a:schemeClr val="bg2">
+                  <a:lumMod val="25000"/>
+                </a:schemeClr>
+              </a:solidFill>
+              <a:latin typeface="Segoe UI Light" panose="020B0502040204020203" pitchFamily="34" charset="0"/>
+              <a:cs typeface="Segoe UI Light" panose="020B0502040204020203" pitchFamily="34" charset="0"/>
+            </a:endParaRPr>
+          </a:p>
+          <a:p>
+            <a:pPr marL="457200" lvl="1" indent="0">
+              <a:buNone/>
+            </a:pPr>
+            <a:endParaRPr lang="en-GB" sz="3800" dirty="0">
+              <a:solidFill>
+                <a:schemeClr val="bg2">
+                  <a:lumMod val="25000"/>
+                </a:schemeClr>
+              </a:solidFill>
+              <a:latin typeface="Segoe UI Light" panose="020B0502040204020203" pitchFamily="34" charset="0"/>
+              <a:cs typeface="Segoe UI Light" panose="020B0502040204020203" pitchFamily="34" charset="0"/>
+            </a:endParaRPr>
           </a:p>
         </p:txBody>
       </p:sp>
     </p:spTree>
     <p:extLst>
       <p:ext uri="{BB962C8B-B14F-4D97-AF65-F5344CB8AC3E}">
-        <p14:creationId xmlns:p14="http://schemas.microsoft.com/office/powerpoint/2010/main" val="2710248439"/>
+        <p14:creationId xmlns:p14="http://schemas.microsoft.com/office/powerpoint/2010/main" val="1862207496"/>
       </p:ext>
     </p:extLst>
   </p:cSld>
@@ -20482,8 +20055,8 @@
         </p:nvSpPr>
         <p:spPr>
           <a:xfrm>
-            <a:off x="541608" y="426301"/>
-            <a:ext cx="10293539" cy="749992"/>
+            <a:off x="541609" y="426301"/>
+            <a:ext cx="8578726" cy="749992"/>
           </a:xfrm>
         </p:spPr>
         <p:txBody>
@@ -20497,7 +20070,7 @@
                 <a:latin typeface="Segoe UI Light" panose="020B0502040204020203" pitchFamily="34" charset="0"/>
                 <a:cs typeface="Segoe UI Light" panose="020B0502040204020203" pitchFamily="34" charset="0"/>
               </a:rPr>
-              <a:t>Converting Frameworks to Web Components</a:t>
+              <a:t>Useful references</a:t>
             </a:r>
           </a:p>
         </p:txBody>
@@ -20733,53 +20306,247 @@
       </p:sp>
       <p:sp>
         <p:nvSpPr>
-          <p:cNvPr id="8" name="TextBox 7">
-            <a:extLst>
-              <a:ext uri="{FF2B5EF4-FFF2-40B4-BE49-F238E27FC236}">
-                <a16:creationId xmlns:a16="http://schemas.microsoft.com/office/drawing/2014/main" id="{D4329088-EA16-420B-B145-A30265C6D3B4}"/>
-              </a:ext>
-            </a:extLst>
-          </p:cNvPr>
-          <p:cNvSpPr txBox="1"/>
+          <p:cNvPr id="36" name="Content Placeholder 17"/>
+          <p:cNvSpPr txBox="1">
+            <a:spLocks/>
+          </p:cNvSpPr>
           <p:nvPr/>
         </p:nvSpPr>
         <p:spPr>
           <a:xfrm>
-            <a:off x="541608" y="1691065"/>
-            <a:ext cx="10971964" cy="5370701"/>
+            <a:off x="667892" y="1550741"/>
+            <a:ext cx="10356444" cy="5147658"/>
           </a:xfrm>
           <a:prstGeom prst="rect">
             <a:avLst/>
           </a:prstGeom>
-          <a:noFill/>
         </p:spPr>
         <p:txBody>
-          <a:bodyPr wrap="square">
-            <a:spAutoFit/>
+          <a:bodyPr vert="horz" lIns="91440" tIns="45720" rIns="91440" bIns="45720" rtlCol="0">
+            <a:noAutofit/>
           </a:bodyPr>
-          <a:lstStyle/>
-          <a:p>
-            <a:pPr marL="914400" lvl="1" indent="-457200">
-              <a:buFont typeface="Arial" panose="020B0604020202020204" pitchFamily="34" charset="0"/>
-              <a:buChar char="•"/>
-            </a:pPr>
-            <a:endParaRPr lang="en-GB" sz="1100" dirty="0">
-              <a:solidFill>
-                <a:schemeClr val="bg2">
-                  <a:lumMod val="25000"/>
-                </a:schemeClr>
-              </a:solidFill>
-              <a:latin typeface="Segoe UI Light" panose="020B0502040204020203" pitchFamily="34" charset="0"/>
-              <a:cs typeface="Segoe UI Light" panose="020B0502040204020203" pitchFamily="34" charset="0"/>
-            </a:endParaRPr>
-          </a:p>
-          <a:p>
-            <a:pPr marL="914400" lvl="1" indent="-457200">
-              <a:buFont typeface="Arial" panose="020B0604020202020204" pitchFamily="34" charset="0"/>
-              <a:buChar char="•"/>
+          <a:lstStyle>
+            <a:lvl1pPr marL="228600" indent="-228600" algn="l" defTabSz="914400" rtl="0" eaLnBrk="1" latinLnBrk="0" hangingPunct="1">
+              <a:lnSpc>
+                <a:spcPts val="1800"/>
+              </a:lnSpc>
+              <a:spcBef>
+                <a:spcPts val="1000"/>
+              </a:spcBef>
+              <a:spcAft>
+                <a:spcPts val="1000"/>
+              </a:spcAft>
+              <a:buFont typeface="Arial" panose="020B0604020202020204" pitchFamily="34" charset="0"/>
+              <a:buChar char="•"/>
+              <a:defRPr lang="en-US" sz="1200" kern="1200" smtClean="0">
+                <a:solidFill>
+                  <a:schemeClr val="tx1">
+                    <a:lumMod val="75000"/>
+                    <a:lumOff val="25000"/>
+                  </a:schemeClr>
+                </a:solidFill>
+                <a:latin typeface="+mn-lt"/>
+                <a:ea typeface="+mn-ea"/>
+                <a:cs typeface="+mn-cs"/>
+              </a:defRPr>
+            </a:lvl1pPr>
+            <a:lvl2pPr marL="685800" indent="-228600" algn="l" defTabSz="914400" rtl="0" eaLnBrk="1" latinLnBrk="0" hangingPunct="1">
+              <a:lnSpc>
+                <a:spcPts val="1800"/>
+              </a:lnSpc>
+              <a:spcBef>
+                <a:spcPts val="1000"/>
+              </a:spcBef>
+              <a:spcAft>
+                <a:spcPts val="1000"/>
+              </a:spcAft>
+              <a:buFont typeface="Arial" panose="020B0604020202020204" pitchFamily="34" charset="0"/>
+              <a:buChar char="•"/>
+              <a:defRPr lang="en-US" sz="1200" kern="1200" smtClean="0">
+                <a:solidFill>
+                  <a:schemeClr val="tx1">
+                    <a:lumMod val="75000"/>
+                    <a:lumOff val="25000"/>
+                  </a:schemeClr>
+                </a:solidFill>
+                <a:latin typeface="+mn-lt"/>
+                <a:ea typeface="+mn-ea"/>
+                <a:cs typeface="+mn-cs"/>
+              </a:defRPr>
+            </a:lvl2pPr>
+            <a:lvl3pPr marL="1143000" indent="-228600" algn="l" defTabSz="914400" rtl="0" eaLnBrk="1" latinLnBrk="0" hangingPunct="1">
+              <a:lnSpc>
+                <a:spcPts val="1800"/>
+              </a:lnSpc>
+              <a:spcBef>
+                <a:spcPts val="1000"/>
+              </a:spcBef>
+              <a:spcAft>
+                <a:spcPts val="1000"/>
+              </a:spcAft>
+              <a:buFont typeface="Arial" panose="020B0604020202020204" pitchFamily="34" charset="0"/>
+              <a:buChar char="•"/>
+              <a:defRPr lang="en-US" sz="1200" kern="1200" smtClean="0">
+                <a:solidFill>
+                  <a:schemeClr val="tx1">
+                    <a:lumMod val="75000"/>
+                    <a:lumOff val="25000"/>
+                  </a:schemeClr>
+                </a:solidFill>
+                <a:latin typeface="+mn-lt"/>
+                <a:ea typeface="+mn-ea"/>
+                <a:cs typeface="+mn-cs"/>
+              </a:defRPr>
+            </a:lvl3pPr>
+            <a:lvl4pPr marL="1600200" indent="-228600" algn="l" defTabSz="914400" rtl="0" eaLnBrk="1" latinLnBrk="0" hangingPunct="1">
+              <a:lnSpc>
+                <a:spcPts val="1800"/>
+              </a:lnSpc>
+              <a:spcBef>
+                <a:spcPts val="1000"/>
+              </a:spcBef>
+              <a:spcAft>
+                <a:spcPts val="1000"/>
+              </a:spcAft>
+              <a:buFont typeface="Arial" panose="020B0604020202020204" pitchFamily="34" charset="0"/>
+              <a:buChar char="•"/>
+              <a:defRPr lang="en-US" sz="1200" kern="1200" smtClean="0">
+                <a:solidFill>
+                  <a:schemeClr val="tx1">
+                    <a:lumMod val="75000"/>
+                    <a:lumOff val="25000"/>
+                  </a:schemeClr>
+                </a:solidFill>
+                <a:latin typeface="+mn-lt"/>
+                <a:ea typeface="+mn-ea"/>
+                <a:cs typeface="+mn-cs"/>
+              </a:defRPr>
+            </a:lvl4pPr>
+            <a:lvl5pPr marL="2057400" indent="-228600" algn="l" defTabSz="914400" rtl="0" eaLnBrk="1" latinLnBrk="0" hangingPunct="1">
+              <a:lnSpc>
+                <a:spcPts val="1800"/>
+              </a:lnSpc>
+              <a:spcBef>
+                <a:spcPts val="1000"/>
+              </a:spcBef>
+              <a:spcAft>
+                <a:spcPts val="1000"/>
+              </a:spcAft>
+              <a:buFont typeface="Arial" panose="020B0604020202020204" pitchFamily="34" charset="0"/>
+              <a:buChar char="•"/>
+              <a:defRPr lang="en-US" sz="1200" kern="1200">
+                <a:solidFill>
+                  <a:schemeClr val="tx1">
+                    <a:lumMod val="75000"/>
+                    <a:lumOff val="25000"/>
+                  </a:schemeClr>
+                </a:solidFill>
+                <a:latin typeface="+mn-lt"/>
+                <a:ea typeface="+mn-ea"/>
+                <a:cs typeface="+mn-cs"/>
+              </a:defRPr>
+            </a:lvl5pPr>
+            <a:lvl6pPr marL="2514600" indent="-228600" algn="l" defTabSz="914400" rtl="0" eaLnBrk="1" latinLnBrk="0" hangingPunct="1">
+              <a:lnSpc>
+                <a:spcPct val="90000"/>
+              </a:lnSpc>
+              <a:spcBef>
+                <a:spcPct val="30000"/>
+              </a:spcBef>
+              <a:buFont typeface="Arial" panose="020B0604020202020204" pitchFamily="34" charset="0"/>
+              <a:buChar char="•"/>
+              <a:defRPr sz="1800" kern="1200">
+                <a:solidFill>
+                  <a:schemeClr val="tx1"/>
+                </a:solidFill>
+                <a:latin typeface="+mn-lt"/>
+                <a:ea typeface="+mn-ea"/>
+                <a:cs typeface="+mn-cs"/>
+              </a:defRPr>
+            </a:lvl6pPr>
+            <a:lvl7pPr marL="2971800" indent="-228600" algn="l" defTabSz="914400" rtl="0" eaLnBrk="1" latinLnBrk="0" hangingPunct="1">
+              <a:lnSpc>
+                <a:spcPct val="90000"/>
+              </a:lnSpc>
+              <a:spcBef>
+                <a:spcPct val="30000"/>
+              </a:spcBef>
+              <a:buFont typeface="Arial" panose="020B0604020202020204" pitchFamily="34" charset="0"/>
+              <a:buChar char="•"/>
+              <a:defRPr sz="1800" kern="1200">
+                <a:solidFill>
+                  <a:schemeClr val="tx1"/>
+                </a:solidFill>
+                <a:latin typeface="+mn-lt"/>
+                <a:ea typeface="+mn-ea"/>
+                <a:cs typeface="+mn-cs"/>
+              </a:defRPr>
+            </a:lvl7pPr>
+            <a:lvl8pPr marL="3429000" indent="-228600" algn="l" defTabSz="914400" rtl="0" eaLnBrk="1" latinLnBrk="0" hangingPunct="1">
+              <a:lnSpc>
+                <a:spcPct val="90000"/>
+              </a:lnSpc>
+              <a:spcBef>
+                <a:spcPct val="30000"/>
+              </a:spcBef>
+              <a:buFont typeface="Arial" panose="020B0604020202020204" pitchFamily="34" charset="0"/>
+              <a:buChar char="•"/>
+              <a:defRPr sz="1800" kern="1200">
+                <a:solidFill>
+                  <a:schemeClr val="tx1"/>
+                </a:solidFill>
+                <a:latin typeface="+mn-lt"/>
+                <a:ea typeface="+mn-ea"/>
+                <a:cs typeface="+mn-cs"/>
+              </a:defRPr>
+            </a:lvl8pPr>
+            <a:lvl9pPr marL="3886200" indent="-228600" algn="l" defTabSz="914400" rtl="0" eaLnBrk="1" latinLnBrk="0" hangingPunct="1">
+              <a:lnSpc>
+                <a:spcPct val="90000"/>
+              </a:lnSpc>
+              <a:spcBef>
+                <a:spcPct val="30000"/>
+              </a:spcBef>
+              <a:buFont typeface="Arial" panose="020B0604020202020204" pitchFamily="34" charset="0"/>
+              <a:buChar char="•"/>
+              <a:defRPr sz="1800" kern="1200">
+                <a:solidFill>
+                  <a:schemeClr val="tx1"/>
+                </a:solidFill>
+                <a:latin typeface="+mn-lt"/>
+                <a:ea typeface="+mn-ea"/>
+                <a:cs typeface="+mn-cs"/>
+              </a:defRPr>
+            </a:lvl9pPr>
+          </a:lstStyle>
+          <a:p>
+            <a:pPr marL="457200" lvl="1" indent="0">
+              <a:lnSpc>
+                <a:spcPts val="3000"/>
+              </a:lnSpc>
+              <a:buNone/>
             </a:pPr>
             <a:r>
-              <a:rPr lang="en-GB" sz="3200" dirty="0">
+              <a:rPr lang="en-GB" sz="3800" b="1" dirty="0">
+                <a:solidFill>
+                  <a:schemeClr val="bg2">
+                    <a:lumMod val="25000"/>
+                  </a:schemeClr>
+                </a:solidFill>
+                <a:latin typeface="Segoe UI Light" panose="020B0502040204020203" pitchFamily="34" charset="0"/>
+                <a:cs typeface="Segoe UI Light" panose="020B0502040204020203" pitchFamily="34" charset="0"/>
+                <a:hlinkClick r:id="rId2">
+                  <a:extLst>
+                    <a:ext uri="{A12FA001-AC4F-418D-AE19-62706E023703}">
+                      <ahyp:hlinkClr xmlns:ahyp="http://schemas.microsoft.com/office/drawing/2018/hyperlinkcolor" val="tx"/>
+                    </a:ext>
+                  </a:extLst>
+                </a:hlinkClick>
+              </a:rPr>
+              <a:t>https://www.webcomponents.org/</a:t>
+            </a:r>
+            <a:r>
+              <a:rPr lang="en-GB" sz="3800" b="1" dirty="0">
                 <a:solidFill>
                   <a:schemeClr val="bg2">
                     <a:lumMod val="25000"/>
@@ -20788,16 +20555,18 @@
                 <a:latin typeface="Segoe UI Light" panose="020B0502040204020203" pitchFamily="34" charset="0"/>
                 <a:cs typeface="Segoe UI Light" panose="020B0502040204020203" pitchFamily="34" charset="0"/>
               </a:rPr>
-              <a:t>Angular: https://angular.io/guide/elements</a:t>
+              <a:t> </a:t>
             </a:r>
           </a:p>
           <a:p>
-            <a:pPr marL="914400" lvl="1" indent="-457200">
-              <a:buFont typeface="Arial" panose="020B0604020202020204" pitchFamily="34" charset="0"/>
-              <a:buChar char="•"/>
+            <a:pPr marL="457200" lvl="1" indent="0">
+              <a:lnSpc>
+                <a:spcPts val="3000"/>
+              </a:lnSpc>
+              <a:buNone/>
             </a:pPr>
             <a:r>
-              <a:rPr lang="en-GB" sz="3200" dirty="0">
+              <a:rPr lang="en-GB" sz="3800" dirty="0">
                 <a:solidFill>
                   <a:schemeClr val="bg2">
                     <a:lumMod val="25000"/>
@@ -20806,16 +20575,37 @@
                 <a:latin typeface="Segoe UI Light" panose="020B0502040204020203" pitchFamily="34" charset="0"/>
                 <a:cs typeface="Segoe UI Light" panose="020B0502040204020203" pitchFamily="34" charset="0"/>
               </a:rPr>
-              <a:t>Vue: https://www.npmjs.com/package/vue-custom-element</a:t>
+              <a:t>- main reference site</a:t>
             </a:r>
           </a:p>
           <a:p>
-            <a:pPr marL="914400" lvl="1" indent="-457200">
-              <a:buFont typeface="Arial" panose="020B0604020202020204" pitchFamily="34" charset="0"/>
-              <a:buChar char="•"/>
+            <a:pPr marL="457200" lvl="1" indent="0">
+              <a:lnSpc>
+                <a:spcPts val="3000"/>
+              </a:lnSpc>
+              <a:buNone/>
             </a:pPr>
             <a:r>
-              <a:rPr lang="en-GB" sz="3200" dirty="0">
+              <a:rPr lang="en-GB" sz="3800" b="1" dirty="0">
+                <a:solidFill>
+                  <a:schemeClr val="bg2">
+                    <a:lumMod val="25000"/>
+                  </a:schemeClr>
+                </a:solidFill>
+                <a:latin typeface="Segoe UI Light" panose="020B0502040204020203" pitchFamily="34" charset="0"/>
+                <a:cs typeface="Segoe UI Light" panose="020B0502040204020203" pitchFamily="34" charset="0"/>
+                <a:hlinkClick r:id="rId3">
+                  <a:extLst>
+                    <a:ext uri="{A12FA001-AC4F-418D-AE19-62706E023703}">
+                      <ahyp:hlinkClr xmlns:ahyp="http://schemas.microsoft.com/office/drawing/2018/hyperlinkcolor" val="tx"/>
+                    </a:ext>
+                  </a:extLst>
+                </a:hlinkClick>
+              </a:rPr>
+              <a:t>https://custom-elements-everywhere.com/</a:t>
+            </a:r>
+            <a:r>
+              <a:rPr lang="en-GB" sz="3800" b="1" dirty="0">
                 <a:solidFill>
                   <a:schemeClr val="bg2">
                     <a:lumMod val="25000"/>
@@ -20824,16 +20614,18 @@
                 <a:latin typeface="Segoe UI Light" panose="020B0502040204020203" pitchFamily="34" charset="0"/>
                 <a:cs typeface="Segoe UI Light" panose="020B0502040204020203" pitchFamily="34" charset="0"/>
               </a:rPr>
-              <a:t>Vue: https://github.com/karol-f/vue-custom-element#demo</a:t>
+              <a:t> </a:t>
             </a:r>
           </a:p>
           <a:p>
-            <a:pPr marL="914400" lvl="1" indent="-457200">
-              <a:buFont typeface="Arial" panose="020B0604020202020204" pitchFamily="34" charset="0"/>
-              <a:buChar char="•"/>
+            <a:pPr marL="457200" lvl="1" indent="0">
+              <a:lnSpc>
+                <a:spcPts val="3500"/>
+              </a:lnSpc>
+              <a:buNone/>
             </a:pPr>
             <a:r>
-              <a:rPr lang="en-GB" sz="3200" dirty="0">
+              <a:rPr lang="en-GB" sz="3800" dirty="0">
                 <a:solidFill>
                   <a:schemeClr val="bg2">
                     <a:lumMod val="25000"/>
@@ -20842,16 +20634,37 @@
                 <a:latin typeface="Segoe UI Light" panose="020B0502040204020203" pitchFamily="34" charset="0"/>
                 <a:cs typeface="Segoe UI Light" panose="020B0502040204020203" pitchFamily="34" charset="0"/>
               </a:rPr>
-              <a:t>React: https://github.com/LukasBombach/react-web-component</a:t>
+              <a:t>(Making sure frameworks and custom elements can be BFFs )</a:t>
             </a:r>
           </a:p>
           <a:p>
-            <a:pPr marL="914400" lvl="1" indent="-457200">
-              <a:buFont typeface="Arial" panose="020B0604020202020204" pitchFamily="34" charset="0"/>
-              <a:buChar char="•"/>
+            <a:pPr marL="457200" lvl="1" indent="0">
+              <a:lnSpc>
+                <a:spcPts val="3000"/>
+              </a:lnSpc>
+              <a:buNone/>
             </a:pPr>
             <a:r>
-              <a:rPr lang="en-GB" sz="3200" i="1" dirty="0">
+              <a:rPr lang="en-GB" sz="3800" b="1" dirty="0">
+                <a:solidFill>
+                  <a:schemeClr val="bg2">
+                    <a:lumMod val="25000"/>
+                  </a:schemeClr>
+                </a:solidFill>
+                <a:latin typeface="Segoe UI Light" panose="020B0502040204020203" pitchFamily="34" charset="0"/>
+                <a:cs typeface="Segoe UI Light" panose="020B0502040204020203" pitchFamily="34" charset="0"/>
+                <a:hlinkClick r:id="rId4">
+                  <a:extLst>
+                    <a:ext uri="{A12FA001-AC4F-418D-AE19-62706E023703}">
+                      <ahyp:hlinkClr xmlns:ahyp="http://schemas.microsoft.com/office/drawing/2018/hyperlinkcolor" val="tx"/>
+                    </a:ext>
+                  </a:extLst>
+                </a:hlinkClick>
+              </a:rPr>
+              <a:t>https://webcomponents.dev/</a:t>
+            </a:r>
+            <a:r>
+              <a:rPr lang="en-GB" sz="3800" b="1" dirty="0">
                 <a:solidFill>
                   <a:schemeClr val="bg2">
                     <a:lumMod val="25000"/>
@@ -20860,12 +20673,55 @@
                 <a:latin typeface="Segoe UI Light" panose="020B0502040204020203" pitchFamily="34" charset="0"/>
                 <a:cs typeface="Segoe UI Light" panose="020B0502040204020203" pitchFamily="34" charset="0"/>
               </a:rPr>
-              <a:t>Many others: https://webcomponents.dev/</a:t>
+              <a:t> </a:t>
             </a:r>
           </a:p>
           <a:p>
+            <a:pPr lvl="1">
+              <a:lnSpc>
+                <a:spcPts val="3000"/>
+              </a:lnSpc>
+              <a:buFontTx/>
+              <a:buChar char="-"/>
+            </a:pPr>
+            <a:r>
+              <a:rPr lang="en-GB" sz="3800" dirty="0">
+                <a:solidFill>
+                  <a:schemeClr val="bg2">
+                    <a:lumMod val="25000"/>
+                  </a:schemeClr>
+                </a:solidFill>
+                <a:latin typeface="Segoe UI Light" panose="020B0502040204020203" pitchFamily="34" charset="0"/>
+                <a:cs typeface="Segoe UI Light" panose="020B0502040204020203" pitchFamily="34" charset="0"/>
+              </a:rPr>
+              <a:t>over 40 libraries and compilers </a:t>
+            </a:r>
+          </a:p>
+          <a:p>
             <a:pPr marL="457200" lvl="1" indent="0">
+              <a:lnSpc>
+                <a:spcPts val="3000"/>
+              </a:lnSpc>
               <a:buNone/>
+            </a:pPr>
+            <a:r>
+              <a:rPr lang="en-GB" sz="3800" i="1" dirty="0">
+                <a:solidFill>
+                  <a:schemeClr val="bg2">
+                    <a:lumMod val="25000"/>
+                  </a:schemeClr>
+                </a:solidFill>
+                <a:latin typeface="Segoe UI Light" panose="020B0502040204020203" pitchFamily="34" charset="0"/>
+                <a:cs typeface="Segoe UI Light" panose="020B0502040204020203" pitchFamily="34" charset="0"/>
+              </a:rPr>
+              <a:t>let’s see these libraries and compilers…</a:t>
+            </a:r>
+          </a:p>
+          <a:p>
+            <a:pPr lvl="1">
+              <a:lnSpc>
+                <a:spcPts val="4000"/>
+              </a:lnSpc>
             </a:pPr>
             <a:endParaRPr lang="en-GB" sz="3800" dirty="0">
               <a:solidFill>
@@ -20878,10 +20734,17 @@
             </a:endParaRPr>
           </a:p>
           <a:p>
-            <a:pPr marL="457200" lvl="1" indent="0">
+            <a:pPr marL="0" lvl="0" indent="0">
+              <a:spcBef>
+                <a:spcPct val="0"/>
+              </a:spcBef>
+              <a:spcAft>
+                <a:spcPts val="2000"/>
+              </a:spcAft>
               <a:buNone/>
+              <a:defRPr/>
             </a:pPr>
-            <a:endParaRPr lang="en-GB" sz="3800" dirty="0">
+            <a:endParaRPr lang="en-US" sz="3800" dirty="0">
               <a:solidFill>
                 <a:schemeClr val="bg2">
                   <a:lumMod val="25000"/>
@@ -20896,7 +20759,7 @@
     </p:spTree>
     <p:extLst>
       <p:ext uri="{BB962C8B-B14F-4D97-AF65-F5344CB8AC3E}">
-        <p14:creationId xmlns:p14="http://schemas.microsoft.com/office/powerpoint/2010/main" val="2544231288"/>
+        <p14:creationId xmlns:p14="http://schemas.microsoft.com/office/powerpoint/2010/main" val="2661540520"/>
       </p:ext>
     </p:extLst>
   </p:cSld>
@@ -20935,8 +20798,8 @@
         </p:nvSpPr>
         <p:spPr>
           <a:xfrm>
-            <a:off x="541608" y="426301"/>
-            <a:ext cx="10293539" cy="749992"/>
+            <a:off x="541609" y="426301"/>
+            <a:ext cx="8578726" cy="749992"/>
           </a:xfrm>
         </p:spPr>
         <p:txBody>
@@ -20950,7 +20813,7 @@
                 <a:latin typeface="Segoe UI Light" panose="020B0502040204020203" pitchFamily="34" charset="0"/>
                 <a:cs typeface="Segoe UI Light" panose="020B0502040204020203" pitchFamily="34" charset="0"/>
               </a:rPr>
-              <a:t>Deployment</a:t>
+              <a:t>Demo time</a:t>
             </a:r>
           </a:p>
         </p:txBody>
@@ -21198,8 +21061,8 @@
         </p:nvSpPr>
         <p:spPr>
           <a:xfrm>
-            <a:off x="541608" y="1060998"/>
-            <a:ext cx="10971964" cy="5370701"/>
+            <a:off x="610018" y="1102145"/>
+            <a:ext cx="10971964" cy="3753463"/>
           </a:xfrm>
           <a:prstGeom prst="rect">
             <a:avLst/>
@@ -21211,120 +21074,6 @@
             <a:spAutoFit/>
           </a:bodyPr>
           <a:lstStyle/>
-          <a:p>
-            <a:pPr marL="914400" lvl="1" indent="-457200">
-              <a:buFont typeface="Arial" panose="020B0604020202020204" pitchFamily="34" charset="0"/>
-              <a:buChar char="•"/>
-            </a:pPr>
-            <a:endParaRPr lang="en-GB" sz="1100" dirty="0">
-              <a:solidFill>
-                <a:schemeClr val="bg2">
-                  <a:lumMod val="25000"/>
-                </a:schemeClr>
-              </a:solidFill>
-              <a:latin typeface="Segoe UI Light" panose="020B0502040204020203" pitchFamily="34" charset="0"/>
-              <a:cs typeface="Segoe UI Light" panose="020B0502040204020203" pitchFamily="34" charset="0"/>
-            </a:endParaRPr>
-          </a:p>
-          <a:p>
-            <a:pPr marL="914400" lvl="1" indent="-457200">
-              <a:buFont typeface="Arial" panose="020B0604020202020204" pitchFamily="34" charset="0"/>
-              <a:buChar char="•"/>
-            </a:pPr>
-            <a:endParaRPr lang="en-GB" sz="3200" dirty="0">
-              <a:solidFill>
-                <a:schemeClr val="bg2">
-                  <a:lumMod val="25000"/>
-                </a:schemeClr>
-              </a:solidFill>
-              <a:latin typeface="Segoe UI Light" panose="020B0502040204020203" pitchFamily="34" charset="0"/>
-              <a:cs typeface="Segoe UI Light" panose="020B0502040204020203" pitchFamily="34" charset="0"/>
-            </a:endParaRPr>
-          </a:p>
-          <a:p>
-            <a:pPr lvl="1"/>
-            <a:r>
-              <a:rPr lang="en-GB" sz="3200" dirty="0">
-                <a:solidFill>
-                  <a:schemeClr val="bg2">
-                    <a:lumMod val="25000"/>
-                  </a:schemeClr>
-                </a:solidFill>
-                <a:latin typeface="Segoe UI Light" panose="020B0502040204020203" pitchFamily="34" charset="0"/>
-                <a:cs typeface="Segoe UI Light" panose="020B0502040204020203" pitchFamily="34" charset="0"/>
-              </a:rPr>
-              <a:t>How to deploy Web Components as a third party:</a:t>
-            </a:r>
-          </a:p>
-          <a:p>
-            <a:pPr marL="914400" lvl="1" indent="-457200">
-              <a:buFont typeface="Arial" panose="020B0604020202020204" pitchFamily="34" charset="0"/>
-              <a:buChar char="•"/>
-            </a:pPr>
-            <a:endParaRPr lang="en-GB" sz="3200" dirty="0">
-              <a:solidFill>
-                <a:schemeClr val="bg2">
-                  <a:lumMod val="25000"/>
-                </a:schemeClr>
-              </a:solidFill>
-              <a:latin typeface="Segoe UI Light" panose="020B0502040204020203" pitchFamily="34" charset="0"/>
-              <a:cs typeface="Segoe UI Light" panose="020B0502040204020203" pitchFamily="34" charset="0"/>
-            </a:endParaRPr>
-          </a:p>
-          <a:p>
-            <a:pPr marL="914400" lvl="1" indent="-457200">
-              <a:buFont typeface="Arial" panose="020B0604020202020204" pitchFamily="34" charset="0"/>
-              <a:buChar char="•"/>
-            </a:pPr>
-            <a:r>
-              <a:rPr lang="en-GB" sz="3200" dirty="0">
-                <a:solidFill>
-                  <a:schemeClr val="bg2">
-                    <a:lumMod val="25000"/>
-                  </a:schemeClr>
-                </a:solidFill>
-                <a:latin typeface="Segoe UI Light" panose="020B0502040204020203" pitchFamily="34" charset="0"/>
-                <a:cs typeface="Segoe UI Light" panose="020B0502040204020203" pitchFamily="34" charset="0"/>
-              </a:rPr>
-              <a:t>In HTML pages as we have seen.</a:t>
-            </a:r>
-          </a:p>
-          <a:p>
-            <a:pPr marL="914400" lvl="1" indent="-457200">
-              <a:buFont typeface="Arial" panose="020B0604020202020204" pitchFamily="34" charset="0"/>
-              <a:buChar char="•"/>
-            </a:pPr>
-            <a:r>
-              <a:rPr lang="en-GB" sz="3200" dirty="0">
-                <a:solidFill>
-                  <a:schemeClr val="bg2">
-                    <a:lumMod val="25000"/>
-                  </a:schemeClr>
-                </a:solidFill>
-                <a:latin typeface="Segoe UI Light" panose="020B0502040204020203" pitchFamily="34" charset="0"/>
-                <a:cs typeface="Segoe UI Light" panose="020B0502040204020203" pitchFamily="34" charset="0"/>
-              </a:rPr>
-              <a:t>Via NPM we can import into builds.</a:t>
-            </a:r>
-          </a:p>
-          <a:p>
-            <a:pPr marL="914400" lvl="1" indent="-457200">
-              <a:buFont typeface="Arial" panose="020B0604020202020204" pitchFamily="34" charset="0"/>
-              <a:buChar char="•"/>
-            </a:pPr>
-            <a:r>
-              <a:rPr lang="en-GB" sz="3200" dirty="0">
-                <a:solidFill>
-                  <a:schemeClr val="bg2">
-                    <a:lumMod val="25000"/>
-                  </a:schemeClr>
-                </a:solidFill>
-                <a:latin typeface="Segoe UI Light" panose="020B0502040204020203" pitchFamily="34" charset="0"/>
-                <a:cs typeface="Segoe UI Light" panose="020B0502040204020203" pitchFamily="34" charset="0"/>
-              </a:rPr>
-              <a:t>For Angular, Vue, React etc, there are well documented procedures, (e.g. https://stenciljs.com/docs/framework-bindings)</a:t>
-            </a:r>
-          </a:p>
           <a:p>
             <a:pPr marL="457200" lvl="1" indent="0">
               <a:buNone/>
@@ -21343,7 +21092,24 @@
             <a:pPr marL="457200" lvl="1" indent="0">
               <a:buNone/>
             </a:pPr>
-            <a:endParaRPr lang="en-GB" sz="3800" dirty="0">
+            <a:r>
+              <a:rPr lang="en-GB" sz="3800" dirty="0">
+                <a:solidFill>
+                  <a:schemeClr val="bg2">
+                    <a:lumMod val="25000"/>
+                  </a:schemeClr>
+                </a:solidFill>
+                <a:latin typeface="Segoe UI Light" panose="020B0502040204020203" pitchFamily="34" charset="0"/>
+                <a:cs typeface="Segoe UI Light" panose="020B0502040204020203" pitchFamily="34" charset="0"/>
+              </a:rPr>
+              <a:t>This will help give context to the workshop:</a:t>
+            </a:r>
+          </a:p>
+          <a:p>
+            <a:pPr marL="457200" lvl="1" indent="0">
+              <a:buNone/>
+            </a:pPr>
+            <a:endParaRPr lang="en-GB" sz="1600" dirty="0">
               <a:solidFill>
                 <a:schemeClr val="bg2">
                   <a:lumMod val="25000"/>
@@ -21353,12 +21119,106 @@
               <a:cs typeface="Segoe UI Light" panose="020B0502040204020203" pitchFamily="34" charset="0"/>
             </a:endParaRPr>
           </a:p>
+          <a:p>
+            <a:pPr marL="457200" lvl="1" indent="0">
+              <a:lnSpc>
+                <a:spcPts val="4500"/>
+              </a:lnSpc>
+              <a:buNone/>
+            </a:pPr>
+            <a:r>
+              <a:rPr lang="en-GB" sz="2800" b="1" dirty="0">
+                <a:solidFill>
+                  <a:schemeClr val="bg2">
+                    <a:lumMod val="25000"/>
+                  </a:schemeClr>
+                </a:solidFill>
+                <a:latin typeface="Segoe UI Light" panose="020B0502040204020203" pitchFamily="34" charset="0"/>
+                <a:cs typeface="Segoe UI Light" panose="020B0502040204020203" pitchFamily="34" charset="0"/>
+              </a:rPr>
+              <a:t>1. Business case (1) site: WordPress converted to Micro Apps.</a:t>
+            </a:r>
+          </a:p>
+          <a:p>
+            <a:pPr lvl="1">
+              <a:lnSpc>
+                <a:spcPts val="4500"/>
+              </a:lnSpc>
+            </a:pPr>
+            <a:r>
+              <a:rPr lang="en-GB" sz="2800" dirty="0">
+                <a:solidFill>
+                  <a:srgbClr val="0070C0"/>
+                </a:solidFill>
+                <a:latin typeface="Segoe UI Light" panose="020B0502040204020203" pitchFamily="34" charset="0"/>
+                <a:cs typeface="Segoe UI Light" panose="020B0502040204020203" pitchFamily="34" charset="0"/>
+                <a:hlinkClick r:id="rId2">
+                  <a:extLst>
+                    <a:ext uri="{A12FA001-AC4F-418D-AE19-62706E023703}">
+                      <ahyp:hlinkClr xmlns:ahyp="http://schemas.microsoft.com/office/drawing/2018/hyperlinkcolor" val="tx"/>
+                    </a:ext>
+                  </a:extLst>
+                </a:hlinkClick>
+              </a:rPr>
+              <a:t>https://wpjs.co.uk/demo1</a:t>
+            </a:r>
+            <a:r>
+              <a:rPr lang="en-GB" sz="2800" dirty="0">
+                <a:solidFill>
+                  <a:srgbClr val="0070C0"/>
+                </a:solidFill>
+                <a:latin typeface="Segoe UI Light" panose="020B0502040204020203" pitchFamily="34" charset="0"/>
+                <a:cs typeface="Segoe UI Light" panose="020B0502040204020203" pitchFamily="34" charset="0"/>
+              </a:rPr>
+              <a:t> (in repo)</a:t>
+            </a:r>
+          </a:p>
+          <a:p>
+            <a:pPr lvl="1">
+              <a:lnSpc>
+                <a:spcPts val="4500"/>
+              </a:lnSpc>
+            </a:pPr>
+            <a:r>
+              <a:rPr lang="en-GB" sz="2800" b="1" dirty="0">
+                <a:solidFill>
+                  <a:schemeClr val="bg2">
+                    <a:lumMod val="25000"/>
+                  </a:schemeClr>
+                </a:solidFill>
+                <a:latin typeface="Segoe UI Light" panose="020B0502040204020203" pitchFamily="34" charset="0"/>
+                <a:cs typeface="Segoe UI Light" panose="020B0502040204020203" pitchFamily="34" charset="0"/>
+              </a:rPr>
+              <a:t>2. Conference app: MVP of many frameworks working together as separate </a:t>
+            </a:r>
+            <a:r>
+              <a:rPr lang="en-GB" sz="2800" b="1">
+                <a:solidFill>
+                  <a:schemeClr val="bg2">
+                    <a:lumMod val="25000"/>
+                  </a:schemeClr>
+                </a:solidFill>
+                <a:latin typeface="Segoe UI Light" panose="020B0502040204020203" pitchFamily="34" charset="0"/>
+                <a:cs typeface="Segoe UI Light" panose="020B0502040204020203" pitchFamily="34" charset="0"/>
+              </a:rPr>
+              <a:t>and independent Micro Apps.</a:t>
+            </a:r>
+            <a:endParaRPr lang="en-GB" sz="2800" b="1" dirty="0">
+              <a:solidFill>
+                <a:schemeClr val="bg2">
+                  <a:lumMod val="25000"/>
+                </a:schemeClr>
+              </a:solidFill>
+              <a:latin typeface="Segoe UI Light" panose="020B0502040204020203" pitchFamily="34" charset="0"/>
+              <a:cs typeface="Segoe UI Light" panose="020B0502040204020203" pitchFamily="34" charset="0"/>
+            </a:endParaRPr>
+          </a:p>
         </p:txBody>
       </p:sp>
     </p:spTree>
     <p:extLst>
       <p:ext uri="{BB962C8B-B14F-4D97-AF65-F5344CB8AC3E}">
-        <p14:creationId xmlns:p14="http://schemas.microsoft.com/office/powerpoint/2010/main" val="673831935"/>
+        <p14:creationId xmlns:p14="http://schemas.microsoft.com/office/powerpoint/2010/main" val="2710248439"/>
       </p:ext>
     </p:extLst>
   </p:cSld>
@@ -21412,7 +21272,7 @@
                 <a:latin typeface="Segoe UI Light" panose="020B0502040204020203" pitchFamily="34" charset="0"/>
                 <a:cs typeface="Segoe UI Light" panose="020B0502040204020203" pitchFamily="34" charset="0"/>
               </a:rPr>
-              <a:t>Summary</a:t>
+              <a:t>Converting Frameworks to Web Components</a:t>
             </a:r>
           </a:p>
         </p:txBody>
@@ -21660,8 +21520,8 @@
         </p:nvSpPr>
         <p:spPr>
           <a:xfrm>
-            <a:off x="202395" y="1532947"/>
-            <a:ext cx="10971964" cy="4693593"/>
+            <a:off x="541608" y="1691065"/>
+            <a:ext cx="10971964" cy="5370701"/>
           </a:xfrm>
           <a:prstGeom prst="rect">
             <a:avLst/>
@@ -21693,20 +21553,8 @@
               <a:buFont typeface="Arial" panose="020B0604020202020204" pitchFamily="34" charset="0"/>
               <a:buChar char="•"/>
             </a:pPr>
-            <a:endParaRPr lang="en-GB" sz="3200" dirty="0">
-              <a:solidFill>
-                <a:schemeClr val="bg2">
-                  <a:lumMod val="25000"/>
-                </a:schemeClr>
-              </a:solidFill>
-              <a:latin typeface="Segoe UI Light" panose="020B0502040204020203" pitchFamily="34" charset="0"/>
-              <a:cs typeface="Segoe UI Light" panose="020B0502040204020203" pitchFamily="34" charset="0"/>
-            </a:endParaRPr>
-          </a:p>
-          <a:p>
-            <a:pPr lvl="1" algn="ctr"/>
             <a:r>
-              <a:rPr lang="fr-FR" sz="6000" dirty="0">
+              <a:rPr lang="en-GB" sz="3200" dirty="0">
                 <a:solidFill>
                   <a:schemeClr val="bg2">
                     <a:lumMod val="25000"/>
@@ -21715,13 +21563,16 @@
                 <a:latin typeface="Segoe UI Light" panose="020B0502040204020203" pitchFamily="34" charset="0"/>
                 <a:cs typeface="Segoe UI Light" panose="020B0502040204020203" pitchFamily="34" charset="0"/>
               </a:rPr>
-              <a:t>Craig West</a:t>
+              <a:t>Angular: https://angular.io/guide/elements</a:t>
             </a:r>
           </a:p>
           <a:p>
-            <a:pPr lvl="1" algn="ctr"/>
+            <a:pPr marL="914400" lvl="1" indent="-457200">
+              <a:buFont typeface="Arial" panose="020B0604020202020204" pitchFamily="34" charset="0"/>
+              <a:buChar char="•"/>
+            </a:pPr>
             <a:r>
-              <a:rPr lang="fr-FR" sz="6000" dirty="0">
+              <a:rPr lang="en-GB" sz="3200" dirty="0">
                 <a:solidFill>
                   <a:schemeClr val="bg2">
                     <a:lumMod val="25000"/>
@@ -21730,13 +21581,16 @@
                 <a:latin typeface="Segoe UI Light" panose="020B0502040204020203" pitchFamily="34" charset="0"/>
                 <a:cs typeface="Segoe UI Light" panose="020B0502040204020203" pitchFamily="34" charset="0"/>
               </a:rPr>
-              <a:t>wpjs.co.uk</a:t>
+              <a:t>Vue: https://www.npmjs.com/package/vue-custom-element</a:t>
             </a:r>
           </a:p>
           <a:p>
-            <a:pPr lvl="1" algn="ctr"/>
+            <a:pPr marL="914400" lvl="1" indent="-457200">
+              <a:buFont typeface="Arial" panose="020B0604020202020204" pitchFamily="34" charset="0"/>
+              <a:buChar char="•"/>
+            </a:pPr>
             <a:r>
-              <a:rPr lang="fr-FR" sz="6000" dirty="0">
+              <a:rPr lang="en-GB" sz="3200" dirty="0">
                 <a:solidFill>
                   <a:schemeClr val="bg2">
                     <a:lumMod val="25000"/>
@@ -21745,7 +21599,43 @@
                 <a:latin typeface="Segoe UI Light" panose="020B0502040204020203" pitchFamily="34" charset="0"/>
                 <a:cs typeface="Segoe UI Light" panose="020B0502040204020203" pitchFamily="34" charset="0"/>
               </a:rPr>
-              <a:t>craig@wpjs.co.uk</a:t>
+              <a:t>Vue: https://github.com/karol-f/vue-custom-element#demo</a:t>
+            </a:r>
+          </a:p>
+          <a:p>
+            <a:pPr marL="914400" lvl="1" indent="-457200">
+              <a:buFont typeface="Arial" panose="020B0604020202020204" pitchFamily="34" charset="0"/>
+              <a:buChar char="•"/>
+            </a:pPr>
+            <a:r>
+              <a:rPr lang="en-GB" sz="3200" dirty="0">
+                <a:solidFill>
+                  <a:schemeClr val="bg2">
+                    <a:lumMod val="25000"/>
+                  </a:schemeClr>
+                </a:solidFill>
+                <a:latin typeface="Segoe UI Light" panose="020B0502040204020203" pitchFamily="34" charset="0"/>
+                <a:cs typeface="Segoe UI Light" panose="020B0502040204020203" pitchFamily="34" charset="0"/>
+              </a:rPr>
+              <a:t>React: https://github.com/LukasBombach/react-web-component</a:t>
+            </a:r>
+          </a:p>
+          <a:p>
+            <a:pPr marL="914400" lvl="1" indent="-457200">
+              <a:buFont typeface="Arial" panose="020B0604020202020204" pitchFamily="34" charset="0"/>
+              <a:buChar char="•"/>
+            </a:pPr>
+            <a:r>
+              <a:rPr lang="en-GB" sz="3200" i="1" dirty="0">
+                <a:solidFill>
+                  <a:schemeClr val="bg2">
+                    <a:lumMod val="25000"/>
+                  </a:schemeClr>
+                </a:solidFill>
+                <a:latin typeface="Segoe UI Light" panose="020B0502040204020203" pitchFamily="34" charset="0"/>
+                <a:cs typeface="Segoe UI Light" panose="020B0502040204020203" pitchFamily="34" charset="0"/>
+              </a:rPr>
+              <a:t>Many others: https://webcomponents.dev/</a:t>
             </a:r>
           </a:p>
           <a:p>
@@ -21781,7 +21671,469 @@
     </p:spTree>
     <p:extLst>
       <p:ext uri="{BB962C8B-B14F-4D97-AF65-F5344CB8AC3E}">
-        <p14:creationId xmlns:p14="http://schemas.microsoft.com/office/powerpoint/2010/main" val="4292004696"/>
+        <p14:creationId xmlns:p14="http://schemas.microsoft.com/office/powerpoint/2010/main" val="2544231288"/>
+      </p:ext>
+    </p:extLst>
+  </p:cSld>
+  <p:clrMapOvr>
+    <a:masterClrMapping/>
+  </p:clrMapOvr>
+</p:sld>
+</file>
+
+<file path=ppt/slides/slide39.xml><?xml version="1.0" encoding="utf-8"?>
+<p:sld xmlns:a="http://schemas.openxmlformats.org/drawingml/2006/main" xmlns:r="http://schemas.openxmlformats.org/officeDocument/2006/relationships" xmlns:p="http://schemas.openxmlformats.org/presentationml/2006/main">
+  <p:cSld>
+    <p:spTree>
+      <p:nvGrpSpPr>
+        <p:cNvPr id="1" name=""/>
+        <p:cNvGrpSpPr/>
+        <p:nvPr/>
+      </p:nvGrpSpPr>
+      <p:grpSpPr>
+        <a:xfrm>
+          <a:off x="0" y="0"/>
+          <a:ext cx="0" cy="0"/>
+          <a:chOff x="0" y="0"/>
+          <a:chExt cx="0" cy="0"/>
+        </a:xfrm>
+      </p:grpSpPr>
+      <p:sp>
+        <p:nvSpPr>
+          <p:cNvPr id="4" name="Title 3"/>
+          <p:cNvSpPr>
+            <a:spLocks noGrp="1"/>
+          </p:cNvSpPr>
+          <p:nvPr>
+            <p:ph type="title"/>
+          </p:nvPr>
+        </p:nvSpPr>
+        <p:spPr>
+          <a:xfrm>
+            <a:off x="541608" y="426301"/>
+            <a:ext cx="10293539" cy="749992"/>
+          </a:xfrm>
+        </p:spPr>
+        <p:txBody>
+          <a:bodyPr>
+            <a:noAutofit/>
+          </a:bodyPr>
+          <a:lstStyle/>
+          <a:p>
+            <a:r>
+              <a:rPr lang="en-US" sz="4000" dirty="0">
+                <a:latin typeface="Segoe UI Light" panose="020B0502040204020203" pitchFamily="34" charset="0"/>
+                <a:cs typeface="Segoe UI Light" panose="020B0502040204020203" pitchFamily="34" charset="0"/>
+              </a:rPr>
+              <a:t>Deployment</a:t>
+            </a:r>
+          </a:p>
+        </p:txBody>
+      </p:sp>
+      <p:sp>
+        <p:nvSpPr>
+          <p:cNvPr id="25" name="Content Placeholder 17"/>
+          <p:cNvSpPr txBox="1">
+            <a:spLocks/>
+          </p:cNvSpPr>
+          <p:nvPr/>
+        </p:nvSpPr>
+        <p:spPr>
+          <a:xfrm>
+            <a:off x="541609" y="1455491"/>
+            <a:ext cx="5110161" cy="471149"/>
+          </a:xfrm>
+          <a:prstGeom prst="rect">
+            <a:avLst/>
+          </a:prstGeom>
+        </p:spPr>
+        <p:txBody>
+          <a:bodyPr vert="horz" lIns="91440" tIns="45720" rIns="91440" bIns="45720" rtlCol="0">
+            <a:normAutofit/>
+          </a:bodyPr>
+          <a:lstStyle>
+            <a:lvl1pPr marL="228600" indent="-228600" algn="l" defTabSz="914400" rtl="0" eaLnBrk="1" latinLnBrk="0" hangingPunct="1">
+              <a:lnSpc>
+                <a:spcPts val="1800"/>
+              </a:lnSpc>
+              <a:spcBef>
+                <a:spcPts val="1000"/>
+              </a:spcBef>
+              <a:spcAft>
+                <a:spcPts val="1000"/>
+              </a:spcAft>
+              <a:buFont typeface="Arial" panose="020B0604020202020204" pitchFamily="34" charset="0"/>
+              <a:buChar char="•"/>
+              <a:defRPr lang="en-US" sz="1200" kern="1200" smtClean="0">
+                <a:solidFill>
+                  <a:schemeClr val="tx1">
+                    <a:lumMod val="75000"/>
+                    <a:lumOff val="25000"/>
+                  </a:schemeClr>
+                </a:solidFill>
+                <a:latin typeface="+mn-lt"/>
+                <a:ea typeface="+mn-ea"/>
+                <a:cs typeface="+mn-cs"/>
+              </a:defRPr>
+            </a:lvl1pPr>
+            <a:lvl2pPr marL="685800" indent="-228600" algn="l" defTabSz="914400" rtl="0" eaLnBrk="1" latinLnBrk="0" hangingPunct="1">
+              <a:lnSpc>
+                <a:spcPts val="1800"/>
+              </a:lnSpc>
+              <a:spcBef>
+                <a:spcPts val="1000"/>
+              </a:spcBef>
+              <a:spcAft>
+                <a:spcPts val="1000"/>
+              </a:spcAft>
+              <a:buFont typeface="Arial" panose="020B0604020202020204" pitchFamily="34" charset="0"/>
+              <a:buChar char="•"/>
+              <a:defRPr lang="en-US" sz="1200" kern="1200" smtClean="0">
+                <a:solidFill>
+                  <a:schemeClr val="tx1">
+                    <a:lumMod val="75000"/>
+                    <a:lumOff val="25000"/>
+                  </a:schemeClr>
+                </a:solidFill>
+                <a:latin typeface="+mn-lt"/>
+                <a:ea typeface="+mn-ea"/>
+                <a:cs typeface="+mn-cs"/>
+              </a:defRPr>
+            </a:lvl2pPr>
+            <a:lvl3pPr marL="1143000" indent="-228600" algn="l" defTabSz="914400" rtl="0" eaLnBrk="1" latinLnBrk="0" hangingPunct="1">
+              <a:lnSpc>
+                <a:spcPts val="1800"/>
+              </a:lnSpc>
+              <a:spcBef>
+                <a:spcPts val="1000"/>
+              </a:spcBef>
+              <a:spcAft>
+                <a:spcPts val="1000"/>
+              </a:spcAft>
+              <a:buFont typeface="Arial" panose="020B0604020202020204" pitchFamily="34" charset="0"/>
+              <a:buChar char="•"/>
+              <a:defRPr lang="en-US" sz="1200" kern="1200" smtClean="0">
+                <a:solidFill>
+                  <a:schemeClr val="tx1">
+                    <a:lumMod val="75000"/>
+                    <a:lumOff val="25000"/>
+                  </a:schemeClr>
+                </a:solidFill>
+                <a:latin typeface="+mn-lt"/>
+                <a:ea typeface="+mn-ea"/>
+                <a:cs typeface="+mn-cs"/>
+              </a:defRPr>
+            </a:lvl3pPr>
+            <a:lvl4pPr marL="1600200" indent="-228600" algn="l" defTabSz="914400" rtl="0" eaLnBrk="1" latinLnBrk="0" hangingPunct="1">
+              <a:lnSpc>
+                <a:spcPts val="1800"/>
+              </a:lnSpc>
+              <a:spcBef>
+                <a:spcPts val="1000"/>
+              </a:spcBef>
+              <a:spcAft>
+                <a:spcPts val="1000"/>
+              </a:spcAft>
+              <a:buFont typeface="Arial" panose="020B0604020202020204" pitchFamily="34" charset="0"/>
+              <a:buChar char="•"/>
+              <a:defRPr lang="en-US" sz="1200" kern="1200" smtClean="0">
+                <a:solidFill>
+                  <a:schemeClr val="tx1">
+                    <a:lumMod val="75000"/>
+                    <a:lumOff val="25000"/>
+                  </a:schemeClr>
+                </a:solidFill>
+                <a:latin typeface="+mn-lt"/>
+                <a:ea typeface="+mn-ea"/>
+                <a:cs typeface="+mn-cs"/>
+              </a:defRPr>
+            </a:lvl4pPr>
+            <a:lvl5pPr marL="2057400" indent="-228600" algn="l" defTabSz="914400" rtl="0" eaLnBrk="1" latinLnBrk="0" hangingPunct="1">
+              <a:lnSpc>
+                <a:spcPts val="1800"/>
+              </a:lnSpc>
+              <a:spcBef>
+                <a:spcPts val="1000"/>
+              </a:spcBef>
+              <a:spcAft>
+                <a:spcPts val="1000"/>
+              </a:spcAft>
+              <a:buFont typeface="Arial" panose="020B0604020202020204" pitchFamily="34" charset="0"/>
+              <a:buChar char="•"/>
+              <a:defRPr lang="en-US" sz="1200" kern="1200">
+                <a:solidFill>
+                  <a:schemeClr val="tx1">
+                    <a:lumMod val="75000"/>
+                    <a:lumOff val="25000"/>
+                  </a:schemeClr>
+                </a:solidFill>
+                <a:latin typeface="+mn-lt"/>
+                <a:ea typeface="+mn-ea"/>
+                <a:cs typeface="+mn-cs"/>
+              </a:defRPr>
+            </a:lvl5pPr>
+            <a:lvl6pPr marL="2514600" indent="-228600" algn="l" defTabSz="914400" rtl="0" eaLnBrk="1" latinLnBrk="0" hangingPunct="1">
+              <a:lnSpc>
+                <a:spcPct val="90000"/>
+              </a:lnSpc>
+              <a:spcBef>
+                <a:spcPct val="30000"/>
+              </a:spcBef>
+              <a:buFont typeface="Arial" panose="020B0604020202020204" pitchFamily="34" charset="0"/>
+              <a:buChar char="•"/>
+              <a:defRPr sz="1800" kern="1200">
+                <a:solidFill>
+                  <a:schemeClr val="tx1"/>
+                </a:solidFill>
+                <a:latin typeface="+mn-lt"/>
+                <a:ea typeface="+mn-ea"/>
+                <a:cs typeface="+mn-cs"/>
+              </a:defRPr>
+            </a:lvl6pPr>
+            <a:lvl7pPr marL="2971800" indent="-228600" algn="l" defTabSz="914400" rtl="0" eaLnBrk="1" latinLnBrk="0" hangingPunct="1">
+              <a:lnSpc>
+                <a:spcPct val="90000"/>
+              </a:lnSpc>
+              <a:spcBef>
+                <a:spcPct val="30000"/>
+              </a:spcBef>
+              <a:buFont typeface="Arial" panose="020B0604020202020204" pitchFamily="34" charset="0"/>
+              <a:buChar char="•"/>
+              <a:defRPr sz="1800" kern="1200">
+                <a:solidFill>
+                  <a:schemeClr val="tx1"/>
+                </a:solidFill>
+                <a:latin typeface="+mn-lt"/>
+                <a:ea typeface="+mn-ea"/>
+                <a:cs typeface="+mn-cs"/>
+              </a:defRPr>
+            </a:lvl7pPr>
+            <a:lvl8pPr marL="3429000" indent="-228600" algn="l" defTabSz="914400" rtl="0" eaLnBrk="1" latinLnBrk="0" hangingPunct="1">
+              <a:lnSpc>
+                <a:spcPct val="90000"/>
+              </a:lnSpc>
+              <a:spcBef>
+                <a:spcPct val="30000"/>
+              </a:spcBef>
+              <a:buFont typeface="Arial" panose="020B0604020202020204" pitchFamily="34" charset="0"/>
+              <a:buChar char="•"/>
+              <a:defRPr sz="1800" kern="1200">
+                <a:solidFill>
+                  <a:schemeClr val="tx1"/>
+                </a:solidFill>
+                <a:latin typeface="+mn-lt"/>
+                <a:ea typeface="+mn-ea"/>
+                <a:cs typeface="+mn-cs"/>
+              </a:defRPr>
+            </a:lvl8pPr>
+            <a:lvl9pPr marL="3886200" indent="-228600" algn="l" defTabSz="914400" rtl="0" eaLnBrk="1" latinLnBrk="0" hangingPunct="1">
+              <a:lnSpc>
+                <a:spcPct val="90000"/>
+              </a:lnSpc>
+              <a:spcBef>
+                <a:spcPct val="30000"/>
+              </a:spcBef>
+              <a:buFont typeface="Arial" panose="020B0604020202020204" pitchFamily="34" charset="0"/>
+              <a:buChar char="•"/>
+              <a:defRPr sz="1800" kern="1200">
+                <a:solidFill>
+                  <a:schemeClr val="tx1"/>
+                </a:solidFill>
+                <a:latin typeface="+mn-lt"/>
+                <a:ea typeface="+mn-ea"/>
+                <a:cs typeface="+mn-cs"/>
+              </a:defRPr>
+            </a:lvl9pPr>
+          </a:lstStyle>
+          <a:p>
+            <a:pPr marL="0" indent="0">
+              <a:spcAft>
+                <a:spcPts val="2000"/>
+              </a:spcAft>
+              <a:buNone/>
+            </a:pPr>
+            <a:endParaRPr lang="en-US" sz="1800" dirty="0">
+              <a:latin typeface="Segoe UI" panose="020B0502040204020203" pitchFamily="34" charset="0"/>
+              <a:cs typeface="Segoe UI" panose="020B0502040204020203" pitchFamily="34" charset="0"/>
+            </a:endParaRPr>
+          </a:p>
+        </p:txBody>
+      </p:sp>
+      <p:sp>
+        <p:nvSpPr>
+          <p:cNvPr id="8" name="TextBox 7">
+            <a:extLst>
+              <a:ext uri="{FF2B5EF4-FFF2-40B4-BE49-F238E27FC236}">
+                <a16:creationId xmlns:a16="http://schemas.microsoft.com/office/drawing/2014/main" id="{D4329088-EA16-420B-B145-A30265C6D3B4}"/>
+              </a:ext>
+            </a:extLst>
+          </p:cNvPr>
+          <p:cNvSpPr txBox="1"/>
+          <p:nvPr/>
+        </p:nvSpPr>
+        <p:spPr>
+          <a:xfrm>
+            <a:off x="541608" y="1060998"/>
+            <a:ext cx="10971964" cy="5370701"/>
+          </a:xfrm>
+          <a:prstGeom prst="rect">
+            <a:avLst/>
+          </a:prstGeom>
+          <a:noFill/>
+        </p:spPr>
+        <p:txBody>
+          <a:bodyPr wrap="square">
+            <a:spAutoFit/>
+          </a:bodyPr>
+          <a:lstStyle/>
+          <a:p>
+            <a:pPr marL="914400" lvl="1" indent="-457200">
+              <a:buFont typeface="Arial" panose="020B0604020202020204" pitchFamily="34" charset="0"/>
+              <a:buChar char="•"/>
+            </a:pPr>
+            <a:endParaRPr lang="en-GB" sz="1100" dirty="0">
+              <a:solidFill>
+                <a:schemeClr val="bg2">
+                  <a:lumMod val="25000"/>
+                </a:schemeClr>
+              </a:solidFill>
+              <a:latin typeface="Segoe UI Light" panose="020B0502040204020203" pitchFamily="34" charset="0"/>
+              <a:cs typeface="Segoe UI Light" panose="020B0502040204020203" pitchFamily="34" charset="0"/>
+            </a:endParaRPr>
+          </a:p>
+          <a:p>
+            <a:pPr marL="914400" lvl="1" indent="-457200">
+              <a:buFont typeface="Arial" panose="020B0604020202020204" pitchFamily="34" charset="0"/>
+              <a:buChar char="•"/>
+            </a:pPr>
+            <a:endParaRPr lang="en-GB" sz="3200" dirty="0">
+              <a:solidFill>
+                <a:schemeClr val="bg2">
+                  <a:lumMod val="25000"/>
+                </a:schemeClr>
+              </a:solidFill>
+              <a:latin typeface="Segoe UI Light" panose="020B0502040204020203" pitchFamily="34" charset="0"/>
+              <a:cs typeface="Segoe UI Light" panose="020B0502040204020203" pitchFamily="34" charset="0"/>
+            </a:endParaRPr>
+          </a:p>
+          <a:p>
+            <a:pPr lvl="1"/>
+            <a:r>
+              <a:rPr lang="en-GB" sz="3200" dirty="0">
+                <a:solidFill>
+                  <a:schemeClr val="bg2">
+                    <a:lumMod val="25000"/>
+                  </a:schemeClr>
+                </a:solidFill>
+                <a:latin typeface="Segoe UI Light" panose="020B0502040204020203" pitchFamily="34" charset="0"/>
+                <a:cs typeface="Segoe UI Light" panose="020B0502040204020203" pitchFamily="34" charset="0"/>
+              </a:rPr>
+              <a:t>How to deploy Web Components as a third party:</a:t>
+            </a:r>
+          </a:p>
+          <a:p>
+            <a:pPr marL="914400" lvl="1" indent="-457200">
+              <a:buFont typeface="Arial" panose="020B0604020202020204" pitchFamily="34" charset="0"/>
+              <a:buChar char="•"/>
+            </a:pPr>
+            <a:endParaRPr lang="en-GB" sz="3200" dirty="0">
+              <a:solidFill>
+                <a:schemeClr val="bg2">
+                  <a:lumMod val="25000"/>
+                </a:schemeClr>
+              </a:solidFill>
+              <a:latin typeface="Segoe UI Light" panose="020B0502040204020203" pitchFamily="34" charset="0"/>
+              <a:cs typeface="Segoe UI Light" panose="020B0502040204020203" pitchFamily="34" charset="0"/>
+            </a:endParaRPr>
+          </a:p>
+          <a:p>
+            <a:pPr marL="914400" lvl="1" indent="-457200">
+              <a:buFont typeface="Arial" panose="020B0604020202020204" pitchFamily="34" charset="0"/>
+              <a:buChar char="•"/>
+            </a:pPr>
+            <a:r>
+              <a:rPr lang="en-GB" sz="3200" dirty="0">
+                <a:solidFill>
+                  <a:schemeClr val="bg2">
+                    <a:lumMod val="25000"/>
+                  </a:schemeClr>
+                </a:solidFill>
+                <a:latin typeface="Segoe UI Light" panose="020B0502040204020203" pitchFamily="34" charset="0"/>
+                <a:cs typeface="Segoe UI Light" panose="020B0502040204020203" pitchFamily="34" charset="0"/>
+              </a:rPr>
+              <a:t>In HTML pages as we have seen.</a:t>
+            </a:r>
+          </a:p>
+          <a:p>
+            <a:pPr marL="914400" lvl="1" indent="-457200">
+              <a:buFont typeface="Arial" panose="020B0604020202020204" pitchFamily="34" charset="0"/>
+              <a:buChar char="•"/>
+            </a:pPr>
+            <a:r>
+              <a:rPr lang="en-GB" sz="3200" dirty="0">
+                <a:solidFill>
+                  <a:schemeClr val="bg2">
+                    <a:lumMod val="25000"/>
+                  </a:schemeClr>
+                </a:solidFill>
+                <a:latin typeface="Segoe UI Light" panose="020B0502040204020203" pitchFamily="34" charset="0"/>
+                <a:cs typeface="Segoe UI Light" panose="020B0502040204020203" pitchFamily="34" charset="0"/>
+              </a:rPr>
+              <a:t>Via NPM we can import into builds.</a:t>
+            </a:r>
+          </a:p>
+          <a:p>
+            <a:pPr marL="914400" lvl="1" indent="-457200">
+              <a:buFont typeface="Arial" panose="020B0604020202020204" pitchFamily="34" charset="0"/>
+              <a:buChar char="•"/>
+            </a:pPr>
+            <a:r>
+              <a:rPr lang="en-GB" sz="3200" dirty="0">
+                <a:solidFill>
+                  <a:schemeClr val="bg2">
+                    <a:lumMod val="25000"/>
+                  </a:schemeClr>
+                </a:solidFill>
+                <a:latin typeface="Segoe UI Light" panose="020B0502040204020203" pitchFamily="34" charset="0"/>
+                <a:cs typeface="Segoe UI Light" panose="020B0502040204020203" pitchFamily="34" charset="0"/>
+              </a:rPr>
+              <a:t>For Angular, Vue, React etc, there are well documented procedures, (e.g. https://stenciljs.com/docs/framework-bindings)</a:t>
+            </a:r>
+          </a:p>
+          <a:p>
+            <a:pPr marL="457200" lvl="1" indent="0">
+              <a:buNone/>
+            </a:pPr>
+            <a:endParaRPr lang="en-GB" sz="3800" dirty="0">
+              <a:solidFill>
+                <a:schemeClr val="bg2">
+                  <a:lumMod val="25000"/>
+                </a:schemeClr>
+              </a:solidFill>
+              <a:latin typeface="Segoe UI Light" panose="020B0502040204020203" pitchFamily="34" charset="0"/>
+              <a:cs typeface="Segoe UI Light" panose="020B0502040204020203" pitchFamily="34" charset="0"/>
+            </a:endParaRPr>
+          </a:p>
+          <a:p>
+            <a:pPr marL="457200" lvl="1" indent="0">
+              <a:buNone/>
+            </a:pPr>
+            <a:endParaRPr lang="en-GB" sz="3800" dirty="0">
+              <a:solidFill>
+                <a:schemeClr val="bg2">
+                  <a:lumMod val="25000"/>
+                </a:schemeClr>
+              </a:solidFill>
+              <a:latin typeface="Segoe UI Light" panose="020B0502040204020203" pitchFamily="34" charset="0"/>
+              <a:cs typeface="Segoe UI Light" panose="020B0502040204020203" pitchFamily="34" charset="0"/>
+            </a:endParaRPr>
+          </a:p>
+        </p:txBody>
+      </p:sp>
+    </p:spTree>
+    <p:extLst>
+      <p:ext uri="{BB962C8B-B14F-4D97-AF65-F5344CB8AC3E}">
+        <p14:creationId xmlns:p14="http://schemas.microsoft.com/office/powerpoint/2010/main" val="673831935"/>
       </p:ext>
     </p:extLst>
   </p:cSld>
@@ -23042,6 +23394,993 @@
 </p:sld>
 </file>
 
+<file path=ppt/slides/slide40.xml><?xml version="1.0" encoding="utf-8"?>
+<p:sld xmlns:a="http://schemas.openxmlformats.org/drawingml/2006/main" xmlns:r="http://schemas.openxmlformats.org/officeDocument/2006/relationships" xmlns:p="http://schemas.openxmlformats.org/presentationml/2006/main">
+  <p:cSld>
+    <p:spTree>
+      <p:nvGrpSpPr>
+        <p:cNvPr id="1" name=""/>
+        <p:cNvGrpSpPr/>
+        <p:nvPr/>
+      </p:nvGrpSpPr>
+      <p:grpSpPr>
+        <a:xfrm>
+          <a:off x="0" y="0"/>
+          <a:ext cx="0" cy="0"/>
+          <a:chOff x="0" y="0"/>
+          <a:chExt cx="0" cy="0"/>
+        </a:xfrm>
+      </p:grpSpPr>
+      <p:sp>
+        <p:nvSpPr>
+          <p:cNvPr id="4" name="Title 3"/>
+          <p:cNvSpPr>
+            <a:spLocks noGrp="1"/>
+          </p:cNvSpPr>
+          <p:nvPr>
+            <p:ph type="title"/>
+          </p:nvPr>
+        </p:nvSpPr>
+        <p:spPr>
+          <a:xfrm>
+            <a:off x="541608" y="426301"/>
+            <a:ext cx="10293539" cy="749992"/>
+          </a:xfrm>
+        </p:spPr>
+        <p:txBody>
+          <a:bodyPr>
+            <a:noAutofit/>
+          </a:bodyPr>
+          <a:lstStyle/>
+          <a:p>
+            <a:r>
+              <a:rPr lang="en-US" sz="4000" dirty="0">
+                <a:latin typeface="Segoe UI Light" panose="020B0502040204020203" pitchFamily="34" charset="0"/>
+                <a:cs typeface="Segoe UI Light" panose="020B0502040204020203" pitchFamily="34" charset="0"/>
+              </a:rPr>
+              <a:t>Useful links</a:t>
+            </a:r>
+          </a:p>
+        </p:txBody>
+      </p:sp>
+      <p:sp>
+        <p:nvSpPr>
+          <p:cNvPr id="25" name="Content Placeholder 17"/>
+          <p:cNvSpPr txBox="1">
+            <a:spLocks/>
+          </p:cNvSpPr>
+          <p:nvPr/>
+        </p:nvSpPr>
+        <p:spPr>
+          <a:xfrm>
+            <a:off x="541609" y="1455491"/>
+            <a:ext cx="5110161" cy="471149"/>
+          </a:xfrm>
+          <a:prstGeom prst="rect">
+            <a:avLst/>
+          </a:prstGeom>
+        </p:spPr>
+        <p:txBody>
+          <a:bodyPr vert="horz" lIns="91440" tIns="45720" rIns="91440" bIns="45720" rtlCol="0">
+            <a:normAutofit/>
+          </a:bodyPr>
+          <a:lstStyle>
+            <a:lvl1pPr marL="228600" indent="-228600" algn="l" defTabSz="914400" rtl="0" eaLnBrk="1" latinLnBrk="0" hangingPunct="1">
+              <a:lnSpc>
+                <a:spcPts val="1800"/>
+              </a:lnSpc>
+              <a:spcBef>
+                <a:spcPts val="1000"/>
+              </a:spcBef>
+              <a:spcAft>
+                <a:spcPts val="1000"/>
+              </a:spcAft>
+              <a:buFont typeface="Arial" panose="020B0604020202020204" pitchFamily="34" charset="0"/>
+              <a:buChar char="•"/>
+              <a:defRPr lang="en-US" sz="1200" kern="1200" smtClean="0">
+                <a:solidFill>
+                  <a:schemeClr val="tx1">
+                    <a:lumMod val="75000"/>
+                    <a:lumOff val="25000"/>
+                  </a:schemeClr>
+                </a:solidFill>
+                <a:latin typeface="+mn-lt"/>
+                <a:ea typeface="+mn-ea"/>
+                <a:cs typeface="+mn-cs"/>
+              </a:defRPr>
+            </a:lvl1pPr>
+            <a:lvl2pPr marL="685800" indent="-228600" algn="l" defTabSz="914400" rtl="0" eaLnBrk="1" latinLnBrk="0" hangingPunct="1">
+              <a:lnSpc>
+                <a:spcPts val="1800"/>
+              </a:lnSpc>
+              <a:spcBef>
+                <a:spcPts val="1000"/>
+              </a:spcBef>
+              <a:spcAft>
+                <a:spcPts val="1000"/>
+              </a:spcAft>
+              <a:buFont typeface="Arial" panose="020B0604020202020204" pitchFamily="34" charset="0"/>
+              <a:buChar char="•"/>
+              <a:defRPr lang="en-US" sz="1200" kern="1200" smtClean="0">
+                <a:solidFill>
+                  <a:schemeClr val="tx1">
+                    <a:lumMod val="75000"/>
+                    <a:lumOff val="25000"/>
+                  </a:schemeClr>
+                </a:solidFill>
+                <a:latin typeface="+mn-lt"/>
+                <a:ea typeface="+mn-ea"/>
+                <a:cs typeface="+mn-cs"/>
+              </a:defRPr>
+            </a:lvl2pPr>
+            <a:lvl3pPr marL="1143000" indent="-228600" algn="l" defTabSz="914400" rtl="0" eaLnBrk="1" latinLnBrk="0" hangingPunct="1">
+              <a:lnSpc>
+                <a:spcPts val="1800"/>
+              </a:lnSpc>
+              <a:spcBef>
+                <a:spcPts val="1000"/>
+              </a:spcBef>
+              <a:spcAft>
+                <a:spcPts val="1000"/>
+              </a:spcAft>
+              <a:buFont typeface="Arial" panose="020B0604020202020204" pitchFamily="34" charset="0"/>
+              <a:buChar char="•"/>
+              <a:defRPr lang="en-US" sz="1200" kern="1200" smtClean="0">
+                <a:solidFill>
+                  <a:schemeClr val="tx1">
+                    <a:lumMod val="75000"/>
+                    <a:lumOff val="25000"/>
+                  </a:schemeClr>
+                </a:solidFill>
+                <a:latin typeface="+mn-lt"/>
+                <a:ea typeface="+mn-ea"/>
+                <a:cs typeface="+mn-cs"/>
+              </a:defRPr>
+            </a:lvl3pPr>
+            <a:lvl4pPr marL="1600200" indent="-228600" algn="l" defTabSz="914400" rtl="0" eaLnBrk="1" latinLnBrk="0" hangingPunct="1">
+              <a:lnSpc>
+                <a:spcPts val="1800"/>
+              </a:lnSpc>
+              <a:spcBef>
+                <a:spcPts val="1000"/>
+              </a:spcBef>
+              <a:spcAft>
+                <a:spcPts val="1000"/>
+              </a:spcAft>
+              <a:buFont typeface="Arial" panose="020B0604020202020204" pitchFamily="34" charset="0"/>
+              <a:buChar char="•"/>
+              <a:defRPr lang="en-US" sz="1200" kern="1200" smtClean="0">
+                <a:solidFill>
+                  <a:schemeClr val="tx1">
+                    <a:lumMod val="75000"/>
+                    <a:lumOff val="25000"/>
+                  </a:schemeClr>
+                </a:solidFill>
+                <a:latin typeface="+mn-lt"/>
+                <a:ea typeface="+mn-ea"/>
+                <a:cs typeface="+mn-cs"/>
+              </a:defRPr>
+            </a:lvl4pPr>
+            <a:lvl5pPr marL="2057400" indent="-228600" algn="l" defTabSz="914400" rtl="0" eaLnBrk="1" latinLnBrk="0" hangingPunct="1">
+              <a:lnSpc>
+                <a:spcPts val="1800"/>
+              </a:lnSpc>
+              <a:spcBef>
+                <a:spcPts val="1000"/>
+              </a:spcBef>
+              <a:spcAft>
+                <a:spcPts val="1000"/>
+              </a:spcAft>
+              <a:buFont typeface="Arial" panose="020B0604020202020204" pitchFamily="34" charset="0"/>
+              <a:buChar char="•"/>
+              <a:defRPr lang="en-US" sz="1200" kern="1200">
+                <a:solidFill>
+                  <a:schemeClr val="tx1">
+                    <a:lumMod val="75000"/>
+                    <a:lumOff val="25000"/>
+                  </a:schemeClr>
+                </a:solidFill>
+                <a:latin typeface="+mn-lt"/>
+                <a:ea typeface="+mn-ea"/>
+                <a:cs typeface="+mn-cs"/>
+              </a:defRPr>
+            </a:lvl5pPr>
+            <a:lvl6pPr marL="2514600" indent="-228600" algn="l" defTabSz="914400" rtl="0" eaLnBrk="1" latinLnBrk="0" hangingPunct="1">
+              <a:lnSpc>
+                <a:spcPct val="90000"/>
+              </a:lnSpc>
+              <a:spcBef>
+                <a:spcPct val="30000"/>
+              </a:spcBef>
+              <a:buFont typeface="Arial" panose="020B0604020202020204" pitchFamily="34" charset="0"/>
+              <a:buChar char="•"/>
+              <a:defRPr sz="1800" kern="1200">
+                <a:solidFill>
+                  <a:schemeClr val="tx1"/>
+                </a:solidFill>
+                <a:latin typeface="+mn-lt"/>
+                <a:ea typeface="+mn-ea"/>
+                <a:cs typeface="+mn-cs"/>
+              </a:defRPr>
+            </a:lvl6pPr>
+            <a:lvl7pPr marL="2971800" indent="-228600" algn="l" defTabSz="914400" rtl="0" eaLnBrk="1" latinLnBrk="0" hangingPunct="1">
+              <a:lnSpc>
+                <a:spcPct val="90000"/>
+              </a:lnSpc>
+              <a:spcBef>
+                <a:spcPct val="30000"/>
+              </a:spcBef>
+              <a:buFont typeface="Arial" panose="020B0604020202020204" pitchFamily="34" charset="0"/>
+              <a:buChar char="•"/>
+              <a:defRPr sz="1800" kern="1200">
+                <a:solidFill>
+                  <a:schemeClr val="tx1"/>
+                </a:solidFill>
+                <a:latin typeface="+mn-lt"/>
+                <a:ea typeface="+mn-ea"/>
+                <a:cs typeface="+mn-cs"/>
+              </a:defRPr>
+            </a:lvl7pPr>
+            <a:lvl8pPr marL="3429000" indent="-228600" algn="l" defTabSz="914400" rtl="0" eaLnBrk="1" latinLnBrk="0" hangingPunct="1">
+              <a:lnSpc>
+                <a:spcPct val="90000"/>
+              </a:lnSpc>
+              <a:spcBef>
+                <a:spcPct val="30000"/>
+              </a:spcBef>
+              <a:buFont typeface="Arial" panose="020B0604020202020204" pitchFamily="34" charset="0"/>
+              <a:buChar char="•"/>
+              <a:defRPr sz="1800" kern="1200">
+                <a:solidFill>
+                  <a:schemeClr val="tx1"/>
+                </a:solidFill>
+                <a:latin typeface="+mn-lt"/>
+                <a:ea typeface="+mn-ea"/>
+                <a:cs typeface="+mn-cs"/>
+              </a:defRPr>
+            </a:lvl8pPr>
+            <a:lvl9pPr marL="3886200" indent="-228600" algn="l" defTabSz="914400" rtl="0" eaLnBrk="1" latinLnBrk="0" hangingPunct="1">
+              <a:lnSpc>
+                <a:spcPct val="90000"/>
+              </a:lnSpc>
+              <a:spcBef>
+                <a:spcPct val="30000"/>
+              </a:spcBef>
+              <a:buFont typeface="Arial" panose="020B0604020202020204" pitchFamily="34" charset="0"/>
+              <a:buChar char="•"/>
+              <a:defRPr sz="1800" kern="1200">
+                <a:solidFill>
+                  <a:schemeClr val="tx1"/>
+                </a:solidFill>
+                <a:latin typeface="+mn-lt"/>
+                <a:ea typeface="+mn-ea"/>
+                <a:cs typeface="+mn-cs"/>
+              </a:defRPr>
+            </a:lvl9pPr>
+          </a:lstStyle>
+          <a:p>
+            <a:pPr marL="0" indent="0">
+              <a:spcAft>
+                <a:spcPts val="2000"/>
+              </a:spcAft>
+              <a:buNone/>
+            </a:pPr>
+            <a:endParaRPr lang="en-US" sz="1800" dirty="0">
+              <a:latin typeface="Segoe UI" panose="020B0502040204020203" pitchFamily="34" charset="0"/>
+              <a:cs typeface="Segoe UI" panose="020B0502040204020203" pitchFamily="34" charset="0"/>
+            </a:endParaRPr>
+          </a:p>
+        </p:txBody>
+      </p:sp>
+      <p:sp>
+        <p:nvSpPr>
+          <p:cNvPr id="8" name="TextBox 7">
+            <a:extLst>
+              <a:ext uri="{FF2B5EF4-FFF2-40B4-BE49-F238E27FC236}">
+                <a16:creationId xmlns:a16="http://schemas.microsoft.com/office/drawing/2014/main" id="{D4329088-EA16-420B-B145-A30265C6D3B4}"/>
+              </a:ext>
+            </a:extLst>
+          </p:cNvPr>
+          <p:cNvSpPr txBox="1"/>
+          <p:nvPr/>
+        </p:nvSpPr>
+        <p:spPr>
+          <a:xfrm>
+            <a:off x="541608" y="1060998"/>
+            <a:ext cx="10971964" cy="3422347"/>
+          </a:xfrm>
+          <a:prstGeom prst="rect">
+            <a:avLst/>
+          </a:prstGeom>
+          <a:noFill/>
+        </p:spPr>
+        <p:txBody>
+          <a:bodyPr wrap="square">
+            <a:spAutoFit/>
+          </a:bodyPr>
+          <a:lstStyle/>
+          <a:p>
+            <a:pPr marL="914400" lvl="1" indent="-457200">
+              <a:buFont typeface="Arial" panose="020B0604020202020204" pitchFamily="34" charset="0"/>
+              <a:buChar char="•"/>
+            </a:pPr>
+            <a:endParaRPr lang="en-GB" sz="1100" dirty="0">
+              <a:solidFill>
+                <a:schemeClr val="bg2">
+                  <a:lumMod val="25000"/>
+                </a:schemeClr>
+              </a:solidFill>
+              <a:latin typeface="Segoe UI Light" panose="020B0502040204020203" pitchFamily="34" charset="0"/>
+              <a:cs typeface="Segoe UI Light" panose="020B0502040204020203" pitchFamily="34" charset="0"/>
+            </a:endParaRPr>
+          </a:p>
+          <a:p>
+            <a:pPr marL="914400" lvl="1" indent="-457200">
+              <a:buFont typeface="Arial" panose="020B0604020202020204" pitchFamily="34" charset="0"/>
+              <a:buChar char="•"/>
+            </a:pPr>
+            <a:endParaRPr lang="en-GB" sz="3200" dirty="0">
+              <a:solidFill>
+                <a:schemeClr val="bg2">
+                  <a:lumMod val="25000"/>
+                </a:schemeClr>
+              </a:solidFill>
+              <a:latin typeface="Segoe UI Light" panose="020B0502040204020203" pitchFamily="34" charset="0"/>
+              <a:cs typeface="Segoe UI Light" panose="020B0502040204020203" pitchFamily="34" charset="0"/>
+            </a:endParaRPr>
+          </a:p>
+          <a:p>
+            <a:pPr>
+              <a:lnSpc>
+                <a:spcPct val="107000"/>
+              </a:lnSpc>
+              <a:spcAft>
+                <a:spcPts val="800"/>
+              </a:spcAft>
+            </a:pPr>
+            <a:r>
+              <a:rPr lang="en-GB" sz="1800" u="sng" dirty="0">
+                <a:solidFill>
+                  <a:srgbClr val="0563C1"/>
+                </a:solidFill>
+                <a:effectLst/>
+                <a:latin typeface="Segoe UI" panose="020B0502040204020203" pitchFamily="34" charset="0"/>
+                <a:ea typeface="Calibri" panose="020F0502020204030204" pitchFamily="34" charset="0"/>
+                <a:cs typeface="Times New Roman" panose="02020603050405020304" pitchFamily="18" charset="0"/>
+                <a:hlinkClick r:id="rId2"/>
+              </a:rPr>
+              <a:t>https://coryrylan.com/blog/using-web-components-in-react-video-tutorial</a:t>
+            </a:r>
+            <a:endParaRPr lang="en-GB" sz="1800" dirty="0">
+              <a:effectLst/>
+              <a:latin typeface="Calibri" panose="020F0502020204030204" pitchFamily="34" charset="0"/>
+              <a:ea typeface="Calibri" panose="020F0502020204030204" pitchFamily="34" charset="0"/>
+              <a:cs typeface="Times New Roman" panose="02020603050405020304" pitchFamily="18" charset="0"/>
+            </a:endParaRPr>
+          </a:p>
+          <a:p>
+            <a:pPr>
+              <a:lnSpc>
+                <a:spcPct val="107000"/>
+              </a:lnSpc>
+              <a:spcAft>
+                <a:spcPts val="800"/>
+              </a:spcAft>
+            </a:pPr>
+            <a:r>
+              <a:rPr lang="en-GB" sz="1800" u="sng" dirty="0">
+                <a:solidFill>
+                  <a:srgbClr val="0563C1"/>
+                </a:solidFill>
+                <a:effectLst/>
+                <a:latin typeface="Segoe UI" panose="020B0502040204020203" pitchFamily="34" charset="0"/>
+                <a:ea typeface="Calibri" panose="020F0502020204030204" pitchFamily="34" charset="0"/>
+                <a:cs typeface="Times New Roman" panose="02020603050405020304" pitchFamily="18" charset="0"/>
+                <a:hlinkClick r:id="rId3"/>
+              </a:rPr>
+              <a:t>https://coryrylan.com/blog/using-web-components-in-angular-video-tutorial</a:t>
+            </a:r>
+            <a:endParaRPr lang="en-GB" sz="1800" dirty="0">
+              <a:effectLst/>
+              <a:latin typeface="Calibri" panose="020F0502020204030204" pitchFamily="34" charset="0"/>
+              <a:ea typeface="Calibri" panose="020F0502020204030204" pitchFamily="34" charset="0"/>
+              <a:cs typeface="Times New Roman" panose="02020603050405020304" pitchFamily="18" charset="0"/>
+            </a:endParaRPr>
+          </a:p>
+          <a:p>
+            <a:pPr>
+              <a:lnSpc>
+                <a:spcPct val="107000"/>
+              </a:lnSpc>
+              <a:spcAft>
+                <a:spcPts val="800"/>
+              </a:spcAft>
+            </a:pPr>
+            <a:r>
+              <a:rPr lang="en-GB" sz="1800" u="sng" dirty="0">
+                <a:solidFill>
+                  <a:srgbClr val="0563C1"/>
+                </a:solidFill>
+                <a:effectLst/>
+                <a:latin typeface="Segoe UI" panose="020B0502040204020203" pitchFamily="34" charset="0"/>
+                <a:ea typeface="Calibri" panose="020F0502020204030204" pitchFamily="34" charset="0"/>
+                <a:cs typeface="Times New Roman" panose="02020603050405020304" pitchFamily="18" charset="0"/>
+                <a:hlinkClick r:id="rId4"/>
+              </a:rPr>
+              <a:t>https://coryrylan.com/blog/using-web-components-in-vue</a:t>
+            </a:r>
+            <a:endParaRPr lang="en-GB" u="sng" dirty="0">
+              <a:latin typeface="Calibri" panose="020F0502020204030204" pitchFamily="34" charset="0"/>
+              <a:ea typeface="Calibri" panose="020F0502020204030204" pitchFamily="34" charset="0"/>
+              <a:cs typeface="Times New Roman" panose="02020603050405020304" pitchFamily="18" charset="0"/>
+            </a:endParaRPr>
+          </a:p>
+          <a:p>
+            <a:pPr>
+              <a:lnSpc>
+                <a:spcPct val="107000"/>
+              </a:lnSpc>
+              <a:spcAft>
+                <a:spcPts val="800"/>
+              </a:spcAft>
+            </a:pPr>
+            <a:r>
+              <a:rPr lang="en-GB" b="1" dirty="0">
+                <a:solidFill>
+                  <a:schemeClr val="bg2">
+                    <a:lumMod val="25000"/>
+                  </a:schemeClr>
+                </a:solidFill>
+                <a:latin typeface="Segoe UI Light" panose="020B0502040204020203" pitchFamily="34" charset="0"/>
+                <a:cs typeface="Segoe UI Light" panose="020B0502040204020203" pitchFamily="34" charset="0"/>
+                <a:hlinkClick r:id="rId5"/>
+              </a:rPr>
+              <a:t>https://stenciljs.com/docs/overview</a:t>
+            </a:r>
+            <a:endParaRPr lang="en-GB" b="1" dirty="0">
+              <a:solidFill>
+                <a:schemeClr val="bg2">
+                  <a:lumMod val="25000"/>
+                </a:schemeClr>
+              </a:solidFill>
+              <a:latin typeface="Segoe UI Light" panose="020B0502040204020203" pitchFamily="34" charset="0"/>
+              <a:cs typeface="Segoe UI Light" panose="020B0502040204020203" pitchFamily="34" charset="0"/>
+            </a:endParaRPr>
+          </a:p>
+          <a:p>
+            <a:pPr>
+              <a:lnSpc>
+                <a:spcPct val="107000"/>
+              </a:lnSpc>
+              <a:spcAft>
+                <a:spcPts val="800"/>
+              </a:spcAft>
+            </a:pPr>
+            <a:r>
+              <a:rPr lang="en-GB" b="1" dirty="0">
+                <a:solidFill>
+                  <a:schemeClr val="bg2">
+                    <a:lumMod val="25000"/>
+                  </a:schemeClr>
+                </a:solidFill>
+                <a:latin typeface="Segoe UI Light" panose="020B0502040204020203" pitchFamily="34" charset="0"/>
+                <a:cs typeface="Segoe UI Light" panose="020B0502040204020203" pitchFamily="34" charset="0"/>
+                <a:hlinkClick r:id="rId6"/>
+              </a:rPr>
+              <a:t>https://webcomponents.dev/</a:t>
+            </a:r>
+            <a:endParaRPr lang="en-GB" b="1" dirty="0">
+              <a:solidFill>
+                <a:schemeClr val="bg2">
+                  <a:lumMod val="25000"/>
+                </a:schemeClr>
+              </a:solidFill>
+              <a:latin typeface="Segoe UI Light" panose="020B0502040204020203" pitchFamily="34" charset="0"/>
+              <a:cs typeface="Segoe UI Light" panose="020B0502040204020203" pitchFamily="34" charset="0"/>
+            </a:endParaRPr>
+          </a:p>
+          <a:p>
+            <a:pPr>
+              <a:lnSpc>
+                <a:spcPct val="107000"/>
+              </a:lnSpc>
+              <a:spcAft>
+                <a:spcPts val="800"/>
+              </a:spcAft>
+            </a:pPr>
+            <a:r>
+              <a:rPr lang="en-GB" b="1" dirty="0">
+                <a:solidFill>
+                  <a:schemeClr val="bg2">
+                    <a:lumMod val="25000"/>
+                  </a:schemeClr>
+                </a:solidFill>
+                <a:latin typeface="Segoe UI Light" panose="020B0502040204020203" pitchFamily="34" charset="0"/>
+                <a:cs typeface="Segoe UI Light" panose="020B0502040204020203" pitchFamily="34" charset="0"/>
+                <a:hlinkClick r:id="rId7"/>
+              </a:rPr>
+              <a:t>https://custom-elements-everywhere.com/</a:t>
+            </a:r>
+            <a:endParaRPr lang="en-GB" b="1" dirty="0">
+              <a:solidFill>
+                <a:schemeClr val="bg2">
+                  <a:lumMod val="25000"/>
+                </a:schemeClr>
+              </a:solidFill>
+              <a:latin typeface="Segoe UI Light" panose="020B0502040204020203" pitchFamily="34" charset="0"/>
+              <a:cs typeface="Segoe UI Light" panose="020B0502040204020203" pitchFamily="34" charset="0"/>
+            </a:endParaRPr>
+          </a:p>
+          <a:p>
+            <a:pPr>
+              <a:lnSpc>
+                <a:spcPct val="107000"/>
+              </a:lnSpc>
+              <a:spcAft>
+                <a:spcPts val="800"/>
+              </a:spcAft>
+            </a:pPr>
+            <a:r>
+              <a:rPr lang="en-GB" b="1" dirty="0">
+                <a:solidFill>
+                  <a:schemeClr val="bg2">
+                    <a:lumMod val="25000"/>
+                  </a:schemeClr>
+                </a:solidFill>
+                <a:latin typeface="Segoe UI Light" panose="020B0502040204020203" pitchFamily="34" charset="0"/>
+                <a:cs typeface="Segoe UI Light" panose="020B0502040204020203" pitchFamily="34" charset="0"/>
+                <a:hlinkClick r:id="rId8"/>
+              </a:rPr>
+              <a:t>https://developers.google.com/web/fundamentals/web-components</a:t>
+            </a:r>
+            <a:endParaRPr lang="en-GB" b="1" dirty="0">
+              <a:solidFill>
+                <a:schemeClr val="bg2">
+                  <a:lumMod val="25000"/>
+                </a:schemeClr>
+              </a:solidFill>
+              <a:latin typeface="Segoe UI Light" panose="020B0502040204020203" pitchFamily="34" charset="0"/>
+              <a:cs typeface="Segoe UI Light" panose="020B0502040204020203" pitchFamily="34" charset="0"/>
+            </a:endParaRPr>
+          </a:p>
+        </p:txBody>
+      </p:sp>
+    </p:spTree>
+    <p:extLst>
+      <p:ext uri="{BB962C8B-B14F-4D97-AF65-F5344CB8AC3E}">
+        <p14:creationId xmlns:p14="http://schemas.microsoft.com/office/powerpoint/2010/main" val="223144042"/>
+      </p:ext>
+    </p:extLst>
+  </p:cSld>
+  <p:clrMapOvr>
+    <a:masterClrMapping/>
+  </p:clrMapOvr>
+</p:sld>
+</file>
+
+<file path=ppt/slides/slide41.xml><?xml version="1.0" encoding="utf-8"?>
+<p:sld xmlns:a="http://schemas.openxmlformats.org/drawingml/2006/main" xmlns:r="http://schemas.openxmlformats.org/officeDocument/2006/relationships" xmlns:p="http://schemas.openxmlformats.org/presentationml/2006/main">
+  <p:cSld>
+    <p:spTree>
+      <p:nvGrpSpPr>
+        <p:cNvPr id="1" name=""/>
+        <p:cNvGrpSpPr/>
+        <p:nvPr/>
+      </p:nvGrpSpPr>
+      <p:grpSpPr>
+        <a:xfrm>
+          <a:off x="0" y="0"/>
+          <a:ext cx="0" cy="0"/>
+          <a:chOff x="0" y="0"/>
+          <a:chExt cx="0" cy="0"/>
+        </a:xfrm>
+      </p:grpSpPr>
+      <p:sp>
+        <p:nvSpPr>
+          <p:cNvPr id="4" name="Title 3"/>
+          <p:cNvSpPr>
+            <a:spLocks noGrp="1"/>
+          </p:cNvSpPr>
+          <p:nvPr>
+            <p:ph type="title"/>
+          </p:nvPr>
+        </p:nvSpPr>
+        <p:spPr>
+          <a:xfrm>
+            <a:off x="541608" y="426301"/>
+            <a:ext cx="10293539" cy="749992"/>
+          </a:xfrm>
+        </p:spPr>
+        <p:txBody>
+          <a:bodyPr>
+            <a:noAutofit/>
+          </a:bodyPr>
+          <a:lstStyle/>
+          <a:p>
+            <a:r>
+              <a:rPr lang="en-US" sz="4000" dirty="0">
+                <a:latin typeface="Segoe UI Light" panose="020B0502040204020203" pitchFamily="34" charset="0"/>
+                <a:cs typeface="Segoe UI Light" panose="020B0502040204020203" pitchFamily="34" charset="0"/>
+              </a:rPr>
+              <a:t>Summary</a:t>
+            </a:r>
+          </a:p>
+        </p:txBody>
+      </p:sp>
+      <p:sp>
+        <p:nvSpPr>
+          <p:cNvPr id="25" name="Content Placeholder 17"/>
+          <p:cNvSpPr txBox="1">
+            <a:spLocks/>
+          </p:cNvSpPr>
+          <p:nvPr/>
+        </p:nvSpPr>
+        <p:spPr>
+          <a:xfrm>
+            <a:off x="541609" y="1455491"/>
+            <a:ext cx="5110161" cy="471149"/>
+          </a:xfrm>
+          <a:prstGeom prst="rect">
+            <a:avLst/>
+          </a:prstGeom>
+        </p:spPr>
+        <p:txBody>
+          <a:bodyPr vert="horz" lIns="91440" tIns="45720" rIns="91440" bIns="45720" rtlCol="0">
+            <a:normAutofit/>
+          </a:bodyPr>
+          <a:lstStyle>
+            <a:lvl1pPr marL="228600" indent="-228600" algn="l" defTabSz="914400" rtl="0" eaLnBrk="1" latinLnBrk="0" hangingPunct="1">
+              <a:lnSpc>
+                <a:spcPts val="1800"/>
+              </a:lnSpc>
+              <a:spcBef>
+                <a:spcPts val="1000"/>
+              </a:spcBef>
+              <a:spcAft>
+                <a:spcPts val="1000"/>
+              </a:spcAft>
+              <a:buFont typeface="Arial" panose="020B0604020202020204" pitchFamily="34" charset="0"/>
+              <a:buChar char="•"/>
+              <a:defRPr lang="en-US" sz="1200" kern="1200" smtClean="0">
+                <a:solidFill>
+                  <a:schemeClr val="tx1">
+                    <a:lumMod val="75000"/>
+                    <a:lumOff val="25000"/>
+                  </a:schemeClr>
+                </a:solidFill>
+                <a:latin typeface="+mn-lt"/>
+                <a:ea typeface="+mn-ea"/>
+                <a:cs typeface="+mn-cs"/>
+              </a:defRPr>
+            </a:lvl1pPr>
+            <a:lvl2pPr marL="685800" indent="-228600" algn="l" defTabSz="914400" rtl="0" eaLnBrk="1" latinLnBrk="0" hangingPunct="1">
+              <a:lnSpc>
+                <a:spcPts val="1800"/>
+              </a:lnSpc>
+              <a:spcBef>
+                <a:spcPts val="1000"/>
+              </a:spcBef>
+              <a:spcAft>
+                <a:spcPts val="1000"/>
+              </a:spcAft>
+              <a:buFont typeface="Arial" panose="020B0604020202020204" pitchFamily="34" charset="0"/>
+              <a:buChar char="•"/>
+              <a:defRPr lang="en-US" sz="1200" kern="1200" smtClean="0">
+                <a:solidFill>
+                  <a:schemeClr val="tx1">
+                    <a:lumMod val="75000"/>
+                    <a:lumOff val="25000"/>
+                  </a:schemeClr>
+                </a:solidFill>
+                <a:latin typeface="+mn-lt"/>
+                <a:ea typeface="+mn-ea"/>
+                <a:cs typeface="+mn-cs"/>
+              </a:defRPr>
+            </a:lvl2pPr>
+            <a:lvl3pPr marL="1143000" indent="-228600" algn="l" defTabSz="914400" rtl="0" eaLnBrk="1" latinLnBrk="0" hangingPunct="1">
+              <a:lnSpc>
+                <a:spcPts val="1800"/>
+              </a:lnSpc>
+              <a:spcBef>
+                <a:spcPts val="1000"/>
+              </a:spcBef>
+              <a:spcAft>
+                <a:spcPts val="1000"/>
+              </a:spcAft>
+              <a:buFont typeface="Arial" panose="020B0604020202020204" pitchFamily="34" charset="0"/>
+              <a:buChar char="•"/>
+              <a:defRPr lang="en-US" sz="1200" kern="1200" smtClean="0">
+                <a:solidFill>
+                  <a:schemeClr val="tx1">
+                    <a:lumMod val="75000"/>
+                    <a:lumOff val="25000"/>
+                  </a:schemeClr>
+                </a:solidFill>
+                <a:latin typeface="+mn-lt"/>
+                <a:ea typeface="+mn-ea"/>
+                <a:cs typeface="+mn-cs"/>
+              </a:defRPr>
+            </a:lvl3pPr>
+            <a:lvl4pPr marL="1600200" indent="-228600" algn="l" defTabSz="914400" rtl="0" eaLnBrk="1" latinLnBrk="0" hangingPunct="1">
+              <a:lnSpc>
+                <a:spcPts val="1800"/>
+              </a:lnSpc>
+              <a:spcBef>
+                <a:spcPts val="1000"/>
+              </a:spcBef>
+              <a:spcAft>
+                <a:spcPts val="1000"/>
+              </a:spcAft>
+              <a:buFont typeface="Arial" panose="020B0604020202020204" pitchFamily="34" charset="0"/>
+              <a:buChar char="•"/>
+              <a:defRPr lang="en-US" sz="1200" kern="1200" smtClean="0">
+                <a:solidFill>
+                  <a:schemeClr val="tx1">
+                    <a:lumMod val="75000"/>
+                    <a:lumOff val="25000"/>
+                  </a:schemeClr>
+                </a:solidFill>
+                <a:latin typeface="+mn-lt"/>
+                <a:ea typeface="+mn-ea"/>
+                <a:cs typeface="+mn-cs"/>
+              </a:defRPr>
+            </a:lvl4pPr>
+            <a:lvl5pPr marL="2057400" indent="-228600" algn="l" defTabSz="914400" rtl="0" eaLnBrk="1" latinLnBrk="0" hangingPunct="1">
+              <a:lnSpc>
+                <a:spcPts val="1800"/>
+              </a:lnSpc>
+              <a:spcBef>
+                <a:spcPts val="1000"/>
+              </a:spcBef>
+              <a:spcAft>
+                <a:spcPts val="1000"/>
+              </a:spcAft>
+              <a:buFont typeface="Arial" panose="020B0604020202020204" pitchFamily="34" charset="0"/>
+              <a:buChar char="•"/>
+              <a:defRPr lang="en-US" sz="1200" kern="1200">
+                <a:solidFill>
+                  <a:schemeClr val="tx1">
+                    <a:lumMod val="75000"/>
+                    <a:lumOff val="25000"/>
+                  </a:schemeClr>
+                </a:solidFill>
+                <a:latin typeface="+mn-lt"/>
+                <a:ea typeface="+mn-ea"/>
+                <a:cs typeface="+mn-cs"/>
+              </a:defRPr>
+            </a:lvl5pPr>
+            <a:lvl6pPr marL="2514600" indent="-228600" algn="l" defTabSz="914400" rtl="0" eaLnBrk="1" latinLnBrk="0" hangingPunct="1">
+              <a:lnSpc>
+                <a:spcPct val="90000"/>
+              </a:lnSpc>
+              <a:spcBef>
+                <a:spcPct val="30000"/>
+              </a:spcBef>
+              <a:buFont typeface="Arial" panose="020B0604020202020204" pitchFamily="34" charset="0"/>
+              <a:buChar char="•"/>
+              <a:defRPr sz="1800" kern="1200">
+                <a:solidFill>
+                  <a:schemeClr val="tx1"/>
+                </a:solidFill>
+                <a:latin typeface="+mn-lt"/>
+                <a:ea typeface="+mn-ea"/>
+                <a:cs typeface="+mn-cs"/>
+              </a:defRPr>
+            </a:lvl6pPr>
+            <a:lvl7pPr marL="2971800" indent="-228600" algn="l" defTabSz="914400" rtl="0" eaLnBrk="1" latinLnBrk="0" hangingPunct="1">
+              <a:lnSpc>
+                <a:spcPct val="90000"/>
+              </a:lnSpc>
+              <a:spcBef>
+                <a:spcPct val="30000"/>
+              </a:spcBef>
+              <a:buFont typeface="Arial" panose="020B0604020202020204" pitchFamily="34" charset="0"/>
+              <a:buChar char="•"/>
+              <a:defRPr sz="1800" kern="1200">
+                <a:solidFill>
+                  <a:schemeClr val="tx1"/>
+                </a:solidFill>
+                <a:latin typeface="+mn-lt"/>
+                <a:ea typeface="+mn-ea"/>
+                <a:cs typeface="+mn-cs"/>
+              </a:defRPr>
+            </a:lvl7pPr>
+            <a:lvl8pPr marL="3429000" indent="-228600" algn="l" defTabSz="914400" rtl="0" eaLnBrk="1" latinLnBrk="0" hangingPunct="1">
+              <a:lnSpc>
+                <a:spcPct val="90000"/>
+              </a:lnSpc>
+              <a:spcBef>
+                <a:spcPct val="30000"/>
+              </a:spcBef>
+              <a:buFont typeface="Arial" panose="020B0604020202020204" pitchFamily="34" charset="0"/>
+              <a:buChar char="•"/>
+              <a:defRPr sz="1800" kern="1200">
+                <a:solidFill>
+                  <a:schemeClr val="tx1"/>
+                </a:solidFill>
+                <a:latin typeface="+mn-lt"/>
+                <a:ea typeface="+mn-ea"/>
+                <a:cs typeface="+mn-cs"/>
+              </a:defRPr>
+            </a:lvl8pPr>
+            <a:lvl9pPr marL="3886200" indent="-228600" algn="l" defTabSz="914400" rtl="0" eaLnBrk="1" latinLnBrk="0" hangingPunct="1">
+              <a:lnSpc>
+                <a:spcPct val="90000"/>
+              </a:lnSpc>
+              <a:spcBef>
+                <a:spcPct val="30000"/>
+              </a:spcBef>
+              <a:buFont typeface="Arial" panose="020B0604020202020204" pitchFamily="34" charset="0"/>
+              <a:buChar char="•"/>
+              <a:defRPr sz="1800" kern="1200">
+                <a:solidFill>
+                  <a:schemeClr val="tx1"/>
+                </a:solidFill>
+                <a:latin typeface="+mn-lt"/>
+                <a:ea typeface="+mn-ea"/>
+                <a:cs typeface="+mn-cs"/>
+              </a:defRPr>
+            </a:lvl9pPr>
+          </a:lstStyle>
+          <a:p>
+            <a:pPr marL="0" indent="0">
+              <a:spcAft>
+                <a:spcPts val="2000"/>
+              </a:spcAft>
+              <a:buNone/>
+            </a:pPr>
+            <a:endParaRPr lang="en-US" sz="1800" dirty="0">
+              <a:latin typeface="Segoe UI" panose="020B0502040204020203" pitchFamily="34" charset="0"/>
+              <a:cs typeface="Segoe UI" panose="020B0502040204020203" pitchFamily="34" charset="0"/>
+            </a:endParaRPr>
+          </a:p>
+        </p:txBody>
+      </p:sp>
+      <p:sp>
+        <p:nvSpPr>
+          <p:cNvPr id="8" name="TextBox 7">
+            <a:extLst>
+              <a:ext uri="{FF2B5EF4-FFF2-40B4-BE49-F238E27FC236}">
+                <a16:creationId xmlns:a16="http://schemas.microsoft.com/office/drawing/2014/main" id="{D4329088-EA16-420B-B145-A30265C6D3B4}"/>
+              </a:ext>
+            </a:extLst>
+          </p:cNvPr>
+          <p:cNvSpPr txBox="1"/>
+          <p:nvPr/>
+        </p:nvSpPr>
+        <p:spPr>
+          <a:xfrm>
+            <a:off x="202395" y="1532947"/>
+            <a:ext cx="10971964" cy="4693593"/>
+          </a:xfrm>
+          <a:prstGeom prst="rect">
+            <a:avLst/>
+          </a:prstGeom>
+          <a:noFill/>
+        </p:spPr>
+        <p:txBody>
+          <a:bodyPr wrap="square">
+            <a:spAutoFit/>
+          </a:bodyPr>
+          <a:lstStyle/>
+          <a:p>
+            <a:pPr marL="914400" lvl="1" indent="-457200">
+              <a:buFont typeface="Arial" panose="020B0604020202020204" pitchFamily="34" charset="0"/>
+              <a:buChar char="•"/>
+            </a:pPr>
+            <a:endParaRPr lang="en-GB" sz="1100" dirty="0">
+              <a:solidFill>
+                <a:schemeClr val="bg2">
+                  <a:lumMod val="25000"/>
+                </a:schemeClr>
+              </a:solidFill>
+              <a:latin typeface="Segoe UI Light" panose="020B0502040204020203" pitchFamily="34" charset="0"/>
+              <a:cs typeface="Segoe UI Light" panose="020B0502040204020203" pitchFamily="34" charset="0"/>
+            </a:endParaRPr>
+          </a:p>
+          <a:p>
+            <a:pPr marL="914400" lvl="1" indent="-457200">
+              <a:buFont typeface="Arial" panose="020B0604020202020204" pitchFamily="34" charset="0"/>
+              <a:buChar char="•"/>
+            </a:pPr>
+            <a:endParaRPr lang="en-GB" sz="3200" dirty="0">
+              <a:solidFill>
+                <a:schemeClr val="bg2">
+                  <a:lumMod val="25000"/>
+                </a:schemeClr>
+              </a:solidFill>
+              <a:latin typeface="Segoe UI Light" panose="020B0502040204020203" pitchFamily="34" charset="0"/>
+              <a:cs typeface="Segoe UI Light" panose="020B0502040204020203" pitchFamily="34" charset="0"/>
+            </a:endParaRPr>
+          </a:p>
+          <a:p>
+            <a:pPr lvl="1" algn="ctr"/>
+            <a:r>
+              <a:rPr lang="fr-FR" sz="6000" dirty="0">
+                <a:solidFill>
+                  <a:schemeClr val="bg2">
+                    <a:lumMod val="25000"/>
+                  </a:schemeClr>
+                </a:solidFill>
+                <a:latin typeface="Segoe UI Light" panose="020B0502040204020203" pitchFamily="34" charset="0"/>
+                <a:cs typeface="Segoe UI Light" panose="020B0502040204020203" pitchFamily="34" charset="0"/>
+              </a:rPr>
+              <a:t>Craig West</a:t>
+            </a:r>
+          </a:p>
+          <a:p>
+            <a:pPr lvl="1" algn="ctr"/>
+            <a:r>
+              <a:rPr lang="fr-FR" sz="6000" dirty="0">
+                <a:solidFill>
+                  <a:schemeClr val="bg2">
+                    <a:lumMod val="25000"/>
+                  </a:schemeClr>
+                </a:solidFill>
+                <a:latin typeface="Segoe UI Light" panose="020B0502040204020203" pitchFamily="34" charset="0"/>
+                <a:cs typeface="Segoe UI Light" panose="020B0502040204020203" pitchFamily="34" charset="0"/>
+              </a:rPr>
+              <a:t>wpjs.co.uk</a:t>
+            </a:r>
+          </a:p>
+          <a:p>
+            <a:pPr lvl="1" algn="ctr"/>
+            <a:r>
+              <a:rPr lang="fr-FR" sz="6000" dirty="0">
+                <a:solidFill>
+                  <a:schemeClr val="bg2">
+                    <a:lumMod val="25000"/>
+                  </a:schemeClr>
+                </a:solidFill>
+                <a:latin typeface="Segoe UI Light" panose="020B0502040204020203" pitchFamily="34" charset="0"/>
+                <a:cs typeface="Segoe UI Light" panose="020B0502040204020203" pitchFamily="34" charset="0"/>
+              </a:rPr>
+              <a:t>craig@wpjs.co.uk</a:t>
+            </a:r>
+          </a:p>
+          <a:p>
+            <a:pPr marL="457200" lvl="1" indent="0">
+              <a:buNone/>
+            </a:pPr>
+            <a:endParaRPr lang="en-GB" sz="3800" dirty="0">
+              <a:solidFill>
+                <a:schemeClr val="bg2">
+                  <a:lumMod val="25000"/>
+                </a:schemeClr>
+              </a:solidFill>
+              <a:latin typeface="Segoe UI Light" panose="020B0502040204020203" pitchFamily="34" charset="0"/>
+              <a:cs typeface="Segoe UI Light" panose="020B0502040204020203" pitchFamily="34" charset="0"/>
+            </a:endParaRPr>
+          </a:p>
+          <a:p>
+            <a:pPr marL="457200" lvl="1" indent="0">
+              <a:buNone/>
+            </a:pPr>
+            <a:endParaRPr lang="en-GB" sz="3800" dirty="0">
+              <a:solidFill>
+                <a:schemeClr val="bg2">
+                  <a:lumMod val="25000"/>
+                </a:schemeClr>
+              </a:solidFill>
+              <a:latin typeface="Segoe UI Light" panose="020B0502040204020203" pitchFamily="34" charset="0"/>
+              <a:cs typeface="Segoe UI Light" panose="020B0502040204020203" pitchFamily="34" charset="0"/>
+            </a:endParaRPr>
+          </a:p>
+        </p:txBody>
+      </p:sp>
+    </p:spTree>
+    <p:extLst>
+      <p:ext uri="{BB962C8B-B14F-4D97-AF65-F5344CB8AC3E}">
+        <p14:creationId xmlns:p14="http://schemas.microsoft.com/office/powerpoint/2010/main" val="4292004696"/>
+      </p:ext>
+    </p:extLst>
+  </p:cSld>
+  <p:clrMapOvr>
+    <a:masterClrMapping/>
+  </p:clrMapOvr>
+</p:sld>
+</file>
+
 <file path=ppt/slides/slide5.xml><?xml version="1.0" encoding="utf-8"?>
 <p:sld xmlns:a="http://schemas.openxmlformats.org/drawingml/2006/main" xmlns:r="http://schemas.openxmlformats.org/officeDocument/2006/relationships" xmlns:p="http://schemas.openxmlformats.org/presentationml/2006/main">
   <p:cSld>
@@ -23327,6 +24666,55 @@
               <a:latin typeface="Segoe UI" panose="020B0502040204020203" pitchFamily="34" charset="0"/>
               <a:cs typeface="Segoe UI" panose="020B0502040204020203" pitchFamily="34" charset="0"/>
             </a:endParaRPr>
+          </a:p>
+        </p:txBody>
+      </p:sp>
+      <p:sp>
+        <p:nvSpPr>
+          <p:cNvPr id="2" name="Rectangle: Rounded Corners 1">
+            <a:extLst>
+              <a:ext uri="{FF2B5EF4-FFF2-40B4-BE49-F238E27FC236}">
+                <a16:creationId xmlns:a16="http://schemas.microsoft.com/office/drawing/2014/main" id="{190C4A48-8FCF-40CD-AA96-3B756D9B9801}"/>
+              </a:ext>
+            </a:extLst>
+          </p:cNvPr>
+          <p:cNvSpPr/>
+          <p:nvPr/>
+        </p:nvSpPr>
+        <p:spPr>
+          <a:xfrm>
+            <a:off x="6235338" y="1375955"/>
+            <a:ext cx="5146765" cy="844731"/>
+          </a:xfrm>
+          <a:prstGeom prst="roundRect">
+            <a:avLst/>
+          </a:prstGeom>
+        </p:spPr>
+        <p:style>
+          <a:lnRef idx="2">
+            <a:schemeClr val="accent3">
+              <a:shade val="50000"/>
+            </a:schemeClr>
+          </a:lnRef>
+          <a:fillRef idx="1">
+            <a:schemeClr val="accent3"/>
+          </a:fillRef>
+          <a:effectRef idx="0">
+            <a:schemeClr val="accent3"/>
+          </a:effectRef>
+          <a:fontRef idx="minor">
+            <a:schemeClr val="lt1"/>
+          </a:fontRef>
+        </p:style>
+        <p:txBody>
+          <a:bodyPr rtlCol="0" anchor="ctr"/>
+          <a:lstStyle/>
+          <a:p>
+            <a:pPr algn="ctr"/>
+            <a:r>
+              <a:rPr lang="en-GB" sz="2800" dirty="0"/>
+              <a:t>Useful links at end of slides…</a:t>
+            </a:r>
           </a:p>
         </p:txBody>
       </p:sp>
@@ -27361,6 +28749,24 @@
 </file>
 
 <file path=customXml/item1.xml><?xml version="1.0" encoding="utf-8"?>
+<p:properties xmlns:p="http://schemas.microsoft.com/office/2006/metadata/properties" xmlns:xsi="http://www.w3.org/2001/XMLSchema-instance" xmlns:pc="http://schemas.microsoft.com/office/infopath/2007/PartnerControls">
+  <documentManagement>
+    <Status xmlns="71af3243-3dd4-4a8d-8c0d-dd76da1f02a5">Not started</Status>
+    <MediaServiceKeyPoints xmlns="71af3243-3dd4-4a8d-8c0d-dd76da1f02a5" xsi:nil="true"/>
+  </documentManagement>
+</p:properties>
+</file>
+
+<file path=customXml/item2.xml><?xml version="1.0" encoding="utf-8"?>
+<?mso-contentType ?>
+<FormTemplates xmlns="http://schemas.microsoft.com/sharepoint/v3/contenttype/forms">
+  <Display>DocumentLibraryForm</Display>
+  <Edit>DocumentLibraryForm</Edit>
+  <New>DocumentLibraryForm</New>
+</FormTemplates>
+</file>
+
+<file path=customXml/item3.xml><?xml version="1.0" encoding="utf-8"?>
 <ct:contentTypeSchema xmlns:ct="http://schemas.microsoft.com/office/2006/metadata/contentType" xmlns:ma="http://schemas.microsoft.com/office/2006/metadata/properties/metaAttributes" ct:_="" ma:_="" ma:contentTypeName="Document" ma:contentTypeID="0x01010079F111ED35F8CC479449609E8A0923A6" ma:contentTypeVersion="12" ma:contentTypeDescription="Create a new document." ma:contentTypeScope="" ma:versionID="a8a52e8c320b9a064ae3583ae3861c92">
   <xsd:schema xmlns:xsd="http://www.w3.org/2001/XMLSchema" xmlns:xs="http://www.w3.org/2001/XMLSchema" xmlns:p="http://schemas.microsoft.com/office/2006/metadata/properties" xmlns:ns2="71af3243-3dd4-4a8d-8c0d-dd76da1f02a5" xmlns:ns3="16c05727-aa75-4e4a-9b5f-8a80a1165891" targetNamespace="http://schemas.microsoft.com/office/2006/metadata/properties" ma:root="true" ma:fieldsID="88020cb39231a0945110f9cd888b521a" ns2:_="" ns3:_="">
     <xsd:import namespace="71af3243-3dd4-4a8d-8c0d-dd76da1f02a5"/>
@@ -27581,25 +28987,32 @@
 </ct:contentTypeSchema>
 </file>
 
-<file path=customXml/item2.xml><?xml version="1.0" encoding="utf-8"?>
-<p:properties xmlns:p="http://schemas.microsoft.com/office/2006/metadata/properties" xmlns:xsi="http://www.w3.org/2001/XMLSchema-instance" xmlns:pc="http://schemas.microsoft.com/office/infopath/2007/PartnerControls">
-  <documentManagement>
-    <Status xmlns="71af3243-3dd4-4a8d-8c0d-dd76da1f02a5">Not started</Status>
-    <MediaServiceKeyPoints xmlns="71af3243-3dd4-4a8d-8c0d-dd76da1f02a5" xsi:nil="true"/>
-  </documentManagement>
-</p:properties>
+<file path=customXml/itemProps1.xml><?xml version="1.0" encoding="utf-8"?>
+<ds:datastoreItem xmlns:ds="http://schemas.openxmlformats.org/officeDocument/2006/customXml" ds:itemID="{950072C5-DDE0-4258-BA7A-4D4B80DFA632}">
+  <ds:schemaRefs>
+    <ds:schemaRef ds:uri="http://purl.org/dc/terms/"/>
+    <ds:schemaRef ds:uri="http://www.w3.org/XML/1998/namespace"/>
+    <ds:schemaRef ds:uri="71af3243-3dd4-4a8d-8c0d-dd76da1f02a5"/>
+    <ds:schemaRef ds:uri="http://schemas.microsoft.com/office/2006/documentManagement/types"/>
+    <ds:schemaRef ds:uri="http://purl.org/dc/elements/1.1/"/>
+    <ds:schemaRef ds:uri="http://schemas.microsoft.com/office/infopath/2007/PartnerControls"/>
+    <ds:schemaRef ds:uri="http://schemas.openxmlformats.org/package/2006/metadata/core-properties"/>
+    <ds:schemaRef ds:uri="16c05727-aa75-4e4a-9b5f-8a80a1165891"/>
+    <ds:schemaRef ds:uri="http://schemas.microsoft.com/office/2006/metadata/properties"/>
+    <ds:schemaRef ds:uri="http://purl.org/dc/dcmitype/"/>
+  </ds:schemaRefs>
+</ds:datastoreItem>
 </file>
 
-<file path=customXml/item3.xml><?xml version="1.0" encoding="utf-8"?>
-<?mso-contentType ?>
-<FormTemplates xmlns="http://schemas.microsoft.com/sharepoint/v3/contenttype/forms">
-  <Display>DocumentLibraryForm</Display>
-  <Edit>DocumentLibraryForm</Edit>
-  <New>DocumentLibraryForm</New>
-</FormTemplates>
+<file path=customXml/itemProps2.xml><?xml version="1.0" encoding="utf-8"?>
+<ds:datastoreItem xmlns:ds="http://schemas.openxmlformats.org/officeDocument/2006/customXml" ds:itemID="{7EE8C63A-4744-4DE4-BB49-0FF0B5375C60}">
+  <ds:schemaRefs>
+    <ds:schemaRef ds:uri="http://schemas.microsoft.com/sharepoint/v3/contenttype/forms"/>
+  </ds:schemaRefs>
+</ds:datastoreItem>
 </file>
 
-<file path=customXml/itemProps1.xml><?xml version="1.0" encoding="utf-8"?>
+<file path=customXml/itemProps3.xml><?xml version="1.0" encoding="utf-8"?>
 <ds:datastoreItem xmlns:ds="http://schemas.openxmlformats.org/officeDocument/2006/customXml" ds:itemID="{FD7FC771-7DFE-49DA-B577-71181BFBCB2E}">
   <ds:schemaRefs>
     <ds:schemaRef ds:uri="http://schemas.microsoft.com/office/2006/metadata/contentType"/>
@@ -27616,29 +29029,4 @@
     <ds:schemaRef ds:uri="http://schemas.microsoft.com/internal/obd"/>
   </ds:schemaRefs>
 </ds:datastoreItem>
-</file>
-
-<file path=customXml/itemProps2.xml><?xml version="1.0" encoding="utf-8"?>
-<ds:datastoreItem xmlns:ds="http://schemas.openxmlformats.org/officeDocument/2006/customXml" ds:itemID="{950072C5-DDE0-4258-BA7A-4D4B80DFA632}">
-  <ds:schemaRefs>
-    <ds:schemaRef ds:uri="http://purl.org/dc/terms/"/>
-    <ds:schemaRef ds:uri="http://www.w3.org/XML/1998/namespace"/>
-    <ds:schemaRef ds:uri="71af3243-3dd4-4a8d-8c0d-dd76da1f02a5"/>
-    <ds:schemaRef ds:uri="http://schemas.microsoft.com/office/2006/documentManagement/types"/>
-    <ds:schemaRef ds:uri="http://purl.org/dc/elements/1.1/"/>
-    <ds:schemaRef ds:uri="http://schemas.microsoft.com/office/infopath/2007/PartnerControls"/>
-    <ds:schemaRef ds:uri="http://schemas.openxmlformats.org/package/2006/metadata/core-properties"/>
-    <ds:schemaRef ds:uri="16c05727-aa75-4e4a-9b5f-8a80a1165891"/>
-    <ds:schemaRef ds:uri="http://schemas.microsoft.com/office/2006/metadata/properties"/>
-    <ds:schemaRef ds:uri="http://purl.org/dc/dcmitype/"/>
-  </ds:schemaRefs>
-</ds:datastoreItem>
-</file>
-
-<file path=customXml/itemProps3.xml><?xml version="1.0" encoding="utf-8"?>
-<ds:datastoreItem xmlns:ds="http://schemas.openxmlformats.org/officeDocument/2006/customXml" ds:itemID="{7EE8C63A-4744-4DE4-BB49-0FF0B5375C60}">
-  <ds:schemaRefs>
-    <ds:schemaRef ds:uri="http://schemas.microsoft.com/sharepoint/v3/contenttype/forms"/>
-  </ds:schemaRefs>
-</ds:datastoreItem>
 </file>
--- a/SLIDES/talk.pptx
+++ b/SLIDES/talk.pptx
@@ -5,10 +5,10 @@
     <p:sldMasterId id="2147483660" r:id="rId4"/>
   </p:sldMasterIdLst>
   <p:notesMasterIdLst>
-    <p:notesMasterId r:id="rId51"/>
+    <p:notesMasterId r:id="rId52"/>
   </p:notesMasterIdLst>
   <p:handoutMasterIdLst>
-    <p:handoutMasterId r:id="rId52"/>
+    <p:handoutMasterId r:id="rId53"/>
   </p:handoutMasterIdLst>
   <p:sldIdLst>
     <p:sldId id="286" r:id="rId5"/>
@@ -21,42 +21,43 @@
     <p:sldId id="382" r:id="rId12"/>
     <p:sldId id="384" r:id="rId13"/>
     <p:sldId id="383" r:id="rId14"/>
-    <p:sldId id="287" r:id="rId15"/>
-    <p:sldId id="321" r:id="rId16"/>
-    <p:sldId id="288" r:id="rId17"/>
-    <p:sldId id="320" r:id="rId18"/>
-    <p:sldId id="337" r:id="rId19"/>
-    <p:sldId id="372" r:id="rId20"/>
-    <p:sldId id="341" r:id="rId21"/>
-    <p:sldId id="374" r:id="rId22"/>
-    <p:sldId id="368" r:id="rId23"/>
-    <p:sldId id="375" r:id="rId24"/>
-    <p:sldId id="370" r:id="rId25"/>
-    <p:sldId id="350" r:id="rId26"/>
-    <p:sldId id="351" r:id="rId27"/>
-    <p:sldId id="369" r:id="rId28"/>
-    <p:sldId id="352" r:id="rId29"/>
-    <p:sldId id="356" r:id="rId30"/>
-    <p:sldId id="358" r:id="rId31"/>
-    <p:sldId id="373" r:id="rId32"/>
-    <p:sldId id="359" r:id="rId33"/>
-    <p:sldId id="357" r:id="rId34"/>
-    <p:sldId id="360" r:id="rId35"/>
-    <p:sldId id="355" r:id="rId36"/>
-    <p:sldId id="367" r:id="rId37"/>
-    <p:sldId id="371" r:id="rId38"/>
-    <p:sldId id="378" r:id="rId39"/>
-    <p:sldId id="377" r:id="rId40"/>
-    <p:sldId id="354" r:id="rId41"/>
-    <p:sldId id="381" r:id="rId42"/>
-    <p:sldId id="361" r:id="rId43"/>
-    <p:sldId id="362" r:id="rId44"/>
-    <p:sldId id="353" r:id="rId45"/>
-    <p:sldId id="363" r:id="rId46"/>
-    <p:sldId id="364" r:id="rId47"/>
-    <p:sldId id="365" r:id="rId48"/>
-    <p:sldId id="379" r:id="rId49"/>
-    <p:sldId id="366" r:id="rId50"/>
+    <p:sldId id="385" r:id="rId15"/>
+    <p:sldId id="287" r:id="rId16"/>
+    <p:sldId id="321" r:id="rId17"/>
+    <p:sldId id="288" r:id="rId18"/>
+    <p:sldId id="320" r:id="rId19"/>
+    <p:sldId id="337" r:id="rId20"/>
+    <p:sldId id="372" r:id="rId21"/>
+    <p:sldId id="341" r:id="rId22"/>
+    <p:sldId id="374" r:id="rId23"/>
+    <p:sldId id="368" r:id="rId24"/>
+    <p:sldId id="375" r:id="rId25"/>
+    <p:sldId id="370" r:id="rId26"/>
+    <p:sldId id="350" r:id="rId27"/>
+    <p:sldId id="351" r:id="rId28"/>
+    <p:sldId id="369" r:id="rId29"/>
+    <p:sldId id="352" r:id="rId30"/>
+    <p:sldId id="356" r:id="rId31"/>
+    <p:sldId id="358" r:id="rId32"/>
+    <p:sldId id="373" r:id="rId33"/>
+    <p:sldId id="359" r:id="rId34"/>
+    <p:sldId id="357" r:id="rId35"/>
+    <p:sldId id="360" r:id="rId36"/>
+    <p:sldId id="355" r:id="rId37"/>
+    <p:sldId id="367" r:id="rId38"/>
+    <p:sldId id="371" r:id="rId39"/>
+    <p:sldId id="378" r:id="rId40"/>
+    <p:sldId id="377" r:id="rId41"/>
+    <p:sldId id="354" r:id="rId42"/>
+    <p:sldId id="381" r:id="rId43"/>
+    <p:sldId id="361" r:id="rId44"/>
+    <p:sldId id="362" r:id="rId45"/>
+    <p:sldId id="353" r:id="rId46"/>
+    <p:sldId id="363" r:id="rId47"/>
+    <p:sldId id="364" r:id="rId48"/>
+    <p:sldId id="365" r:id="rId49"/>
+    <p:sldId id="379" r:id="rId50"/>
+    <p:sldId id="366" r:id="rId51"/>
   </p:sldIdLst>
   <p:sldSz cx="12192000" cy="6858000"/>
   <p:notesSz cx="6858000" cy="9144000"/>
@@ -173,6 +174,7 @@
             <p14:sldId id="382"/>
             <p14:sldId id="384"/>
             <p14:sldId id="383"/>
+            <p14:sldId id="385"/>
             <p14:sldId id="287"/>
             <p14:sldId id="321"/>
             <p14:sldId id="288"/>
@@ -325,7 +327,7 @@
           <a:p>
             <a:fld id="{80680FBE-A8DF-4758-9AC4-3A9E1039168F}" type="datetimeFigureOut">
               <a:rPr lang="en-US" smtClean="0"/>
-              <a:t>6/12/2021</a:t>
+              <a:t>6/14/2021</a:t>
             </a:fld>
             <a:endParaRPr lang="en-US" dirty="0"/>
           </a:p>
@@ -490,7 +492,7 @@
           <a:p>
             <a:fld id="{EC13577B-6902-467D-A26C-08A0DD5E4E03}" type="datetimeFigureOut">
               <a:rPr lang="en-US" smtClean="0"/>
-              <a:t>6/12/2021</a:t>
+              <a:t>6/14/2021</a:t>
             </a:fld>
             <a:endParaRPr lang="en-US" dirty="0"/>
           </a:p>
@@ -1196,7 +1198,7 @@
             <a:fld id="{8BEEBAAA-29B5-4AF5-BC5F-7E580C29002D}" type="datetimeFigureOut">
               <a:rPr lang="en-US" smtClean="0"/>
               <a:pPr/>
-              <a:t>6/12/2021</a:t>
+              <a:t>6/14/2021</a:t>
             </a:fld>
             <a:endParaRPr lang="en-US" dirty="0"/>
           </a:p>
@@ -1771,7 +1773,7 @@
           <a:p>
             <a:fld id="{4D723AB6-704A-42C8-AB51-31B091223600}" type="datetimeFigureOut">
               <a:rPr lang="en-GB" smtClean="0"/>
-              <a:t>12/06/2021</a:t>
+              <a:t>14/06/2021</a:t>
             </a:fld>
             <a:endParaRPr lang="en-GB"/>
           </a:p>
@@ -1971,7 +1973,7 @@
           <a:p>
             <a:fld id="{4D723AB6-704A-42C8-AB51-31B091223600}" type="datetimeFigureOut">
               <a:rPr lang="en-GB" smtClean="0"/>
-              <a:t>12/06/2021</a:t>
+              <a:t>14/06/2021</a:t>
             </a:fld>
             <a:endParaRPr lang="en-GB"/>
           </a:p>
@@ -2244,7 +2246,7 @@
             <a:fld id="{8BEEBAAA-29B5-4AF5-BC5F-7E580C29002D}" type="datetimeFigureOut">
               <a:rPr lang="en-US" smtClean="0"/>
               <a:pPr/>
-              <a:t>6/12/2021</a:t>
+              <a:t>6/14/2021</a:t>
             </a:fld>
             <a:endParaRPr lang="en-US" dirty="0"/>
           </a:p>
@@ -3577,6 +3579,68 @@
       </p:grpSpPr>
       <p:sp>
         <p:nvSpPr>
+          <p:cNvPr id="3" name="Title 2"/>
+          <p:cNvSpPr>
+            <a:spLocks noGrp="1"/>
+          </p:cNvSpPr>
+          <p:nvPr>
+            <p:ph type="title"/>
+          </p:nvPr>
+        </p:nvSpPr>
+        <p:spPr>
+          <a:xfrm>
+            <a:off x="521207" y="334297"/>
+            <a:ext cx="6877119" cy="753839"/>
+          </a:xfrm>
+        </p:spPr>
+        <p:txBody>
+          <a:bodyPr>
+            <a:normAutofit fontScale="90000"/>
+          </a:bodyPr>
+          <a:lstStyle/>
+          <a:p>
+            <a:r>
+              <a:rPr lang="en-US" sz="4400" dirty="0">
+                <a:latin typeface="Segoe UI Light" panose="020B0502040204020203" pitchFamily="34" charset="0"/>
+                <a:cs typeface="Segoe UI Light" panose="020B0502040204020203" pitchFamily="34" charset="0"/>
+              </a:rPr>
+              <a:t>Web Components and SSR</a:t>
+            </a:r>
+          </a:p>
+        </p:txBody>
+      </p:sp>
+    </p:spTree>
+    <p:extLst>
+      <p:ext uri="{BB962C8B-B14F-4D97-AF65-F5344CB8AC3E}">
+        <p14:creationId xmlns:p14="http://schemas.microsoft.com/office/powerpoint/2010/main" val="3045601482"/>
+      </p:ext>
+    </p:extLst>
+  </p:cSld>
+  <p:clrMapOvr>
+    <a:masterClrMapping/>
+  </p:clrMapOvr>
+</p:sld>
+</file>
+
+<file path=ppt/slides/slide12.xml><?xml version="1.0" encoding="utf-8"?>
+<p:sld xmlns:a="http://schemas.openxmlformats.org/drawingml/2006/main" xmlns:r="http://schemas.openxmlformats.org/officeDocument/2006/relationships" xmlns:p="http://schemas.openxmlformats.org/presentationml/2006/main">
+  <p:cSld>
+    <p:spTree>
+      <p:nvGrpSpPr>
+        <p:cNvPr id="1" name=""/>
+        <p:cNvGrpSpPr/>
+        <p:nvPr/>
+      </p:nvGrpSpPr>
+      <p:grpSpPr>
+        <a:xfrm>
+          <a:off x="0" y="0"/>
+          <a:ext cx="0" cy="0"/>
+          <a:chOff x="0" y="0"/>
+          <a:chExt cx="0" cy="0"/>
+        </a:xfrm>
+      </p:grpSpPr>
+      <p:sp>
+        <p:nvSpPr>
           <p:cNvPr id="4" name="Title 3"/>
           <p:cNvSpPr>
             <a:spLocks noGrp="1"/>
@@ -4189,7 +4253,7 @@
 </p:sld>
 </file>
 
-<file path=ppt/slides/slide12.xml><?xml version="1.0" encoding="utf-8"?>
+<file path=ppt/slides/slide13.xml><?xml version="1.0" encoding="utf-8"?>
 <p:sld xmlns:a="http://schemas.openxmlformats.org/drawingml/2006/main" xmlns:r="http://schemas.openxmlformats.org/officeDocument/2006/relationships" xmlns:p="http://schemas.openxmlformats.org/presentationml/2006/main">
   <p:cSld>
     <p:spTree>
@@ -5595,7 +5659,7 @@
 </p:sld>
 </file>
 
-<file path=ppt/slides/slide13.xml><?xml version="1.0" encoding="utf-8"?>
+<file path=ppt/slides/slide14.xml><?xml version="1.0" encoding="utf-8"?>
 <p:sld xmlns:a="http://schemas.openxmlformats.org/drawingml/2006/main" xmlns:r="http://schemas.openxmlformats.org/officeDocument/2006/relationships" xmlns:p="http://schemas.openxmlformats.org/presentationml/2006/main">
   <p:cSld>
     <p:spTree>
@@ -6207,7 +6271,7 @@
 </p:sld>
 </file>
 
-<file path=ppt/slides/slide14.xml><?xml version="1.0" encoding="utf-8"?>
+<file path=ppt/slides/slide15.xml><?xml version="1.0" encoding="utf-8"?>
 <p:sld xmlns:a="http://schemas.openxmlformats.org/drawingml/2006/main" xmlns:r="http://schemas.openxmlformats.org/officeDocument/2006/relationships" xmlns:p="http://schemas.openxmlformats.org/presentationml/2006/main">
   <p:cSld>
     <p:spTree>
@@ -6349,7 +6413,7 @@
 </p:sld>
 </file>
 
-<file path=ppt/slides/slide15.xml><?xml version="1.0" encoding="utf-8"?>
+<file path=ppt/slides/slide16.xml><?xml version="1.0" encoding="utf-8"?>
 <p:sld xmlns:a="http://schemas.openxmlformats.org/drawingml/2006/main" xmlns:r="http://schemas.openxmlformats.org/officeDocument/2006/relationships" xmlns:p="http://schemas.openxmlformats.org/presentationml/2006/main">
   <p:cSld>
     <p:spTree>
@@ -7327,734 +7391,6 @@
 </p:sld>
 </file>
 
-<file path=ppt/slides/slide16.xml><?xml version="1.0" encoding="utf-8"?>
-<p:sld xmlns:a="http://schemas.openxmlformats.org/drawingml/2006/main" xmlns:r="http://schemas.openxmlformats.org/officeDocument/2006/relationships" xmlns:p="http://schemas.openxmlformats.org/presentationml/2006/main">
-  <p:cSld>
-    <p:spTree>
-      <p:nvGrpSpPr>
-        <p:cNvPr id="1" name=""/>
-        <p:cNvGrpSpPr/>
-        <p:nvPr/>
-      </p:nvGrpSpPr>
-      <p:grpSpPr>
-        <a:xfrm>
-          <a:off x="0" y="0"/>
-          <a:ext cx="0" cy="0"/>
-          <a:chOff x="0" y="0"/>
-          <a:chExt cx="0" cy="0"/>
-        </a:xfrm>
-      </p:grpSpPr>
-      <p:sp>
-        <p:nvSpPr>
-          <p:cNvPr id="4" name="Title 3"/>
-          <p:cNvSpPr>
-            <a:spLocks noGrp="1"/>
-          </p:cNvSpPr>
-          <p:nvPr>
-            <p:ph type="title"/>
-          </p:nvPr>
-        </p:nvSpPr>
-        <p:spPr>
-          <a:xfrm>
-            <a:off x="541609" y="426301"/>
-            <a:ext cx="8578726" cy="749992"/>
-          </a:xfrm>
-        </p:spPr>
-        <p:txBody>
-          <a:bodyPr>
-            <a:noAutofit/>
-          </a:bodyPr>
-          <a:lstStyle/>
-          <a:p>
-            <a:r>
-              <a:rPr lang="en-US" sz="4000" dirty="0">
-                <a:latin typeface="Segoe UI Light" panose="020B0502040204020203" pitchFamily="34" charset="0"/>
-                <a:cs typeface="Segoe UI Light" panose="020B0502040204020203" pitchFamily="34" charset="0"/>
-              </a:rPr>
-              <a:t>Two Business Applications ( 2 )</a:t>
-            </a:r>
-          </a:p>
-        </p:txBody>
-      </p:sp>
-      <p:sp>
-        <p:nvSpPr>
-          <p:cNvPr id="25" name="Content Placeholder 17"/>
-          <p:cNvSpPr txBox="1">
-            <a:spLocks/>
-          </p:cNvSpPr>
-          <p:nvPr/>
-        </p:nvSpPr>
-        <p:spPr>
-          <a:xfrm>
-            <a:off x="541609" y="1455491"/>
-            <a:ext cx="5110161" cy="471149"/>
-          </a:xfrm>
-          <a:prstGeom prst="rect">
-            <a:avLst/>
-          </a:prstGeom>
-        </p:spPr>
-        <p:txBody>
-          <a:bodyPr vert="horz" lIns="91440" tIns="45720" rIns="91440" bIns="45720" rtlCol="0">
-            <a:normAutofit/>
-          </a:bodyPr>
-          <a:lstStyle>
-            <a:lvl1pPr marL="228600" indent="-228600" algn="l" defTabSz="914400" rtl="0" eaLnBrk="1" latinLnBrk="0" hangingPunct="1">
-              <a:lnSpc>
-                <a:spcPts val="1800"/>
-              </a:lnSpc>
-              <a:spcBef>
-                <a:spcPts val="1000"/>
-              </a:spcBef>
-              <a:spcAft>
-                <a:spcPts val="1000"/>
-              </a:spcAft>
-              <a:buFont typeface="Arial" panose="020B0604020202020204" pitchFamily="34" charset="0"/>
-              <a:buChar char="•"/>
-              <a:defRPr lang="en-US" sz="1200" kern="1200" smtClean="0">
-                <a:solidFill>
-                  <a:schemeClr val="tx1">
-                    <a:lumMod val="75000"/>
-                    <a:lumOff val="25000"/>
-                  </a:schemeClr>
-                </a:solidFill>
-                <a:latin typeface="+mn-lt"/>
-                <a:ea typeface="+mn-ea"/>
-                <a:cs typeface="+mn-cs"/>
-              </a:defRPr>
-            </a:lvl1pPr>
-            <a:lvl2pPr marL="685800" indent="-228600" algn="l" defTabSz="914400" rtl="0" eaLnBrk="1" latinLnBrk="0" hangingPunct="1">
-              <a:lnSpc>
-                <a:spcPts val="1800"/>
-              </a:lnSpc>
-              <a:spcBef>
-                <a:spcPts val="1000"/>
-              </a:spcBef>
-              <a:spcAft>
-                <a:spcPts val="1000"/>
-              </a:spcAft>
-              <a:buFont typeface="Arial" panose="020B0604020202020204" pitchFamily="34" charset="0"/>
-              <a:buChar char="•"/>
-              <a:defRPr lang="en-US" sz="1200" kern="1200" smtClean="0">
-                <a:solidFill>
-                  <a:schemeClr val="tx1">
-                    <a:lumMod val="75000"/>
-                    <a:lumOff val="25000"/>
-                  </a:schemeClr>
-                </a:solidFill>
-                <a:latin typeface="+mn-lt"/>
-                <a:ea typeface="+mn-ea"/>
-                <a:cs typeface="+mn-cs"/>
-              </a:defRPr>
-            </a:lvl2pPr>
-            <a:lvl3pPr marL="1143000" indent="-228600" algn="l" defTabSz="914400" rtl="0" eaLnBrk="1" latinLnBrk="0" hangingPunct="1">
-              <a:lnSpc>
-                <a:spcPts val="1800"/>
-              </a:lnSpc>
-              <a:spcBef>
-                <a:spcPts val="1000"/>
-              </a:spcBef>
-              <a:spcAft>
-                <a:spcPts val="1000"/>
-              </a:spcAft>
-              <a:buFont typeface="Arial" panose="020B0604020202020204" pitchFamily="34" charset="0"/>
-              <a:buChar char="•"/>
-              <a:defRPr lang="en-US" sz="1200" kern="1200" smtClean="0">
-                <a:solidFill>
-                  <a:schemeClr val="tx1">
-                    <a:lumMod val="75000"/>
-                    <a:lumOff val="25000"/>
-                  </a:schemeClr>
-                </a:solidFill>
-                <a:latin typeface="+mn-lt"/>
-                <a:ea typeface="+mn-ea"/>
-                <a:cs typeface="+mn-cs"/>
-              </a:defRPr>
-            </a:lvl3pPr>
-            <a:lvl4pPr marL="1600200" indent="-228600" algn="l" defTabSz="914400" rtl="0" eaLnBrk="1" latinLnBrk="0" hangingPunct="1">
-              <a:lnSpc>
-                <a:spcPts val="1800"/>
-              </a:lnSpc>
-              <a:spcBef>
-                <a:spcPts val="1000"/>
-              </a:spcBef>
-              <a:spcAft>
-                <a:spcPts val="1000"/>
-              </a:spcAft>
-              <a:buFont typeface="Arial" panose="020B0604020202020204" pitchFamily="34" charset="0"/>
-              <a:buChar char="•"/>
-              <a:defRPr lang="en-US" sz="1200" kern="1200" smtClean="0">
-                <a:solidFill>
-                  <a:schemeClr val="tx1">
-                    <a:lumMod val="75000"/>
-                    <a:lumOff val="25000"/>
-                  </a:schemeClr>
-                </a:solidFill>
-                <a:latin typeface="+mn-lt"/>
-                <a:ea typeface="+mn-ea"/>
-                <a:cs typeface="+mn-cs"/>
-              </a:defRPr>
-            </a:lvl4pPr>
-            <a:lvl5pPr marL="2057400" indent="-228600" algn="l" defTabSz="914400" rtl="0" eaLnBrk="1" latinLnBrk="0" hangingPunct="1">
-              <a:lnSpc>
-                <a:spcPts val="1800"/>
-              </a:lnSpc>
-              <a:spcBef>
-                <a:spcPts val="1000"/>
-              </a:spcBef>
-              <a:spcAft>
-                <a:spcPts val="1000"/>
-              </a:spcAft>
-              <a:buFont typeface="Arial" panose="020B0604020202020204" pitchFamily="34" charset="0"/>
-              <a:buChar char="•"/>
-              <a:defRPr lang="en-US" sz="1200" kern="1200">
-                <a:solidFill>
-                  <a:schemeClr val="tx1">
-                    <a:lumMod val="75000"/>
-                    <a:lumOff val="25000"/>
-                  </a:schemeClr>
-                </a:solidFill>
-                <a:latin typeface="+mn-lt"/>
-                <a:ea typeface="+mn-ea"/>
-                <a:cs typeface="+mn-cs"/>
-              </a:defRPr>
-            </a:lvl5pPr>
-            <a:lvl6pPr marL="2514600" indent="-228600" algn="l" defTabSz="914400" rtl="0" eaLnBrk="1" latinLnBrk="0" hangingPunct="1">
-              <a:lnSpc>
-                <a:spcPct val="90000"/>
-              </a:lnSpc>
-              <a:spcBef>
-                <a:spcPct val="30000"/>
-              </a:spcBef>
-              <a:buFont typeface="Arial" panose="020B0604020202020204" pitchFamily="34" charset="0"/>
-              <a:buChar char="•"/>
-              <a:defRPr sz="1800" kern="1200">
-                <a:solidFill>
-                  <a:schemeClr val="tx1"/>
-                </a:solidFill>
-                <a:latin typeface="+mn-lt"/>
-                <a:ea typeface="+mn-ea"/>
-                <a:cs typeface="+mn-cs"/>
-              </a:defRPr>
-            </a:lvl6pPr>
-            <a:lvl7pPr marL="2971800" indent="-228600" algn="l" defTabSz="914400" rtl="0" eaLnBrk="1" latinLnBrk="0" hangingPunct="1">
-              <a:lnSpc>
-                <a:spcPct val="90000"/>
-              </a:lnSpc>
-              <a:spcBef>
-                <a:spcPct val="30000"/>
-              </a:spcBef>
-              <a:buFont typeface="Arial" panose="020B0604020202020204" pitchFamily="34" charset="0"/>
-              <a:buChar char="•"/>
-              <a:defRPr sz="1800" kern="1200">
-                <a:solidFill>
-                  <a:schemeClr val="tx1"/>
-                </a:solidFill>
-                <a:latin typeface="+mn-lt"/>
-                <a:ea typeface="+mn-ea"/>
-                <a:cs typeface="+mn-cs"/>
-              </a:defRPr>
-            </a:lvl7pPr>
-            <a:lvl8pPr marL="3429000" indent="-228600" algn="l" defTabSz="914400" rtl="0" eaLnBrk="1" latinLnBrk="0" hangingPunct="1">
-              <a:lnSpc>
-                <a:spcPct val="90000"/>
-              </a:lnSpc>
-              <a:spcBef>
-                <a:spcPct val="30000"/>
-              </a:spcBef>
-              <a:buFont typeface="Arial" panose="020B0604020202020204" pitchFamily="34" charset="0"/>
-              <a:buChar char="•"/>
-              <a:defRPr sz="1800" kern="1200">
-                <a:solidFill>
-                  <a:schemeClr val="tx1"/>
-                </a:solidFill>
-                <a:latin typeface="+mn-lt"/>
-                <a:ea typeface="+mn-ea"/>
-                <a:cs typeface="+mn-cs"/>
-              </a:defRPr>
-            </a:lvl8pPr>
-            <a:lvl9pPr marL="3886200" indent="-228600" algn="l" defTabSz="914400" rtl="0" eaLnBrk="1" latinLnBrk="0" hangingPunct="1">
-              <a:lnSpc>
-                <a:spcPct val="90000"/>
-              </a:lnSpc>
-              <a:spcBef>
-                <a:spcPct val="30000"/>
-              </a:spcBef>
-              <a:buFont typeface="Arial" panose="020B0604020202020204" pitchFamily="34" charset="0"/>
-              <a:buChar char="•"/>
-              <a:defRPr sz="1800" kern="1200">
-                <a:solidFill>
-                  <a:schemeClr val="tx1"/>
-                </a:solidFill>
-                <a:latin typeface="+mn-lt"/>
-                <a:ea typeface="+mn-ea"/>
-                <a:cs typeface="+mn-cs"/>
-              </a:defRPr>
-            </a:lvl9pPr>
-          </a:lstStyle>
-          <a:p>
-            <a:pPr marL="0" indent="0">
-              <a:spcAft>
-                <a:spcPts val="2000"/>
-              </a:spcAft>
-              <a:buNone/>
-            </a:pPr>
-            <a:endParaRPr lang="en-US" sz="1800" dirty="0">
-              <a:latin typeface="Segoe UI" panose="020B0502040204020203" pitchFamily="34" charset="0"/>
-              <a:cs typeface="Segoe UI" panose="020B0502040204020203" pitchFamily="34" charset="0"/>
-            </a:endParaRPr>
-          </a:p>
-        </p:txBody>
-      </p:sp>
-      <p:sp>
-        <p:nvSpPr>
-          <p:cNvPr id="36" name="Content Placeholder 17"/>
-          <p:cNvSpPr txBox="1">
-            <a:spLocks/>
-          </p:cNvSpPr>
-          <p:nvPr/>
-        </p:nvSpPr>
-        <p:spPr>
-          <a:xfrm>
-            <a:off x="1433399" y="1065203"/>
-            <a:ext cx="9325202" cy="3968352"/>
-          </a:xfrm>
-          <a:prstGeom prst="rect">
-            <a:avLst/>
-          </a:prstGeom>
-        </p:spPr>
-        <p:txBody>
-          <a:bodyPr vert="horz" lIns="91440" tIns="45720" rIns="91440" bIns="45720" rtlCol="0">
-            <a:noAutofit/>
-          </a:bodyPr>
-          <a:lstStyle>
-            <a:lvl1pPr marL="228600" indent="-228600" algn="l" defTabSz="914400" rtl="0" eaLnBrk="1" latinLnBrk="0" hangingPunct="1">
-              <a:lnSpc>
-                <a:spcPts val="1800"/>
-              </a:lnSpc>
-              <a:spcBef>
-                <a:spcPts val="1000"/>
-              </a:spcBef>
-              <a:spcAft>
-                <a:spcPts val="1000"/>
-              </a:spcAft>
-              <a:buFont typeface="Arial" panose="020B0604020202020204" pitchFamily="34" charset="0"/>
-              <a:buChar char="•"/>
-              <a:defRPr lang="en-US" sz="1200" kern="1200" smtClean="0">
-                <a:solidFill>
-                  <a:schemeClr val="tx1">
-                    <a:lumMod val="75000"/>
-                    <a:lumOff val="25000"/>
-                  </a:schemeClr>
-                </a:solidFill>
-                <a:latin typeface="+mn-lt"/>
-                <a:ea typeface="+mn-ea"/>
-                <a:cs typeface="+mn-cs"/>
-              </a:defRPr>
-            </a:lvl1pPr>
-            <a:lvl2pPr marL="685800" indent="-228600" algn="l" defTabSz="914400" rtl="0" eaLnBrk="1" latinLnBrk="0" hangingPunct="1">
-              <a:lnSpc>
-                <a:spcPts val="1800"/>
-              </a:lnSpc>
-              <a:spcBef>
-                <a:spcPts val="1000"/>
-              </a:spcBef>
-              <a:spcAft>
-                <a:spcPts val="1000"/>
-              </a:spcAft>
-              <a:buFont typeface="Arial" panose="020B0604020202020204" pitchFamily="34" charset="0"/>
-              <a:buChar char="•"/>
-              <a:defRPr lang="en-US" sz="1200" kern="1200" smtClean="0">
-                <a:solidFill>
-                  <a:schemeClr val="tx1">
-                    <a:lumMod val="75000"/>
-                    <a:lumOff val="25000"/>
-                  </a:schemeClr>
-                </a:solidFill>
-                <a:latin typeface="+mn-lt"/>
-                <a:ea typeface="+mn-ea"/>
-                <a:cs typeface="+mn-cs"/>
-              </a:defRPr>
-            </a:lvl2pPr>
-            <a:lvl3pPr marL="1143000" indent="-228600" algn="l" defTabSz="914400" rtl="0" eaLnBrk="1" latinLnBrk="0" hangingPunct="1">
-              <a:lnSpc>
-                <a:spcPts val="1800"/>
-              </a:lnSpc>
-              <a:spcBef>
-                <a:spcPts val="1000"/>
-              </a:spcBef>
-              <a:spcAft>
-                <a:spcPts val="1000"/>
-              </a:spcAft>
-              <a:buFont typeface="Arial" panose="020B0604020202020204" pitchFamily="34" charset="0"/>
-              <a:buChar char="•"/>
-              <a:defRPr lang="en-US" sz="1200" kern="1200" smtClean="0">
-                <a:solidFill>
-                  <a:schemeClr val="tx1">
-                    <a:lumMod val="75000"/>
-                    <a:lumOff val="25000"/>
-                  </a:schemeClr>
-                </a:solidFill>
-                <a:latin typeface="+mn-lt"/>
-                <a:ea typeface="+mn-ea"/>
-                <a:cs typeface="+mn-cs"/>
-              </a:defRPr>
-            </a:lvl3pPr>
-            <a:lvl4pPr marL="1600200" indent="-228600" algn="l" defTabSz="914400" rtl="0" eaLnBrk="1" latinLnBrk="0" hangingPunct="1">
-              <a:lnSpc>
-                <a:spcPts val="1800"/>
-              </a:lnSpc>
-              <a:spcBef>
-                <a:spcPts val="1000"/>
-              </a:spcBef>
-              <a:spcAft>
-                <a:spcPts val="1000"/>
-              </a:spcAft>
-              <a:buFont typeface="Arial" panose="020B0604020202020204" pitchFamily="34" charset="0"/>
-              <a:buChar char="•"/>
-              <a:defRPr lang="en-US" sz="1200" kern="1200" smtClean="0">
-                <a:solidFill>
-                  <a:schemeClr val="tx1">
-                    <a:lumMod val="75000"/>
-                    <a:lumOff val="25000"/>
-                  </a:schemeClr>
-                </a:solidFill>
-                <a:latin typeface="+mn-lt"/>
-                <a:ea typeface="+mn-ea"/>
-                <a:cs typeface="+mn-cs"/>
-              </a:defRPr>
-            </a:lvl4pPr>
-            <a:lvl5pPr marL="2057400" indent="-228600" algn="l" defTabSz="914400" rtl="0" eaLnBrk="1" latinLnBrk="0" hangingPunct="1">
-              <a:lnSpc>
-                <a:spcPts val="1800"/>
-              </a:lnSpc>
-              <a:spcBef>
-                <a:spcPts val="1000"/>
-              </a:spcBef>
-              <a:spcAft>
-                <a:spcPts val="1000"/>
-              </a:spcAft>
-              <a:buFont typeface="Arial" panose="020B0604020202020204" pitchFamily="34" charset="0"/>
-              <a:buChar char="•"/>
-              <a:defRPr lang="en-US" sz="1200" kern="1200">
-                <a:solidFill>
-                  <a:schemeClr val="tx1">
-                    <a:lumMod val="75000"/>
-                    <a:lumOff val="25000"/>
-                  </a:schemeClr>
-                </a:solidFill>
-                <a:latin typeface="+mn-lt"/>
-                <a:ea typeface="+mn-ea"/>
-                <a:cs typeface="+mn-cs"/>
-              </a:defRPr>
-            </a:lvl5pPr>
-            <a:lvl6pPr marL="2514600" indent="-228600" algn="l" defTabSz="914400" rtl="0" eaLnBrk="1" latinLnBrk="0" hangingPunct="1">
-              <a:lnSpc>
-                <a:spcPct val="90000"/>
-              </a:lnSpc>
-              <a:spcBef>
-                <a:spcPct val="30000"/>
-              </a:spcBef>
-              <a:buFont typeface="Arial" panose="020B0604020202020204" pitchFamily="34" charset="0"/>
-              <a:buChar char="•"/>
-              <a:defRPr sz="1800" kern="1200">
-                <a:solidFill>
-                  <a:schemeClr val="tx1"/>
-                </a:solidFill>
-                <a:latin typeface="+mn-lt"/>
-                <a:ea typeface="+mn-ea"/>
-                <a:cs typeface="+mn-cs"/>
-              </a:defRPr>
-            </a:lvl6pPr>
-            <a:lvl7pPr marL="2971800" indent="-228600" algn="l" defTabSz="914400" rtl="0" eaLnBrk="1" latinLnBrk="0" hangingPunct="1">
-              <a:lnSpc>
-                <a:spcPct val="90000"/>
-              </a:lnSpc>
-              <a:spcBef>
-                <a:spcPct val="30000"/>
-              </a:spcBef>
-              <a:buFont typeface="Arial" panose="020B0604020202020204" pitchFamily="34" charset="0"/>
-              <a:buChar char="•"/>
-              <a:defRPr sz="1800" kern="1200">
-                <a:solidFill>
-                  <a:schemeClr val="tx1"/>
-                </a:solidFill>
-                <a:latin typeface="+mn-lt"/>
-                <a:ea typeface="+mn-ea"/>
-                <a:cs typeface="+mn-cs"/>
-              </a:defRPr>
-            </a:lvl7pPr>
-            <a:lvl8pPr marL="3429000" indent="-228600" algn="l" defTabSz="914400" rtl="0" eaLnBrk="1" latinLnBrk="0" hangingPunct="1">
-              <a:lnSpc>
-                <a:spcPct val="90000"/>
-              </a:lnSpc>
-              <a:spcBef>
-                <a:spcPct val="30000"/>
-              </a:spcBef>
-              <a:buFont typeface="Arial" panose="020B0604020202020204" pitchFamily="34" charset="0"/>
-              <a:buChar char="•"/>
-              <a:defRPr sz="1800" kern="1200">
-                <a:solidFill>
-                  <a:schemeClr val="tx1"/>
-                </a:solidFill>
-                <a:latin typeface="+mn-lt"/>
-                <a:ea typeface="+mn-ea"/>
-                <a:cs typeface="+mn-cs"/>
-              </a:defRPr>
-            </a:lvl8pPr>
-            <a:lvl9pPr marL="3886200" indent="-228600" algn="l" defTabSz="914400" rtl="0" eaLnBrk="1" latinLnBrk="0" hangingPunct="1">
-              <a:lnSpc>
-                <a:spcPct val="90000"/>
-              </a:lnSpc>
-              <a:spcBef>
-                <a:spcPct val="30000"/>
-              </a:spcBef>
-              <a:buFont typeface="Arial" panose="020B0604020202020204" pitchFamily="34" charset="0"/>
-              <a:buChar char="•"/>
-              <a:defRPr sz="1800" kern="1200">
-                <a:solidFill>
-                  <a:schemeClr val="tx1"/>
-                </a:solidFill>
-                <a:latin typeface="+mn-lt"/>
-                <a:ea typeface="+mn-ea"/>
-                <a:cs typeface="+mn-cs"/>
-              </a:defRPr>
-            </a:lvl9pPr>
-          </a:lstStyle>
-          <a:p>
-            <a:pPr marL="457200" lvl="2" indent="0">
-              <a:lnSpc>
-                <a:spcPts val="4560"/>
-              </a:lnSpc>
-              <a:spcAft>
-                <a:spcPts val="1200"/>
-              </a:spcAft>
-              <a:buNone/>
-            </a:pPr>
-            <a:endParaRPr lang="en-GB" sz="3800" dirty="0">
-              <a:solidFill>
-                <a:schemeClr val="bg2">
-                  <a:lumMod val="25000"/>
-                </a:schemeClr>
-              </a:solidFill>
-              <a:latin typeface="Segoe UI Light" panose="020B0502040204020203" pitchFamily="34" charset="0"/>
-              <a:cs typeface="Segoe UI Light" panose="020B0502040204020203" pitchFamily="34" charset="0"/>
-            </a:endParaRPr>
-          </a:p>
-          <a:p>
-            <a:pPr marL="0" lvl="0" indent="0">
-              <a:lnSpc>
-                <a:spcPts val="4560"/>
-              </a:lnSpc>
-              <a:spcBef>
-                <a:spcPct val="0"/>
-              </a:spcBef>
-              <a:spcAft>
-                <a:spcPts val="2000"/>
-              </a:spcAft>
-              <a:buNone/>
-              <a:defRPr/>
-            </a:pPr>
-            <a:r>
-              <a:rPr lang="en-US" sz="4400" dirty="0">
-                <a:solidFill>
-                  <a:schemeClr val="bg2">
-                    <a:lumMod val="25000"/>
-                  </a:schemeClr>
-                </a:solidFill>
-                <a:latin typeface="Segoe UI Light" panose="020B0502040204020203" pitchFamily="34" charset="0"/>
-                <a:cs typeface="Segoe UI Light" panose="020B0502040204020203" pitchFamily="34" charset="0"/>
-              </a:rPr>
-              <a:t>&lt;div id=“react-app”/&gt;</a:t>
-            </a:r>
-          </a:p>
-          <a:p>
-            <a:pPr marL="0" lvl="0" indent="0">
-              <a:lnSpc>
-                <a:spcPts val="4560"/>
-              </a:lnSpc>
-              <a:spcBef>
-                <a:spcPct val="0"/>
-              </a:spcBef>
-              <a:spcAft>
-                <a:spcPts val="2000"/>
-              </a:spcAft>
-              <a:buNone/>
-              <a:defRPr/>
-            </a:pPr>
-            <a:r>
-              <a:rPr lang="en-US" sz="4400" dirty="0">
-                <a:solidFill>
-                  <a:schemeClr val="bg2">
-                    <a:lumMod val="25000"/>
-                  </a:schemeClr>
-                </a:solidFill>
-                <a:latin typeface="Segoe UI Light" panose="020B0502040204020203" pitchFamily="34" charset="0"/>
-                <a:cs typeface="Segoe UI Light" panose="020B0502040204020203" pitchFamily="34" charset="0"/>
-              </a:rPr>
-              <a:t>&lt;div id=“</a:t>
-            </a:r>
-            <a:r>
-              <a:rPr lang="en-US" sz="4400" dirty="0" err="1">
-                <a:solidFill>
-                  <a:schemeClr val="bg2">
-                    <a:lumMod val="25000"/>
-                  </a:schemeClr>
-                </a:solidFill>
-                <a:latin typeface="Segoe UI Light" panose="020B0502040204020203" pitchFamily="34" charset="0"/>
-                <a:cs typeface="Segoe UI Light" panose="020B0502040204020203" pitchFamily="34" charset="0"/>
-              </a:rPr>
-              <a:t>vue</a:t>
-            </a:r>
-            <a:r>
-              <a:rPr lang="en-US" sz="4400" dirty="0">
-                <a:solidFill>
-                  <a:schemeClr val="bg2">
-                    <a:lumMod val="25000"/>
-                  </a:schemeClr>
-                </a:solidFill>
-                <a:latin typeface="Segoe UI Light" panose="020B0502040204020203" pitchFamily="34" charset="0"/>
-                <a:cs typeface="Segoe UI Light" panose="020B0502040204020203" pitchFamily="34" charset="0"/>
-              </a:rPr>
-              <a:t>-app” /&gt;</a:t>
-            </a:r>
-          </a:p>
-          <a:p>
-            <a:pPr marL="0" lvl="0" indent="0">
-              <a:lnSpc>
-                <a:spcPts val="4560"/>
-              </a:lnSpc>
-              <a:spcBef>
-                <a:spcPct val="0"/>
-              </a:spcBef>
-              <a:spcAft>
-                <a:spcPts val="2000"/>
-              </a:spcAft>
-              <a:buNone/>
-              <a:defRPr/>
-            </a:pPr>
-            <a:r>
-              <a:rPr lang="en-US" sz="4400" dirty="0">
-                <a:solidFill>
-                  <a:schemeClr val="bg2">
-                    <a:lumMod val="25000"/>
-                  </a:schemeClr>
-                </a:solidFill>
-                <a:latin typeface="Segoe UI Light" panose="020B0502040204020203" pitchFamily="34" charset="0"/>
-                <a:cs typeface="Segoe UI Light" panose="020B0502040204020203" pitchFamily="34" charset="0"/>
-              </a:rPr>
-              <a:t>&lt;div id =“angular-app” /&gt;</a:t>
-            </a:r>
-          </a:p>
-          <a:p>
-            <a:pPr marL="0" lvl="0" indent="0">
-              <a:lnSpc>
-                <a:spcPts val="4560"/>
-              </a:lnSpc>
-              <a:spcBef>
-                <a:spcPct val="0"/>
-              </a:spcBef>
-              <a:spcAft>
-                <a:spcPts val="2000"/>
-              </a:spcAft>
-              <a:buNone/>
-              <a:defRPr/>
-            </a:pPr>
-            <a:r>
-              <a:rPr lang="en-US" sz="4400" dirty="0">
-                <a:solidFill>
-                  <a:schemeClr val="bg2">
-                    <a:lumMod val="25000"/>
-                  </a:schemeClr>
-                </a:solidFill>
-                <a:latin typeface="Segoe UI Light" panose="020B0502040204020203" pitchFamily="34" charset="0"/>
-                <a:cs typeface="Segoe UI Light" panose="020B0502040204020203" pitchFamily="34" charset="0"/>
-              </a:rPr>
-              <a:t>&lt;div id=“</a:t>
-            </a:r>
-            <a:r>
-              <a:rPr lang="en-US" sz="4400" dirty="0" err="1">
-                <a:solidFill>
-                  <a:schemeClr val="bg2">
-                    <a:lumMod val="25000"/>
-                  </a:schemeClr>
-                </a:solidFill>
-                <a:latin typeface="Segoe UI Light" panose="020B0502040204020203" pitchFamily="34" charset="0"/>
-                <a:cs typeface="Segoe UI Light" panose="020B0502040204020203" pitchFamily="34" charset="0"/>
-              </a:rPr>
-              <a:t>wordpress</a:t>
-            </a:r>
-            <a:r>
-              <a:rPr lang="en-US" sz="4400" dirty="0">
-                <a:solidFill>
-                  <a:schemeClr val="bg2">
-                    <a:lumMod val="25000"/>
-                  </a:schemeClr>
-                </a:solidFill>
-                <a:latin typeface="Segoe UI Light" panose="020B0502040204020203" pitchFamily="34" charset="0"/>
-                <a:cs typeface="Segoe UI Light" panose="020B0502040204020203" pitchFamily="34" charset="0"/>
-              </a:rPr>
-              <a:t>-app”  /&gt;</a:t>
-            </a:r>
-            <a:endParaRPr lang="en-US" sz="3800" dirty="0">
-              <a:solidFill>
-                <a:schemeClr val="bg2">
-                  <a:lumMod val="25000"/>
-                </a:schemeClr>
-              </a:solidFill>
-              <a:latin typeface="Segoe UI Light" panose="020B0502040204020203" pitchFamily="34" charset="0"/>
-              <a:cs typeface="Segoe UI Light" panose="020B0502040204020203" pitchFamily="34" charset="0"/>
-            </a:endParaRPr>
-          </a:p>
-        </p:txBody>
-      </p:sp>
-      <p:sp>
-        <p:nvSpPr>
-          <p:cNvPr id="3" name="TextBox 2">
-            <a:extLst>
-              <a:ext uri="{FF2B5EF4-FFF2-40B4-BE49-F238E27FC236}">
-                <a16:creationId xmlns:a16="http://schemas.microsoft.com/office/drawing/2014/main" id="{E22FAA13-2945-4F8B-8409-718AE677BAC4}"/>
-              </a:ext>
-            </a:extLst>
-          </p:cNvPr>
-          <p:cNvSpPr txBox="1"/>
-          <p:nvPr/>
-        </p:nvSpPr>
-        <p:spPr>
-          <a:xfrm>
-            <a:off x="957943" y="5033555"/>
-            <a:ext cx="9727474" cy="584775"/>
-          </a:xfrm>
-          <a:prstGeom prst="rect">
-            <a:avLst/>
-          </a:prstGeom>
-          <a:noFill/>
-        </p:spPr>
-        <p:txBody>
-          <a:bodyPr wrap="square" rtlCol="0">
-            <a:spAutoFit/>
-          </a:bodyPr>
-          <a:lstStyle/>
-          <a:p>
-            <a:r>
-              <a:rPr lang="en-GB" sz="3200" dirty="0"/>
-              <a:t>Communicate events and data between all of them.</a:t>
-            </a:r>
-          </a:p>
-        </p:txBody>
-      </p:sp>
-    </p:spTree>
-    <p:extLst>
-      <p:ext uri="{BB962C8B-B14F-4D97-AF65-F5344CB8AC3E}">
-        <p14:creationId xmlns:p14="http://schemas.microsoft.com/office/powerpoint/2010/main" val="1183235701"/>
-      </p:ext>
-    </p:extLst>
-  </p:cSld>
-  <p:clrMapOvr>
-    <a:masterClrMapping/>
-  </p:clrMapOvr>
-</p:sld>
-</file>
-
 <file path=ppt/slides/slide17.xml><?xml version="1.0" encoding="utf-8"?>
 <p:sld xmlns:a="http://schemas.openxmlformats.org/drawingml/2006/main" xmlns:r="http://schemas.openxmlformats.org/officeDocument/2006/relationships" xmlns:p="http://schemas.openxmlformats.org/presentationml/2006/main">
   <p:cSld>
@@ -8333,40 +7669,447 @@
           </a:p>
         </p:txBody>
       </p:sp>
-      <p:pic>
-        <p:nvPicPr>
-          <p:cNvPr id="3" name="Picture 2" descr="Text&#10;&#10;Description automatically generated">
-            <a:extLst>
-              <a:ext uri="{FF2B5EF4-FFF2-40B4-BE49-F238E27FC236}">
-                <a16:creationId xmlns:a16="http://schemas.microsoft.com/office/drawing/2014/main" id="{56C6BB9D-FC63-4790-8EAE-CA95B465DD86}"/>
-              </a:ext>
-            </a:extLst>
-          </p:cNvPr>
-          <p:cNvPicPr>
-            <a:picLocks noChangeAspect="1"/>
-          </p:cNvPicPr>
+      <p:sp>
+        <p:nvSpPr>
+          <p:cNvPr id="36" name="Content Placeholder 17"/>
+          <p:cNvSpPr txBox="1">
+            <a:spLocks/>
+          </p:cNvSpPr>
           <p:nvPr/>
-        </p:nvPicPr>
-        <p:blipFill>
-          <a:blip r:embed="rId2"/>
-          <a:stretch>
-            <a:fillRect/>
-          </a:stretch>
-        </p:blipFill>
+        </p:nvSpPr>
         <p:spPr>
           <a:xfrm>
-            <a:off x="639718" y="1455491"/>
-            <a:ext cx="11004297" cy="4976208"/>
+            <a:off x="1433399" y="1065203"/>
+            <a:ext cx="9325202" cy="3968352"/>
           </a:xfrm>
           <a:prstGeom prst="rect">
             <a:avLst/>
           </a:prstGeom>
         </p:spPr>
-      </p:pic>
+        <p:txBody>
+          <a:bodyPr vert="horz" lIns="91440" tIns="45720" rIns="91440" bIns="45720" rtlCol="0">
+            <a:noAutofit/>
+          </a:bodyPr>
+          <a:lstStyle>
+            <a:lvl1pPr marL="228600" indent="-228600" algn="l" defTabSz="914400" rtl="0" eaLnBrk="1" latinLnBrk="0" hangingPunct="1">
+              <a:lnSpc>
+                <a:spcPts val="1800"/>
+              </a:lnSpc>
+              <a:spcBef>
+                <a:spcPts val="1000"/>
+              </a:spcBef>
+              <a:spcAft>
+                <a:spcPts val="1000"/>
+              </a:spcAft>
+              <a:buFont typeface="Arial" panose="020B0604020202020204" pitchFamily="34" charset="0"/>
+              <a:buChar char="•"/>
+              <a:defRPr lang="en-US" sz="1200" kern="1200" smtClean="0">
+                <a:solidFill>
+                  <a:schemeClr val="tx1">
+                    <a:lumMod val="75000"/>
+                    <a:lumOff val="25000"/>
+                  </a:schemeClr>
+                </a:solidFill>
+                <a:latin typeface="+mn-lt"/>
+                <a:ea typeface="+mn-ea"/>
+                <a:cs typeface="+mn-cs"/>
+              </a:defRPr>
+            </a:lvl1pPr>
+            <a:lvl2pPr marL="685800" indent="-228600" algn="l" defTabSz="914400" rtl="0" eaLnBrk="1" latinLnBrk="0" hangingPunct="1">
+              <a:lnSpc>
+                <a:spcPts val="1800"/>
+              </a:lnSpc>
+              <a:spcBef>
+                <a:spcPts val="1000"/>
+              </a:spcBef>
+              <a:spcAft>
+                <a:spcPts val="1000"/>
+              </a:spcAft>
+              <a:buFont typeface="Arial" panose="020B0604020202020204" pitchFamily="34" charset="0"/>
+              <a:buChar char="•"/>
+              <a:defRPr lang="en-US" sz="1200" kern="1200" smtClean="0">
+                <a:solidFill>
+                  <a:schemeClr val="tx1">
+                    <a:lumMod val="75000"/>
+                    <a:lumOff val="25000"/>
+                  </a:schemeClr>
+                </a:solidFill>
+                <a:latin typeface="+mn-lt"/>
+                <a:ea typeface="+mn-ea"/>
+                <a:cs typeface="+mn-cs"/>
+              </a:defRPr>
+            </a:lvl2pPr>
+            <a:lvl3pPr marL="1143000" indent="-228600" algn="l" defTabSz="914400" rtl="0" eaLnBrk="1" latinLnBrk="0" hangingPunct="1">
+              <a:lnSpc>
+                <a:spcPts val="1800"/>
+              </a:lnSpc>
+              <a:spcBef>
+                <a:spcPts val="1000"/>
+              </a:spcBef>
+              <a:spcAft>
+                <a:spcPts val="1000"/>
+              </a:spcAft>
+              <a:buFont typeface="Arial" panose="020B0604020202020204" pitchFamily="34" charset="0"/>
+              <a:buChar char="•"/>
+              <a:defRPr lang="en-US" sz="1200" kern="1200" smtClean="0">
+                <a:solidFill>
+                  <a:schemeClr val="tx1">
+                    <a:lumMod val="75000"/>
+                    <a:lumOff val="25000"/>
+                  </a:schemeClr>
+                </a:solidFill>
+                <a:latin typeface="+mn-lt"/>
+                <a:ea typeface="+mn-ea"/>
+                <a:cs typeface="+mn-cs"/>
+              </a:defRPr>
+            </a:lvl3pPr>
+            <a:lvl4pPr marL="1600200" indent="-228600" algn="l" defTabSz="914400" rtl="0" eaLnBrk="1" latinLnBrk="0" hangingPunct="1">
+              <a:lnSpc>
+                <a:spcPts val="1800"/>
+              </a:lnSpc>
+              <a:spcBef>
+                <a:spcPts val="1000"/>
+              </a:spcBef>
+              <a:spcAft>
+                <a:spcPts val="1000"/>
+              </a:spcAft>
+              <a:buFont typeface="Arial" panose="020B0604020202020204" pitchFamily="34" charset="0"/>
+              <a:buChar char="•"/>
+              <a:defRPr lang="en-US" sz="1200" kern="1200" smtClean="0">
+                <a:solidFill>
+                  <a:schemeClr val="tx1">
+                    <a:lumMod val="75000"/>
+                    <a:lumOff val="25000"/>
+                  </a:schemeClr>
+                </a:solidFill>
+                <a:latin typeface="+mn-lt"/>
+                <a:ea typeface="+mn-ea"/>
+                <a:cs typeface="+mn-cs"/>
+              </a:defRPr>
+            </a:lvl4pPr>
+            <a:lvl5pPr marL="2057400" indent="-228600" algn="l" defTabSz="914400" rtl="0" eaLnBrk="1" latinLnBrk="0" hangingPunct="1">
+              <a:lnSpc>
+                <a:spcPts val="1800"/>
+              </a:lnSpc>
+              <a:spcBef>
+                <a:spcPts val="1000"/>
+              </a:spcBef>
+              <a:spcAft>
+                <a:spcPts val="1000"/>
+              </a:spcAft>
+              <a:buFont typeface="Arial" panose="020B0604020202020204" pitchFamily="34" charset="0"/>
+              <a:buChar char="•"/>
+              <a:defRPr lang="en-US" sz="1200" kern="1200">
+                <a:solidFill>
+                  <a:schemeClr val="tx1">
+                    <a:lumMod val="75000"/>
+                    <a:lumOff val="25000"/>
+                  </a:schemeClr>
+                </a:solidFill>
+                <a:latin typeface="+mn-lt"/>
+                <a:ea typeface="+mn-ea"/>
+                <a:cs typeface="+mn-cs"/>
+              </a:defRPr>
+            </a:lvl5pPr>
+            <a:lvl6pPr marL="2514600" indent="-228600" algn="l" defTabSz="914400" rtl="0" eaLnBrk="1" latinLnBrk="0" hangingPunct="1">
+              <a:lnSpc>
+                <a:spcPct val="90000"/>
+              </a:lnSpc>
+              <a:spcBef>
+                <a:spcPct val="30000"/>
+              </a:spcBef>
+              <a:buFont typeface="Arial" panose="020B0604020202020204" pitchFamily="34" charset="0"/>
+              <a:buChar char="•"/>
+              <a:defRPr sz="1800" kern="1200">
+                <a:solidFill>
+                  <a:schemeClr val="tx1"/>
+                </a:solidFill>
+                <a:latin typeface="+mn-lt"/>
+                <a:ea typeface="+mn-ea"/>
+                <a:cs typeface="+mn-cs"/>
+              </a:defRPr>
+            </a:lvl6pPr>
+            <a:lvl7pPr marL="2971800" indent="-228600" algn="l" defTabSz="914400" rtl="0" eaLnBrk="1" latinLnBrk="0" hangingPunct="1">
+              <a:lnSpc>
+                <a:spcPct val="90000"/>
+              </a:lnSpc>
+              <a:spcBef>
+                <a:spcPct val="30000"/>
+              </a:spcBef>
+              <a:buFont typeface="Arial" panose="020B0604020202020204" pitchFamily="34" charset="0"/>
+              <a:buChar char="•"/>
+              <a:defRPr sz="1800" kern="1200">
+                <a:solidFill>
+                  <a:schemeClr val="tx1"/>
+                </a:solidFill>
+                <a:latin typeface="+mn-lt"/>
+                <a:ea typeface="+mn-ea"/>
+                <a:cs typeface="+mn-cs"/>
+              </a:defRPr>
+            </a:lvl7pPr>
+            <a:lvl8pPr marL="3429000" indent="-228600" algn="l" defTabSz="914400" rtl="0" eaLnBrk="1" latinLnBrk="0" hangingPunct="1">
+              <a:lnSpc>
+                <a:spcPct val="90000"/>
+              </a:lnSpc>
+              <a:spcBef>
+                <a:spcPct val="30000"/>
+              </a:spcBef>
+              <a:buFont typeface="Arial" panose="020B0604020202020204" pitchFamily="34" charset="0"/>
+              <a:buChar char="•"/>
+              <a:defRPr sz="1800" kern="1200">
+                <a:solidFill>
+                  <a:schemeClr val="tx1"/>
+                </a:solidFill>
+                <a:latin typeface="+mn-lt"/>
+                <a:ea typeface="+mn-ea"/>
+                <a:cs typeface="+mn-cs"/>
+              </a:defRPr>
+            </a:lvl8pPr>
+            <a:lvl9pPr marL="3886200" indent="-228600" algn="l" defTabSz="914400" rtl="0" eaLnBrk="1" latinLnBrk="0" hangingPunct="1">
+              <a:lnSpc>
+                <a:spcPct val="90000"/>
+              </a:lnSpc>
+              <a:spcBef>
+                <a:spcPct val="30000"/>
+              </a:spcBef>
+              <a:buFont typeface="Arial" panose="020B0604020202020204" pitchFamily="34" charset="0"/>
+              <a:buChar char="•"/>
+              <a:defRPr sz="1800" kern="1200">
+                <a:solidFill>
+                  <a:schemeClr val="tx1"/>
+                </a:solidFill>
+                <a:latin typeface="+mn-lt"/>
+                <a:ea typeface="+mn-ea"/>
+                <a:cs typeface="+mn-cs"/>
+              </a:defRPr>
+            </a:lvl9pPr>
+          </a:lstStyle>
+          <a:p>
+            <a:pPr marL="457200" lvl="2" indent="0">
+              <a:lnSpc>
+                <a:spcPts val="4560"/>
+              </a:lnSpc>
+              <a:spcAft>
+                <a:spcPts val="1200"/>
+              </a:spcAft>
+              <a:buNone/>
+            </a:pPr>
+            <a:endParaRPr lang="en-GB" sz="3800" dirty="0">
+              <a:solidFill>
+                <a:schemeClr val="bg2">
+                  <a:lumMod val="25000"/>
+                </a:schemeClr>
+              </a:solidFill>
+              <a:latin typeface="Segoe UI Light" panose="020B0502040204020203" pitchFamily="34" charset="0"/>
+              <a:cs typeface="Segoe UI Light" panose="020B0502040204020203" pitchFamily="34" charset="0"/>
+            </a:endParaRPr>
+          </a:p>
+          <a:p>
+            <a:pPr marL="0" lvl="0" indent="0">
+              <a:lnSpc>
+                <a:spcPts val="4560"/>
+              </a:lnSpc>
+              <a:spcBef>
+                <a:spcPct val="0"/>
+              </a:spcBef>
+              <a:spcAft>
+                <a:spcPts val="2000"/>
+              </a:spcAft>
+              <a:buNone/>
+              <a:defRPr/>
+            </a:pPr>
+            <a:r>
+              <a:rPr lang="en-US" sz="4400" dirty="0">
+                <a:solidFill>
+                  <a:schemeClr val="bg2">
+                    <a:lumMod val="25000"/>
+                  </a:schemeClr>
+                </a:solidFill>
+                <a:latin typeface="Segoe UI Light" panose="020B0502040204020203" pitchFamily="34" charset="0"/>
+                <a:cs typeface="Segoe UI Light" panose="020B0502040204020203" pitchFamily="34" charset="0"/>
+              </a:rPr>
+              <a:t>&lt;div id=“react-app”/&gt;</a:t>
+            </a:r>
+          </a:p>
+          <a:p>
+            <a:pPr marL="0" lvl="0" indent="0">
+              <a:lnSpc>
+                <a:spcPts val="4560"/>
+              </a:lnSpc>
+              <a:spcBef>
+                <a:spcPct val="0"/>
+              </a:spcBef>
+              <a:spcAft>
+                <a:spcPts val="2000"/>
+              </a:spcAft>
+              <a:buNone/>
+              <a:defRPr/>
+            </a:pPr>
+            <a:r>
+              <a:rPr lang="en-US" sz="4400" dirty="0">
+                <a:solidFill>
+                  <a:schemeClr val="bg2">
+                    <a:lumMod val="25000"/>
+                  </a:schemeClr>
+                </a:solidFill>
+                <a:latin typeface="Segoe UI Light" panose="020B0502040204020203" pitchFamily="34" charset="0"/>
+                <a:cs typeface="Segoe UI Light" panose="020B0502040204020203" pitchFamily="34" charset="0"/>
+              </a:rPr>
+              <a:t>&lt;div id=“</a:t>
+            </a:r>
+            <a:r>
+              <a:rPr lang="en-US" sz="4400" dirty="0" err="1">
+                <a:solidFill>
+                  <a:schemeClr val="bg2">
+                    <a:lumMod val="25000"/>
+                  </a:schemeClr>
+                </a:solidFill>
+                <a:latin typeface="Segoe UI Light" panose="020B0502040204020203" pitchFamily="34" charset="0"/>
+                <a:cs typeface="Segoe UI Light" panose="020B0502040204020203" pitchFamily="34" charset="0"/>
+              </a:rPr>
+              <a:t>vue</a:t>
+            </a:r>
+            <a:r>
+              <a:rPr lang="en-US" sz="4400" dirty="0">
+                <a:solidFill>
+                  <a:schemeClr val="bg2">
+                    <a:lumMod val="25000"/>
+                  </a:schemeClr>
+                </a:solidFill>
+                <a:latin typeface="Segoe UI Light" panose="020B0502040204020203" pitchFamily="34" charset="0"/>
+                <a:cs typeface="Segoe UI Light" panose="020B0502040204020203" pitchFamily="34" charset="0"/>
+              </a:rPr>
+              <a:t>-app” /&gt;</a:t>
+            </a:r>
+          </a:p>
+          <a:p>
+            <a:pPr marL="0" lvl="0" indent="0">
+              <a:lnSpc>
+                <a:spcPts val="4560"/>
+              </a:lnSpc>
+              <a:spcBef>
+                <a:spcPct val="0"/>
+              </a:spcBef>
+              <a:spcAft>
+                <a:spcPts val="2000"/>
+              </a:spcAft>
+              <a:buNone/>
+              <a:defRPr/>
+            </a:pPr>
+            <a:r>
+              <a:rPr lang="en-US" sz="4400" dirty="0">
+                <a:solidFill>
+                  <a:schemeClr val="bg2">
+                    <a:lumMod val="25000"/>
+                  </a:schemeClr>
+                </a:solidFill>
+                <a:latin typeface="Segoe UI Light" panose="020B0502040204020203" pitchFamily="34" charset="0"/>
+                <a:cs typeface="Segoe UI Light" panose="020B0502040204020203" pitchFamily="34" charset="0"/>
+              </a:rPr>
+              <a:t>&lt;div id =“angular-app” /&gt;</a:t>
+            </a:r>
+          </a:p>
+          <a:p>
+            <a:pPr marL="0" lvl="0" indent="0">
+              <a:lnSpc>
+                <a:spcPts val="4560"/>
+              </a:lnSpc>
+              <a:spcBef>
+                <a:spcPct val="0"/>
+              </a:spcBef>
+              <a:spcAft>
+                <a:spcPts val="2000"/>
+              </a:spcAft>
+              <a:buNone/>
+              <a:defRPr/>
+            </a:pPr>
+            <a:r>
+              <a:rPr lang="en-US" sz="4400" dirty="0">
+                <a:solidFill>
+                  <a:schemeClr val="bg2">
+                    <a:lumMod val="25000"/>
+                  </a:schemeClr>
+                </a:solidFill>
+                <a:latin typeface="Segoe UI Light" panose="020B0502040204020203" pitchFamily="34" charset="0"/>
+                <a:cs typeface="Segoe UI Light" panose="020B0502040204020203" pitchFamily="34" charset="0"/>
+              </a:rPr>
+              <a:t>&lt;div id=“</a:t>
+            </a:r>
+            <a:r>
+              <a:rPr lang="en-US" sz="4400" dirty="0" err="1">
+                <a:solidFill>
+                  <a:schemeClr val="bg2">
+                    <a:lumMod val="25000"/>
+                  </a:schemeClr>
+                </a:solidFill>
+                <a:latin typeface="Segoe UI Light" panose="020B0502040204020203" pitchFamily="34" charset="0"/>
+                <a:cs typeface="Segoe UI Light" panose="020B0502040204020203" pitchFamily="34" charset="0"/>
+              </a:rPr>
+              <a:t>wordpress</a:t>
+            </a:r>
+            <a:r>
+              <a:rPr lang="en-US" sz="4400" dirty="0">
+                <a:solidFill>
+                  <a:schemeClr val="bg2">
+                    <a:lumMod val="25000"/>
+                  </a:schemeClr>
+                </a:solidFill>
+                <a:latin typeface="Segoe UI Light" panose="020B0502040204020203" pitchFamily="34" charset="0"/>
+                <a:cs typeface="Segoe UI Light" panose="020B0502040204020203" pitchFamily="34" charset="0"/>
+              </a:rPr>
+              <a:t>-app”  /&gt;</a:t>
+            </a:r>
+            <a:endParaRPr lang="en-US" sz="3800" dirty="0">
+              <a:solidFill>
+                <a:schemeClr val="bg2">
+                  <a:lumMod val="25000"/>
+                </a:schemeClr>
+              </a:solidFill>
+              <a:latin typeface="Segoe UI Light" panose="020B0502040204020203" pitchFamily="34" charset="0"/>
+              <a:cs typeface="Segoe UI Light" panose="020B0502040204020203" pitchFamily="34" charset="0"/>
+            </a:endParaRPr>
+          </a:p>
+        </p:txBody>
+      </p:sp>
+      <p:sp>
+        <p:nvSpPr>
+          <p:cNvPr id="3" name="TextBox 2">
+            <a:extLst>
+              <a:ext uri="{FF2B5EF4-FFF2-40B4-BE49-F238E27FC236}">
+                <a16:creationId xmlns:a16="http://schemas.microsoft.com/office/drawing/2014/main" id="{E22FAA13-2945-4F8B-8409-718AE677BAC4}"/>
+              </a:ext>
+            </a:extLst>
+          </p:cNvPr>
+          <p:cNvSpPr txBox="1"/>
+          <p:nvPr/>
+        </p:nvSpPr>
+        <p:spPr>
+          <a:xfrm>
+            <a:off x="957943" y="5033555"/>
+            <a:ext cx="9727474" cy="584775"/>
+          </a:xfrm>
+          <a:prstGeom prst="rect">
+            <a:avLst/>
+          </a:prstGeom>
+          <a:noFill/>
+        </p:spPr>
+        <p:txBody>
+          <a:bodyPr wrap="square" rtlCol="0">
+            <a:spAutoFit/>
+          </a:bodyPr>
+          <a:lstStyle/>
+          <a:p>
+            <a:r>
+              <a:rPr lang="en-GB" sz="3200" dirty="0"/>
+              <a:t>Communicate events and data between all of them.</a:t>
+            </a:r>
+          </a:p>
+        </p:txBody>
+      </p:sp>
     </p:spTree>
     <p:extLst>
       <p:ext uri="{BB962C8B-B14F-4D97-AF65-F5344CB8AC3E}">
-        <p14:creationId xmlns:p14="http://schemas.microsoft.com/office/powerpoint/2010/main" val="2394239176"/>
+        <p14:creationId xmlns:p14="http://schemas.microsoft.com/office/powerpoint/2010/main" val="1183235701"/>
       </p:ext>
     </p:extLst>
   </p:cSld>
@@ -8420,7 +8163,7 @@
                 <a:latin typeface="Segoe UI Light" panose="020B0502040204020203" pitchFamily="34" charset="0"/>
                 <a:cs typeface="Segoe UI Light" panose="020B0502040204020203" pitchFamily="34" charset="0"/>
               </a:rPr>
-              <a:t>Pseudo code</a:t>
+              <a:t>Two Business Applications ( 2 )</a:t>
             </a:r>
           </a:p>
         </p:txBody>
@@ -8654,415 +8397,40 @@
           </a:p>
         </p:txBody>
       </p:sp>
-      <p:sp>
-        <p:nvSpPr>
-          <p:cNvPr id="36" name="Content Placeholder 17"/>
-          <p:cNvSpPr txBox="1">
-            <a:spLocks/>
-          </p:cNvSpPr>
+      <p:pic>
+        <p:nvPicPr>
+          <p:cNvPr id="3" name="Picture 2" descr="Text&#10;&#10;Description automatically generated">
+            <a:extLst>
+              <a:ext uri="{FF2B5EF4-FFF2-40B4-BE49-F238E27FC236}">
+                <a16:creationId xmlns:a16="http://schemas.microsoft.com/office/drawing/2014/main" id="{56C6BB9D-FC63-4790-8EAE-CA95B465DD86}"/>
+              </a:ext>
+            </a:extLst>
+          </p:cNvPr>
+          <p:cNvPicPr>
+            <a:picLocks noChangeAspect="1"/>
+          </p:cNvPicPr>
           <p:nvPr/>
-        </p:nvSpPr>
+        </p:nvPicPr>
+        <p:blipFill>
+          <a:blip r:embed="rId2"/>
+          <a:stretch>
+            <a:fillRect/>
+          </a:stretch>
+        </p:blipFill>
         <p:spPr>
           <a:xfrm>
-            <a:off x="541609" y="1176293"/>
-            <a:ext cx="11138263" cy="3968352"/>
+            <a:off x="639718" y="1455491"/>
+            <a:ext cx="11004297" cy="4976208"/>
           </a:xfrm>
           <a:prstGeom prst="rect">
             <a:avLst/>
           </a:prstGeom>
         </p:spPr>
-        <p:txBody>
-          <a:bodyPr vert="horz" lIns="91440" tIns="45720" rIns="91440" bIns="45720" rtlCol="0">
-            <a:noAutofit/>
-          </a:bodyPr>
-          <a:lstStyle>
-            <a:lvl1pPr marL="228600" indent="-228600" algn="l" defTabSz="914400" rtl="0" eaLnBrk="1" latinLnBrk="0" hangingPunct="1">
-              <a:lnSpc>
-                <a:spcPts val="1800"/>
-              </a:lnSpc>
-              <a:spcBef>
-                <a:spcPts val="1000"/>
-              </a:spcBef>
-              <a:spcAft>
-                <a:spcPts val="1000"/>
-              </a:spcAft>
-              <a:buFont typeface="Arial" panose="020B0604020202020204" pitchFamily="34" charset="0"/>
-              <a:buChar char="•"/>
-              <a:defRPr lang="en-US" sz="1200" kern="1200" smtClean="0">
-                <a:solidFill>
-                  <a:schemeClr val="tx1">
-                    <a:lumMod val="75000"/>
-                    <a:lumOff val="25000"/>
-                  </a:schemeClr>
-                </a:solidFill>
-                <a:latin typeface="+mn-lt"/>
-                <a:ea typeface="+mn-ea"/>
-                <a:cs typeface="+mn-cs"/>
-              </a:defRPr>
-            </a:lvl1pPr>
-            <a:lvl2pPr marL="685800" indent="-228600" algn="l" defTabSz="914400" rtl="0" eaLnBrk="1" latinLnBrk="0" hangingPunct="1">
-              <a:lnSpc>
-                <a:spcPts val="1800"/>
-              </a:lnSpc>
-              <a:spcBef>
-                <a:spcPts val="1000"/>
-              </a:spcBef>
-              <a:spcAft>
-                <a:spcPts val="1000"/>
-              </a:spcAft>
-              <a:buFont typeface="Arial" panose="020B0604020202020204" pitchFamily="34" charset="0"/>
-              <a:buChar char="•"/>
-              <a:defRPr lang="en-US" sz="1200" kern="1200" smtClean="0">
-                <a:solidFill>
-                  <a:schemeClr val="tx1">
-                    <a:lumMod val="75000"/>
-                    <a:lumOff val="25000"/>
-                  </a:schemeClr>
-                </a:solidFill>
-                <a:latin typeface="+mn-lt"/>
-                <a:ea typeface="+mn-ea"/>
-                <a:cs typeface="+mn-cs"/>
-              </a:defRPr>
-            </a:lvl2pPr>
-            <a:lvl3pPr marL="1143000" indent="-228600" algn="l" defTabSz="914400" rtl="0" eaLnBrk="1" latinLnBrk="0" hangingPunct="1">
-              <a:lnSpc>
-                <a:spcPts val="1800"/>
-              </a:lnSpc>
-              <a:spcBef>
-                <a:spcPts val="1000"/>
-              </a:spcBef>
-              <a:spcAft>
-                <a:spcPts val="1000"/>
-              </a:spcAft>
-              <a:buFont typeface="Arial" panose="020B0604020202020204" pitchFamily="34" charset="0"/>
-              <a:buChar char="•"/>
-              <a:defRPr lang="en-US" sz="1200" kern="1200" smtClean="0">
-                <a:solidFill>
-                  <a:schemeClr val="tx1">
-                    <a:lumMod val="75000"/>
-                    <a:lumOff val="25000"/>
-                  </a:schemeClr>
-                </a:solidFill>
-                <a:latin typeface="+mn-lt"/>
-                <a:ea typeface="+mn-ea"/>
-                <a:cs typeface="+mn-cs"/>
-              </a:defRPr>
-            </a:lvl3pPr>
-            <a:lvl4pPr marL="1600200" indent="-228600" algn="l" defTabSz="914400" rtl="0" eaLnBrk="1" latinLnBrk="0" hangingPunct="1">
-              <a:lnSpc>
-                <a:spcPts val="1800"/>
-              </a:lnSpc>
-              <a:spcBef>
-                <a:spcPts val="1000"/>
-              </a:spcBef>
-              <a:spcAft>
-                <a:spcPts val="1000"/>
-              </a:spcAft>
-              <a:buFont typeface="Arial" panose="020B0604020202020204" pitchFamily="34" charset="0"/>
-              <a:buChar char="•"/>
-              <a:defRPr lang="en-US" sz="1200" kern="1200" smtClean="0">
-                <a:solidFill>
-                  <a:schemeClr val="tx1">
-                    <a:lumMod val="75000"/>
-                    <a:lumOff val="25000"/>
-                  </a:schemeClr>
-                </a:solidFill>
-                <a:latin typeface="+mn-lt"/>
-                <a:ea typeface="+mn-ea"/>
-                <a:cs typeface="+mn-cs"/>
-              </a:defRPr>
-            </a:lvl4pPr>
-            <a:lvl5pPr marL="2057400" indent="-228600" algn="l" defTabSz="914400" rtl="0" eaLnBrk="1" latinLnBrk="0" hangingPunct="1">
-              <a:lnSpc>
-                <a:spcPts val="1800"/>
-              </a:lnSpc>
-              <a:spcBef>
-                <a:spcPts val="1000"/>
-              </a:spcBef>
-              <a:spcAft>
-                <a:spcPts val="1000"/>
-              </a:spcAft>
-              <a:buFont typeface="Arial" panose="020B0604020202020204" pitchFamily="34" charset="0"/>
-              <a:buChar char="•"/>
-              <a:defRPr lang="en-US" sz="1200" kern="1200">
-                <a:solidFill>
-                  <a:schemeClr val="tx1">
-                    <a:lumMod val="75000"/>
-                    <a:lumOff val="25000"/>
-                  </a:schemeClr>
-                </a:solidFill>
-                <a:latin typeface="+mn-lt"/>
-                <a:ea typeface="+mn-ea"/>
-                <a:cs typeface="+mn-cs"/>
-              </a:defRPr>
-            </a:lvl5pPr>
-            <a:lvl6pPr marL="2514600" indent="-228600" algn="l" defTabSz="914400" rtl="0" eaLnBrk="1" latinLnBrk="0" hangingPunct="1">
-              <a:lnSpc>
-                <a:spcPct val="90000"/>
-              </a:lnSpc>
-              <a:spcBef>
-                <a:spcPct val="30000"/>
-              </a:spcBef>
-              <a:buFont typeface="Arial" panose="020B0604020202020204" pitchFamily="34" charset="0"/>
-              <a:buChar char="•"/>
-              <a:defRPr sz="1800" kern="1200">
-                <a:solidFill>
-                  <a:schemeClr val="tx1"/>
-                </a:solidFill>
-                <a:latin typeface="+mn-lt"/>
-                <a:ea typeface="+mn-ea"/>
-                <a:cs typeface="+mn-cs"/>
-              </a:defRPr>
-            </a:lvl6pPr>
-            <a:lvl7pPr marL="2971800" indent="-228600" algn="l" defTabSz="914400" rtl="0" eaLnBrk="1" latinLnBrk="0" hangingPunct="1">
-              <a:lnSpc>
-                <a:spcPct val="90000"/>
-              </a:lnSpc>
-              <a:spcBef>
-                <a:spcPct val="30000"/>
-              </a:spcBef>
-              <a:buFont typeface="Arial" panose="020B0604020202020204" pitchFamily="34" charset="0"/>
-              <a:buChar char="•"/>
-              <a:defRPr sz="1800" kern="1200">
-                <a:solidFill>
-                  <a:schemeClr val="tx1"/>
-                </a:solidFill>
-                <a:latin typeface="+mn-lt"/>
-                <a:ea typeface="+mn-ea"/>
-                <a:cs typeface="+mn-cs"/>
-              </a:defRPr>
-            </a:lvl7pPr>
-            <a:lvl8pPr marL="3429000" indent="-228600" algn="l" defTabSz="914400" rtl="0" eaLnBrk="1" latinLnBrk="0" hangingPunct="1">
-              <a:lnSpc>
-                <a:spcPct val="90000"/>
-              </a:lnSpc>
-              <a:spcBef>
-                <a:spcPct val="30000"/>
-              </a:spcBef>
-              <a:buFont typeface="Arial" panose="020B0604020202020204" pitchFamily="34" charset="0"/>
-              <a:buChar char="•"/>
-              <a:defRPr sz="1800" kern="1200">
-                <a:solidFill>
-                  <a:schemeClr val="tx1"/>
-                </a:solidFill>
-                <a:latin typeface="+mn-lt"/>
-                <a:ea typeface="+mn-ea"/>
-                <a:cs typeface="+mn-cs"/>
-              </a:defRPr>
-            </a:lvl8pPr>
-            <a:lvl9pPr marL="3886200" indent="-228600" algn="l" defTabSz="914400" rtl="0" eaLnBrk="1" latinLnBrk="0" hangingPunct="1">
-              <a:lnSpc>
-                <a:spcPct val="90000"/>
-              </a:lnSpc>
-              <a:spcBef>
-                <a:spcPct val="30000"/>
-              </a:spcBef>
-              <a:buFont typeface="Arial" panose="020B0604020202020204" pitchFamily="34" charset="0"/>
-              <a:buChar char="•"/>
-              <a:defRPr sz="1800" kern="1200">
-                <a:solidFill>
-                  <a:schemeClr val="tx1"/>
-                </a:solidFill>
-                <a:latin typeface="+mn-lt"/>
-                <a:ea typeface="+mn-ea"/>
-                <a:cs typeface="+mn-cs"/>
-              </a:defRPr>
-            </a:lvl9pPr>
-          </a:lstStyle>
-          <a:p>
-            <a:pPr marL="457200" lvl="2" indent="0">
-              <a:lnSpc>
-                <a:spcPts val="4560"/>
-              </a:lnSpc>
-              <a:spcAft>
-                <a:spcPts val="1200"/>
-              </a:spcAft>
-              <a:buNone/>
-            </a:pPr>
-            <a:endParaRPr lang="en-GB" sz="3800" dirty="0">
-              <a:solidFill>
-                <a:schemeClr val="bg2">
-                  <a:lumMod val="25000"/>
-                </a:schemeClr>
-              </a:solidFill>
-              <a:latin typeface="Segoe UI Light" panose="020B0502040204020203" pitchFamily="34" charset="0"/>
-              <a:cs typeface="Segoe UI Light" panose="020B0502040204020203" pitchFamily="34" charset="0"/>
-            </a:endParaRPr>
-          </a:p>
-          <a:p>
-            <a:pPr marL="0" lvl="0" indent="0">
-              <a:lnSpc>
-                <a:spcPts val="4560"/>
-              </a:lnSpc>
-              <a:spcBef>
-                <a:spcPct val="0"/>
-              </a:spcBef>
-              <a:spcAft>
-                <a:spcPts val="2000"/>
-              </a:spcAft>
-              <a:buNone/>
-              <a:defRPr/>
-            </a:pPr>
-            <a:r>
-              <a:rPr lang="en-US" sz="4400" dirty="0">
-                <a:solidFill>
-                  <a:schemeClr val="bg2">
-                    <a:lumMod val="25000"/>
-                  </a:schemeClr>
-                </a:solidFill>
-                <a:latin typeface="Segoe UI Light" panose="020B0502040204020203" pitchFamily="34" charset="0"/>
-                <a:cs typeface="Segoe UI Light" panose="020B0502040204020203" pitchFamily="34" charset="0"/>
-              </a:rPr>
-              <a:t>&lt;list-conferences  tech=“JS” workshops=“yes”&gt;</a:t>
-            </a:r>
-          </a:p>
-          <a:p>
-            <a:pPr marL="0" lvl="0" indent="0">
-              <a:lnSpc>
-                <a:spcPts val="4560"/>
-              </a:lnSpc>
-              <a:spcBef>
-                <a:spcPct val="0"/>
-              </a:spcBef>
-              <a:spcAft>
-                <a:spcPts val="2000"/>
-              </a:spcAft>
-              <a:buNone/>
-              <a:defRPr/>
-            </a:pPr>
-            <a:r>
-              <a:rPr lang="en-US" sz="4400" dirty="0">
-                <a:solidFill>
-                  <a:schemeClr val="bg2">
-                    <a:lumMod val="25000"/>
-                  </a:schemeClr>
-                </a:solidFill>
-                <a:latin typeface="Segoe UI Light" panose="020B0502040204020203" pitchFamily="34" charset="0"/>
-                <a:cs typeface="Segoe UI Light" panose="020B0502040204020203" pitchFamily="34" charset="0"/>
-              </a:rPr>
-              <a:t>&lt;book-an-event  event=“22”  use=“invoice” /&gt;</a:t>
-            </a:r>
-          </a:p>
-          <a:p>
-            <a:pPr marL="0" indent="0">
-              <a:lnSpc>
-                <a:spcPts val="4560"/>
-              </a:lnSpc>
-              <a:spcBef>
-                <a:spcPct val="0"/>
-              </a:spcBef>
-              <a:spcAft>
-                <a:spcPts val="2000"/>
-              </a:spcAft>
-              <a:buNone/>
-              <a:defRPr/>
-            </a:pPr>
-            <a:r>
-              <a:rPr lang="en-US" sz="4400" dirty="0">
-                <a:solidFill>
-                  <a:schemeClr val="bg2">
-                    <a:lumMod val="25000"/>
-                  </a:schemeClr>
-                </a:solidFill>
-                <a:latin typeface="Segoe UI Light" panose="020B0502040204020203" pitchFamily="34" charset="0"/>
-                <a:cs typeface="Segoe UI Light" panose="020B0502040204020203" pitchFamily="34" charset="0"/>
-              </a:rPr>
-              <a:t>&lt;show-flights  city=“LON”  when=“…”/&gt;</a:t>
-            </a:r>
-          </a:p>
-          <a:p>
-            <a:pPr marL="0" indent="0">
-              <a:lnSpc>
-                <a:spcPts val="4560"/>
-              </a:lnSpc>
-              <a:spcBef>
-                <a:spcPct val="0"/>
-              </a:spcBef>
-              <a:spcAft>
-                <a:spcPts val="2000"/>
-              </a:spcAft>
-              <a:buNone/>
-              <a:defRPr/>
-            </a:pPr>
-            <a:r>
-              <a:rPr lang="en-US" sz="4400" dirty="0">
-                <a:solidFill>
-                  <a:schemeClr val="bg2">
-                    <a:lumMod val="25000"/>
-                  </a:schemeClr>
-                </a:solidFill>
-                <a:latin typeface="Segoe UI Light" panose="020B0502040204020203" pitchFamily="34" charset="0"/>
-                <a:cs typeface="Segoe UI Light" panose="020B0502040204020203" pitchFamily="34" charset="0"/>
-              </a:rPr>
-              <a:t>&lt;list-hotels  min-stars=“3”  meals=“yes” /&gt;</a:t>
-            </a:r>
-            <a:endParaRPr lang="en-US" dirty="0">
-              <a:solidFill>
-                <a:schemeClr val="bg2">
-                  <a:lumMod val="25000"/>
-                </a:schemeClr>
-              </a:solidFill>
-              <a:latin typeface="Segoe UI Light" panose="020B0502040204020203" pitchFamily="34" charset="0"/>
-              <a:cs typeface="Segoe UI Light" panose="020B0502040204020203" pitchFamily="34" charset="0"/>
-            </a:endParaRPr>
-          </a:p>
-          <a:p>
-            <a:pPr marL="0" lvl="0" indent="0">
-              <a:lnSpc>
-                <a:spcPts val="4560"/>
-              </a:lnSpc>
-              <a:spcBef>
-                <a:spcPct val="0"/>
-              </a:spcBef>
-              <a:spcAft>
-                <a:spcPts val="2000"/>
-              </a:spcAft>
-              <a:buNone/>
-              <a:defRPr/>
-            </a:pPr>
-            <a:r>
-              <a:rPr lang="en-US" sz="4400" dirty="0">
-                <a:solidFill>
-                  <a:schemeClr val="bg2">
-                    <a:lumMod val="25000"/>
-                  </a:schemeClr>
-                </a:solidFill>
-                <a:latin typeface="Segoe UI Light" panose="020B0502040204020203" pitchFamily="34" charset="0"/>
-                <a:cs typeface="Segoe UI Light" panose="020B0502040204020203" pitchFamily="34" charset="0"/>
-              </a:rPr>
-              <a:t>Declarative rather than Imperative</a:t>
-            </a:r>
-          </a:p>
-          <a:p>
-            <a:pPr marL="0" lvl="0" indent="0">
-              <a:lnSpc>
-                <a:spcPts val="4560"/>
-              </a:lnSpc>
-              <a:spcBef>
-                <a:spcPct val="0"/>
-              </a:spcBef>
-              <a:spcAft>
-                <a:spcPts val="2000"/>
-              </a:spcAft>
-              <a:buNone/>
-              <a:defRPr/>
-            </a:pPr>
-            <a:endParaRPr lang="en-US" sz="3800" dirty="0">
-              <a:solidFill>
-                <a:schemeClr val="bg2">
-                  <a:lumMod val="25000"/>
-                </a:schemeClr>
-              </a:solidFill>
-              <a:latin typeface="Segoe UI Light" panose="020B0502040204020203" pitchFamily="34" charset="0"/>
-              <a:cs typeface="Segoe UI Light" panose="020B0502040204020203" pitchFamily="34" charset="0"/>
-            </a:endParaRPr>
-          </a:p>
-        </p:txBody>
-      </p:sp>
+      </p:pic>
     </p:spTree>
     <p:extLst>
       <p:ext uri="{BB962C8B-B14F-4D97-AF65-F5344CB8AC3E}">
-        <p14:creationId xmlns:p14="http://schemas.microsoft.com/office/powerpoint/2010/main" val="2907007641"/>
+        <p14:creationId xmlns:p14="http://schemas.microsoft.com/office/powerpoint/2010/main" val="2394239176"/>
       </p:ext>
     </p:extLst>
   </p:cSld>
@@ -9116,7 +8484,7 @@
                 <a:latin typeface="Segoe UI Light" panose="020B0502040204020203" pitchFamily="34" charset="0"/>
                 <a:cs typeface="Segoe UI Light" panose="020B0502040204020203" pitchFamily="34" charset="0"/>
               </a:rPr>
-              <a:t>Definitions</a:t>
+              <a:t>Pseudo code</a:t>
             </a:r>
           </a:p>
         </p:txBody>
@@ -9360,8 +8728,8 @@
         </p:nvSpPr>
         <p:spPr>
           <a:xfrm>
-            <a:off x="541609" y="1691065"/>
-            <a:ext cx="10356444" cy="4549907"/>
+            <a:off x="541609" y="1176293"/>
+            <a:ext cx="11138263" cy="3968352"/>
           </a:xfrm>
           <a:prstGeom prst="rect">
             <a:avLst/>
@@ -9566,111 +8934,14 @@
             </a:lvl9pPr>
           </a:lstStyle>
           <a:p>
-            <a:pPr marL="457200" lvl="1" indent="0">
-              <a:lnSpc>
-                <a:spcPts val="3600"/>
-              </a:lnSpc>
+            <a:pPr marL="457200" lvl="2" indent="0">
+              <a:lnSpc>
+                <a:spcPts val="4560"/>
+              </a:lnSpc>
+              <a:spcAft>
+                <a:spcPts val="1200"/>
+              </a:spcAft>
               <a:buNone/>
-            </a:pPr>
-            <a:r>
-              <a:rPr lang="en-GB" sz="4400" b="1" dirty="0">
-                <a:solidFill>
-                  <a:schemeClr val="bg2">
-                    <a:lumMod val="25000"/>
-                  </a:schemeClr>
-                </a:solidFill>
-                <a:latin typeface="Segoe UI Light" panose="020B0502040204020203" pitchFamily="34" charset="0"/>
-                <a:cs typeface="Segoe UI Light" panose="020B0502040204020203" pitchFamily="34" charset="0"/>
-              </a:rPr>
-              <a:t>Micro App: </a:t>
-            </a:r>
-          </a:p>
-          <a:p>
-            <a:pPr marL="457200" lvl="1" indent="0">
-              <a:lnSpc>
-                <a:spcPts val="3600"/>
-              </a:lnSpc>
-              <a:buNone/>
-            </a:pPr>
-            <a:r>
-              <a:rPr lang="en-GB" sz="3800" dirty="0">
-                <a:solidFill>
-                  <a:schemeClr val="bg2">
-                    <a:lumMod val="25000"/>
-                  </a:schemeClr>
-                </a:solidFill>
-                <a:latin typeface="Segoe UI Light" panose="020B0502040204020203" pitchFamily="34" charset="0"/>
-                <a:cs typeface="Segoe UI Light" panose="020B0502040204020203" pitchFamily="34" charset="0"/>
-              </a:rPr>
-              <a:t>A micro app is an interactive software module designed to perform like a full coded application or website. (Wikipedia)</a:t>
-            </a:r>
-            <a:endParaRPr lang="en-GB" sz="1800" dirty="0">
-              <a:solidFill>
-                <a:schemeClr val="bg2">
-                  <a:lumMod val="25000"/>
-                </a:schemeClr>
-              </a:solidFill>
-              <a:latin typeface="Segoe UI Light" panose="020B0502040204020203" pitchFamily="34" charset="0"/>
-              <a:cs typeface="Segoe UI Light" panose="020B0502040204020203" pitchFamily="34" charset="0"/>
-            </a:endParaRPr>
-          </a:p>
-          <a:p>
-            <a:pPr marL="457200" lvl="1" indent="0">
-              <a:lnSpc>
-                <a:spcPts val="3600"/>
-              </a:lnSpc>
-              <a:buNone/>
-            </a:pPr>
-            <a:r>
-              <a:rPr lang="en-GB" sz="4400" b="1" dirty="0">
-                <a:solidFill>
-                  <a:schemeClr val="bg2">
-                    <a:lumMod val="25000"/>
-                  </a:schemeClr>
-                </a:solidFill>
-                <a:latin typeface="Segoe UI Light" panose="020B0502040204020203" pitchFamily="34" charset="0"/>
-                <a:cs typeface="Segoe UI Light" panose="020B0502040204020203" pitchFamily="34" charset="0"/>
-              </a:rPr>
-              <a:t>Micro </a:t>
-            </a:r>
-            <a:r>
-              <a:rPr lang="en-GB" sz="4400" dirty="0">
-                <a:solidFill>
-                  <a:schemeClr val="bg2">
-                    <a:lumMod val="25000"/>
-                  </a:schemeClr>
-                </a:solidFill>
-                <a:latin typeface="Segoe UI Light" panose="020B0502040204020203" pitchFamily="34" charset="0"/>
-                <a:cs typeface="Segoe UI Light" panose="020B0502040204020203" pitchFamily="34" charset="0"/>
-              </a:rPr>
-              <a:t>Service:</a:t>
-            </a:r>
-          </a:p>
-          <a:p>
-            <a:pPr marL="457200" lvl="1" indent="0">
-              <a:lnSpc>
-                <a:spcPts val="3600"/>
-              </a:lnSpc>
-              <a:buNone/>
-            </a:pPr>
-            <a:r>
-              <a:rPr lang="en-GB" sz="3800" dirty="0">
-                <a:solidFill>
-                  <a:schemeClr val="bg2">
-                    <a:lumMod val="25000"/>
-                  </a:schemeClr>
-                </a:solidFill>
-                <a:latin typeface="Segoe UI Light" panose="020B0502040204020203" pitchFamily="34" charset="0"/>
-                <a:cs typeface="Segoe UI Light" panose="020B0502040204020203" pitchFamily="34" charset="0"/>
-              </a:rPr>
-              <a:t>A self-contained piece of business functionality with clear interfaces - "Do one thing and do it well". (Paraphrased from Wikipedia) or…</a:t>
-            </a:r>
-          </a:p>
-          <a:p>
-            <a:pPr lvl="1">
-              <a:lnSpc>
-                <a:spcPts val="4000"/>
-              </a:lnSpc>
             </a:pPr>
             <a:endParaRPr lang="en-GB" sz="3800" dirty="0">
               <a:solidFill>
@@ -9684,6 +8955,153 @@
           </a:p>
           <a:p>
             <a:pPr marL="0" lvl="0" indent="0">
+              <a:lnSpc>
+                <a:spcPts val="4560"/>
+              </a:lnSpc>
+              <a:spcBef>
+                <a:spcPct val="0"/>
+              </a:spcBef>
+              <a:spcAft>
+                <a:spcPts val="2000"/>
+              </a:spcAft>
+              <a:buNone/>
+              <a:defRPr/>
+            </a:pPr>
+            <a:r>
+              <a:rPr lang="en-US" sz="4400" dirty="0">
+                <a:solidFill>
+                  <a:schemeClr val="bg2">
+                    <a:lumMod val="25000"/>
+                  </a:schemeClr>
+                </a:solidFill>
+                <a:latin typeface="Segoe UI Light" panose="020B0502040204020203" pitchFamily="34" charset="0"/>
+                <a:cs typeface="Segoe UI Light" panose="020B0502040204020203" pitchFamily="34" charset="0"/>
+              </a:rPr>
+              <a:t>&lt;list-conferences  tech=“JS” workshops=“yes”&gt;</a:t>
+            </a:r>
+          </a:p>
+          <a:p>
+            <a:pPr marL="0" lvl="0" indent="0">
+              <a:lnSpc>
+                <a:spcPts val="4560"/>
+              </a:lnSpc>
+              <a:spcBef>
+                <a:spcPct val="0"/>
+              </a:spcBef>
+              <a:spcAft>
+                <a:spcPts val="2000"/>
+              </a:spcAft>
+              <a:buNone/>
+              <a:defRPr/>
+            </a:pPr>
+            <a:r>
+              <a:rPr lang="en-US" sz="4400" dirty="0">
+                <a:solidFill>
+                  <a:schemeClr val="bg2">
+                    <a:lumMod val="25000"/>
+                  </a:schemeClr>
+                </a:solidFill>
+                <a:latin typeface="Segoe UI Light" panose="020B0502040204020203" pitchFamily="34" charset="0"/>
+                <a:cs typeface="Segoe UI Light" panose="020B0502040204020203" pitchFamily="34" charset="0"/>
+              </a:rPr>
+              <a:t>&lt;book-an-event  event=“22”  use=“invoice” /&gt;</a:t>
+            </a:r>
+          </a:p>
+          <a:p>
+            <a:pPr marL="0" indent="0">
+              <a:lnSpc>
+                <a:spcPts val="4560"/>
+              </a:lnSpc>
+              <a:spcBef>
+                <a:spcPct val="0"/>
+              </a:spcBef>
+              <a:spcAft>
+                <a:spcPts val="2000"/>
+              </a:spcAft>
+              <a:buNone/>
+              <a:defRPr/>
+            </a:pPr>
+            <a:r>
+              <a:rPr lang="en-US" sz="4400" dirty="0">
+                <a:solidFill>
+                  <a:schemeClr val="bg2">
+                    <a:lumMod val="25000"/>
+                  </a:schemeClr>
+                </a:solidFill>
+                <a:latin typeface="Segoe UI Light" panose="020B0502040204020203" pitchFamily="34" charset="0"/>
+                <a:cs typeface="Segoe UI Light" panose="020B0502040204020203" pitchFamily="34" charset="0"/>
+              </a:rPr>
+              <a:t>&lt;show-flights  city=“LON”  when=“…”/&gt;</a:t>
+            </a:r>
+          </a:p>
+          <a:p>
+            <a:pPr marL="0" indent="0">
+              <a:lnSpc>
+                <a:spcPts val="4560"/>
+              </a:lnSpc>
+              <a:spcBef>
+                <a:spcPct val="0"/>
+              </a:spcBef>
+              <a:spcAft>
+                <a:spcPts val="2000"/>
+              </a:spcAft>
+              <a:buNone/>
+              <a:defRPr/>
+            </a:pPr>
+            <a:r>
+              <a:rPr lang="en-US" sz="4400" dirty="0">
+                <a:solidFill>
+                  <a:schemeClr val="bg2">
+                    <a:lumMod val="25000"/>
+                  </a:schemeClr>
+                </a:solidFill>
+                <a:latin typeface="Segoe UI Light" panose="020B0502040204020203" pitchFamily="34" charset="0"/>
+                <a:cs typeface="Segoe UI Light" panose="020B0502040204020203" pitchFamily="34" charset="0"/>
+              </a:rPr>
+              <a:t>&lt;list-hotels  min-stars=“3”  meals=“yes” /&gt;</a:t>
+            </a:r>
+            <a:endParaRPr lang="en-US" dirty="0">
+              <a:solidFill>
+                <a:schemeClr val="bg2">
+                  <a:lumMod val="25000"/>
+                </a:schemeClr>
+              </a:solidFill>
+              <a:latin typeface="Segoe UI Light" panose="020B0502040204020203" pitchFamily="34" charset="0"/>
+              <a:cs typeface="Segoe UI Light" panose="020B0502040204020203" pitchFamily="34" charset="0"/>
+            </a:endParaRPr>
+          </a:p>
+          <a:p>
+            <a:pPr marL="0" lvl="0" indent="0">
+              <a:lnSpc>
+                <a:spcPts val="4560"/>
+              </a:lnSpc>
+              <a:spcBef>
+                <a:spcPct val="0"/>
+              </a:spcBef>
+              <a:spcAft>
+                <a:spcPts val="2000"/>
+              </a:spcAft>
+              <a:buNone/>
+              <a:defRPr/>
+            </a:pPr>
+            <a:r>
+              <a:rPr lang="en-US" sz="4400" dirty="0">
+                <a:solidFill>
+                  <a:schemeClr val="bg2">
+                    <a:lumMod val="25000"/>
+                  </a:schemeClr>
+                </a:solidFill>
+                <a:latin typeface="Segoe UI Light" panose="020B0502040204020203" pitchFamily="34" charset="0"/>
+                <a:cs typeface="Segoe UI Light" panose="020B0502040204020203" pitchFamily="34" charset="0"/>
+              </a:rPr>
+              <a:t>Declarative rather than Imperative</a:t>
+            </a:r>
+          </a:p>
+          <a:p>
+            <a:pPr marL="0" lvl="0" indent="0">
+              <a:lnSpc>
+                <a:spcPts val="4560"/>
+              </a:lnSpc>
               <a:spcBef>
                 <a:spcPct val="0"/>
               </a:spcBef>
@@ -9708,7 +9126,7 @@
     </p:spTree>
     <p:extLst>
       <p:ext uri="{BB962C8B-B14F-4D97-AF65-F5344CB8AC3E}">
-        <p14:creationId xmlns:p14="http://schemas.microsoft.com/office/powerpoint/2010/main" val="1436783157"/>
+        <p14:creationId xmlns:p14="http://schemas.microsoft.com/office/powerpoint/2010/main" val="2907007641"/>
       </p:ext>
     </p:extLst>
   </p:cSld>
@@ -10531,6 +9949,652 @@
                 <a:latin typeface="Segoe UI Light" panose="020B0502040204020203" pitchFamily="34" charset="0"/>
                 <a:cs typeface="Segoe UI Light" panose="020B0502040204020203" pitchFamily="34" charset="0"/>
               </a:rPr>
+              <a:t>Definitions</a:t>
+            </a:r>
+          </a:p>
+        </p:txBody>
+      </p:sp>
+      <p:sp>
+        <p:nvSpPr>
+          <p:cNvPr id="25" name="Content Placeholder 17"/>
+          <p:cNvSpPr txBox="1">
+            <a:spLocks/>
+          </p:cNvSpPr>
+          <p:nvPr/>
+        </p:nvSpPr>
+        <p:spPr>
+          <a:xfrm>
+            <a:off x="541609" y="1455491"/>
+            <a:ext cx="5110161" cy="471149"/>
+          </a:xfrm>
+          <a:prstGeom prst="rect">
+            <a:avLst/>
+          </a:prstGeom>
+        </p:spPr>
+        <p:txBody>
+          <a:bodyPr vert="horz" lIns="91440" tIns="45720" rIns="91440" bIns="45720" rtlCol="0">
+            <a:normAutofit/>
+          </a:bodyPr>
+          <a:lstStyle>
+            <a:lvl1pPr marL="228600" indent="-228600" algn="l" defTabSz="914400" rtl="0" eaLnBrk="1" latinLnBrk="0" hangingPunct="1">
+              <a:lnSpc>
+                <a:spcPts val="1800"/>
+              </a:lnSpc>
+              <a:spcBef>
+                <a:spcPts val="1000"/>
+              </a:spcBef>
+              <a:spcAft>
+                <a:spcPts val="1000"/>
+              </a:spcAft>
+              <a:buFont typeface="Arial" panose="020B0604020202020204" pitchFamily="34" charset="0"/>
+              <a:buChar char="•"/>
+              <a:defRPr lang="en-US" sz="1200" kern="1200" smtClean="0">
+                <a:solidFill>
+                  <a:schemeClr val="tx1">
+                    <a:lumMod val="75000"/>
+                    <a:lumOff val="25000"/>
+                  </a:schemeClr>
+                </a:solidFill>
+                <a:latin typeface="+mn-lt"/>
+                <a:ea typeface="+mn-ea"/>
+                <a:cs typeface="+mn-cs"/>
+              </a:defRPr>
+            </a:lvl1pPr>
+            <a:lvl2pPr marL="685800" indent="-228600" algn="l" defTabSz="914400" rtl="0" eaLnBrk="1" latinLnBrk="0" hangingPunct="1">
+              <a:lnSpc>
+                <a:spcPts val="1800"/>
+              </a:lnSpc>
+              <a:spcBef>
+                <a:spcPts val="1000"/>
+              </a:spcBef>
+              <a:spcAft>
+                <a:spcPts val="1000"/>
+              </a:spcAft>
+              <a:buFont typeface="Arial" panose="020B0604020202020204" pitchFamily="34" charset="0"/>
+              <a:buChar char="•"/>
+              <a:defRPr lang="en-US" sz="1200" kern="1200" smtClean="0">
+                <a:solidFill>
+                  <a:schemeClr val="tx1">
+                    <a:lumMod val="75000"/>
+                    <a:lumOff val="25000"/>
+                  </a:schemeClr>
+                </a:solidFill>
+                <a:latin typeface="+mn-lt"/>
+                <a:ea typeface="+mn-ea"/>
+                <a:cs typeface="+mn-cs"/>
+              </a:defRPr>
+            </a:lvl2pPr>
+            <a:lvl3pPr marL="1143000" indent="-228600" algn="l" defTabSz="914400" rtl="0" eaLnBrk="1" latinLnBrk="0" hangingPunct="1">
+              <a:lnSpc>
+                <a:spcPts val="1800"/>
+              </a:lnSpc>
+              <a:spcBef>
+                <a:spcPts val="1000"/>
+              </a:spcBef>
+              <a:spcAft>
+                <a:spcPts val="1000"/>
+              </a:spcAft>
+              <a:buFont typeface="Arial" panose="020B0604020202020204" pitchFamily="34" charset="0"/>
+              <a:buChar char="•"/>
+              <a:defRPr lang="en-US" sz="1200" kern="1200" smtClean="0">
+                <a:solidFill>
+                  <a:schemeClr val="tx1">
+                    <a:lumMod val="75000"/>
+                    <a:lumOff val="25000"/>
+                  </a:schemeClr>
+                </a:solidFill>
+                <a:latin typeface="+mn-lt"/>
+                <a:ea typeface="+mn-ea"/>
+                <a:cs typeface="+mn-cs"/>
+              </a:defRPr>
+            </a:lvl3pPr>
+            <a:lvl4pPr marL="1600200" indent="-228600" algn="l" defTabSz="914400" rtl="0" eaLnBrk="1" latinLnBrk="0" hangingPunct="1">
+              <a:lnSpc>
+                <a:spcPts val="1800"/>
+              </a:lnSpc>
+              <a:spcBef>
+                <a:spcPts val="1000"/>
+              </a:spcBef>
+              <a:spcAft>
+                <a:spcPts val="1000"/>
+              </a:spcAft>
+              <a:buFont typeface="Arial" panose="020B0604020202020204" pitchFamily="34" charset="0"/>
+              <a:buChar char="•"/>
+              <a:defRPr lang="en-US" sz="1200" kern="1200" smtClean="0">
+                <a:solidFill>
+                  <a:schemeClr val="tx1">
+                    <a:lumMod val="75000"/>
+                    <a:lumOff val="25000"/>
+                  </a:schemeClr>
+                </a:solidFill>
+                <a:latin typeface="+mn-lt"/>
+                <a:ea typeface="+mn-ea"/>
+                <a:cs typeface="+mn-cs"/>
+              </a:defRPr>
+            </a:lvl4pPr>
+            <a:lvl5pPr marL="2057400" indent="-228600" algn="l" defTabSz="914400" rtl="0" eaLnBrk="1" latinLnBrk="0" hangingPunct="1">
+              <a:lnSpc>
+                <a:spcPts val="1800"/>
+              </a:lnSpc>
+              <a:spcBef>
+                <a:spcPts val="1000"/>
+              </a:spcBef>
+              <a:spcAft>
+                <a:spcPts val="1000"/>
+              </a:spcAft>
+              <a:buFont typeface="Arial" panose="020B0604020202020204" pitchFamily="34" charset="0"/>
+              <a:buChar char="•"/>
+              <a:defRPr lang="en-US" sz="1200" kern="1200">
+                <a:solidFill>
+                  <a:schemeClr val="tx1">
+                    <a:lumMod val="75000"/>
+                    <a:lumOff val="25000"/>
+                  </a:schemeClr>
+                </a:solidFill>
+                <a:latin typeface="+mn-lt"/>
+                <a:ea typeface="+mn-ea"/>
+                <a:cs typeface="+mn-cs"/>
+              </a:defRPr>
+            </a:lvl5pPr>
+            <a:lvl6pPr marL="2514600" indent="-228600" algn="l" defTabSz="914400" rtl="0" eaLnBrk="1" latinLnBrk="0" hangingPunct="1">
+              <a:lnSpc>
+                <a:spcPct val="90000"/>
+              </a:lnSpc>
+              <a:spcBef>
+                <a:spcPct val="30000"/>
+              </a:spcBef>
+              <a:buFont typeface="Arial" panose="020B0604020202020204" pitchFamily="34" charset="0"/>
+              <a:buChar char="•"/>
+              <a:defRPr sz="1800" kern="1200">
+                <a:solidFill>
+                  <a:schemeClr val="tx1"/>
+                </a:solidFill>
+                <a:latin typeface="+mn-lt"/>
+                <a:ea typeface="+mn-ea"/>
+                <a:cs typeface="+mn-cs"/>
+              </a:defRPr>
+            </a:lvl6pPr>
+            <a:lvl7pPr marL="2971800" indent="-228600" algn="l" defTabSz="914400" rtl="0" eaLnBrk="1" latinLnBrk="0" hangingPunct="1">
+              <a:lnSpc>
+                <a:spcPct val="90000"/>
+              </a:lnSpc>
+              <a:spcBef>
+                <a:spcPct val="30000"/>
+              </a:spcBef>
+              <a:buFont typeface="Arial" panose="020B0604020202020204" pitchFamily="34" charset="0"/>
+              <a:buChar char="•"/>
+              <a:defRPr sz="1800" kern="1200">
+                <a:solidFill>
+                  <a:schemeClr val="tx1"/>
+                </a:solidFill>
+                <a:latin typeface="+mn-lt"/>
+                <a:ea typeface="+mn-ea"/>
+                <a:cs typeface="+mn-cs"/>
+              </a:defRPr>
+            </a:lvl7pPr>
+            <a:lvl8pPr marL="3429000" indent="-228600" algn="l" defTabSz="914400" rtl="0" eaLnBrk="1" latinLnBrk="0" hangingPunct="1">
+              <a:lnSpc>
+                <a:spcPct val="90000"/>
+              </a:lnSpc>
+              <a:spcBef>
+                <a:spcPct val="30000"/>
+              </a:spcBef>
+              <a:buFont typeface="Arial" panose="020B0604020202020204" pitchFamily="34" charset="0"/>
+              <a:buChar char="•"/>
+              <a:defRPr sz="1800" kern="1200">
+                <a:solidFill>
+                  <a:schemeClr val="tx1"/>
+                </a:solidFill>
+                <a:latin typeface="+mn-lt"/>
+                <a:ea typeface="+mn-ea"/>
+                <a:cs typeface="+mn-cs"/>
+              </a:defRPr>
+            </a:lvl8pPr>
+            <a:lvl9pPr marL="3886200" indent="-228600" algn="l" defTabSz="914400" rtl="0" eaLnBrk="1" latinLnBrk="0" hangingPunct="1">
+              <a:lnSpc>
+                <a:spcPct val="90000"/>
+              </a:lnSpc>
+              <a:spcBef>
+                <a:spcPct val="30000"/>
+              </a:spcBef>
+              <a:buFont typeface="Arial" panose="020B0604020202020204" pitchFamily="34" charset="0"/>
+              <a:buChar char="•"/>
+              <a:defRPr sz="1800" kern="1200">
+                <a:solidFill>
+                  <a:schemeClr val="tx1"/>
+                </a:solidFill>
+                <a:latin typeface="+mn-lt"/>
+                <a:ea typeface="+mn-ea"/>
+                <a:cs typeface="+mn-cs"/>
+              </a:defRPr>
+            </a:lvl9pPr>
+          </a:lstStyle>
+          <a:p>
+            <a:pPr marL="0" indent="0">
+              <a:spcAft>
+                <a:spcPts val="2000"/>
+              </a:spcAft>
+              <a:buNone/>
+            </a:pPr>
+            <a:endParaRPr lang="en-US" sz="1800" dirty="0">
+              <a:latin typeface="Segoe UI" panose="020B0502040204020203" pitchFamily="34" charset="0"/>
+              <a:cs typeface="Segoe UI" panose="020B0502040204020203" pitchFamily="34" charset="0"/>
+            </a:endParaRPr>
+          </a:p>
+        </p:txBody>
+      </p:sp>
+      <p:sp>
+        <p:nvSpPr>
+          <p:cNvPr id="36" name="Content Placeholder 17"/>
+          <p:cNvSpPr txBox="1">
+            <a:spLocks/>
+          </p:cNvSpPr>
+          <p:nvPr/>
+        </p:nvSpPr>
+        <p:spPr>
+          <a:xfrm>
+            <a:off x="541609" y="1691065"/>
+            <a:ext cx="10356444" cy="4549907"/>
+          </a:xfrm>
+          <a:prstGeom prst="rect">
+            <a:avLst/>
+          </a:prstGeom>
+        </p:spPr>
+        <p:txBody>
+          <a:bodyPr vert="horz" lIns="91440" tIns="45720" rIns="91440" bIns="45720" rtlCol="0">
+            <a:noAutofit/>
+          </a:bodyPr>
+          <a:lstStyle>
+            <a:lvl1pPr marL="228600" indent="-228600" algn="l" defTabSz="914400" rtl="0" eaLnBrk="1" latinLnBrk="0" hangingPunct="1">
+              <a:lnSpc>
+                <a:spcPts val="1800"/>
+              </a:lnSpc>
+              <a:spcBef>
+                <a:spcPts val="1000"/>
+              </a:spcBef>
+              <a:spcAft>
+                <a:spcPts val="1000"/>
+              </a:spcAft>
+              <a:buFont typeface="Arial" panose="020B0604020202020204" pitchFamily="34" charset="0"/>
+              <a:buChar char="•"/>
+              <a:defRPr lang="en-US" sz="1200" kern="1200" smtClean="0">
+                <a:solidFill>
+                  <a:schemeClr val="tx1">
+                    <a:lumMod val="75000"/>
+                    <a:lumOff val="25000"/>
+                  </a:schemeClr>
+                </a:solidFill>
+                <a:latin typeface="+mn-lt"/>
+                <a:ea typeface="+mn-ea"/>
+                <a:cs typeface="+mn-cs"/>
+              </a:defRPr>
+            </a:lvl1pPr>
+            <a:lvl2pPr marL="685800" indent="-228600" algn="l" defTabSz="914400" rtl="0" eaLnBrk="1" latinLnBrk="0" hangingPunct="1">
+              <a:lnSpc>
+                <a:spcPts val="1800"/>
+              </a:lnSpc>
+              <a:spcBef>
+                <a:spcPts val="1000"/>
+              </a:spcBef>
+              <a:spcAft>
+                <a:spcPts val="1000"/>
+              </a:spcAft>
+              <a:buFont typeface="Arial" panose="020B0604020202020204" pitchFamily="34" charset="0"/>
+              <a:buChar char="•"/>
+              <a:defRPr lang="en-US" sz="1200" kern="1200" smtClean="0">
+                <a:solidFill>
+                  <a:schemeClr val="tx1">
+                    <a:lumMod val="75000"/>
+                    <a:lumOff val="25000"/>
+                  </a:schemeClr>
+                </a:solidFill>
+                <a:latin typeface="+mn-lt"/>
+                <a:ea typeface="+mn-ea"/>
+                <a:cs typeface="+mn-cs"/>
+              </a:defRPr>
+            </a:lvl2pPr>
+            <a:lvl3pPr marL="1143000" indent="-228600" algn="l" defTabSz="914400" rtl="0" eaLnBrk="1" latinLnBrk="0" hangingPunct="1">
+              <a:lnSpc>
+                <a:spcPts val="1800"/>
+              </a:lnSpc>
+              <a:spcBef>
+                <a:spcPts val="1000"/>
+              </a:spcBef>
+              <a:spcAft>
+                <a:spcPts val="1000"/>
+              </a:spcAft>
+              <a:buFont typeface="Arial" panose="020B0604020202020204" pitchFamily="34" charset="0"/>
+              <a:buChar char="•"/>
+              <a:defRPr lang="en-US" sz="1200" kern="1200" smtClean="0">
+                <a:solidFill>
+                  <a:schemeClr val="tx1">
+                    <a:lumMod val="75000"/>
+                    <a:lumOff val="25000"/>
+                  </a:schemeClr>
+                </a:solidFill>
+                <a:latin typeface="+mn-lt"/>
+                <a:ea typeface="+mn-ea"/>
+                <a:cs typeface="+mn-cs"/>
+              </a:defRPr>
+            </a:lvl3pPr>
+            <a:lvl4pPr marL="1600200" indent="-228600" algn="l" defTabSz="914400" rtl="0" eaLnBrk="1" latinLnBrk="0" hangingPunct="1">
+              <a:lnSpc>
+                <a:spcPts val="1800"/>
+              </a:lnSpc>
+              <a:spcBef>
+                <a:spcPts val="1000"/>
+              </a:spcBef>
+              <a:spcAft>
+                <a:spcPts val="1000"/>
+              </a:spcAft>
+              <a:buFont typeface="Arial" panose="020B0604020202020204" pitchFamily="34" charset="0"/>
+              <a:buChar char="•"/>
+              <a:defRPr lang="en-US" sz="1200" kern="1200" smtClean="0">
+                <a:solidFill>
+                  <a:schemeClr val="tx1">
+                    <a:lumMod val="75000"/>
+                    <a:lumOff val="25000"/>
+                  </a:schemeClr>
+                </a:solidFill>
+                <a:latin typeface="+mn-lt"/>
+                <a:ea typeface="+mn-ea"/>
+                <a:cs typeface="+mn-cs"/>
+              </a:defRPr>
+            </a:lvl4pPr>
+            <a:lvl5pPr marL="2057400" indent="-228600" algn="l" defTabSz="914400" rtl="0" eaLnBrk="1" latinLnBrk="0" hangingPunct="1">
+              <a:lnSpc>
+                <a:spcPts val="1800"/>
+              </a:lnSpc>
+              <a:spcBef>
+                <a:spcPts val="1000"/>
+              </a:spcBef>
+              <a:spcAft>
+                <a:spcPts val="1000"/>
+              </a:spcAft>
+              <a:buFont typeface="Arial" panose="020B0604020202020204" pitchFamily="34" charset="0"/>
+              <a:buChar char="•"/>
+              <a:defRPr lang="en-US" sz="1200" kern="1200">
+                <a:solidFill>
+                  <a:schemeClr val="tx1">
+                    <a:lumMod val="75000"/>
+                    <a:lumOff val="25000"/>
+                  </a:schemeClr>
+                </a:solidFill>
+                <a:latin typeface="+mn-lt"/>
+                <a:ea typeface="+mn-ea"/>
+                <a:cs typeface="+mn-cs"/>
+              </a:defRPr>
+            </a:lvl5pPr>
+            <a:lvl6pPr marL="2514600" indent="-228600" algn="l" defTabSz="914400" rtl="0" eaLnBrk="1" latinLnBrk="0" hangingPunct="1">
+              <a:lnSpc>
+                <a:spcPct val="90000"/>
+              </a:lnSpc>
+              <a:spcBef>
+                <a:spcPct val="30000"/>
+              </a:spcBef>
+              <a:buFont typeface="Arial" panose="020B0604020202020204" pitchFamily="34" charset="0"/>
+              <a:buChar char="•"/>
+              <a:defRPr sz="1800" kern="1200">
+                <a:solidFill>
+                  <a:schemeClr val="tx1"/>
+                </a:solidFill>
+                <a:latin typeface="+mn-lt"/>
+                <a:ea typeface="+mn-ea"/>
+                <a:cs typeface="+mn-cs"/>
+              </a:defRPr>
+            </a:lvl6pPr>
+            <a:lvl7pPr marL="2971800" indent="-228600" algn="l" defTabSz="914400" rtl="0" eaLnBrk="1" latinLnBrk="0" hangingPunct="1">
+              <a:lnSpc>
+                <a:spcPct val="90000"/>
+              </a:lnSpc>
+              <a:spcBef>
+                <a:spcPct val="30000"/>
+              </a:spcBef>
+              <a:buFont typeface="Arial" panose="020B0604020202020204" pitchFamily="34" charset="0"/>
+              <a:buChar char="•"/>
+              <a:defRPr sz="1800" kern="1200">
+                <a:solidFill>
+                  <a:schemeClr val="tx1"/>
+                </a:solidFill>
+                <a:latin typeface="+mn-lt"/>
+                <a:ea typeface="+mn-ea"/>
+                <a:cs typeface="+mn-cs"/>
+              </a:defRPr>
+            </a:lvl7pPr>
+            <a:lvl8pPr marL="3429000" indent="-228600" algn="l" defTabSz="914400" rtl="0" eaLnBrk="1" latinLnBrk="0" hangingPunct="1">
+              <a:lnSpc>
+                <a:spcPct val="90000"/>
+              </a:lnSpc>
+              <a:spcBef>
+                <a:spcPct val="30000"/>
+              </a:spcBef>
+              <a:buFont typeface="Arial" panose="020B0604020202020204" pitchFamily="34" charset="0"/>
+              <a:buChar char="•"/>
+              <a:defRPr sz="1800" kern="1200">
+                <a:solidFill>
+                  <a:schemeClr val="tx1"/>
+                </a:solidFill>
+                <a:latin typeface="+mn-lt"/>
+                <a:ea typeface="+mn-ea"/>
+                <a:cs typeface="+mn-cs"/>
+              </a:defRPr>
+            </a:lvl8pPr>
+            <a:lvl9pPr marL="3886200" indent="-228600" algn="l" defTabSz="914400" rtl="0" eaLnBrk="1" latinLnBrk="0" hangingPunct="1">
+              <a:lnSpc>
+                <a:spcPct val="90000"/>
+              </a:lnSpc>
+              <a:spcBef>
+                <a:spcPct val="30000"/>
+              </a:spcBef>
+              <a:buFont typeface="Arial" panose="020B0604020202020204" pitchFamily="34" charset="0"/>
+              <a:buChar char="•"/>
+              <a:defRPr sz="1800" kern="1200">
+                <a:solidFill>
+                  <a:schemeClr val="tx1"/>
+                </a:solidFill>
+                <a:latin typeface="+mn-lt"/>
+                <a:ea typeface="+mn-ea"/>
+                <a:cs typeface="+mn-cs"/>
+              </a:defRPr>
+            </a:lvl9pPr>
+          </a:lstStyle>
+          <a:p>
+            <a:pPr marL="457200" lvl="1" indent="0">
+              <a:lnSpc>
+                <a:spcPts val="3600"/>
+              </a:lnSpc>
+              <a:buNone/>
+            </a:pPr>
+            <a:r>
+              <a:rPr lang="en-GB" sz="4400" b="1" dirty="0">
+                <a:solidFill>
+                  <a:schemeClr val="bg2">
+                    <a:lumMod val="25000"/>
+                  </a:schemeClr>
+                </a:solidFill>
+                <a:latin typeface="Segoe UI Light" panose="020B0502040204020203" pitchFamily="34" charset="0"/>
+                <a:cs typeface="Segoe UI Light" panose="020B0502040204020203" pitchFamily="34" charset="0"/>
+              </a:rPr>
+              <a:t>Micro App: </a:t>
+            </a:r>
+          </a:p>
+          <a:p>
+            <a:pPr marL="457200" lvl="1" indent="0">
+              <a:lnSpc>
+                <a:spcPts val="3600"/>
+              </a:lnSpc>
+              <a:buNone/>
+            </a:pPr>
+            <a:r>
+              <a:rPr lang="en-GB" sz="3800" dirty="0">
+                <a:solidFill>
+                  <a:schemeClr val="bg2">
+                    <a:lumMod val="25000"/>
+                  </a:schemeClr>
+                </a:solidFill>
+                <a:latin typeface="Segoe UI Light" panose="020B0502040204020203" pitchFamily="34" charset="0"/>
+                <a:cs typeface="Segoe UI Light" panose="020B0502040204020203" pitchFamily="34" charset="0"/>
+              </a:rPr>
+              <a:t>A micro app is an interactive software module designed to perform like a full coded application or website. (Wikipedia)</a:t>
+            </a:r>
+            <a:endParaRPr lang="en-GB" sz="1800" dirty="0">
+              <a:solidFill>
+                <a:schemeClr val="bg2">
+                  <a:lumMod val="25000"/>
+                </a:schemeClr>
+              </a:solidFill>
+              <a:latin typeface="Segoe UI Light" panose="020B0502040204020203" pitchFamily="34" charset="0"/>
+              <a:cs typeface="Segoe UI Light" panose="020B0502040204020203" pitchFamily="34" charset="0"/>
+            </a:endParaRPr>
+          </a:p>
+          <a:p>
+            <a:pPr marL="457200" lvl="1" indent="0">
+              <a:lnSpc>
+                <a:spcPts val="3600"/>
+              </a:lnSpc>
+              <a:buNone/>
+            </a:pPr>
+            <a:r>
+              <a:rPr lang="en-GB" sz="4400" b="1" dirty="0">
+                <a:solidFill>
+                  <a:schemeClr val="bg2">
+                    <a:lumMod val="25000"/>
+                  </a:schemeClr>
+                </a:solidFill>
+                <a:latin typeface="Segoe UI Light" panose="020B0502040204020203" pitchFamily="34" charset="0"/>
+                <a:cs typeface="Segoe UI Light" panose="020B0502040204020203" pitchFamily="34" charset="0"/>
+              </a:rPr>
+              <a:t>Micro </a:t>
+            </a:r>
+            <a:r>
+              <a:rPr lang="en-GB" sz="4400" dirty="0">
+                <a:solidFill>
+                  <a:schemeClr val="bg2">
+                    <a:lumMod val="25000"/>
+                  </a:schemeClr>
+                </a:solidFill>
+                <a:latin typeface="Segoe UI Light" panose="020B0502040204020203" pitchFamily="34" charset="0"/>
+                <a:cs typeface="Segoe UI Light" panose="020B0502040204020203" pitchFamily="34" charset="0"/>
+              </a:rPr>
+              <a:t>Service:</a:t>
+            </a:r>
+          </a:p>
+          <a:p>
+            <a:pPr marL="457200" lvl="1" indent="0">
+              <a:lnSpc>
+                <a:spcPts val="3600"/>
+              </a:lnSpc>
+              <a:buNone/>
+            </a:pPr>
+            <a:r>
+              <a:rPr lang="en-GB" sz="3800" dirty="0">
+                <a:solidFill>
+                  <a:schemeClr val="bg2">
+                    <a:lumMod val="25000"/>
+                  </a:schemeClr>
+                </a:solidFill>
+                <a:latin typeface="Segoe UI Light" panose="020B0502040204020203" pitchFamily="34" charset="0"/>
+                <a:cs typeface="Segoe UI Light" panose="020B0502040204020203" pitchFamily="34" charset="0"/>
+              </a:rPr>
+              <a:t>A self-contained piece of business functionality with clear interfaces - "Do one thing and do it well". (Paraphrased from Wikipedia) or…</a:t>
+            </a:r>
+          </a:p>
+          <a:p>
+            <a:pPr lvl="1">
+              <a:lnSpc>
+                <a:spcPts val="4000"/>
+              </a:lnSpc>
+            </a:pPr>
+            <a:endParaRPr lang="en-GB" sz="3800" dirty="0">
+              <a:solidFill>
+                <a:schemeClr val="bg2">
+                  <a:lumMod val="25000"/>
+                </a:schemeClr>
+              </a:solidFill>
+              <a:latin typeface="Segoe UI Light" panose="020B0502040204020203" pitchFamily="34" charset="0"/>
+              <a:cs typeface="Segoe UI Light" panose="020B0502040204020203" pitchFamily="34" charset="0"/>
+            </a:endParaRPr>
+          </a:p>
+          <a:p>
+            <a:pPr marL="0" lvl="0" indent="0">
+              <a:spcBef>
+                <a:spcPct val="0"/>
+              </a:spcBef>
+              <a:spcAft>
+                <a:spcPts val="2000"/>
+              </a:spcAft>
+              <a:buNone/>
+              <a:defRPr/>
+            </a:pPr>
+            <a:endParaRPr lang="en-US" sz="3800" dirty="0">
+              <a:solidFill>
+                <a:schemeClr val="bg2">
+                  <a:lumMod val="25000"/>
+                </a:schemeClr>
+              </a:solidFill>
+              <a:latin typeface="Segoe UI Light" panose="020B0502040204020203" pitchFamily="34" charset="0"/>
+              <a:cs typeface="Segoe UI Light" panose="020B0502040204020203" pitchFamily="34" charset="0"/>
+            </a:endParaRPr>
+          </a:p>
+        </p:txBody>
+      </p:sp>
+    </p:spTree>
+    <p:extLst>
+      <p:ext uri="{BB962C8B-B14F-4D97-AF65-F5344CB8AC3E}">
+        <p14:creationId xmlns:p14="http://schemas.microsoft.com/office/powerpoint/2010/main" val="1436783157"/>
+      </p:ext>
+    </p:extLst>
+  </p:cSld>
+  <p:clrMapOvr>
+    <a:masterClrMapping/>
+  </p:clrMapOvr>
+</p:sld>
+</file>
+
+<file path=ppt/slides/slide21.xml><?xml version="1.0" encoding="utf-8"?>
+<p:sld xmlns:a="http://schemas.openxmlformats.org/drawingml/2006/main" xmlns:r="http://schemas.openxmlformats.org/officeDocument/2006/relationships" xmlns:p="http://schemas.openxmlformats.org/presentationml/2006/main">
+  <p:cSld>
+    <p:spTree>
+      <p:nvGrpSpPr>
+        <p:cNvPr id="1" name=""/>
+        <p:cNvGrpSpPr/>
+        <p:nvPr/>
+      </p:nvGrpSpPr>
+      <p:grpSpPr>
+        <a:xfrm>
+          <a:off x="0" y="0"/>
+          <a:ext cx="0" cy="0"/>
+          <a:chOff x="0" y="0"/>
+          <a:chExt cx="0" cy="0"/>
+        </a:xfrm>
+      </p:grpSpPr>
+      <p:sp>
+        <p:nvSpPr>
+          <p:cNvPr id="4" name="Title 3"/>
+          <p:cNvSpPr>
+            <a:spLocks noGrp="1"/>
+          </p:cNvSpPr>
+          <p:nvPr>
+            <p:ph type="title"/>
+          </p:nvPr>
+        </p:nvSpPr>
+        <p:spPr>
+          <a:xfrm>
+            <a:off x="541609" y="426301"/>
+            <a:ext cx="8578726" cy="749992"/>
+          </a:xfrm>
+        </p:spPr>
+        <p:txBody>
+          <a:bodyPr>
+            <a:noAutofit/>
+          </a:bodyPr>
+          <a:lstStyle/>
+          <a:p>
+            <a:r>
+              <a:rPr lang="en-US" sz="4000" dirty="0">
+                <a:latin typeface="Segoe UI Light" panose="020B0502040204020203" pitchFamily="34" charset="0"/>
+                <a:cs typeface="Segoe UI Light" panose="020B0502040204020203" pitchFamily="34" charset="0"/>
+              </a:rPr>
               <a:t>Which begs the question…</a:t>
             </a:r>
           </a:p>
@@ -11108,7 +11172,7 @@
 </p:sld>
 </file>
 
-<file path=ppt/slides/slide21.xml><?xml version="1.0" encoding="utf-8"?>
+<file path=ppt/slides/slide22.xml><?xml version="1.0" encoding="utf-8"?>
 <p:sld xmlns:a="http://schemas.openxmlformats.org/drawingml/2006/main" xmlns:r="http://schemas.openxmlformats.org/officeDocument/2006/relationships" xmlns:p="http://schemas.openxmlformats.org/presentationml/2006/main">
   <p:cSld>
     <p:spTree>
@@ -11552,7 +11616,7 @@
 </p:sld>
 </file>
 
-<file path=ppt/slides/slide22.xml><?xml version="1.0" encoding="utf-8"?>
+<file path=ppt/slides/slide23.xml><?xml version="1.0" encoding="utf-8"?>
 <p:sld xmlns:a="http://schemas.openxmlformats.org/drawingml/2006/main" xmlns:r="http://schemas.openxmlformats.org/officeDocument/2006/relationships" xmlns:p="http://schemas.openxmlformats.org/presentationml/2006/main">
   <p:cSld>
     <p:spTree>
@@ -12244,7 +12308,7 @@
 </p:sld>
 </file>
 
-<file path=ppt/slides/slide23.xml><?xml version="1.0" encoding="utf-8"?>
+<file path=ppt/slides/slide24.xml><?xml version="1.0" encoding="utf-8"?>
 <p:sld xmlns:a="http://schemas.openxmlformats.org/drawingml/2006/main" xmlns:r="http://schemas.openxmlformats.org/officeDocument/2006/relationships" xmlns:p="http://schemas.openxmlformats.org/presentationml/2006/main">
   <p:cSld>
     <p:spTree>
@@ -13425,7 +13489,7 @@
 </p:sld>
 </file>
 
-<file path=ppt/slides/slide24.xml><?xml version="1.0" encoding="utf-8"?>
+<file path=ppt/slides/slide25.xml><?xml version="1.0" encoding="utf-8"?>
 <p:sld xmlns:a="http://schemas.openxmlformats.org/drawingml/2006/main" xmlns:r="http://schemas.openxmlformats.org/officeDocument/2006/relationships" xmlns:p="http://schemas.openxmlformats.org/presentationml/2006/main">
   <p:cSld>
     <p:spTree>
@@ -14052,7 +14116,7 @@
 </p:sld>
 </file>
 
-<file path=ppt/slides/slide25.xml><?xml version="1.0" encoding="utf-8"?>
+<file path=ppt/slides/slide26.xml><?xml version="1.0" encoding="utf-8"?>
 <p:sld xmlns:a="http://schemas.openxmlformats.org/drawingml/2006/main" xmlns:r="http://schemas.openxmlformats.org/officeDocument/2006/relationships" xmlns:p="http://schemas.openxmlformats.org/presentationml/2006/main">
   <p:cSld>
     <p:spTree>
@@ -14669,7 +14733,7 @@
 </p:sld>
 </file>
 
-<file path=ppt/slides/slide26.xml><?xml version="1.0" encoding="utf-8"?>
+<file path=ppt/slides/slide27.xml><?xml version="1.0" encoding="utf-8"?>
 <p:sld xmlns:a="http://schemas.openxmlformats.org/drawingml/2006/main" xmlns:r="http://schemas.openxmlformats.org/officeDocument/2006/relationships" xmlns:p="http://schemas.openxmlformats.org/presentationml/2006/main">
   <p:cSld>
     <p:spTree>
@@ -15157,7 +15221,7 @@
 </p:sld>
 </file>
 
-<file path=ppt/slides/slide27.xml><?xml version="1.0" encoding="utf-8"?>
+<file path=ppt/slides/slide28.xml><?xml version="1.0" encoding="utf-8"?>
 <p:sld xmlns:a="http://schemas.openxmlformats.org/drawingml/2006/main" xmlns:r="http://schemas.openxmlformats.org/officeDocument/2006/relationships" xmlns:p="http://schemas.openxmlformats.org/presentationml/2006/main">
   <p:cSld>
     <p:spTree>
@@ -15569,7 +15633,7 @@
 </p:sld>
 </file>
 
-<file path=ppt/slides/slide28.xml><?xml version="1.0" encoding="utf-8"?>
+<file path=ppt/slides/slide29.xml><?xml version="1.0" encoding="utf-8"?>
 <p:sld xmlns:a="http://schemas.openxmlformats.org/drawingml/2006/main" xmlns:r="http://schemas.openxmlformats.org/officeDocument/2006/relationships" xmlns:p="http://schemas.openxmlformats.org/presentationml/2006/main">
   <p:cSld>
     <p:spTree>
@@ -16045,388 +16109,6 @@
 </p:sld>
 </file>
 
-<file path=ppt/slides/slide29.xml><?xml version="1.0" encoding="utf-8"?>
-<p:sld xmlns:a="http://schemas.openxmlformats.org/drawingml/2006/main" xmlns:r="http://schemas.openxmlformats.org/officeDocument/2006/relationships" xmlns:p="http://schemas.openxmlformats.org/presentationml/2006/main">
-  <p:cSld>
-    <p:spTree>
-      <p:nvGrpSpPr>
-        <p:cNvPr id="1" name=""/>
-        <p:cNvGrpSpPr/>
-        <p:nvPr/>
-      </p:nvGrpSpPr>
-      <p:grpSpPr>
-        <a:xfrm>
-          <a:off x="0" y="0"/>
-          <a:ext cx="0" cy="0"/>
-          <a:chOff x="0" y="0"/>
-          <a:chExt cx="0" cy="0"/>
-        </a:xfrm>
-      </p:grpSpPr>
-      <p:sp>
-        <p:nvSpPr>
-          <p:cNvPr id="4" name="Title 3"/>
-          <p:cNvSpPr>
-            <a:spLocks noGrp="1"/>
-          </p:cNvSpPr>
-          <p:nvPr>
-            <p:ph type="title"/>
-          </p:nvPr>
-        </p:nvSpPr>
-        <p:spPr>
-          <a:xfrm>
-            <a:off x="541609" y="426301"/>
-            <a:ext cx="8578726" cy="749992"/>
-          </a:xfrm>
-        </p:spPr>
-        <p:txBody>
-          <a:bodyPr>
-            <a:noAutofit/>
-          </a:bodyPr>
-          <a:lstStyle/>
-          <a:p>
-            <a:r>
-              <a:rPr lang="en-US" sz="4000" dirty="0">
-                <a:latin typeface="Segoe UI Light" panose="020B0502040204020203" pitchFamily="34" charset="0"/>
-                <a:cs typeface="Segoe UI Light" panose="020B0502040204020203" pitchFamily="34" charset="0"/>
-              </a:rPr>
-              <a:t>How to use</a:t>
-            </a:r>
-          </a:p>
-        </p:txBody>
-      </p:sp>
-      <p:sp>
-        <p:nvSpPr>
-          <p:cNvPr id="25" name="Content Placeholder 17"/>
-          <p:cNvSpPr txBox="1">
-            <a:spLocks/>
-          </p:cNvSpPr>
-          <p:nvPr/>
-        </p:nvSpPr>
-        <p:spPr>
-          <a:xfrm>
-            <a:off x="541609" y="1455491"/>
-            <a:ext cx="5110161" cy="471149"/>
-          </a:xfrm>
-          <a:prstGeom prst="rect">
-            <a:avLst/>
-          </a:prstGeom>
-        </p:spPr>
-        <p:txBody>
-          <a:bodyPr vert="horz" lIns="91440" tIns="45720" rIns="91440" bIns="45720" rtlCol="0">
-            <a:normAutofit/>
-          </a:bodyPr>
-          <a:lstStyle>
-            <a:lvl1pPr marL="228600" indent="-228600" algn="l" defTabSz="914400" rtl="0" eaLnBrk="1" latinLnBrk="0" hangingPunct="1">
-              <a:lnSpc>
-                <a:spcPts val="1800"/>
-              </a:lnSpc>
-              <a:spcBef>
-                <a:spcPts val="1000"/>
-              </a:spcBef>
-              <a:spcAft>
-                <a:spcPts val="1000"/>
-              </a:spcAft>
-              <a:buFont typeface="Arial" panose="020B0604020202020204" pitchFamily="34" charset="0"/>
-              <a:buChar char="•"/>
-              <a:defRPr lang="en-US" sz="1200" kern="1200" smtClean="0">
-                <a:solidFill>
-                  <a:schemeClr val="tx1">
-                    <a:lumMod val="75000"/>
-                    <a:lumOff val="25000"/>
-                  </a:schemeClr>
-                </a:solidFill>
-                <a:latin typeface="+mn-lt"/>
-                <a:ea typeface="+mn-ea"/>
-                <a:cs typeface="+mn-cs"/>
-              </a:defRPr>
-            </a:lvl1pPr>
-            <a:lvl2pPr marL="685800" indent="-228600" algn="l" defTabSz="914400" rtl="0" eaLnBrk="1" latinLnBrk="0" hangingPunct="1">
-              <a:lnSpc>
-                <a:spcPts val="1800"/>
-              </a:lnSpc>
-              <a:spcBef>
-                <a:spcPts val="1000"/>
-              </a:spcBef>
-              <a:spcAft>
-                <a:spcPts val="1000"/>
-              </a:spcAft>
-              <a:buFont typeface="Arial" panose="020B0604020202020204" pitchFamily="34" charset="0"/>
-              <a:buChar char="•"/>
-              <a:defRPr lang="en-US" sz="1200" kern="1200" smtClean="0">
-                <a:solidFill>
-                  <a:schemeClr val="tx1">
-                    <a:lumMod val="75000"/>
-                    <a:lumOff val="25000"/>
-                  </a:schemeClr>
-                </a:solidFill>
-                <a:latin typeface="+mn-lt"/>
-                <a:ea typeface="+mn-ea"/>
-                <a:cs typeface="+mn-cs"/>
-              </a:defRPr>
-            </a:lvl2pPr>
-            <a:lvl3pPr marL="1143000" indent="-228600" algn="l" defTabSz="914400" rtl="0" eaLnBrk="1" latinLnBrk="0" hangingPunct="1">
-              <a:lnSpc>
-                <a:spcPts val="1800"/>
-              </a:lnSpc>
-              <a:spcBef>
-                <a:spcPts val="1000"/>
-              </a:spcBef>
-              <a:spcAft>
-                <a:spcPts val="1000"/>
-              </a:spcAft>
-              <a:buFont typeface="Arial" panose="020B0604020202020204" pitchFamily="34" charset="0"/>
-              <a:buChar char="•"/>
-              <a:defRPr lang="en-US" sz="1200" kern="1200" smtClean="0">
-                <a:solidFill>
-                  <a:schemeClr val="tx1">
-                    <a:lumMod val="75000"/>
-                    <a:lumOff val="25000"/>
-                  </a:schemeClr>
-                </a:solidFill>
-                <a:latin typeface="+mn-lt"/>
-                <a:ea typeface="+mn-ea"/>
-                <a:cs typeface="+mn-cs"/>
-              </a:defRPr>
-            </a:lvl3pPr>
-            <a:lvl4pPr marL="1600200" indent="-228600" algn="l" defTabSz="914400" rtl="0" eaLnBrk="1" latinLnBrk="0" hangingPunct="1">
-              <a:lnSpc>
-                <a:spcPts val="1800"/>
-              </a:lnSpc>
-              <a:spcBef>
-                <a:spcPts val="1000"/>
-              </a:spcBef>
-              <a:spcAft>
-                <a:spcPts val="1000"/>
-              </a:spcAft>
-              <a:buFont typeface="Arial" panose="020B0604020202020204" pitchFamily="34" charset="0"/>
-              <a:buChar char="•"/>
-              <a:defRPr lang="en-US" sz="1200" kern="1200" smtClean="0">
-                <a:solidFill>
-                  <a:schemeClr val="tx1">
-                    <a:lumMod val="75000"/>
-                    <a:lumOff val="25000"/>
-                  </a:schemeClr>
-                </a:solidFill>
-                <a:latin typeface="+mn-lt"/>
-                <a:ea typeface="+mn-ea"/>
-                <a:cs typeface="+mn-cs"/>
-              </a:defRPr>
-            </a:lvl4pPr>
-            <a:lvl5pPr marL="2057400" indent="-228600" algn="l" defTabSz="914400" rtl="0" eaLnBrk="1" latinLnBrk="0" hangingPunct="1">
-              <a:lnSpc>
-                <a:spcPts val="1800"/>
-              </a:lnSpc>
-              <a:spcBef>
-                <a:spcPts val="1000"/>
-              </a:spcBef>
-              <a:spcAft>
-                <a:spcPts val="1000"/>
-              </a:spcAft>
-              <a:buFont typeface="Arial" panose="020B0604020202020204" pitchFamily="34" charset="0"/>
-              <a:buChar char="•"/>
-              <a:defRPr lang="en-US" sz="1200" kern="1200">
-                <a:solidFill>
-                  <a:schemeClr val="tx1">
-                    <a:lumMod val="75000"/>
-                    <a:lumOff val="25000"/>
-                  </a:schemeClr>
-                </a:solidFill>
-                <a:latin typeface="+mn-lt"/>
-                <a:ea typeface="+mn-ea"/>
-                <a:cs typeface="+mn-cs"/>
-              </a:defRPr>
-            </a:lvl5pPr>
-            <a:lvl6pPr marL="2514600" indent="-228600" algn="l" defTabSz="914400" rtl="0" eaLnBrk="1" latinLnBrk="0" hangingPunct="1">
-              <a:lnSpc>
-                <a:spcPct val="90000"/>
-              </a:lnSpc>
-              <a:spcBef>
-                <a:spcPct val="30000"/>
-              </a:spcBef>
-              <a:buFont typeface="Arial" panose="020B0604020202020204" pitchFamily="34" charset="0"/>
-              <a:buChar char="•"/>
-              <a:defRPr sz="1800" kern="1200">
-                <a:solidFill>
-                  <a:schemeClr val="tx1"/>
-                </a:solidFill>
-                <a:latin typeface="+mn-lt"/>
-                <a:ea typeface="+mn-ea"/>
-                <a:cs typeface="+mn-cs"/>
-              </a:defRPr>
-            </a:lvl6pPr>
-            <a:lvl7pPr marL="2971800" indent="-228600" algn="l" defTabSz="914400" rtl="0" eaLnBrk="1" latinLnBrk="0" hangingPunct="1">
-              <a:lnSpc>
-                <a:spcPct val="90000"/>
-              </a:lnSpc>
-              <a:spcBef>
-                <a:spcPct val="30000"/>
-              </a:spcBef>
-              <a:buFont typeface="Arial" panose="020B0604020202020204" pitchFamily="34" charset="0"/>
-              <a:buChar char="•"/>
-              <a:defRPr sz="1800" kern="1200">
-                <a:solidFill>
-                  <a:schemeClr val="tx1"/>
-                </a:solidFill>
-                <a:latin typeface="+mn-lt"/>
-                <a:ea typeface="+mn-ea"/>
-                <a:cs typeface="+mn-cs"/>
-              </a:defRPr>
-            </a:lvl7pPr>
-            <a:lvl8pPr marL="3429000" indent="-228600" algn="l" defTabSz="914400" rtl="0" eaLnBrk="1" latinLnBrk="0" hangingPunct="1">
-              <a:lnSpc>
-                <a:spcPct val="90000"/>
-              </a:lnSpc>
-              <a:spcBef>
-                <a:spcPct val="30000"/>
-              </a:spcBef>
-              <a:buFont typeface="Arial" panose="020B0604020202020204" pitchFamily="34" charset="0"/>
-              <a:buChar char="•"/>
-              <a:defRPr sz="1800" kern="1200">
-                <a:solidFill>
-                  <a:schemeClr val="tx1"/>
-                </a:solidFill>
-                <a:latin typeface="+mn-lt"/>
-                <a:ea typeface="+mn-ea"/>
-                <a:cs typeface="+mn-cs"/>
-              </a:defRPr>
-            </a:lvl8pPr>
-            <a:lvl9pPr marL="3886200" indent="-228600" algn="l" defTabSz="914400" rtl="0" eaLnBrk="1" latinLnBrk="0" hangingPunct="1">
-              <a:lnSpc>
-                <a:spcPct val="90000"/>
-              </a:lnSpc>
-              <a:spcBef>
-                <a:spcPct val="30000"/>
-              </a:spcBef>
-              <a:buFont typeface="Arial" panose="020B0604020202020204" pitchFamily="34" charset="0"/>
-              <a:buChar char="•"/>
-              <a:defRPr sz="1800" kern="1200">
-                <a:solidFill>
-                  <a:schemeClr val="tx1"/>
-                </a:solidFill>
-                <a:latin typeface="+mn-lt"/>
-                <a:ea typeface="+mn-ea"/>
-                <a:cs typeface="+mn-cs"/>
-              </a:defRPr>
-            </a:lvl9pPr>
-          </a:lstStyle>
-          <a:p>
-            <a:pPr marL="0" indent="0">
-              <a:spcAft>
-                <a:spcPts val="2000"/>
-              </a:spcAft>
-              <a:buNone/>
-            </a:pPr>
-            <a:endParaRPr lang="en-US" sz="1800" dirty="0">
-              <a:latin typeface="Segoe UI" panose="020B0502040204020203" pitchFamily="34" charset="0"/>
-              <a:cs typeface="Segoe UI" panose="020B0502040204020203" pitchFamily="34" charset="0"/>
-            </a:endParaRPr>
-          </a:p>
-        </p:txBody>
-      </p:sp>
-      <p:sp>
-        <p:nvSpPr>
-          <p:cNvPr id="8" name="TextBox 7">
-            <a:extLst>
-              <a:ext uri="{FF2B5EF4-FFF2-40B4-BE49-F238E27FC236}">
-                <a16:creationId xmlns:a16="http://schemas.microsoft.com/office/drawing/2014/main" id="{D4329088-EA16-420B-B145-A30265C6D3B4}"/>
-              </a:ext>
-            </a:extLst>
-          </p:cNvPr>
-          <p:cNvSpPr txBox="1"/>
-          <p:nvPr/>
-        </p:nvSpPr>
-        <p:spPr>
-          <a:xfrm>
-            <a:off x="541609" y="1691065"/>
-            <a:ext cx="10971964" cy="4185761"/>
-          </a:xfrm>
-          <a:prstGeom prst="rect">
-            <a:avLst/>
-          </a:prstGeom>
-          <a:noFill/>
-        </p:spPr>
-        <p:txBody>
-          <a:bodyPr wrap="square">
-            <a:spAutoFit/>
-          </a:bodyPr>
-          <a:lstStyle/>
-          <a:p>
-            <a:pPr marL="457200" lvl="1" indent="0">
-              <a:buNone/>
-            </a:pPr>
-            <a:r>
-              <a:rPr lang="en-GB" sz="3800" dirty="0">
-                <a:solidFill>
-                  <a:schemeClr val="bg2">
-                    <a:lumMod val="25000"/>
-                  </a:schemeClr>
-                </a:solidFill>
-                <a:latin typeface="Segoe UI Light" panose="020B0502040204020203" pitchFamily="34" charset="0"/>
-                <a:cs typeface="Segoe UI Light" panose="020B0502040204020203" pitchFamily="34" charset="0"/>
-              </a:rPr>
-              <a:t>NB Methods and properties on components can be directly accessed. </a:t>
-            </a:r>
-          </a:p>
-          <a:p>
-            <a:pPr marL="457200" lvl="1" indent="0">
-              <a:buNone/>
-            </a:pPr>
-            <a:endParaRPr lang="en-GB" sz="3800" dirty="0">
-              <a:solidFill>
-                <a:schemeClr val="bg2">
-                  <a:lumMod val="25000"/>
-                </a:schemeClr>
-              </a:solidFill>
-              <a:latin typeface="Segoe UI Light" panose="020B0502040204020203" pitchFamily="34" charset="0"/>
-              <a:cs typeface="Segoe UI Light" panose="020B0502040204020203" pitchFamily="34" charset="0"/>
-            </a:endParaRPr>
-          </a:p>
-          <a:p>
-            <a:pPr marL="457200" lvl="1" indent="0">
-              <a:buNone/>
-            </a:pPr>
-            <a:r>
-              <a:rPr lang="en-GB" sz="3800" dirty="0">
-                <a:solidFill>
-                  <a:schemeClr val="bg2">
-                    <a:lumMod val="25000"/>
-                  </a:schemeClr>
-                </a:solidFill>
-                <a:latin typeface="Segoe UI Light" panose="020B0502040204020203" pitchFamily="34" charset="0"/>
-                <a:cs typeface="Segoe UI Light" panose="020B0502040204020203" pitchFamily="34" charset="0"/>
-              </a:rPr>
-              <a:t>This would be a design choice as components tend to use props down events up, rather than sibling to sibling.</a:t>
-            </a:r>
-          </a:p>
-          <a:p>
-            <a:pPr marL="457200" lvl="1" indent="0">
-              <a:buNone/>
-            </a:pPr>
-            <a:endParaRPr lang="en-GB" sz="3800" dirty="0">
-              <a:solidFill>
-                <a:schemeClr val="bg2">
-                  <a:lumMod val="25000"/>
-                </a:schemeClr>
-              </a:solidFill>
-              <a:latin typeface="Segoe UI Light" panose="020B0502040204020203" pitchFamily="34" charset="0"/>
-              <a:cs typeface="Segoe UI Light" panose="020B0502040204020203" pitchFamily="34" charset="0"/>
-            </a:endParaRPr>
-          </a:p>
-        </p:txBody>
-      </p:sp>
-    </p:spTree>
-    <p:extLst>
-      <p:ext uri="{BB962C8B-B14F-4D97-AF65-F5344CB8AC3E}">
-        <p14:creationId xmlns:p14="http://schemas.microsoft.com/office/powerpoint/2010/main" val="289668662"/>
-      </p:ext>
-    </p:extLst>
-  </p:cSld>
-  <p:clrMapOvr>
-    <a:masterClrMapping/>
-  </p:clrMapOvr>
-</p:sld>
-</file>
-
 <file path=ppt/slides/slide3.xml><?xml version="1.0" encoding="utf-8"?>
 <p:sld xmlns:a="http://schemas.openxmlformats.org/drawingml/2006/main" xmlns:r="http://schemas.openxmlformats.org/officeDocument/2006/relationships" xmlns:p="http://schemas.openxmlformats.org/presentationml/2006/main">
   <p:cSld>
@@ -17038,6 +16720,388 @@
 </file>
 
 <file path=ppt/slides/slide30.xml><?xml version="1.0" encoding="utf-8"?>
+<p:sld xmlns:a="http://schemas.openxmlformats.org/drawingml/2006/main" xmlns:r="http://schemas.openxmlformats.org/officeDocument/2006/relationships" xmlns:p="http://schemas.openxmlformats.org/presentationml/2006/main">
+  <p:cSld>
+    <p:spTree>
+      <p:nvGrpSpPr>
+        <p:cNvPr id="1" name=""/>
+        <p:cNvGrpSpPr/>
+        <p:nvPr/>
+      </p:nvGrpSpPr>
+      <p:grpSpPr>
+        <a:xfrm>
+          <a:off x="0" y="0"/>
+          <a:ext cx="0" cy="0"/>
+          <a:chOff x="0" y="0"/>
+          <a:chExt cx="0" cy="0"/>
+        </a:xfrm>
+      </p:grpSpPr>
+      <p:sp>
+        <p:nvSpPr>
+          <p:cNvPr id="4" name="Title 3"/>
+          <p:cNvSpPr>
+            <a:spLocks noGrp="1"/>
+          </p:cNvSpPr>
+          <p:nvPr>
+            <p:ph type="title"/>
+          </p:nvPr>
+        </p:nvSpPr>
+        <p:spPr>
+          <a:xfrm>
+            <a:off x="541609" y="426301"/>
+            <a:ext cx="8578726" cy="749992"/>
+          </a:xfrm>
+        </p:spPr>
+        <p:txBody>
+          <a:bodyPr>
+            <a:noAutofit/>
+          </a:bodyPr>
+          <a:lstStyle/>
+          <a:p>
+            <a:r>
+              <a:rPr lang="en-US" sz="4000" dirty="0">
+                <a:latin typeface="Segoe UI Light" panose="020B0502040204020203" pitchFamily="34" charset="0"/>
+                <a:cs typeface="Segoe UI Light" panose="020B0502040204020203" pitchFamily="34" charset="0"/>
+              </a:rPr>
+              <a:t>How to use</a:t>
+            </a:r>
+          </a:p>
+        </p:txBody>
+      </p:sp>
+      <p:sp>
+        <p:nvSpPr>
+          <p:cNvPr id="25" name="Content Placeholder 17"/>
+          <p:cNvSpPr txBox="1">
+            <a:spLocks/>
+          </p:cNvSpPr>
+          <p:nvPr/>
+        </p:nvSpPr>
+        <p:spPr>
+          <a:xfrm>
+            <a:off x="541609" y="1455491"/>
+            <a:ext cx="5110161" cy="471149"/>
+          </a:xfrm>
+          <a:prstGeom prst="rect">
+            <a:avLst/>
+          </a:prstGeom>
+        </p:spPr>
+        <p:txBody>
+          <a:bodyPr vert="horz" lIns="91440" tIns="45720" rIns="91440" bIns="45720" rtlCol="0">
+            <a:normAutofit/>
+          </a:bodyPr>
+          <a:lstStyle>
+            <a:lvl1pPr marL="228600" indent="-228600" algn="l" defTabSz="914400" rtl="0" eaLnBrk="1" latinLnBrk="0" hangingPunct="1">
+              <a:lnSpc>
+                <a:spcPts val="1800"/>
+              </a:lnSpc>
+              <a:spcBef>
+                <a:spcPts val="1000"/>
+              </a:spcBef>
+              <a:spcAft>
+                <a:spcPts val="1000"/>
+              </a:spcAft>
+              <a:buFont typeface="Arial" panose="020B0604020202020204" pitchFamily="34" charset="0"/>
+              <a:buChar char="•"/>
+              <a:defRPr lang="en-US" sz="1200" kern="1200" smtClean="0">
+                <a:solidFill>
+                  <a:schemeClr val="tx1">
+                    <a:lumMod val="75000"/>
+                    <a:lumOff val="25000"/>
+                  </a:schemeClr>
+                </a:solidFill>
+                <a:latin typeface="+mn-lt"/>
+                <a:ea typeface="+mn-ea"/>
+                <a:cs typeface="+mn-cs"/>
+              </a:defRPr>
+            </a:lvl1pPr>
+            <a:lvl2pPr marL="685800" indent="-228600" algn="l" defTabSz="914400" rtl="0" eaLnBrk="1" latinLnBrk="0" hangingPunct="1">
+              <a:lnSpc>
+                <a:spcPts val="1800"/>
+              </a:lnSpc>
+              <a:spcBef>
+                <a:spcPts val="1000"/>
+              </a:spcBef>
+              <a:spcAft>
+                <a:spcPts val="1000"/>
+              </a:spcAft>
+              <a:buFont typeface="Arial" panose="020B0604020202020204" pitchFamily="34" charset="0"/>
+              <a:buChar char="•"/>
+              <a:defRPr lang="en-US" sz="1200" kern="1200" smtClean="0">
+                <a:solidFill>
+                  <a:schemeClr val="tx1">
+                    <a:lumMod val="75000"/>
+                    <a:lumOff val="25000"/>
+                  </a:schemeClr>
+                </a:solidFill>
+                <a:latin typeface="+mn-lt"/>
+                <a:ea typeface="+mn-ea"/>
+                <a:cs typeface="+mn-cs"/>
+              </a:defRPr>
+            </a:lvl2pPr>
+            <a:lvl3pPr marL="1143000" indent="-228600" algn="l" defTabSz="914400" rtl="0" eaLnBrk="1" latinLnBrk="0" hangingPunct="1">
+              <a:lnSpc>
+                <a:spcPts val="1800"/>
+              </a:lnSpc>
+              <a:spcBef>
+                <a:spcPts val="1000"/>
+              </a:spcBef>
+              <a:spcAft>
+                <a:spcPts val="1000"/>
+              </a:spcAft>
+              <a:buFont typeface="Arial" panose="020B0604020202020204" pitchFamily="34" charset="0"/>
+              <a:buChar char="•"/>
+              <a:defRPr lang="en-US" sz="1200" kern="1200" smtClean="0">
+                <a:solidFill>
+                  <a:schemeClr val="tx1">
+                    <a:lumMod val="75000"/>
+                    <a:lumOff val="25000"/>
+                  </a:schemeClr>
+                </a:solidFill>
+                <a:latin typeface="+mn-lt"/>
+                <a:ea typeface="+mn-ea"/>
+                <a:cs typeface="+mn-cs"/>
+              </a:defRPr>
+            </a:lvl3pPr>
+            <a:lvl4pPr marL="1600200" indent="-228600" algn="l" defTabSz="914400" rtl="0" eaLnBrk="1" latinLnBrk="0" hangingPunct="1">
+              <a:lnSpc>
+                <a:spcPts val="1800"/>
+              </a:lnSpc>
+              <a:spcBef>
+                <a:spcPts val="1000"/>
+              </a:spcBef>
+              <a:spcAft>
+                <a:spcPts val="1000"/>
+              </a:spcAft>
+              <a:buFont typeface="Arial" panose="020B0604020202020204" pitchFamily="34" charset="0"/>
+              <a:buChar char="•"/>
+              <a:defRPr lang="en-US" sz="1200" kern="1200" smtClean="0">
+                <a:solidFill>
+                  <a:schemeClr val="tx1">
+                    <a:lumMod val="75000"/>
+                    <a:lumOff val="25000"/>
+                  </a:schemeClr>
+                </a:solidFill>
+                <a:latin typeface="+mn-lt"/>
+                <a:ea typeface="+mn-ea"/>
+                <a:cs typeface="+mn-cs"/>
+              </a:defRPr>
+            </a:lvl4pPr>
+            <a:lvl5pPr marL="2057400" indent="-228600" algn="l" defTabSz="914400" rtl="0" eaLnBrk="1" latinLnBrk="0" hangingPunct="1">
+              <a:lnSpc>
+                <a:spcPts val="1800"/>
+              </a:lnSpc>
+              <a:spcBef>
+                <a:spcPts val="1000"/>
+              </a:spcBef>
+              <a:spcAft>
+                <a:spcPts val="1000"/>
+              </a:spcAft>
+              <a:buFont typeface="Arial" panose="020B0604020202020204" pitchFamily="34" charset="0"/>
+              <a:buChar char="•"/>
+              <a:defRPr lang="en-US" sz="1200" kern="1200">
+                <a:solidFill>
+                  <a:schemeClr val="tx1">
+                    <a:lumMod val="75000"/>
+                    <a:lumOff val="25000"/>
+                  </a:schemeClr>
+                </a:solidFill>
+                <a:latin typeface="+mn-lt"/>
+                <a:ea typeface="+mn-ea"/>
+                <a:cs typeface="+mn-cs"/>
+              </a:defRPr>
+            </a:lvl5pPr>
+            <a:lvl6pPr marL="2514600" indent="-228600" algn="l" defTabSz="914400" rtl="0" eaLnBrk="1" latinLnBrk="0" hangingPunct="1">
+              <a:lnSpc>
+                <a:spcPct val="90000"/>
+              </a:lnSpc>
+              <a:spcBef>
+                <a:spcPct val="30000"/>
+              </a:spcBef>
+              <a:buFont typeface="Arial" panose="020B0604020202020204" pitchFamily="34" charset="0"/>
+              <a:buChar char="•"/>
+              <a:defRPr sz="1800" kern="1200">
+                <a:solidFill>
+                  <a:schemeClr val="tx1"/>
+                </a:solidFill>
+                <a:latin typeface="+mn-lt"/>
+                <a:ea typeface="+mn-ea"/>
+                <a:cs typeface="+mn-cs"/>
+              </a:defRPr>
+            </a:lvl6pPr>
+            <a:lvl7pPr marL="2971800" indent="-228600" algn="l" defTabSz="914400" rtl="0" eaLnBrk="1" latinLnBrk="0" hangingPunct="1">
+              <a:lnSpc>
+                <a:spcPct val="90000"/>
+              </a:lnSpc>
+              <a:spcBef>
+                <a:spcPct val="30000"/>
+              </a:spcBef>
+              <a:buFont typeface="Arial" panose="020B0604020202020204" pitchFamily="34" charset="0"/>
+              <a:buChar char="•"/>
+              <a:defRPr sz="1800" kern="1200">
+                <a:solidFill>
+                  <a:schemeClr val="tx1"/>
+                </a:solidFill>
+                <a:latin typeface="+mn-lt"/>
+                <a:ea typeface="+mn-ea"/>
+                <a:cs typeface="+mn-cs"/>
+              </a:defRPr>
+            </a:lvl7pPr>
+            <a:lvl8pPr marL="3429000" indent="-228600" algn="l" defTabSz="914400" rtl="0" eaLnBrk="1" latinLnBrk="0" hangingPunct="1">
+              <a:lnSpc>
+                <a:spcPct val="90000"/>
+              </a:lnSpc>
+              <a:spcBef>
+                <a:spcPct val="30000"/>
+              </a:spcBef>
+              <a:buFont typeface="Arial" panose="020B0604020202020204" pitchFamily="34" charset="0"/>
+              <a:buChar char="•"/>
+              <a:defRPr sz="1800" kern="1200">
+                <a:solidFill>
+                  <a:schemeClr val="tx1"/>
+                </a:solidFill>
+                <a:latin typeface="+mn-lt"/>
+                <a:ea typeface="+mn-ea"/>
+                <a:cs typeface="+mn-cs"/>
+              </a:defRPr>
+            </a:lvl8pPr>
+            <a:lvl9pPr marL="3886200" indent="-228600" algn="l" defTabSz="914400" rtl="0" eaLnBrk="1" latinLnBrk="0" hangingPunct="1">
+              <a:lnSpc>
+                <a:spcPct val="90000"/>
+              </a:lnSpc>
+              <a:spcBef>
+                <a:spcPct val="30000"/>
+              </a:spcBef>
+              <a:buFont typeface="Arial" panose="020B0604020202020204" pitchFamily="34" charset="0"/>
+              <a:buChar char="•"/>
+              <a:defRPr sz="1800" kern="1200">
+                <a:solidFill>
+                  <a:schemeClr val="tx1"/>
+                </a:solidFill>
+                <a:latin typeface="+mn-lt"/>
+                <a:ea typeface="+mn-ea"/>
+                <a:cs typeface="+mn-cs"/>
+              </a:defRPr>
+            </a:lvl9pPr>
+          </a:lstStyle>
+          <a:p>
+            <a:pPr marL="0" indent="0">
+              <a:spcAft>
+                <a:spcPts val="2000"/>
+              </a:spcAft>
+              <a:buNone/>
+            </a:pPr>
+            <a:endParaRPr lang="en-US" sz="1800" dirty="0">
+              <a:latin typeface="Segoe UI" panose="020B0502040204020203" pitchFamily="34" charset="0"/>
+              <a:cs typeface="Segoe UI" panose="020B0502040204020203" pitchFamily="34" charset="0"/>
+            </a:endParaRPr>
+          </a:p>
+        </p:txBody>
+      </p:sp>
+      <p:sp>
+        <p:nvSpPr>
+          <p:cNvPr id="8" name="TextBox 7">
+            <a:extLst>
+              <a:ext uri="{FF2B5EF4-FFF2-40B4-BE49-F238E27FC236}">
+                <a16:creationId xmlns:a16="http://schemas.microsoft.com/office/drawing/2014/main" id="{D4329088-EA16-420B-B145-A30265C6D3B4}"/>
+              </a:ext>
+            </a:extLst>
+          </p:cNvPr>
+          <p:cNvSpPr txBox="1"/>
+          <p:nvPr/>
+        </p:nvSpPr>
+        <p:spPr>
+          <a:xfrm>
+            <a:off x="541609" y="1691065"/>
+            <a:ext cx="10971964" cy="4185761"/>
+          </a:xfrm>
+          <a:prstGeom prst="rect">
+            <a:avLst/>
+          </a:prstGeom>
+          <a:noFill/>
+        </p:spPr>
+        <p:txBody>
+          <a:bodyPr wrap="square">
+            <a:spAutoFit/>
+          </a:bodyPr>
+          <a:lstStyle/>
+          <a:p>
+            <a:pPr marL="457200" lvl="1" indent="0">
+              <a:buNone/>
+            </a:pPr>
+            <a:r>
+              <a:rPr lang="en-GB" sz="3800" dirty="0">
+                <a:solidFill>
+                  <a:schemeClr val="bg2">
+                    <a:lumMod val="25000"/>
+                  </a:schemeClr>
+                </a:solidFill>
+                <a:latin typeface="Segoe UI Light" panose="020B0502040204020203" pitchFamily="34" charset="0"/>
+                <a:cs typeface="Segoe UI Light" panose="020B0502040204020203" pitchFamily="34" charset="0"/>
+              </a:rPr>
+              <a:t>NB Methods and properties on components can be directly accessed. </a:t>
+            </a:r>
+          </a:p>
+          <a:p>
+            <a:pPr marL="457200" lvl="1" indent="0">
+              <a:buNone/>
+            </a:pPr>
+            <a:endParaRPr lang="en-GB" sz="3800" dirty="0">
+              <a:solidFill>
+                <a:schemeClr val="bg2">
+                  <a:lumMod val="25000"/>
+                </a:schemeClr>
+              </a:solidFill>
+              <a:latin typeface="Segoe UI Light" panose="020B0502040204020203" pitchFamily="34" charset="0"/>
+              <a:cs typeface="Segoe UI Light" panose="020B0502040204020203" pitchFamily="34" charset="0"/>
+            </a:endParaRPr>
+          </a:p>
+          <a:p>
+            <a:pPr marL="457200" lvl="1" indent="0">
+              <a:buNone/>
+            </a:pPr>
+            <a:r>
+              <a:rPr lang="en-GB" sz="3800" dirty="0">
+                <a:solidFill>
+                  <a:schemeClr val="bg2">
+                    <a:lumMod val="25000"/>
+                  </a:schemeClr>
+                </a:solidFill>
+                <a:latin typeface="Segoe UI Light" panose="020B0502040204020203" pitchFamily="34" charset="0"/>
+                <a:cs typeface="Segoe UI Light" panose="020B0502040204020203" pitchFamily="34" charset="0"/>
+              </a:rPr>
+              <a:t>This would be a design choice as components tend to use props down events up, rather than sibling to sibling.</a:t>
+            </a:r>
+          </a:p>
+          <a:p>
+            <a:pPr marL="457200" lvl="1" indent="0">
+              <a:buNone/>
+            </a:pPr>
+            <a:endParaRPr lang="en-GB" sz="3800" dirty="0">
+              <a:solidFill>
+                <a:schemeClr val="bg2">
+                  <a:lumMod val="25000"/>
+                </a:schemeClr>
+              </a:solidFill>
+              <a:latin typeface="Segoe UI Light" panose="020B0502040204020203" pitchFamily="34" charset="0"/>
+              <a:cs typeface="Segoe UI Light" panose="020B0502040204020203" pitchFamily="34" charset="0"/>
+            </a:endParaRPr>
+          </a:p>
+        </p:txBody>
+      </p:sp>
+    </p:spTree>
+    <p:extLst>
+      <p:ext uri="{BB962C8B-B14F-4D97-AF65-F5344CB8AC3E}">
+        <p14:creationId xmlns:p14="http://schemas.microsoft.com/office/powerpoint/2010/main" val="289668662"/>
+      </p:ext>
+    </p:extLst>
+  </p:cSld>
+  <p:clrMapOvr>
+    <a:masterClrMapping/>
+  </p:clrMapOvr>
+</p:sld>
+</file>
+
+<file path=ppt/slides/slide31.xml><?xml version="1.0" encoding="utf-8"?>
 <p:sld xmlns:a="http://schemas.openxmlformats.org/drawingml/2006/main" xmlns:r="http://schemas.openxmlformats.org/officeDocument/2006/relationships" xmlns:p="http://schemas.openxmlformats.org/presentationml/2006/main">
   <p:cSld>
     <p:spTree>
@@ -17435,7 +17499,7 @@
 </p:sld>
 </file>
 
-<file path=ppt/slides/slide31.xml><?xml version="1.0" encoding="utf-8"?>
+<file path=ppt/slides/slide32.xml><?xml version="1.0" encoding="utf-8"?>
 <p:sld xmlns:a="http://schemas.openxmlformats.org/drawingml/2006/main" xmlns:r="http://schemas.openxmlformats.org/officeDocument/2006/relationships" xmlns:p="http://schemas.openxmlformats.org/presentationml/2006/main">
   <p:cSld>
     <p:spTree>
@@ -18516,7 +18580,7 @@
 </p:sld>
 </file>
 
-<file path=ppt/slides/slide32.xml><?xml version="1.0" encoding="utf-8"?>
+<file path=ppt/slides/slide33.xml><?xml version="1.0" encoding="utf-8"?>
 <p:sld xmlns:a="http://schemas.openxmlformats.org/drawingml/2006/main" xmlns:r="http://schemas.openxmlformats.org/officeDocument/2006/relationships" xmlns:p="http://schemas.openxmlformats.org/presentationml/2006/main">
   <p:cSld>
     <p:spTree>
@@ -19081,7 +19145,7 @@
 </p:sld>
 </file>
 
-<file path=ppt/slides/slide33.xml><?xml version="1.0" encoding="utf-8"?>
+<file path=ppt/slides/slide34.xml><?xml version="1.0" encoding="utf-8"?>
 <p:sld xmlns:a="http://schemas.openxmlformats.org/drawingml/2006/main" xmlns:r="http://schemas.openxmlformats.org/officeDocument/2006/relationships" xmlns:p="http://schemas.openxmlformats.org/presentationml/2006/main">
   <p:cSld>
     <p:spTree>
@@ -19494,7 +19558,7 @@
 </p:sld>
 </file>
 
-<file path=ppt/slides/slide34.xml><?xml version="1.0" encoding="utf-8"?>
+<file path=ppt/slides/slide35.xml><?xml version="1.0" encoding="utf-8"?>
 <p:sld xmlns:a="http://schemas.openxmlformats.org/drawingml/2006/main" xmlns:r="http://schemas.openxmlformats.org/officeDocument/2006/relationships" xmlns:p="http://schemas.openxmlformats.org/presentationml/2006/main">
   <p:cSld>
     <p:spTree>
@@ -19819,7 +19883,7 @@
 </p:sld>
 </file>
 
-<file path=ppt/slides/slide35.xml><?xml version="1.0" encoding="utf-8"?>
+<file path=ppt/slides/slide36.xml><?xml version="1.0" encoding="utf-8"?>
 <p:sld xmlns:a="http://schemas.openxmlformats.org/drawingml/2006/main" xmlns:r="http://schemas.openxmlformats.org/officeDocument/2006/relationships" xmlns:p="http://schemas.openxmlformats.org/presentationml/2006/main">
   <p:cSld>
     <p:spTree>
@@ -20217,7 +20281,7 @@
 </p:sld>
 </file>
 
-<file path=ppt/slides/slide36.xml><?xml version="1.0" encoding="utf-8"?>
+<file path=ppt/slides/slide37.xml><?xml version="1.0" encoding="utf-8"?>
 <p:sld xmlns:a="http://schemas.openxmlformats.org/drawingml/2006/main" xmlns:r="http://schemas.openxmlformats.org/officeDocument/2006/relationships" xmlns:p="http://schemas.openxmlformats.org/presentationml/2006/main">
   <p:cSld>
     <p:spTree>
@@ -20630,7 +20694,7 @@
 </p:sld>
 </file>
 
-<file path=ppt/slides/slide37.xml><?xml version="1.0" encoding="utf-8"?>
+<file path=ppt/slides/slide38.xml><?xml version="1.0" encoding="utf-8"?>
 <p:sld xmlns:a="http://schemas.openxmlformats.org/drawingml/2006/main" xmlns:r="http://schemas.openxmlformats.org/officeDocument/2006/relationships" xmlns:p="http://schemas.openxmlformats.org/presentationml/2006/main">
   <p:cSld>
     <p:spTree>
@@ -21442,7 +21506,7 @@
 </p:sld>
 </file>
 
-<file path=ppt/slides/slide38.xml><?xml version="1.0" encoding="utf-8"?>
+<file path=ppt/slides/slide39.xml><?xml version="1.0" encoding="utf-8"?>
 <p:sld xmlns:a="http://schemas.openxmlformats.org/drawingml/2006/main" xmlns:r="http://schemas.openxmlformats.org/officeDocument/2006/relationships" xmlns:p="http://schemas.openxmlformats.org/presentationml/2006/main">
   <p:cSld>
     <p:spTree>
@@ -22069,388 +22133,6 @@
     <p:extLst>
       <p:ext uri="{BB962C8B-B14F-4D97-AF65-F5344CB8AC3E}">
         <p14:creationId xmlns:p14="http://schemas.microsoft.com/office/powerpoint/2010/main" val="3760473997"/>
-      </p:ext>
-    </p:extLst>
-  </p:cSld>
-  <p:clrMapOvr>
-    <a:masterClrMapping/>
-  </p:clrMapOvr>
-</p:sld>
-</file>
-
-<file path=ppt/slides/slide39.xml><?xml version="1.0" encoding="utf-8"?>
-<p:sld xmlns:a="http://schemas.openxmlformats.org/drawingml/2006/main" xmlns:r="http://schemas.openxmlformats.org/officeDocument/2006/relationships" xmlns:p="http://schemas.openxmlformats.org/presentationml/2006/main">
-  <p:cSld>
-    <p:spTree>
-      <p:nvGrpSpPr>
-        <p:cNvPr id="1" name=""/>
-        <p:cNvGrpSpPr/>
-        <p:nvPr/>
-      </p:nvGrpSpPr>
-      <p:grpSpPr>
-        <a:xfrm>
-          <a:off x="0" y="0"/>
-          <a:ext cx="0" cy="0"/>
-          <a:chOff x="0" y="0"/>
-          <a:chExt cx="0" cy="0"/>
-        </a:xfrm>
-      </p:grpSpPr>
-      <p:sp>
-        <p:nvSpPr>
-          <p:cNvPr id="4" name="Title 3"/>
-          <p:cNvSpPr>
-            <a:spLocks noGrp="1"/>
-          </p:cNvSpPr>
-          <p:nvPr>
-            <p:ph type="title"/>
-          </p:nvPr>
-        </p:nvSpPr>
-        <p:spPr>
-          <a:xfrm>
-            <a:off x="541609" y="426301"/>
-            <a:ext cx="8578726" cy="749992"/>
-          </a:xfrm>
-        </p:spPr>
-        <p:txBody>
-          <a:bodyPr>
-            <a:noAutofit/>
-          </a:bodyPr>
-          <a:lstStyle/>
-          <a:p>
-            <a:r>
-              <a:rPr lang="en-US" sz="4000" dirty="0">
-                <a:latin typeface="Segoe UI Light" panose="020B0502040204020203" pitchFamily="34" charset="0"/>
-                <a:cs typeface="Segoe UI Light" panose="020B0502040204020203" pitchFamily="34" charset="0"/>
-              </a:rPr>
-              <a:t>Types of Web Components</a:t>
-            </a:r>
-          </a:p>
-        </p:txBody>
-      </p:sp>
-      <p:sp>
-        <p:nvSpPr>
-          <p:cNvPr id="25" name="Content Placeholder 17"/>
-          <p:cNvSpPr txBox="1">
-            <a:spLocks/>
-          </p:cNvSpPr>
-          <p:nvPr/>
-        </p:nvSpPr>
-        <p:spPr>
-          <a:xfrm>
-            <a:off x="678427" y="1330374"/>
-            <a:ext cx="5110161" cy="471149"/>
-          </a:xfrm>
-          <a:prstGeom prst="rect">
-            <a:avLst/>
-          </a:prstGeom>
-        </p:spPr>
-        <p:txBody>
-          <a:bodyPr vert="horz" lIns="91440" tIns="45720" rIns="91440" bIns="45720" rtlCol="0">
-            <a:normAutofit/>
-          </a:bodyPr>
-          <a:lstStyle>
-            <a:lvl1pPr marL="228600" indent="-228600" algn="l" defTabSz="914400" rtl="0" eaLnBrk="1" latinLnBrk="0" hangingPunct="1">
-              <a:lnSpc>
-                <a:spcPts val="1800"/>
-              </a:lnSpc>
-              <a:spcBef>
-                <a:spcPts val="1000"/>
-              </a:spcBef>
-              <a:spcAft>
-                <a:spcPts val="1000"/>
-              </a:spcAft>
-              <a:buFont typeface="Arial" panose="020B0604020202020204" pitchFamily="34" charset="0"/>
-              <a:buChar char="•"/>
-              <a:defRPr lang="en-US" sz="1200" kern="1200" smtClean="0">
-                <a:solidFill>
-                  <a:schemeClr val="tx1">
-                    <a:lumMod val="75000"/>
-                    <a:lumOff val="25000"/>
-                  </a:schemeClr>
-                </a:solidFill>
-                <a:latin typeface="+mn-lt"/>
-                <a:ea typeface="+mn-ea"/>
-                <a:cs typeface="+mn-cs"/>
-              </a:defRPr>
-            </a:lvl1pPr>
-            <a:lvl2pPr marL="685800" indent="-228600" algn="l" defTabSz="914400" rtl="0" eaLnBrk="1" latinLnBrk="0" hangingPunct="1">
-              <a:lnSpc>
-                <a:spcPts val="1800"/>
-              </a:lnSpc>
-              <a:spcBef>
-                <a:spcPts val="1000"/>
-              </a:spcBef>
-              <a:spcAft>
-                <a:spcPts val="1000"/>
-              </a:spcAft>
-              <a:buFont typeface="Arial" panose="020B0604020202020204" pitchFamily="34" charset="0"/>
-              <a:buChar char="•"/>
-              <a:defRPr lang="en-US" sz="1200" kern="1200" smtClean="0">
-                <a:solidFill>
-                  <a:schemeClr val="tx1">
-                    <a:lumMod val="75000"/>
-                    <a:lumOff val="25000"/>
-                  </a:schemeClr>
-                </a:solidFill>
-                <a:latin typeface="+mn-lt"/>
-                <a:ea typeface="+mn-ea"/>
-                <a:cs typeface="+mn-cs"/>
-              </a:defRPr>
-            </a:lvl2pPr>
-            <a:lvl3pPr marL="1143000" indent="-228600" algn="l" defTabSz="914400" rtl="0" eaLnBrk="1" latinLnBrk="0" hangingPunct="1">
-              <a:lnSpc>
-                <a:spcPts val="1800"/>
-              </a:lnSpc>
-              <a:spcBef>
-                <a:spcPts val="1000"/>
-              </a:spcBef>
-              <a:spcAft>
-                <a:spcPts val="1000"/>
-              </a:spcAft>
-              <a:buFont typeface="Arial" panose="020B0604020202020204" pitchFamily="34" charset="0"/>
-              <a:buChar char="•"/>
-              <a:defRPr lang="en-US" sz="1200" kern="1200" smtClean="0">
-                <a:solidFill>
-                  <a:schemeClr val="tx1">
-                    <a:lumMod val="75000"/>
-                    <a:lumOff val="25000"/>
-                  </a:schemeClr>
-                </a:solidFill>
-                <a:latin typeface="+mn-lt"/>
-                <a:ea typeface="+mn-ea"/>
-                <a:cs typeface="+mn-cs"/>
-              </a:defRPr>
-            </a:lvl3pPr>
-            <a:lvl4pPr marL="1600200" indent="-228600" algn="l" defTabSz="914400" rtl="0" eaLnBrk="1" latinLnBrk="0" hangingPunct="1">
-              <a:lnSpc>
-                <a:spcPts val="1800"/>
-              </a:lnSpc>
-              <a:spcBef>
-                <a:spcPts val="1000"/>
-              </a:spcBef>
-              <a:spcAft>
-                <a:spcPts val="1000"/>
-              </a:spcAft>
-              <a:buFont typeface="Arial" panose="020B0604020202020204" pitchFamily="34" charset="0"/>
-              <a:buChar char="•"/>
-              <a:defRPr lang="en-US" sz="1200" kern="1200" smtClean="0">
-                <a:solidFill>
-                  <a:schemeClr val="tx1">
-                    <a:lumMod val="75000"/>
-                    <a:lumOff val="25000"/>
-                  </a:schemeClr>
-                </a:solidFill>
-                <a:latin typeface="+mn-lt"/>
-                <a:ea typeface="+mn-ea"/>
-                <a:cs typeface="+mn-cs"/>
-              </a:defRPr>
-            </a:lvl4pPr>
-            <a:lvl5pPr marL="2057400" indent="-228600" algn="l" defTabSz="914400" rtl="0" eaLnBrk="1" latinLnBrk="0" hangingPunct="1">
-              <a:lnSpc>
-                <a:spcPts val="1800"/>
-              </a:lnSpc>
-              <a:spcBef>
-                <a:spcPts val="1000"/>
-              </a:spcBef>
-              <a:spcAft>
-                <a:spcPts val="1000"/>
-              </a:spcAft>
-              <a:buFont typeface="Arial" panose="020B0604020202020204" pitchFamily="34" charset="0"/>
-              <a:buChar char="•"/>
-              <a:defRPr lang="en-US" sz="1200" kern="1200">
-                <a:solidFill>
-                  <a:schemeClr val="tx1">
-                    <a:lumMod val="75000"/>
-                    <a:lumOff val="25000"/>
-                  </a:schemeClr>
-                </a:solidFill>
-                <a:latin typeface="+mn-lt"/>
-                <a:ea typeface="+mn-ea"/>
-                <a:cs typeface="+mn-cs"/>
-              </a:defRPr>
-            </a:lvl5pPr>
-            <a:lvl6pPr marL="2514600" indent="-228600" algn="l" defTabSz="914400" rtl="0" eaLnBrk="1" latinLnBrk="0" hangingPunct="1">
-              <a:lnSpc>
-                <a:spcPct val="90000"/>
-              </a:lnSpc>
-              <a:spcBef>
-                <a:spcPct val="30000"/>
-              </a:spcBef>
-              <a:buFont typeface="Arial" panose="020B0604020202020204" pitchFamily="34" charset="0"/>
-              <a:buChar char="•"/>
-              <a:defRPr sz="1800" kern="1200">
-                <a:solidFill>
-                  <a:schemeClr val="tx1"/>
-                </a:solidFill>
-                <a:latin typeface="+mn-lt"/>
-                <a:ea typeface="+mn-ea"/>
-                <a:cs typeface="+mn-cs"/>
-              </a:defRPr>
-            </a:lvl6pPr>
-            <a:lvl7pPr marL="2971800" indent="-228600" algn="l" defTabSz="914400" rtl="0" eaLnBrk="1" latinLnBrk="0" hangingPunct="1">
-              <a:lnSpc>
-                <a:spcPct val="90000"/>
-              </a:lnSpc>
-              <a:spcBef>
-                <a:spcPct val="30000"/>
-              </a:spcBef>
-              <a:buFont typeface="Arial" panose="020B0604020202020204" pitchFamily="34" charset="0"/>
-              <a:buChar char="•"/>
-              <a:defRPr sz="1800" kern="1200">
-                <a:solidFill>
-                  <a:schemeClr val="tx1"/>
-                </a:solidFill>
-                <a:latin typeface="+mn-lt"/>
-                <a:ea typeface="+mn-ea"/>
-                <a:cs typeface="+mn-cs"/>
-              </a:defRPr>
-            </a:lvl7pPr>
-            <a:lvl8pPr marL="3429000" indent="-228600" algn="l" defTabSz="914400" rtl="0" eaLnBrk="1" latinLnBrk="0" hangingPunct="1">
-              <a:lnSpc>
-                <a:spcPct val="90000"/>
-              </a:lnSpc>
-              <a:spcBef>
-                <a:spcPct val="30000"/>
-              </a:spcBef>
-              <a:buFont typeface="Arial" panose="020B0604020202020204" pitchFamily="34" charset="0"/>
-              <a:buChar char="•"/>
-              <a:defRPr sz="1800" kern="1200">
-                <a:solidFill>
-                  <a:schemeClr val="tx1"/>
-                </a:solidFill>
-                <a:latin typeface="+mn-lt"/>
-                <a:ea typeface="+mn-ea"/>
-                <a:cs typeface="+mn-cs"/>
-              </a:defRPr>
-            </a:lvl8pPr>
-            <a:lvl9pPr marL="3886200" indent="-228600" algn="l" defTabSz="914400" rtl="0" eaLnBrk="1" latinLnBrk="0" hangingPunct="1">
-              <a:lnSpc>
-                <a:spcPct val="90000"/>
-              </a:lnSpc>
-              <a:spcBef>
-                <a:spcPct val="30000"/>
-              </a:spcBef>
-              <a:buFont typeface="Arial" panose="020B0604020202020204" pitchFamily="34" charset="0"/>
-              <a:buChar char="•"/>
-              <a:defRPr sz="1800" kern="1200">
-                <a:solidFill>
-                  <a:schemeClr val="tx1"/>
-                </a:solidFill>
-                <a:latin typeface="+mn-lt"/>
-                <a:ea typeface="+mn-ea"/>
-                <a:cs typeface="+mn-cs"/>
-              </a:defRPr>
-            </a:lvl9pPr>
-          </a:lstStyle>
-          <a:p>
-            <a:pPr marL="0" indent="0">
-              <a:spcAft>
-                <a:spcPts val="2000"/>
-              </a:spcAft>
-              <a:buNone/>
-            </a:pPr>
-            <a:endParaRPr lang="en-US" sz="1800" dirty="0">
-              <a:latin typeface="Segoe UI" panose="020B0502040204020203" pitchFamily="34" charset="0"/>
-              <a:cs typeface="Segoe UI" panose="020B0502040204020203" pitchFamily="34" charset="0"/>
-            </a:endParaRPr>
-          </a:p>
-        </p:txBody>
-      </p:sp>
-      <p:sp>
-        <p:nvSpPr>
-          <p:cNvPr id="8" name="TextBox 7">
-            <a:extLst>
-              <a:ext uri="{FF2B5EF4-FFF2-40B4-BE49-F238E27FC236}">
-                <a16:creationId xmlns:a16="http://schemas.microsoft.com/office/drawing/2014/main" id="{D4329088-EA16-420B-B145-A30265C6D3B4}"/>
-              </a:ext>
-            </a:extLst>
-          </p:cNvPr>
-          <p:cNvSpPr txBox="1"/>
-          <p:nvPr/>
-        </p:nvSpPr>
-        <p:spPr>
-          <a:xfrm>
-            <a:off x="541609" y="1691065"/>
-            <a:ext cx="10971964" cy="4185761"/>
-          </a:xfrm>
-          <a:prstGeom prst="rect">
-            <a:avLst/>
-          </a:prstGeom>
-          <a:noFill/>
-        </p:spPr>
-        <p:txBody>
-          <a:bodyPr wrap="square">
-            <a:spAutoFit/>
-          </a:bodyPr>
-          <a:lstStyle/>
-          <a:p>
-            <a:pPr marL="457200" lvl="1" indent="0">
-              <a:buNone/>
-            </a:pPr>
-            <a:r>
-              <a:rPr lang="en-GB" sz="3800" dirty="0">
-                <a:solidFill>
-                  <a:schemeClr val="bg2">
-                    <a:lumMod val="25000"/>
-                  </a:schemeClr>
-                </a:solidFill>
-                <a:latin typeface="Segoe UI Light" panose="020B0502040204020203" pitchFamily="34" charset="0"/>
-                <a:cs typeface="Segoe UI Light" panose="020B0502040204020203" pitchFamily="34" charset="0"/>
-              </a:rPr>
-              <a:t>These are only limited by our use of JS as they are regular JS components.</a:t>
-            </a:r>
-          </a:p>
-          <a:p>
-            <a:pPr marL="457200" lvl="1" indent="0">
-              <a:buNone/>
-            </a:pPr>
-            <a:endParaRPr lang="en-GB" sz="3800" dirty="0">
-              <a:solidFill>
-                <a:schemeClr val="bg2">
-                  <a:lumMod val="25000"/>
-                </a:schemeClr>
-              </a:solidFill>
-              <a:latin typeface="Segoe UI Light" panose="020B0502040204020203" pitchFamily="34" charset="0"/>
-              <a:cs typeface="Segoe UI Light" panose="020B0502040204020203" pitchFamily="34" charset="0"/>
-            </a:endParaRPr>
-          </a:p>
-          <a:p>
-            <a:pPr marL="457200" lvl="1" indent="0">
-              <a:buNone/>
-            </a:pPr>
-            <a:r>
-              <a:rPr lang="en-GB" sz="3800" dirty="0">
-                <a:solidFill>
-                  <a:schemeClr val="bg2">
-                    <a:lumMod val="25000"/>
-                  </a:schemeClr>
-                </a:solidFill>
-                <a:latin typeface="Segoe UI Light" panose="020B0502040204020203" pitchFamily="34" charset="0"/>
-                <a:cs typeface="Segoe UI Light" panose="020B0502040204020203" pitchFamily="34" charset="0"/>
-              </a:rPr>
-              <a:t>We will look at couple of UI components and many more highly functional components that have built in functionality…</a:t>
-            </a:r>
-          </a:p>
-          <a:p>
-            <a:pPr marL="457200" lvl="1" indent="0">
-              <a:buNone/>
-            </a:pPr>
-            <a:endParaRPr lang="en-GB" sz="3800" dirty="0">
-              <a:solidFill>
-                <a:schemeClr val="bg2">
-                  <a:lumMod val="25000"/>
-                </a:schemeClr>
-              </a:solidFill>
-              <a:latin typeface="Segoe UI Light" panose="020B0502040204020203" pitchFamily="34" charset="0"/>
-              <a:cs typeface="Segoe UI Light" panose="020B0502040204020203" pitchFamily="34" charset="0"/>
-            </a:endParaRPr>
-          </a:p>
-        </p:txBody>
-      </p:sp>
-    </p:spTree>
-    <p:extLst>
-      <p:ext uri="{BB962C8B-B14F-4D97-AF65-F5344CB8AC3E}">
-        <p14:creationId xmlns:p14="http://schemas.microsoft.com/office/powerpoint/2010/main" val="2010978496"/>
       </p:ext>
     </p:extLst>
   </p:cSld>
@@ -23230,7 +22912,7 @@
         </p:nvSpPr>
         <p:spPr>
           <a:xfrm>
-            <a:off x="541609" y="1455491"/>
+            <a:off x="678427" y="1330374"/>
             <a:ext cx="5110161" cy="471149"/>
           </a:xfrm>
           <a:prstGeom prst="rect">
@@ -23463,8 +23145,8 @@
         </p:nvSpPr>
         <p:spPr>
           <a:xfrm>
-            <a:off x="541609" y="1012639"/>
-            <a:ext cx="10971964" cy="6524863"/>
+            <a:off x="541609" y="1691065"/>
+            <a:ext cx="10971964" cy="4185761"/>
           </a:xfrm>
           <a:prstGeom prst="rect">
             <a:avLst/>
@@ -23476,6 +23158,23 @@
             <a:spAutoFit/>
           </a:bodyPr>
           <a:lstStyle/>
+          <a:p>
+            <a:pPr marL="457200" lvl="1" indent="0">
+              <a:buNone/>
+            </a:pPr>
+            <a:r>
+              <a:rPr lang="en-GB" sz="3800" dirty="0">
+                <a:solidFill>
+                  <a:schemeClr val="bg2">
+                    <a:lumMod val="25000"/>
+                  </a:schemeClr>
+                </a:solidFill>
+                <a:latin typeface="Segoe UI Light" panose="020B0502040204020203" pitchFamily="34" charset="0"/>
+                <a:cs typeface="Segoe UI Light" panose="020B0502040204020203" pitchFamily="34" charset="0"/>
+              </a:rPr>
+              <a:t>These are only limited by our use of JS as they are regular JS components.</a:t>
+            </a:r>
+          </a:p>
           <a:p>
             <a:pPr marL="457200" lvl="1" indent="0">
               <a:buNone/>
@@ -23491,9 +23190,8 @@
             </a:endParaRPr>
           </a:p>
           <a:p>
-            <a:pPr marL="1028700" lvl="1" indent="-571500">
-              <a:buFont typeface="Arial" panose="020B0604020202020204" pitchFamily="34" charset="0"/>
-              <a:buChar char="•"/>
+            <a:pPr marL="457200" lvl="1" indent="0">
+              <a:buNone/>
             </a:pPr>
             <a:r>
               <a:rPr lang="en-GB" sz="3800" dirty="0">
@@ -23505,79 +23203,7 @@
                 <a:latin typeface="Segoe UI Light" panose="020B0502040204020203" pitchFamily="34" charset="0"/>
                 <a:cs typeface="Segoe UI Light" panose="020B0502040204020203" pitchFamily="34" charset="0"/>
               </a:rPr>
-              <a:t>Fetch requests.</a:t>
-            </a:r>
-          </a:p>
-          <a:p>
-            <a:pPr marL="1028700" lvl="1" indent="-571500">
-              <a:buFont typeface="Arial" panose="020B0604020202020204" pitchFamily="34" charset="0"/>
-              <a:buChar char="•"/>
-            </a:pPr>
-            <a:r>
-              <a:rPr lang="en-GB" sz="3800" dirty="0">
-                <a:solidFill>
-                  <a:schemeClr val="bg2">
-                    <a:lumMod val="25000"/>
-                  </a:schemeClr>
-                </a:solidFill>
-                <a:latin typeface="Segoe UI Light" panose="020B0502040204020203" pitchFamily="34" charset="0"/>
-                <a:cs typeface="Segoe UI Light" panose="020B0502040204020203" pitchFamily="34" charset="0"/>
-              </a:rPr>
-              <a:t>Lazy loading and dynamic loading (scripts/components).</a:t>
-            </a:r>
-          </a:p>
-          <a:p>
-            <a:pPr marL="1028700" lvl="1" indent="-571500">
-              <a:buFont typeface="Arial" panose="020B0604020202020204" pitchFamily="34" charset="0"/>
-              <a:buChar char="•"/>
-            </a:pPr>
-            <a:r>
-              <a:rPr lang="en-GB" sz="3800" dirty="0">
-                <a:solidFill>
-                  <a:schemeClr val="bg2">
-                    <a:lumMod val="25000"/>
-                  </a:schemeClr>
-                </a:solidFill>
-                <a:latin typeface="Segoe UI Light" panose="020B0502040204020203" pitchFamily="34" charset="0"/>
-                <a:cs typeface="Segoe UI Light" panose="020B0502040204020203" pitchFamily="34" charset="0"/>
-              </a:rPr>
-              <a:t>Storing JSON in IndexedDB and rendering it via templates.</a:t>
-            </a:r>
-          </a:p>
-          <a:p>
-            <a:pPr marL="1028700" lvl="1" indent="-571500">
-              <a:buFont typeface="Arial" panose="020B0604020202020204" pitchFamily="34" charset="0"/>
-              <a:buChar char="•"/>
-            </a:pPr>
-            <a:r>
-              <a:rPr lang="en-GB" sz="3800" dirty="0">
-                <a:solidFill>
-                  <a:schemeClr val="bg2">
-                    <a:lumMod val="25000"/>
-                  </a:schemeClr>
-                </a:solidFill>
-                <a:latin typeface="Segoe UI Light" panose="020B0502040204020203" pitchFamily="34" charset="0"/>
-                <a:cs typeface="Segoe UI Light" panose="020B0502040204020203" pitchFamily="34" charset="0"/>
-              </a:rPr>
-              <a:t>Authentication and storage of JSON Web Tokens.</a:t>
-            </a:r>
-          </a:p>
-          <a:p>
-            <a:pPr marL="1028700" lvl="1" indent="-571500">
-              <a:buFont typeface="Arial" panose="020B0604020202020204" pitchFamily="34" charset="0"/>
-              <a:buChar char="•"/>
-            </a:pPr>
-            <a:r>
-              <a:rPr lang="en-GB" sz="3800" dirty="0">
-                <a:solidFill>
-                  <a:schemeClr val="bg2">
-                    <a:lumMod val="25000"/>
-                  </a:schemeClr>
-                </a:solidFill>
-                <a:latin typeface="Segoe UI Light" panose="020B0502040204020203" pitchFamily="34" charset="0"/>
-                <a:cs typeface="Segoe UI Light" panose="020B0502040204020203" pitchFamily="34" charset="0"/>
-              </a:rPr>
-              <a:t>Added offline capability and ‘instant’ pages.</a:t>
+              <a:t>We will look at couple of UI components and many more highly functional components that have built in functionality…</a:t>
             </a:r>
           </a:p>
           <a:p>
@@ -23594,26 +23220,12 @@
               <a:cs typeface="Segoe UI Light" panose="020B0502040204020203" pitchFamily="34" charset="0"/>
             </a:endParaRPr>
           </a:p>
-          <a:p>
-            <a:pPr marL="457200" lvl="1" indent="0">
-              <a:buNone/>
-            </a:pPr>
-            <a:endParaRPr lang="en-GB" sz="3800" dirty="0">
-              <a:solidFill>
-                <a:schemeClr val="bg2">
-                  <a:lumMod val="25000"/>
-                </a:schemeClr>
-              </a:solidFill>
-              <a:latin typeface="Segoe UI Light" panose="020B0502040204020203" pitchFamily="34" charset="0"/>
-              <a:cs typeface="Segoe UI Light" panose="020B0502040204020203" pitchFamily="34" charset="0"/>
-            </a:endParaRPr>
-          </a:p>
         </p:txBody>
       </p:sp>
     </p:spTree>
     <p:extLst>
       <p:ext uri="{BB962C8B-B14F-4D97-AF65-F5344CB8AC3E}">
-        <p14:creationId xmlns:p14="http://schemas.microsoft.com/office/powerpoint/2010/main" val="1862207496"/>
+        <p14:creationId xmlns:p14="http://schemas.microsoft.com/office/powerpoint/2010/main" val="2010978496"/>
       </p:ext>
     </p:extLst>
   </p:cSld>
@@ -23667,7 +23279,7 @@
                 <a:latin typeface="Segoe UI Light" panose="020B0502040204020203" pitchFamily="34" charset="0"/>
                 <a:cs typeface="Segoe UI Light" panose="020B0502040204020203" pitchFamily="34" charset="0"/>
               </a:rPr>
-              <a:t>Useful references</a:t>
+              <a:t>Types of Web Components</a:t>
             </a:r>
           </a:p>
         </p:txBody>
@@ -23903,422 +23515,34 @@
       </p:sp>
       <p:sp>
         <p:nvSpPr>
-          <p:cNvPr id="36" name="Content Placeholder 17"/>
-          <p:cNvSpPr txBox="1">
-            <a:spLocks/>
-          </p:cNvSpPr>
+          <p:cNvPr id="8" name="TextBox 7">
+            <a:extLst>
+              <a:ext uri="{FF2B5EF4-FFF2-40B4-BE49-F238E27FC236}">
+                <a16:creationId xmlns:a16="http://schemas.microsoft.com/office/drawing/2014/main" id="{D4329088-EA16-420B-B145-A30265C6D3B4}"/>
+              </a:ext>
+            </a:extLst>
+          </p:cNvPr>
+          <p:cNvSpPr txBox="1"/>
           <p:nvPr/>
         </p:nvSpPr>
         <p:spPr>
           <a:xfrm>
-            <a:off x="667892" y="1550741"/>
-            <a:ext cx="10356444" cy="5147658"/>
+            <a:off x="541609" y="1012639"/>
+            <a:ext cx="10971964" cy="6524863"/>
           </a:xfrm>
           <a:prstGeom prst="rect">
             <a:avLst/>
           </a:prstGeom>
+          <a:noFill/>
         </p:spPr>
         <p:txBody>
-          <a:bodyPr vert="horz" lIns="91440" tIns="45720" rIns="91440" bIns="45720" rtlCol="0">
-            <a:noAutofit/>
+          <a:bodyPr wrap="square">
+            <a:spAutoFit/>
           </a:bodyPr>
-          <a:lstStyle>
-            <a:lvl1pPr marL="228600" indent="-228600" algn="l" defTabSz="914400" rtl="0" eaLnBrk="1" latinLnBrk="0" hangingPunct="1">
-              <a:lnSpc>
-                <a:spcPts val="1800"/>
-              </a:lnSpc>
-              <a:spcBef>
-                <a:spcPts val="1000"/>
-              </a:spcBef>
-              <a:spcAft>
-                <a:spcPts val="1000"/>
-              </a:spcAft>
-              <a:buFont typeface="Arial" panose="020B0604020202020204" pitchFamily="34" charset="0"/>
-              <a:buChar char="•"/>
-              <a:defRPr lang="en-US" sz="1200" kern="1200" smtClean="0">
-                <a:solidFill>
-                  <a:schemeClr val="tx1">
-                    <a:lumMod val="75000"/>
-                    <a:lumOff val="25000"/>
-                  </a:schemeClr>
-                </a:solidFill>
-                <a:latin typeface="+mn-lt"/>
-                <a:ea typeface="+mn-ea"/>
-                <a:cs typeface="+mn-cs"/>
-              </a:defRPr>
-            </a:lvl1pPr>
-            <a:lvl2pPr marL="685800" indent="-228600" algn="l" defTabSz="914400" rtl="0" eaLnBrk="1" latinLnBrk="0" hangingPunct="1">
-              <a:lnSpc>
-                <a:spcPts val="1800"/>
-              </a:lnSpc>
-              <a:spcBef>
-                <a:spcPts val="1000"/>
-              </a:spcBef>
-              <a:spcAft>
-                <a:spcPts val="1000"/>
-              </a:spcAft>
-              <a:buFont typeface="Arial" panose="020B0604020202020204" pitchFamily="34" charset="0"/>
-              <a:buChar char="•"/>
-              <a:defRPr lang="en-US" sz="1200" kern="1200" smtClean="0">
-                <a:solidFill>
-                  <a:schemeClr val="tx1">
-                    <a:lumMod val="75000"/>
-                    <a:lumOff val="25000"/>
-                  </a:schemeClr>
-                </a:solidFill>
-                <a:latin typeface="+mn-lt"/>
-                <a:ea typeface="+mn-ea"/>
-                <a:cs typeface="+mn-cs"/>
-              </a:defRPr>
-            </a:lvl2pPr>
-            <a:lvl3pPr marL="1143000" indent="-228600" algn="l" defTabSz="914400" rtl="0" eaLnBrk="1" latinLnBrk="0" hangingPunct="1">
-              <a:lnSpc>
-                <a:spcPts val="1800"/>
-              </a:lnSpc>
-              <a:spcBef>
-                <a:spcPts val="1000"/>
-              </a:spcBef>
-              <a:spcAft>
-                <a:spcPts val="1000"/>
-              </a:spcAft>
-              <a:buFont typeface="Arial" panose="020B0604020202020204" pitchFamily="34" charset="0"/>
-              <a:buChar char="•"/>
-              <a:defRPr lang="en-US" sz="1200" kern="1200" smtClean="0">
-                <a:solidFill>
-                  <a:schemeClr val="tx1">
-                    <a:lumMod val="75000"/>
-                    <a:lumOff val="25000"/>
-                  </a:schemeClr>
-                </a:solidFill>
-                <a:latin typeface="+mn-lt"/>
-                <a:ea typeface="+mn-ea"/>
-                <a:cs typeface="+mn-cs"/>
-              </a:defRPr>
-            </a:lvl3pPr>
-            <a:lvl4pPr marL="1600200" indent="-228600" algn="l" defTabSz="914400" rtl="0" eaLnBrk="1" latinLnBrk="0" hangingPunct="1">
-              <a:lnSpc>
-                <a:spcPts val="1800"/>
-              </a:lnSpc>
-              <a:spcBef>
-                <a:spcPts val="1000"/>
-              </a:spcBef>
-              <a:spcAft>
-                <a:spcPts val="1000"/>
-              </a:spcAft>
-              <a:buFont typeface="Arial" panose="020B0604020202020204" pitchFamily="34" charset="0"/>
-              <a:buChar char="•"/>
-              <a:defRPr lang="en-US" sz="1200" kern="1200" smtClean="0">
-                <a:solidFill>
-                  <a:schemeClr val="tx1">
-                    <a:lumMod val="75000"/>
-                    <a:lumOff val="25000"/>
-                  </a:schemeClr>
-                </a:solidFill>
-                <a:latin typeface="+mn-lt"/>
-                <a:ea typeface="+mn-ea"/>
-                <a:cs typeface="+mn-cs"/>
-              </a:defRPr>
-            </a:lvl4pPr>
-            <a:lvl5pPr marL="2057400" indent="-228600" algn="l" defTabSz="914400" rtl="0" eaLnBrk="1" latinLnBrk="0" hangingPunct="1">
-              <a:lnSpc>
-                <a:spcPts val="1800"/>
-              </a:lnSpc>
-              <a:spcBef>
-                <a:spcPts val="1000"/>
-              </a:spcBef>
-              <a:spcAft>
-                <a:spcPts val="1000"/>
-              </a:spcAft>
-              <a:buFont typeface="Arial" panose="020B0604020202020204" pitchFamily="34" charset="0"/>
-              <a:buChar char="•"/>
-              <a:defRPr lang="en-US" sz="1200" kern="1200">
-                <a:solidFill>
-                  <a:schemeClr val="tx1">
-                    <a:lumMod val="75000"/>
-                    <a:lumOff val="25000"/>
-                  </a:schemeClr>
-                </a:solidFill>
-                <a:latin typeface="+mn-lt"/>
-                <a:ea typeface="+mn-ea"/>
-                <a:cs typeface="+mn-cs"/>
-              </a:defRPr>
-            </a:lvl5pPr>
-            <a:lvl6pPr marL="2514600" indent="-228600" algn="l" defTabSz="914400" rtl="0" eaLnBrk="1" latinLnBrk="0" hangingPunct="1">
-              <a:lnSpc>
-                <a:spcPct val="90000"/>
-              </a:lnSpc>
-              <a:spcBef>
-                <a:spcPct val="30000"/>
-              </a:spcBef>
-              <a:buFont typeface="Arial" panose="020B0604020202020204" pitchFamily="34" charset="0"/>
-              <a:buChar char="•"/>
-              <a:defRPr sz="1800" kern="1200">
-                <a:solidFill>
-                  <a:schemeClr val="tx1"/>
-                </a:solidFill>
-                <a:latin typeface="+mn-lt"/>
-                <a:ea typeface="+mn-ea"/>
-                <a:cs typeface="+mn-cs"/>
-              </a:defRPr>
-            </a:lvl6pPr>
-            <a:lvl7pPr marL="2971800" indent="-228600" algn="l" defTabSz="914400" rtl="0" eaLnBrk="1" latinLnBrk="0" hangingPunct="1">
-              <a:lnSpc>
-                <a:spcPct val="90000"/>
-              </a:lnSpc>
-              <a:spcBef>
-                <a:spcPct val="30000"/>
-              </a:spcBef>
-              <a:buFont typeface="Arial" panose="020B0604020202020204" pitchFamily="34" charset="0"/>
-              <a:buChar char="•"/>
-              <a:defRPr sz="1800" kern="1200">
-                <a:solidFill>
-                  <a:schemeClr val="tx1"/>
-                </a:solidFill>
-                <a:latin typeface="+mn-lt"/>
-                <a:ea typeface="+mn-ea"/>
-                <a:cs typeface="+mn-cs"/>
-              </a:defRPr>
-            </a:lvl7pPr>
-            <a:lvl8pPr marL="3429000" indent="-228600" algn="l" defTabSz="914400" rtl="0" eaLnBrk="1" latinLnBrk="0" hangingPunct="1">
-              <a:lnSpc>
-                <a:spcPct val="90000"/>
-              </a:lnSpc>
-              <a:spcBef>
-                <a:spcPct val="30000"/>
-              </a:spcBef>
-              <a:buFont typeface="Arial" panose="020B0604020202020204" pitchFamily="34" charset="0"/>
-              <a:buChar char="•"/>
-              <a:defRPr sz="1800" kern="1200">
-                <a:solidFill>
-                  <a:schemeClr val="tx1"/>
-                </a:solidFill>
-                <a:latin typeface="+mn-lt"/>
-                <a:ea typeface="+mn-ea"/>
-                <a:cs typeface="+mn-cs"/>
-              </a:defRPr>
-            </a:lvl8pPr>
-            <a:lvl9pPr marL="3886200" indent="-228600" algn="l" defTabSz="914400" rtl="0" eaLnBrk="1" latinLnBrk="0" hangingPunct="1">
-              <a:lnSpc>
-                <a:spcPct val="90000"/>
-              </a:lnSpc>
-              <a:spcBef>
-                <a:spcPct val="30000"/>
-              </a:spcBef>
-              <a:buFont typeface="Arial" panose="020B0604020202020204" pitchFamily="34" charset="0"/>
-              <a:buChar char="•"/>
-              <a:defRPr sz="1800" kern="1200">
-                <a:solidFill>
-                  <a:schemeClr val="tx1"/>
-                </a:solidFill>
-                <a:latin typeface="+mn-lt"/>
-                <a:ea typeface="+mn-ea"/>
-                <a:cs typeface="+mn-cs"/>
-              </a:defRPr>
-            </a:lvl9pPr>
-          </a:lstStyle>
+          <a:lstStyle/>
           <a:p>
             <a:pPr marL="457200" lvl="1" indent="0">
-              <a:lnSpc>
-                <a:spcPts val="3000"/>
-              </a:lnSpc>
               <a:buNone/>
-            </a:pPr>
-            <a:r>
-              <a:rPr lang="en-GB" sz="3800" b="1" dirty="0">
-                <a:solidFill>
-                  <a:schemeClr val="bg2">
-                    <a:lumMod val="25000"/>
-                  </a:schemeClr>
-                </a:solidFill>
-                <a:latin typeface="Segoe UI Light" panose="020B0502040204020203" pitchFamily="34" charset="0"/>
-                <a:cs typeface="Segoe UI Light" panose="020B0502040204020203" pitchFamily="34" charset="0"/>
-                <a:hlinkClick r:id="rId2">
-                  <a:extLst>
-                    <a:ext uri="{A12FA001-AC4F-418D-AE19-62706E023703}">
-                      <ahyp:hlinkClr xmlns:ahyp="http://schemas.microsoft.com/office/drawing/2018/hyperlinkcolor" val="tx"/>
-                    </a:ext>
-                  </a:extLst>
-                </a:hlinkClick>
-              </a:rPr>
-              <a:t>https://www.webcomponents.org/</a:t>
-            </a:r>
-            <a:r>
-              <a:rPr lang="en-GB" sz="3800" b="1" dirty="0">
-                <a:solidFill>
-                  <a:schemeClr val="bg2">
-                    <a:lumMod val="25000"/>
-                  </a:schemeClr>
-                </a:solidFill>
-                <a:latin typeface="Segoe UI Light" panose="020B0502040204020203" pitchFamily="34" charset="0"/>
-                <a:cs typeface="Segoe UI Light" panose="020B0502040204020203" pitchFamily="34" charset="0"/>
-              </a:rPr>
-              <a:t> </a:t>
-            </a:r>
-          </a:p>
-          <a:p>
-            <a:pPr marL="457200" lvl="1" indent="0">
-              <a:lnSpc>
-                <a:spcPts val="3000"/>
-              </a:lnSpc>
-              <a:buNone/>
-            </a:pPr>
-            <a:r>
-              <a:rPr lang="en-GB" sz="3800" dirty="0">
-                <a:solidFill>
-                  <a:schemeClr val="bg2">
-                    <a:lumMod val="25000"/>
-                  </a:schemeClr>
-                </a:solidFill>
-                <a:latin typeface="Segoe UI Light" panose="020B0502040204020203" pitchFamily="34" charset="0"/>
-                <a:cs typeface="Segoe UI Light" panose="020B0502040204020203" pitchFamily="34" charset="0"/>
-              </a:rPr>
-              <a:t>- main reference site</a:t>
-            </a:r>
-          </a:p>
-          <a:p>
-            <a:pPr marL="457200" lvl="1" indent="0">
-              <a:lnSpc>
-                <a:spcPts val="3000"/>
-              </a:lnSpc>
-              <a:buNone/>
-            </a:pPr>
-            <a:r>
-              <a:rPr lang="en-GB" sz="3800" b="1" dirty="0">
-                <a:solidFill>
-                  <a:schemeClr val="bg2">
-                    <a:lumMod val="25000"/>
-                  </a:schemeClr>
-                </a:solidFill>
-                <a:latin typeface="Segoe UI Light" panose="020B0502040204020203" pitchFamily="34" charset="0"/>
-                <a:cs typeface="Segoe UI Light" panose="020B0502040204020203" pitchFamily="34" charset="0"/>
-                <a:hlinkClick r:id="rId3">
-                  <a:extLst>
-                    <a:ext uri="{A12FA001-AC4F-418D-AE19-62706E023703}">
-                      <ahyp:hlinkClr xmlns:ahyp="http://schemas.microsoft.com/office/drawing/2018/hyperlinkcolor" val="tx"/>
-                    </a:ext>
-                  </a:extLst>
-                </a:hlinkClick>
-              </a:rPr>
-              <a:t>https://custom-elements-everywhere.com/</a:t>
-            </a:r>
-            <a:r>
-              <a:rPr lang="en-GB" sz="3800" b="1" dirty="0">
-                <a:solidFill>
-                  <a:schemeClr val="bg2">
-                    <a:lumMod val="25000"/>
-                  </a:schemeClr>
-                </a:solidFill>
-                <a:latin typeface="Segoe UI Light" panose="020B0502040204020203" pitchFamily="34" charset="0"/>
-                <a:cs typeface="Segoe UI Light" panose="020B0502040204020203" pitchFamily="34" charset="0"/>
-              </a:rPr>
-              <a:t> </a:t>
-            </a:r>
-          </a:p>
-          <a:p>
-            <a:pPr marL="457200" lvl="1" indent="0">
-              <a:lnSpc>
-                <a:spcPts val="3500"/>
-              </a:lnSpc>
-              <a:buNone/>
-            </a:pPr>
-            <a:r>
-              <a:rPr lang="en-GB" sz="3800" dirty="0">
-                <a:solidFill>
-                  <a:schemeClr val="bg2">
-                    <a:lumMod val="25000"/>
-                  </a:schemeClr>
-                </a:solidFill>
-                <a:latin typeface="Segoe UI Light" panose="020B0502040204020203" pitchFamily="34" charset="0"/>
-                <a:cs typeface="Segoe UI Light" panose="020B0502040204020203" pitchFamily="34" charset="0"/>
-              </a:rPr>
-              <a:t>(Making sure frameworks and custom elements can be BFFs )</a:t>
-            </a:r>
-          </a:p>
-          <a:p>
-            <a:pPr marL="457200" lvl="1" indent="0">
-              <a:lnSpc>
-                <a:spcPts val="3000"/>
-              </a:lnSpc>
-              <a:buNone/>
-            </a:pPr>
-            <a:r>
-              <a:rPr lang="en-GB" sz="3800" b="1" dirty="0">
-                <a:solidFill>
-                  <a:schemeClr val="bg2">
-                    <a:lumMod val="25000"/>
-                  </a:schemeClr>
-                </a:solidFill>
-                <a:latin typeface="Segoe UI Light" panose="020B0502040204020203" pitchFamily="34" charset="0"/>
-                <a:cs typeface="Segoe UI Light" panose="020B0502040204020203" pitchFamily="34" charset="0"/>
-                <a:hlinkClick r:id="rId4">
-                  <a:extLst>
-                    <a:ext uri="{A12FA001-AC4F-418D-AE19-62706E023703}">
-                      <ahyp:hlinkClr xmlns:ahyp="http://schemas.microsoft.com/office/drawing/2018/hyperlinkcolor" val="tx"/>
-                    </a:ext>
-                  </a:extLst>
-                </a:hlinkClick>
-              </a:rPr>
-              <a:t>https://webcomponents.dev/</a:t>
-            </a:r>
-            <a:r>
-              <a:rPr lang="en-GB" sz="3800" b="1" dirty="0">
-                <a:solidFill>
-                  <a:schemeClr val="bg2">
-                    <a:lumMod val="25000"/>
-                  </a:schemeClr>
-                </a:solidFill>
-                <a:latin typeface="Segoe UI Light" panose="020B0502040204020203" pitchFamily="34" charset="0"/>
-                <a:cs typeface="Segoe UI Light" panose="020B0502040204020203" pitchFamily="34" charset="0"/>
-              </a:rPr>
-              <a:t> </a:t>
-            </a:r>
-          </a:p>
-          <a:p>
-            <a:pPr lvl="1">
-              <a:lnSpc>
-                <a:spcPts val="3000"/>
-              </a:lnSpc>
-              <a:buFontTx/>
-              <a:buChar char="-"/>
-            </a:pPr>
-            <a:r>
-              <a:rPr lang="en-GB" sz="3800" dirty="0">
-                <a:solidFill>
-                  <a:schemeClr val="bg2">
-                    <a:lumMod val="25000"/>
-                  </a:schemeClr>
-                </a:solidFill>
-                <a:latin typeface="Segoe UI Light" panose="020B0502040204020203" pitchFamily="34" charset="0"/>
-                <a:cs typeface="Segoe UI Light" panose="020B0502040204020203" pitchFamily="34" charset="0"/>
-              </a:rPr>
-              <a:t>over 40 libraries and compilers </a:t>
-            </a:r>
-          </a:p>
-          <a:p>
-            <a:pPr marL="457200" lvl="1" indent="0">
-              <a:lnSpc>
-                <a:spcPts val="3000"/>
-              </a:lnSpc>
-              <a:buNone/>
-            </a:pPr>
-            <a:r>
-              <a:rPr lang="en-GB" sz="3800" i="1" dirty="0">
-                <a:solidFill>
-                  <a:schemeClr val="bg2">
-                    <a:lumMod val="25000"/>
-                  </a:schemeClr>
-                </a:solidFill>
-                <a:latin typeface="Segoe UI Light" panose="020B0502040204020203" pitchFamily="34" charset="0"/>
-                <a:cs typeface="Segoe UI Light" panose="020B0502040204020203" pitchFamily="34" charset="0"/>
-              </a:rPr>
-              <a:t>let’s see these libraries and compilers…</a:t>
-            </a:r>
-          </a:p>
-          <a:p>
-            <a:pPr lvl="1">
-              <a:lnSpc>
-                <a:spcPts val="4000"/>
-              </a:lnSpc>
             </a:pPr>
             <a:endParaRPr lang="en-GB" sz="3800" dirty="0">
               <a:solidFill>
@@ -24331,17 +23555,100 @@
             </a:endParaRPr>
           </a:p>
           <a:p>
-            <a:pPr marL="0" lvl="0" indent="0">
-              <a:spcBef>
-                <a:spcPct val="0"/>
-              </a:spcBef>
-              <a:spcAft>
-                <a:spcPts val="2000"/>
-              </a:spcAft>
+            <a:pPr marL="1028700" lvl="1" indent="-571500">
+              <a:buFont typeface="Arial" panose="020B0604020202020204" pitchFamily="34" charset="0"/>
+              <a:buChar char="•"/>
+            </a:pPr>
+            <a:r>
+              <a:rPr lang="en-GB" sz="3800" dirty="0">
+                <a:solidFill>
+                  <a:schemeClr val="bg2">
+                    <a:lumMod val="25000"/>
+                  </a:schemeClr>
+                </a:solidFill>
+                <a:latin typeface="Segoe UI Light" panose="020B0502040204020203" pitchFamily="34" charset="0"/>
+                <a:cs typeface="Segoe UI Light" panose="020B0502040204020203" pitchFamily="34" charset="0"/>
+              </a:rPr>
+              <a:t>Fetch requests.</a:t>
+            </a:r>
+          </a:p>
+          <a:p>
+            <a:pPr marL="1028700" lvl="1" indent="-571500">
+              <a:buFont typeface="Arial" panose="020B0604020202020204" pitchFamily="34" charset="0"/>
+              <a:buChar char="•"/>
+            </a:pPr>
+            <a:r>
+              <a:rPr lang="en-GB" sz="3800" dirty="0">
+                <a:solidFill>
+                  <a:schemeClr val="bg2">
+                    <a:lumMod val="25000"/>
+                  </a:schemeClr>
+                </a:solidFill>
+                <a:latin typeface="Segoe UI Light" panose="020B0502040204020203" pitchFamily="34" charset="0"/>
+                <a:cs typeface="Segoe UI Light" panose="020B0502040204020203" pitchFamily="34" charset="0"/>
+              </a:rPr>
+              <a:t>Lazy loading and dynamic loading (scripts/components).</a:t>
+            </a:r>
+          </a:p>
+          <a:p>
+            <a:pPr marL="1028700" lvl="1" indent="-571500">
+              <a:buFont typeface="Arial" panose="020B0604020202020204" pitchFamily="34" charset="0"/>
+              <a:buChar char="•"/>
+            </a:pPr>
+            <a:r>
+              <a:rPr lang="en-GB" sz="3800" dirty="0">
+                <a:solidFill>
+                  <a:schemeClr val="bg2">
+                    <a:lumMod val="25000"/>
+                  </a:schemeClr>
+                </a:solidFill>
+                <a:latin typeface="Segoe UI Light" panose="020B0502040204020203" pitchFamily="34" charset="0"/>
+                <a:cs typeface="Segoe UI Light" panose="020B0502040204020203" pitchFamily="34" charset="0"/>
+              </a:rPr>
+              <a:t>Storing JSON in IndexedDB and rendering it via templates.</a:t>
+            </a:r>
+          </a:p>
+          <a:p>
+            <a:pPr marL="1028700" lvl="1" indent="-571500">
+              <a:buFont typeface="Arial" panose="020B0604020202020204" pitchFamily="34" charset="0"/>
+              <a:buChar char="•"/>
+            </a:pPr>
+            <a:r>
+              <a:rPr lang="en-GB" sz="3800" dirty="0">
+                <a:solidFill>
+                  <a:schemeClr val="bg2">
+                    <a:lumMod val="25000"/>
+                  </a:schemeClr>
+                </a:solidFill>
+                <a:latin typeface="Segoe UI Light" panose="020B0502040204020203" pitchFamily="34" charset="0"/>
+                <a:cs typeface="Segoe UI Light" panose="020B0502040204020203" pitchFamily="34" charset="0"/>
+              </a:rPr>
+              <a:t>Authentication and storage of JSON Web Tokens.</a:t>
+            </a:r>
+          </a:p>
+          <a:p>
+            <a:pPr marL="1028700" lvl="1" indent="-571500">
+              <a:buFont typeface="Arial" panose="020B0604020202020204" pitchFamily="34" charset="0"/>
+              <a:buChar char="•"/>
+            </a:pPr>
+            <a:r>
+              <a:rPr lang="en-GB" sz="3800" dirty="0">
+                <a:solidFill>
+                  <a:schemeClr val="bg2">
+                    <a:lumMod val="25000"/>
+                  </a:schemeClr>
+                </a:solidFill>
+                <a:latin typeface="Segoe UI Light" panose="020B0502040204020203" pitchFamily="34" charset="0"/>
+                <a:cs typeface="Segoe UI Light" panose="020B0502040204020203" pitchFamily="34" charset="0"/>
+              </a:rPr>
+              <a:t>Added offline capability and ‘instant’ pages.</a:t>
+            </a:r>
+          </a:p>
+          <a:p>
+            <a:pPr marL="457200" lvl="1" indent="0">
               <a:buNone/>
-              <a:defRPr/>
             </a:pPr>
-            <a:endParaRPr lang="en-US" sz="3800" dirty="0">
+            <a:endParaRPr lang="en-GB" sz="3800" dirty="0">
               <a:solidFill>
                 <a:schemeClr val="bg2">
                   <a:lumMod val="25000"/>
@@ -24351,12 +23658,26 @@
               <a:cs typeface="Segoe UI Light" panose="020B0502040204020203" pitchFamily="34" charset="0"/>
             </a:endParaRPr>
           </a:p>
+          <a:p>
+            <a:pPr marL="457200" lvl="1" indent="0">
+              <a:buNone/>
+            </a:pPr>
+            <a:endParaRPr lang="en-GB" sz="3800" dirty="0">
+              <a:solidFill>
+                <a:schemeClr val="bg2">
+                  <a:lumMod val="25000"/>
+                </a:schemeClr>
+              </a:solidFill>
+              <a:latin typeface="Segoe UI Light" panose="020B0502040204020203" pitchFamily="34" charset="0"/>
+              <a:cs typeface="Segoe UI Light" panose="020B0502040204020203" pitchFamily="34" charset="0"/>
+            </a:endParaRPr>
+          </a:p>
         </p:txBody>
       </p:sp>
     </p:spTree>
     <p:extLst>
       <p:ext uri="{BB962C8B-B14F-4D97-AF65-F5344CB8AC3E}">
-        <p14:creationId xmlns:p14="http://schemas.microsoft.com/office/powerpoint/2010/main" val="2661540520"/>
+        <p14:creationId xmlns:p14="http://schemas.microsoft.com/office/powerpoint/2010/main" val="1862207496"/>
       </p:ext>
     </p:extLst>
   </p:cSld>
@@ -24410,7 +23731,7 @@
                 <a:latin typeface="Segoe UI Light" panose="020B0502040204020203" pitchFamily="34" charset="0"/>
                 <a:cs typeface="Segoe UI Light" panose="020B0502040204020203" pitchFamily="34" charset="0"/>
               </a:rPr>
-              <a:t>Demo time</a:t>
+              <a:t>Useful references</a:t>
             </a:r>
           </a:p>
         </p:txBody>
@@ -24646,34 +23967,422 @@
       </p:sp>
       <p:sp>
         <p:nvSpPr>
-          <p:cNvPr id="8" name="TextBox 7">
-            <a:extLst>
-              <a:ext uri="{FF2B5EF4-FFF2-40B4-BE49-F238E27FC236}">
-                <a16:creationId xmlns:a16="http://schemas.microsoft.com/office/drawing/2014/main" id="{D4329088-EA16-420B-B145-A30265C6D3B4}"/>
-              </a:ext>
-            </a:extLst>
-          </p:cNvPr>
-          <p:cNvSpPr txBox="1"/>
+          <p:cNvPr id="36" name="Content Placeholder 17"/>
+          <p:cNvSpPr txBox="1">
+            <a:spLocks/>
+          </p:cNvSpPr>
           <p:nvPr/>
         </p:nvSpPr>
         <p:spPr>
           <a:xfrm>
-            <a:off x="610018" y="1102145"/>
-            <a:ext cx="10971964" cy="3753463"/>
+            <a:off x="667892" y="1550741"/>
+            <a:ext cx="10356444" cy="5147658"/>
           </a:xfrm>
           <a:prstGeom prst="rect">
             <a:avLst/>
           </a:prstGeom>
-          <a:noFill/>
         </p:spPr>
         <p:txBody>
-          <a:bodyPr wrap="square">
-            <a:spAutoFit/>
+          <a:bodyPr vert="horz" lIns="91440" tIns="45720" rIns="91440" bIns="45720" rtlCol="0">
+            <a:noAutofit/>
           </a:bodyPr>
-          <a:lstStyle/>
+          <a:lstStyle>
+            <a:lvl1pPr marL="228600" indent="-228600" algn="l" defTabSz="914400" rtl="0" eaLnBrk="1" latinLnBrk="0" hangingPunct="1">
+              <a:lnSpc>
+                <a:spcPts val="1800"/>
+              </a:lnSpc>
+              <a:spcBef>
+                <a:spcPts val="1000"/>
+              </a:spcBef>
+              <a:spcAft>
+                <a:spcPts val="1000"/>
+              </a:spcAft>
+              <a:buFont typeface="Arial" panose="020B0604020202020204" pitchFamily="34" charset="0"/>
+              <a:buChar char="•"/>
+              <a:defRPr lang="en-US" sz="1200" kern="1200" smtClean="0">
+                <a:solidFill>
+                  <a:schemeClr val="tx1">
+                    <a:lumMod val="75000"/>
+                    <a:lumOff val="25000"/>
+                  </a:schemeClr>
+                </a:solidFill>
+                <a:latin typeface="+mn-lt"/>
+                <a:ea typeface="+mn-ea"/>
+                <a:cs typeface="+mn-cs"/>
+              </a:defRPr>
+            </a:lvl1pPr>
+            <a:lvl2pPr marL="685800" indent="-228600" algn="l" defTabSz="914400" rtl="0" eaLnBrk="1" latinLnBrk="0" hangingPunct="1">
+              <a:lnSpc>
+                <a:spcPts val="1800"/>
+              </a:lnSpc>
+              <a:spcBef>
+                <a:spcPts val="1000"/>
+              </a:spcBef>
+              <a:spcAft>
+                <a:spcPts val="1000"/>
+              </a:spcAft>
+              <a:buFont typeface="Arial" panose="020B0604020202020204" pitchFamily="34" charset="0"/>
+              <a:buChar char="•"/>
+              <a:defRPr lang="en-US" sz="1200" kern="1200" smtClean="0">
+                <a:solidFill>
+                  <a:schemeClr val="tx1">
+                    <a:lumMod val="75000"/>
+                    <a:lumOff val="25000"/>
+                  </a:schemeClr>
+                </a:solidFill>
+                <a:latin typeface="+mn-lt"/>
+                <a:ea typeface="+mn-ea"/>
+                <a:cs typeface="+mn-cs"/>
+              </a:defRPr>
+            </a:lvl2pPr>
+            <a:lvl3pPr marL="1143000" indent="-228600" algn="l" defTabSz="914400" rtl="0" eaLnBrk="1" latinLnBrk="0" hangingPunct="1">
+              <a:lnSpc>
+                <a:spcPts val="1800"/>
+              </a:lnSpc>
+              <a:spcBef>
+                <a:spcPts val="1000"/>
+              </a:spcBef>
+              <a:spcAft>
+                <a:spcPts val="1000"/>
+              </a:spcAft>
+              <a:buFont typeface="Arial" panose="020B0604020202020204" pitchFamily="34" charset="0"/>
+              <a:buChar char="•"/>
+              <a:defRPr lang="en-US" sz="1200" kern="1200" smtClean="0">
+                <a:solidFill>
+                  <a:schemeClr val="tx1">
+                    <a:lumMod val="75000"/>
+                    <a:lumOff val="25000"/>
+                  </a:schemeClr>
+                </a:solidFill>
+                <a:latin typeface="+mn-lt"/>
+                <a:ea typeface="+mn-ea"/>
+                <a:cs typeface="+mn-cs"/>
+              </a:defRPr>
+            </a:lvl3pPr>
+            <a:lvl4pPr marL="1600200" indent="-228600" algn="l" defTabSz="914400" rtl="0" eaLnBrk="1" latinLnBrk="0" hangingPunct="1">
+              <a:lnSpc>
+                <a:spcPts val="1800"/>
+              </a:lnSpc>
+              <a:spcBef>
+                <a:spcPts val="1000"/>
+              </a:spcBef>
+              <a:spcAft>
+                <a:spcPts val="1000"/>
+              </a:spcAft>
+              <a:buFont typeface="Arial" panose="020B0604020202020204" pitchFamily="34" charset="0"/>
+              <a:buChar char="•"/>
+              <a:defRPr lang="en-US" sz="1200" kern="1200" smtClean="0">
+                <a:solidFill>
+                  <a:schemeClr val="tx1">
+                    <a:lumMod val="75000"/>
+                    <a:lumOff val="25000"/>
+                  </a:schemeClr>
+                </a:solidFill>
+                <a:latin typeface="+mn-lt"/>
+                <a:ea typeface="+mn-ea"/>
+                <a:cs typeface="+mn-cs"/>
+              </a:defRPr>
+            </a:lvl4pPr>
+            <a:lvl5pPr marL="2057400" indent="-228600" algn="l" defTabSz="914400" rtl="0" eaLnBrk="1" latinLnBrk="0" hangingPunct="1">
+              <a:lnSpc>
+                <a:spcPts val="1800"/>
+              </a:lnSpc>
+              <a:spcBef>
+                <a:spcPts val="1000"/>
+              </a:spcBef>
+              <a:spcAft>
+                <a:spcPts val="1000"/>
+              </a:spcAft>
+              <a:buFont typeface="Arial" panose="020B0604020202020204" pitchFamily="34" charset="0"/>
+              <a:buChar char="•"/>
+              <a:defRPr lang="en-US" sz="1200" kern="1200">
+                <a:solidFill>
+                  <a:schemeClr val="tx1">
+                    <a:lumMod val="75000"/>
+                    <a:lumOff val="25000"/>
+                  </a:schemeClr>
+                </a:solidFill>
+                <a:latin typeface="+mn-lt"/>
+                <a:ea typeface="+mn-ea"/>
+                <a:cs typeface="+mn-cs"/>
+              </a:defRPr>
+            </a:lvl5pPr>
+            <a:lvl6pPr marL="2514600" indent="-228600" algn="l" defTabSz="914400" rtl="0" eaLnBrk="1" latinLnBrk="0" hangingPunct="1">
+              <a:lnSpc>
+                <a:spcPct val="90000"/>
+              </a:lnSpc>
+              <a:spcBef>
+                <a:spcPct val="30000"/>
+              </a:spcBef>
+              <a:buFont typeface="Arial" panose="020B0604020202020204" pitchFamily="34" charset="0"/>
+              <a:buChar char="•"/>
+              <a:defRPr sz="1800" kern="1200">
+                <a:solidFill>
+                  <a:schemeClr val="tx1"/>
+                </a:solidFill>
+                <a:latin typeface="+mn-lt"/>
+                <a:ea typeface="+mn-ea"/>
+                <a:cs typeface="+mn-cs"/>
+              </a:defRPr>
+            </a:lvl6pPr>
+            <a:lvl7pPr marL="2971800" indent="-228600" algn="l" defTabSz="914400" rtl="0" eaLnBrk="1" latinLnBrk="0" hangingPunct="1">
+              <a:lnSpc>
+                <a:spcPct val="90000"/>
+              </a:lnSpc>
+              <a:spcBef>
+                <a:spcPct val="30000"/>
+              </a:spcBef>
+              <a:buFont typeface="Arial" panose="020B0604020202020204" pitchFamily="34" charset="0"/>
+              <a:buChar char="•"/>
+              <a:defRPr sz="1800" kern="1200">
+                <a:solidFill>
+                  <a:schemeClr val="tx1"/>
+                </a:solidFill>
+                <a:latin typeface="+mn-lt"/>
+                <a:ea typeface="+mn-ea"/>
+                <a:cs typeface="+mn-cs"/>
+              </a:defRPr>
+            </a:lvl7pPr>
+            <a:lvl8pPr marL="3429000" indent="-228600" algn="l" defTabSz="914400" rtl="0" eaLnBrk="1" latinLnBrk="0" hangingPunct="1">
+              <a:lnSpc>
+                <a:spcPct val="90000"/>
+              </a:lnSpc>
+              <a:spcBef>
+                <a:spcPct val="30000"/>
+              </a:spcBef>
+              <a:buFont typeface="Arial" panose="020B0604020202020204" pitchFamily="34" charset="0"/>
+              <a:buChar char="•"/>
+              <a:defRPr sz="1800" kern="1200">
+                <a:solidFill>
+                  <a:schemeClr val="tx1"/>
+                </a:solidFill>
+                <a:latin typeface="+mn-lt"/>
+                <a:ea typeface="+mn-ea"/>
+                <a:cs typeface="+mn-cs"/>
+              </a:defRPr>
+            </a:lvl8pPr>
+            <a:lvl9pPr marL="3886200" indent="-228600" algn="l" defTabSz="914400" rtl="0" eaLnBrk="1" latinLnBrk="0" hangingPunct="1">
+              <a:lnSpc>
+                <a:spcPct val="90000"/>
+              </a:lnSpc>
+              <a:spcBef>
+                <a:spcPct val="30000"/>
+              </a:spcBef>
+              <a:buFont typeface="Arial" panose="020B0604020202020204" pitchFamily="34" charset="0"/>
+              <a:buChar char="•"/>
+              <a:defRPr sz="1800" kern="1200">
+                <a:solidFill>
+                  <a:schemeClr val="tx1"/>
+                </a:solidFill>
+                <a:latin typeface="+mn-lt"/>
+                <a:ea typeface="+mn-ea"/>
+                <a:cs typeface="+mn-cs"/>
+              </a:defRPr>
+            </a:lvl9pPr>
+          </a:lstStyle>
           <a:p>
             <a:pPr marL="457200" lvl="1" indent="0">
+              <a:lnSpc>
+                <a:spcPts val="3000"/>
+              </a:lnSpc>
               <a:buNone/>
+            </a:pPr>
+            <a:r>
+              <a:rPr lang="en-GB" sz="3800" b="1" dirty="0">
+                <a:solidFill>
+                  <a:schemeClr val="bg2">
+                    <a:lumMod val="25000"/>
+                  </a:schemeClr>
+                </a:solidFill>
+                <a:latin typeface="Segoe UI Light" panose="020B0502040204020203" pitchFamily="34" charset="0"/>
+                <a:cs typeface="Segoe UI Light" panose="020B0502040204020203" pitchFamily="34" charset="0"/>
+                <a:hlinkClick r:id="rId2">
+                  <a:extLst>
+                    <a:ext uri="{A12FA001-AC4F-418D-AE19-62706E023703}">
+                      <ahyp:hlinkClr xmlns:ahyp="http://schemas.microsoft.com/office/drawing/2018/hyperlinkcolor" val="tx"/>
+                    </a:ext>
+                  </a:extLst>
+                </a:hlinkClick>
+              </a:rPr>
+              <a:t>https://www.webcomponents.org/</a:t>
+            </a:r>
+            <a:r>
+              <a:rPr lang="en-GB" sz="3800" b="1" dirty="0">
+                <a:solidFill>
+                  <a:schemeClr val="bg2">
+                    <a:lumMod val="25000"/>
+                  </a:schemeClr>
+                </a:solidFill>
+                <a:latin typeface="Segoe UI Light" panose="020B0502040204020203" pitchFamily="34" charset="0"/>
+                <a:cs typeface="Segoe UI Light" panose="020B0502040204020203" pitchFamily="34" charset="0"/>
+              </a:rPr>
+              <a:t> </a:t>
+            </a:r>
+          </a:p>
+          <a:p>
+            <a:pPr marL="457200" lvl="1" indent="0">
+              <a:lnSpc>
+                <a:spcPts val="3000"/>
+              </a:lnSpc>
+              <a:buNone/>
+            </a:pPr>
+            <a:r>
+              <a:rPr lang="en-GB" sz="3800" dirty="0">
+                <a:solidFill>
+                  <a:schemeClr val="bg2">
+                    <a:lumMod val="25000"/>
+                  </a:schemeClr>
+                </a:solidFill>
+                <a:latin typeface="Segoe UI Light" panose="020B0502040204020203" pitchFamily="34" charset="0"/>
+                <a:cs typeface="Segoe UI Light" panose="020B0502040204020203" pitchFamily="34" charset="0"/>
+              </a:rPr>
+              <a:t>- main reference site</a:t>
+            </a:r>
+          </a:p>
+          <a:p>
+            <a:pPr marL="457200" lvl="1" indent="0">
+              <a:lnSpc>
+                <a:spcPts val="3000"/>
+              </a:lnSpc>
+              <a:buNone/>
+            </a:pPr>
+            <a:r>
+              <a:rPr lang="en-GB" sz="3800" b="1" dirty="0">
+                <a:solidFill>
+                  <a:schemeClr val="bg2">
+                    <a:lumMod val="25000"/>
+                  </a:schemeClr>
+                </a:solidFill>
+                <a:latin typeface="Segoe UI Light" panose="020B0502040204020203" pitchFamily="34" charset="0"/>
+                <a:cs typeface="Segoe UI Light" panose="020B0502040204020203" pitchFamily="34" charset="0"/>
+                <a:hlinkClick r:id="rId3">
+                  <a:extLst>
+                    <a:ext uri="{A12FA001-AC4F-418D-AE19-62706E023703}">
+                      <ahyp:hlinkClr xmlns:ahyp="http://schemas.microsoft.com/office/drawing/2018/hyperlinkcolor" val="tx"/>
+                    </a:ext>
+                  </a:extLst>
+                </a:hlinkClick>
+              </a:rPr>
+              <a:t>https://custom-elements-everywhere.com/</a:t>
+            </a:r>
+            <a:r>
+              <a:rPr lang="en-GB" sz="3800" b="1" dirty="0">
+                <a:solidFill>
+                  <a:schemeClr val="bg2">
+                    <a:lumMod val="25000"/>
+                  </a:schemeClr>
+                </a:solidFill>
+                <a:latin typeface="Segoe UI Light" panose="020B0502040204020203" pitchFamily="34" charset="0"/>
+                <a:cs typeface="Segoe UI Light" panose="020B0502040204020203" pitchFamily="34" charset="0"/>
+              </a:rPr>
+              <a:t> </a:t>
+            </a:r>
+          </a:p>
+          <a:p>
+            <a:pPr marL="457200" lvl="1" indent="0">
+              <a:lnSpc>
+                <a:spcPts val="3500"/>
+              </a:lnSpc>
+              <a:buNone/>
+            </a:pPr>
+            <a:r>
+              <a:rPr lang="en-GB" sz="3800" dirty="0">
+                <a:solidFill>
+                  <a:schemeClr val="bg2">
+                    <a:lumMod val="25000"/>
+                  </a:schemeClr>
+                </a:solidFill>
+                <a:latin typeface="Segoe UI Light" panose="020B0502040204020203" pitchFamily="34" charset="0"/>
+                <a:cs typeface="Segoe UI Light" panose="020B0502040204020203" pitchFamily="34" charset="0"/>
+              </a:rPr>
+              <a:t>(Making sure frameworks and custom elements can be BFFs )</a:t>
+            </a:r>
+          </a:p>
+          <a:p>
+            <a:pPr marL="457200" lvl="1" indent="0">
+              <a:lnSpc>
+                <a:spcPts val="3000"/>
+              </a:lnSpc>
+              <a:buNone/>
+            </a:pPr>
+            <a:r>
+              <a:rPr lang="en-GB" sz="3800" b="1" dirty="0">
+                <a:solidFill>
+                  <a:schemeClr val="bg2">
+                    <a:lumMod val="25000"/>
+                  </a:schemeClr>
+                </a:solidFill>
+                <a:latin typeface="Segoe UI Light" panose="020B0502040204020203" pitchFamily="34" charset="0"/>
+                <a:cs typeface="Segoe UI Light" panose="020B0502040204020203" pitchFamily="34" charset="0"/>
+                <a:hlinkClick r:id="rId4">
+                  <a:extLst>
+                    <a:ext uri="{A12FA001-AC4F-418D-AE19-62706E023703}">
+                      <ahyp:hlinkClr xmlns:ahyp="http://schemas.microsoft.com/office/drawing/2018/hyperlinkcolor" val="tx"/>
+                    </a:ext>
+                  </a:extLst>
+                </a:hlinkClick>
+              </a:rPr>
+              <a:t>https://webcomponents.dev/</a:t>
+            </a:r>
+            <a:r>
+              <a:rPr lang="en-GB" sz="3800" b="1" dirty="0">
+                <a:solidFill>
+                  <a:schemeClr val="bg2">
+                    <a:lumMod val="25000"/>
+                  </a:schemeClr>
+                </a:solidFill>
+                <a:latin typeface="Segoe UI Light" panose="020B0502040204020203" pitchFamily="34" charset="0"/>
+                <a:cs typeface="Segoe UI Light" panose="020B0502040204020203" pitchFamily="34" charset="0"/>
+              </a:rPr>
+              <a:t> </a:t>
+            </a:r>
+          </a:p>
+          <a:p>
+            <a:pPr lvl="1">
+              <a:lnSpc>
+                <a:spcPts val="3000"/>
+              </a:lnSpc>
+              <a:buFontTx/>
+              <a:buChar char="-"/>
+            </a:pPr>
+            <a:r>
+              <a:rPr lang="en-GB" sz="3800" dirty="0">
+                <a:solidFill>
+                  <a:schemeClr val="bg2">
+                    <a:lumMod val="25000"/>
+                  </a:schemeClr>
+                </a:solidFill>
+                <a:latin typeface="Segoe UI Light" panose="020B0502040204020203" pitchFamily="34" charset="0"/>
+                <a:cs typeface="Segoe UI Light" panose="020B0502040204020203" pitchFamily="34" charset="0"/>
+              </a:rPr>
+              <a:t>over 40 libraries and compilers </a:t>
+            </a:r>
+          </a:p>
+          <a:p>
+            <a:pPr marL="457200" lvl="1" indent="0">
+              <a:lnSpc>
+                <a:spcPts val="3000"/>
+              </a:lnSpc>
+              <a:buNone/>
+            </a:pPr>
+            <a:r>
+              <a:rPr lang="en-GB" sz="3800" i="1" dirty="0">
+                <a:solidFill>
+                  <a:schemeClr val="bg2">
+                    <a:lumMod val="25000"/>
+                  </a:schemeClr>
+                </a:solidFill>
+                <a:latin typeface="Segoe UI Light" panose="020B0502040204020203" pitchFamily="34" charset="0"/>
+                <a:cs typeface="Segoe UI Light" panose="020B0502040204020203" pitchFamily="34" charset="0"/>
+              </a:rPr>
+              <a:t>let’s see these libraries and compilers…</a:t>
+            </a:r>
+          </a:p>
+          <a:p>
+            <a:pPr lvl="1">
+              <a:lnSpc>
+                <a:spcPts val="4000"/>
+              </a:lnSpc>
             </a:pPr>
             <a:endParaRPr lang="en-GB" sz="3800" dirty="0">
               <a:solidFill>
@@ -24686,27 +24395,17 @@
             </a:endParaRPr>
           </a:p>
           <a:p>
-            <a:pPr marL="457200" lvl="1" indent="0">
+            <a:pPr marL="0" lvl="0" indent="0">
+              <a:spcBef>
+                <a:spcPct val="0"/>
+              </a:spcBef>
+              <a:spcAft>
+                <a:spcPts val="2000"/>
+              </a:spcAft>
               <a:buNone/>
+              <a:defRPr/>
             </a:pPr>
-            <a:r>
-              <a:rPr lang="en-GB" sz="3800" dirty="0">
-                <a:solidFill>
-                  <a:schemeClr val="bg2">
-                    <a:lumMod val="25000"/>
-                  </a:schemeClr>
-                </a:solidFill>
-                <a:latin typeface="Segoe UI Light" panose="020B0502040204020203" pitchFamily="34" charset="0"/>
-                <a:cs typeface="Segoe UI Light" panose="020B0502040204020203" pitchFamily="34" charset="0"/>
-              </a:rPr>
-              <a:t>This will help give context to the workshop:</a:t>
-            </a:r>
-          </a:p>
-          <a:p>
-            <a:pPr marL="457200" lvl="1" indent="0">
-              <a:buNone/>
-            </a:pPr>
-            <a:endParaRPr lang="en-GB" sz="1600" dirty="0">
+            <a:endParaRPr lang="en-US" sz="3800" dirty="0">
               <a:solidFill>
                 <a:schemeClr val="bg2">
                   <a:lumMod val="25000"/>
@@ -24716,106 +24415,12 @@
               <a:cs typeface="Segoe UI Light" panose="020B0502040204020203" pitchFamily="34" charset="0"/>
             </a:endParaRPr>
           </a:p>
-          <a:p>
-            <a:pPr marL="457200" lvl="1" indent="0">
-              <a:lnSpc>
-                <a:spcPts val="4500"/>
-              </a:lnSpc>
-              <a:buNone/>
-            </a:pPr>
-            <a:r>
-              <a:rPr lang="en-GB" sz="2800" b="1" dirty="0">
-                <a:solidFill>
-                  <a:schemeClr val="bg2">
-                    <a:lumMod val="25000"/>
-                  </a:schemeClr>
-                </a:solidFill>
-                <a:latin typeface="Segoe UI Light" panose="020B0502040204020203" pitchFamily="34" charset="0"/>
-                <a:cs typeface="Segoe UI Light" panose="020B0502040204020203" pitchFamily="34" charset="0"/>
-              </a:rPr>
-              <a:t>1. Business case (1) site: WordPress converted to Micro Apps.</a:t>
-            </a:r>
-          </a:p>
-          <a:p>
-            <a:pPr lvl="1">
-              <a:lnSpc>
-                <a:spcPts val="4500"/>
-              </a:lnSpc>
-            </a:pPr>
-            <a:r>
-              <a:rPr lang="en-GB" sz="2800" dirty="0">
-                <a:solidFill>
-                  <a:srgbClr val="0070C0"/>
-                </a:solidFill>
-                <a:latin typeface="Segoe UI Light" panose="020B0502040204020203" pitchFamily="34" charset="0"/>
-                <a:cs typeface="Segoe UI Light" panose="020B0502040204020203" pitchFamily="34" charset="0"/>
-                <a:hlinkClick r:id="rId2">
-                  <a:extLst>
-                    <a:ext uri="{A12FA001-AC4F-418D-AE19-62706E023703}">
-                      <ahyp:hlinkClr xmlns:ahyp="http://schemas.microsoft.com/office/drawing/2018/hyperlinkcolor" val="tx"/>
-                    </a:ext>
-                  </a:extLst>
-                </a:hlinkClick>
-              </a:rPr>
-              <a:t>https://wpjs.co.uk/demo1</a:t>
-            </a:r>
-            <a:r>
-              <a:rPr lang="en-GB" sz="2800" dirty="0">
-                <a:solidFill>
-                  <a:srgbClr val="0070C0"/>
-                </a:solidFill>
-                <a:latin typeface="Segoe UI Light" panose="020B0502040204020203" pitchFamily="34" charset="0"/>
-                <a:cs typeface="Segoe UI Light" panose="020B0502040204020203" pitchFamily="34" charset="0"/>
-              </a:rPr>
-              <a:t> (in repo)</a:t>
-            </a:r>
-          </a:p>
-          <a:p>
-            <a:pPr lvl="1">
-              <a:lnSpc>
-                <a:spcPts val="4500"/>
-              </a:lnSpc>
-            </a:pPr>
-            <a:r>
-              <a:rPr lang="en-GB" sz="2800" b="1" dirty="0">
-                <a:solidFill>
-                  <a:schemeClr val="bg2">
-                    <a:lumMod val="25000"/>
-                  </a:schemeClr>
-                </a:solidFill>
-                <a:latin typeface="Segoe UI Light" panose="020B0502040204020203" pitchFamily="34" charset="0"/>
-                <a:cs typeface="Segoe UI Light" panose="020B0502040204020203" pitchFamily="34" charset="0"/>
-              </a:rPr>
-              <a:t>2. Conference app: MVP of many frameworks working together as separate </a:t>
-            </a:r>
-            <a:r>
-              <a:rPr lang="en-GB" sz="2800" b="1">
-                <a:solidFill>
-                  <a:schemeClr val="bg2">
-                    <a:lumMod val="25000"/>
-                  </a:schemeClr>
-                </a:solidFill>
-                <a:latin typeface="Segoe UI Light" panose="020B0502040204020203" pitchFamily="34" charset="0"/>
-                <a:cs typeface="Segoe UI Light" panose="020B0502040204020203" pitchFamily="34" charset="0"/>
-              </a:rPr>
-              <a:t>and independent Micro Apps.</a:t>
-            </a:r>
-            <a:endParaRPr lang="en-GB" sz="2800" b="1" dirty="0">
-              <a:solidFill>
-                <a:schemeClr val="bg2">
-                  <a:lumMod val="25000"/>
-                </a:schemeClr>
-              </a:solidFill>
-              <a:latin typeface="Segoe UI Light" panose="020B0502040204020203" pitchFamily="34" charset="0"/>
-              <a:cs typeface="Segoe UI Light" panose="020B0502040204020203" pitchFamily="34" charset="0"/>
-            </a:endParaRPr>
-          </a:p>
         </p:txBody>
       </p:sp>
     </p:spTree>
     <p:extLst>
       <p:ext uri="{BB962C8B-B14F-4D97-AF65-F5344CB8AC3E}">
-        <p14:creationId xmlns:p14="http://schemas.microsoft.com/office/powerpoint/2010/main" val="2710248439"/>
+        <p14:creationId xmlns:p14="http://schemas.microsoft.com/office/powerpoint/2010/main" val="2661540520"/>
       </p:ext>
     </p:extLst>
   </p:cSld>
@@ -24854,8 +24459,8 @@
         </p:nvSpPr>
         <p:spPr>
           <a:xfrm>
-            <a:off x="541608" y="426301"/>
-            <a:ext cx="10293539" cy="749992"/>
+            <a:off x="541609" y="426301"/>
+            <a:ext cx="8578726" cy="749992"/>
           </a:xfrm>
         </p:spPr>
         <p:txBody>
@@ -24869,7 +24474,7 @@
                 <a:latin typeface="Segoe UI Light" panose="020B0502040204020203" pitchFamily="34" charset="0"/>
                 <a:cs typeface="Segoe UI Light" panose="020B0502040204020203" pitchFamily="34" charset="0"/>
               </a:rPr>
-              <a:t>Converting Frameworks to Web Components</a:t>
+              <a:t>Demo time</a:t>
             </a:r>
           </a:p>
         </p:txBody>
@@ -25117,8 +24722,8 @@
         </p:nvSpPr>
         <p:spPr>
           <a:xfrm>
-            <a:off x="541608" y="1691065"/>
-            <a:ext cx="10971964" cy="5370701"/>
+            <a:off x="610018" y="1102145"/>
+            <a:ext cx="10971964" cy="3753463"/>
           </a:xfrm>
           <a:prstGeom prst="rect">
             <a:avLst/>
@@ -25130,111 +24735,6 @@
             <a:spAutoFit/>
           </a:bodyPr>
           <a:lstStyle/>
-          <a:p>
-            <a:pPr marL="914400" lvl="1" indent="-457200">
-              <a:buFont typeface="Arial" panose="020B0604020202020204" pitchFamily="34" charset="0"/>
-              <a:buChar char="•"/>
-            </a:pPr>
-            <a:endParaRPr lang="en-GB" sz="1100" dirty="0">
-              <a:solidFill>
-                <a:schemeClr val="bg2">
-                  <a:lumMod val="25000"/>
-                </a:schemeClr>
-              </a:solidFill>
-              <a:latin typeface="Segoe UI Light" panose="020B0502040204020203" pitchFamily="34" charset="0"/>
-              <a:cs typeface="Segoe UI Light" panose="020B0502040204020203" pitchFamily="34" charset="0"/>
-            </a:endParaRPr>
-          </a:p>
-          <a:p>
-            <a:pPr marL="914400" lvl="1" indent="-457200">
-              <a:buFont typeface="Arial" panose="020B0604020202020204" pitchFamily="34" charset="0"/>
-              <a:buChar char="•"/>
-            </a:pPr>
-            <a:r>
-              <a:rPr lang="en-GB" sz="3200" dirty="0">
-                <a:solidFill>
-                  <a:schemeClr val="bg2">
-                    <a:lumMod val="25000"/>
-                  </a:schemeClr>
-                </a:solidFill>
-                <a:latin typeface="Segoe UI Light" panose="020B0502040204020203" pitchFamily="34" charset="0"/>
-                <a:cs typeface="Segoe UI Light" panose="020B0502040204020203" pitchFamily="34" charset="0"/>
-              </a:rPr>
-              <a:t>Angular: https://angular.io/guide/elements</a:t>
-            </a:r>
-          </a:p>
-          <a:p>
-            <a:pPr marL="914400" lvl="1" indent="-457200">
-              <a:buFont typeface="Arial" panose="020B0604020202020204" pitchFamily="34" charset="0"/>
-              <a:buChar char="•"/>
-            </a:pPr>
-            <a:r>
-              <a:rPr lang="en-GB" sz="3200" dirty="0">
-                <a:solidFill>
-                  <a:schemeClr val="bg2">
-                    <a:lumMod val="25000"/>
-                  </a:schemeClr>
-                </a:solidFill>
-                <a:latin typeface="Segoe UI Light" panose="020B0502040204020203" pitchFamily="34" charset="0"/>
-                <a:cs typeface="Segoe UI Light" panose="020B0502040204020203" pitchFamily="34" charset="0"/>
-              </a:rPr>
-              <a:t>Vue: https://www.npmjs.com/package/vue-custom-element</a:t>
-            </a:r>
-          </a:p>
-          <a:p>
-            <a:pPr marL="914400" lvl="1" indent="-457200">
-              <a:buFont typeface="Arial" panose="020B0604020202020204" pitchFamily="34" charset="0"/>
-              <a:buChar char="•"/>
-            </a:pPr>
-            <a:r>
-              <a:rPr lang="en-GB" sz="3200" dirty="0">
-                <a:solidFill>
-                  <a:schemeClr val="bg2">
-                    <a:lumMod val="25000"/>
-                  </a:schemeClr>
-                </a:solidFill>
-                <a:latin typeface="Segoe UI Light" panose="020B0502040204020203" pitchFamily="34" charset="0"/>
-                <a:cs typeface="Segoe UI Light" panose="020B0502040204020203" pitchFamily="34" charset="0"/>
-              </a:rPr>
-              <a:t>Vue: https://github.com/karol-f/vue-custom-element#demo</a:t>
-            </a:r>
-          </a:p>
-          <a:p>
-            <a:pPr marL="914400" lvl="1" indent="-457200">
-              <a:buFont typeface="Arial" panose="020B0604020202020204" pitchFamily="34" charset="0"/>
-              <a:buChar char="•"/>
-            </a:pPr>
-            <a:r>
-              <a:rPr lang="en-GB" sz="3200" dirty="0">
-                <a:solidFill>
-                  <a:schemeClr val="bg2">
-                    <a:lumMod val="25000"/>
-                  </a:schemeClr>
-                </a:solidFill>
-                <a:latin typeface="Segoe UI Light" panose="020B0502040204020203" pitchFamily="34" charset="0"/>
-                <a:cs typeface="Segoe UI Light" panose="020B0502040204020203" pitchFamily="34" charset="0"/>
-              </a:rPr>
-              <a:t>React: https://github.com/LukasBombach/react-web-component</a:t>
-            </a:r>
-          </a:p>
-          <a:p>
-            <a:pPr marL="914400" lvl="1" indent="-457200">
-              <a:buFont typeface="Arial" panose="020B0604020202020204" pitchFamily="34" charset="0"/>
-              <a:buChar char="•"/>
-            </a:pPr>
-            <a:r>
-              <a:rPr lang="en-GB" sz="3200" i="1" dirty="0">
-                <a:solidFill>
-                  <a:schemeClr val="bg2">
-                    <a:lumMod val="25000"/>
-                  </a:schemeClr>
-                </a:solidFill>
-                <a:latin typeface="Segoe UI Light" panose="020B0502040204020203" pitchFamily="34" charset="0"/>
-                <a:cs typeface="Segoe UI Light" panose="020B0502040204020203" pitchFamily="34" charset="0"/>
-              </a:rPr>
-              <a:t>Many others: https://webcomponents.dev/</a:t>
-            </a:r>
-          </a:p>
           <a:p>
             <a:pPr marL="457200" lvl="1" indent="0">
               <a:buNone/>
@@ -25253,7 +24753,24 @@
             <a:pPr marL="457200" lvl="1" indent="0">
               <a:buNone/>
             </a:pPr>
-            <a:endParaRPr lang="en-GB" sz="3800" dirty="0">
+            <a:r>
+              <a:rPr lang="en-GB" sz="3800" dirty="0">
+                <a:solidFill>
+                  <a:schemeClr val="bg2">
+                    <a:lumMod val="25000"/>
+                  </a:schemeClr>
+                </a:solidFill>
+                <a:latin typeface="Segoe UI Light" panose="020B0502040204020203" pitchFamily="34" charset="0"/>
+                <a:cs typeface="Segoe UI Light" panose="020B0502040204020203" pitchFamily="34" charset="0"/>
+              </a:rPr>
+              <a:t>This will help give context to the workshop:</a:t>
+            </a:r>
+          </a:p>
+          <a:p>
+            <a:pPr marL="457200" lvl="1" indent="0">
+              <a:buNone/>
+            </a:pPr>
+            <a:endParaRPr lang="en-GB" sz="1600" dirty="0">
               <a:solidFill>
                 <a:schemeClr val="bg2">
                   <a:lumMod val="25000"/>
@@ -25263,12 +24780,106 @@
               <a:cs typeface="Segoe UI Light" panose="020B0502040204020203" pitchFamily="34" charset="0"/>
             </a:endParaRPr>
           </a:p>
+          <a:p>
+            <a:pPr marL="457200" lvl="1" indent="0">
+              <a:lnSpc>
+                <a:spcPts val="4500"/>
+              </a:lnSpc>
+              <a:buNone/>
+            </a:pPr>
+            <a:r>
+              <a:rPr lang="en-GB" sz="2800" b="1" dirty="0">
+                <a:solidFill>
+                  <a:schemeClr val="bg2">
+                    <a:lumMod val="25000"/>
+                  </a:schemeClr>
+                </a:solidFill>
+                <a:latin typeface="Segoe UI Light" panose="020B0502040204020203" pitchFamily="34" charset="0"/>
+                <a:cs typeface="Segoe UI Light" panose="020B0502040204020203" pitchFamily="34" charset="0"/>
+              </a:rPr>
+              <a:t>1. Business case (1) site: WordPress converted to Micro Apps.</a:t>
+            </a:r>
+          </a:p>
+          <a:p>
+            <a:pPr lvl="1">
+              <a:lnSpc>
+                <a:spcPts val="4500"/>
+              </a:lnSpc>
+            </a:pPr>
+            <a:r>
+              <a:rPr lang="en-GB" sz="2800" dirty="0">
+                <a:solidFill>
+                  <a:srgbClr val="0070C0"/>
+                </a:solidFill>
+                <a:latin typeface="Segoe UI Light" panose="020B0502040204020203" pitchFamily="34" charset="0"/>
+                <a:cs typeface="Segoe UI Light" panose="020B0502040204020203" pitchFamily="34" charset="0"/>
+                <a:hlinkClick r:id="rId2">
+                  <a:extLst>
+                    <a:ext uri="{A12FA001-AC4F-418D-AE19-62706E023703}">
+                      <ahyp:hlinkClr xmlns:ahyp="http://schemas.microsoft.com/office/drawing/2018/hyperlinkcolor" val="tx"/>
+                    </a:ext>
+                  </a:extLst>
+                </a:hlinkClick>
+              </a:rPr>
+              <a:t>https://wpjs.co.uk/demo1</a:t>
+            </a:r>
+            <a:r>
+              <a:rPr lang="en-GB" sz="2800" dirty="0">
+                <a:solidFill>
+                  <a:srgbClr val="0070C0"/>
+                </a:solidFill>
+                <a:latin typeface="Segoe UI Light" panose="020B0502040204020203" pitchFamily="34" charset="0"/>
+                <a:cs typeface="Segoe UI Light" panose="020B0502040204020203" pitchFamily="34" charset="0"/>
+              </a:rPr>
+              <a:t> (in repo)</a:t>
+            </a:r>
+          </a:p>
+          <a:p>
+            <a:pPr lvl="1">
+              <a:lnSpc>
+                <a:spcPts val="4500"/>
+              </a:lnSpc>
+            </a:pPr>
+            <a:r>
+              <a:rPr lang="en-GB" sz="2800" b="1" dirty="0">
+                <a:solidFill>
+                  <a:schemeClr val="bg2">
+                    <a:lumMod val="25000"/>
+                  </a:schemeClr>
+                </a:solidFill>
+                <a:latin typeface="Segoe UI Light" panose="020B0502040204020203" pitchFamily="34" charset="0"/>
+                <a:cs typeface="Segoe UI Light" panose="020B0502040204020203" pitchFamily="34" charset="0"/>
+              </a:rPr>
+              <a:t>2. Conference app: MVP of many frameworks working together as separate </a:t>
+            </a:r>
+            <a:r>
+              <a:rPr lang="en-GB" sz="2800" b="1">
+                <a:solidFill>
+                  <a:schemeClr val="bg2">
+                    <a:lumMod val="25000"/>
+                  </a:schemeClr>
+                </a:solidFill>
+                <a:latin typeface="Segoe UI Light" panose="020B0502040204020203" pitchFamily="34" charset="0"/>
+                <a:cs typeface="Segoe UI Light" panose="020B0502040204020203" pitchFamily="34" charset="0"/>
+              </a:rPr>
+              <a:t>and independent Micro Apps.</a:t>
+            </a:r>
+            <a:endParaRPr lang="en-GB" sz="2800" b="1" dirty="0">
+              <a:solidFill>
+                <a:schemeClr val="bg2">
+                  <a:lumMod val="25000"/>
+                </a:schemeClr>
+              </a:solidFill>
+              <a:latin typeface="Segoe UI Light" panose="020B0502040204020203" pitchFamily="34" charset="0"/>
+              <a:cs typeface="Segoe UI Light" panose="020B0502040204020203" pitchFamily="34" charset="0"/>
+            </a:endParaRPr>
+          </a:p>
         </p:txBody>
       </p:sp>
     </p:spTree>
     <p:extLst>
       <p:ext uri="{BB962C8B-B14F-4D97-AF65-F5344CB8AC3E}">
-        <p14:creationId xmlns:p14="http://schemas.microsoft.com/office/powerpoint/2010/main" val="2544231288"/>
+        <p14:creationId xmlns:p14="http://schemas.microsoft.com/office/powerpoint/2010/main" val="2710248439"/>
       </p:ext>
     </p:extLst>
   </p:cSld>
@@ -25322,7 +24933,7 @@
                 <a:latin typeface="Segoe UI Light" panose="020B0502040204020203" pitchFamily="34" charset="0"/>
                 <a:cs typeface="Segoe UI Light" panose="020B0502040204020203" pitchFamily="34" charset="0"/>
               </a:rPr>
-              <a:t>Deployment</a:t>
+              <a:t>Converting Frameworks to Web Components</a:t>
             </a:r>
           </a:p>
         </p:txBody>
@@ -25570,7 +25181,7 @@
         </p:nvSpPr>
         <p:spPr>
           <a:xfrm>
-            <a:off x="541608" y="1060998"/>
+            <a:off x="541608" y="1691065"/>
             <a:ext cx="10971964" cy="5370701"/>
           </a:xfrm>
           <a:prstGeom prst="rect">
@@ -25603,18 +25214,6 @@
               <a:buFont typeface="Arial" panose="020B0604020202020204" pitchFamily="34" charset="0"/>
               <a:buChar char="•"/>
             </a:pPr>
-            <a:endParaRPr lang="en-GB" sz="3200" dirty="0">
-              <a:solidFill>
-                <a:schemeClr val="bg2">
-                  <a:lumMod val="25000"/>
-                </a:schemeClr>
-              </a:solidFill>
-              <a:latin typeface="Segoe UI Light" panose="020B0502040204020203" pitchFamily="34" charset="0"/>
-              <a:cs typeface="Segoe UI Light" panose="020B0502040204020203" pitchFamily="34" charset="0"/>
-            </a:endParaRPr>
-          </a:p>
-          <a:p>
-            <a:pPr lvl="1"/>
             <a:r>
               <a:rPr lang="en-GB" sz="3200" dirty="0">
                 <a:solidFill>
@@ -25625,23 +25224,8 @@
                 <a:latin typeface="Segoe UI Light" panose="020B0502040204020203" pitchFamily="34" charset="0"/>
                 <a:cs typeface="Segoe UI Light" panose="020B0502040204020203" pitchFamily="34" charset="0"/>
               </a:rPr>
-              <a:t>How to deploy Web Components as a third party:</a:t>
+              <a:t>Angular: https://angular.io/guide/elements</a:t>
             </a:r>
-          </a:p>
-          <a:p>
-            <a:pPr marL="914400" lvl="1" indent="-457200">
-              <a:buFont typeface="Arial" panose="020B0604020202020204" pitchFamily="34" charset="0"/>
-              <a:buChar char="•"/>
-            </a:pPr>
-            <a:endParaRPr lang="en-GB" sz="3200" dirty="0">
-              <a:solidFill>
-                <a:schemeClr val="bg2">
-                  <a:lumMod val="25000"/>
-                </a:schemeClr>
-              </a:solidFill>
-              <a:latin typeface="Segoe UI Light" panose="020B0502040204020203" pitchFamily="34" charset="0"/>
-              <a:cs typeface="Segoe UI Light" panose="020B0502040204020203" pitchFamily="34" charset="0"/>
-            </a:endParaRPr>
           </a:p>
           <a:p>
             <a:pPr marL="914400" lvl="1" indent="-457200">
@@ -25658,7 +25242,7 @@
                 <a:latin typeface="Segoe UI Light" panose="020B0502040204020203" pitchFamily="34" charset="0"/>
                 <a:cs typeface="Segoe UI Light" panose="020B0502040204020203" pitchFamily="34" charset="0"/>
               </a:rPr>
-              <a:t>In HTML pages as we have seen.</a:t>
+              <a:t>Vue: https://www.npmjs.com/package/vue-custom-element</a:t>
             </a:r>
           </a:p>
           <a:p>
@@ -25676,7 +25260,7 @@
                 <a:latin typeface="Segoe UI Light" panose="020B0502040204020203" pitchFamily="34" charset="0"/>
                 <a:cs typeface="Segoe UI Light" panose="020B0502040204020203" pitchFamily="34" charset="0"/>
               </a:rPr>
-              <a:t>Via NPM we can import into builds.</a:t>
+              <a:t>Vue: https://github.com/karol-f/vue-custom-element#demo</a:t>
             </a:r>
           </a:p>
           <a:p>
@@ -25694,7 +25278,25 @@
                 <a:latin typeface="Segoe UI Light" panose="020B0502040204020203" pitchFamily="34" charset="0"/>
                 <a:cs typeface="Segoe UI Light" panose="020B0502040204020203" pitchFamily="34" charset="0"/>
               </a:rPr>
-              <a:t>For Angular, Vue, React etc, there are well documented procedures, (e.g. https://stenciljs.com/docs/framework-bindings)</a:t>
+              <a:t>React: https://github.com/LukasBombach/react-web-component</a:t>
+            </a:r>
+          </a:p>
+          <a:p>
+            <a:pPr marL="914400" lvl="1" indent="-457200">
+              <a:buFont typeface="Arial" panose="020B0604020202020204" pitchFamily="34" charset="0"/>
+              <a:buChar char="•"/>
+            </a:pPr>
+            <a:r>
+              <a:rPr lang="en-GB" sz="3200" i="1" dirty="0">
+                <a:solidFill>
+                  <a:schemeClr val="bg2">
+                    <a:lumMod val="25000"/>
+                  </a:schemeClr>
+                </a:solidFill>
+                <a:latin typeface="Segoe UI Light" panose="020B0502040204020203" pitchFamily="34" charset="0"/>
+                <a:cs typeface="Segoe UI Light" panose="020B0502040204020203" pitchFamily="34" charset="0"/>
+              </a:rPr>
+              <a:t>Many others: https://webcomponents.dev/</a:t>
             </a:r>
           </a:p>
           <a:p>
@@ -25730,7 +25332,7 @@
     </p:spTree>
     <p:extLst>
       <p:ext uri="{BB962C8B-B14F-4D97-AF65-F5344CB8AC3E}">
-        <p14:creationId xmlns:p14="http://schemas.microsoft.com/office/powerpoint/2010/main" val="673831935"/>
+        <p14:creationId xmlns:p14="http://schemas.microsoft.com/office/powerpoint/2010/main" val="2544231288"/>
       </p:ext>
     </p:extLst>
   </p:cSld>
@@ -25784,6 +25386,468 @@
                 <a:latin typeface="Segoe UI Light" panose="020B0502040204020203" pitchFamily="34" charset="0"/>
                 <a:cs typeface="Segoe UI Light" panose="020B0502040204020203" pitchFamily="34" charset="0"/>
               </a:rPr>
+              <a:t>Deployment</a:t>
+            </a:r>
+          </a:p>
+        </p:txBody>
+      </p:sp>
+      <p:sp>
+        <p:nvSpPr>
+          <p:cNvPr id="25" name="Content Placeholder 17"/>
+          <p:cNvSpPr txBox="1">
+            <a:spLocks/>
+          </p:cNvSpPr>
+          <p:nvPr/>
+        </p:nvSpPr>
+        <p:spPr>
+          <a:xfrm>
+            <a:off x="541609" y="1455491"/>
+            <a:ext cx="5110161" cy="471149"/>
+          </a:xfrm>
+          <a:prstGeom prst="rect">
+            <a:avLst/>
+          </a:prstGeom>
+        </p:spPr>
+        <p:txBody>
+          <a:bodyPr vert="horz" lIns="91440" tIns="45720" rIns="91440" bIns="45720" rtlCol="0">
+            <a:normAutofit/>
+          </a:bodyPr>
+          <a:lstStyle>
+            <a:lvl1pPr marL="228600" indent="-228600" algn="l" defTabSz="914400" rtl="0" eaLnBrk="1" latinLnBrk="0" hangingPunct="1">
+              <a:lnSpc>
+                <a:spcPts val="1800"/>
+              </a:lnSpc>
+              <a:spcBef>
+                <a:spcPts val="1000"/>
+              </a:spcBef>
+              <a:spcAft>
+                <a:spcPts val="1000"/>
+              </a:spcAft>
+              <a:buFont typeface="Arial" panose="020B0604020202020204" pitchFamily="34" charset="0"/>
+              <a:buChar char="•"/>
+              <a:defRPr lang="en-US" sz="1200" kern="1200" smtClean="0">
+                <a:solidFill>
+                  <a:schemeClr val="tx1">
+                    <a:lumMod val="75000"/>
+                    <a:lumOff val="25000"/>
+                  </a:schemeClr>
+                </a:solidFill>
+                <a:latin typeface="+mn-lt"/>
+                <a:ea typeface="+mn-ea"/>
+                <a:cs typeface="+mn-cs"/>
+              </a:defRPr>
+            </a:lvl1pPr>
+            <a:lvl2pPr marL="685800" indent="-228600" algn="l" defTabSz="914400" rtl="0" eaLnBrk="1" latinLnBrk="0" hangingPunct="1">
+              <a:lnSpc>
+                <a:spcPts val="1800"/>
+              </a:lnSpc>
+              <a:spcBef>
+                <a:spcPts val="1000"/>
+              </a:spcBef>
+              <a:spcAft>
+                <a:spcPts val="1000"/>
+              </a:spcAft>
+              <a:buFont typeface="Arial" panose="020B0604020202020204" pitchFamily="34" charset="0"/>
+              <a:buChar char="•"/>
+              <a:defRPr lang="en-US" sz="1200" kern="1200" smtClean="0">
+                <a:solidFill>
+                  <a:schemeClr val="tx1">
+                    <a:lumMod val="75000"/>
+                    <a:lumOff val="25000"/>
+                  </a:schemeClr>
+                </a:solidFill>
+                <a:latin typeface="+mn-lt"/>
+                <a:ea typeface="+mn-ea"/>
+                <a:cs typeface="+mn-cs"/>
+              </a:defRPr>
+            </a:lvl2pPr>
+            <a:lvl3pPr marL="1143000" indent="-228600" algn="l" defTabSz="914400" rtl="0" eaLnBrk="1" latinLnBrk="0" hangingPunct="1">
+              <a:lnSpc>
+                <a:spcPts val="1800"/>
+              </a:lnSpc>
+              <a:spcBef>
+                <a:spcPts val="1000"/>
+              </a:spcBef>
+              <a:spcAft>
+                <a:spcPts val="1000"/>
+              </a:spcAft>
+              <a:buFont typeface="Arial" panose="020B0604020202020204" pitchFamily="34" charset="0"/>
+              <a:buChar char="•"/>
+              <a:defRPr lang="en-US" sz="1200" kern="1200" smtClean="0">
+                <a:solidFill>
+                  <a:schemeClr val="tx1">
+                    <a:lumMod val="75000"/>
+                    <a:lumOff val="25000"/>
+                  </a:schemeClr>
+                </a:solidFill>
+                <a:latin typeface="+mn-lt"/>
+                <a:ea typeface="+mn-ea"/>
+                <a:cs typeface="+mn-cs"/>
+              </a:defRPr>
+            </a:lvl3pPr>
+            <a:lvl4pPr marL="1600200" indent="-228600" algn="l" defTabSz="914400" rtl="0" eaLnBrk="1" latinLnBrk="0" hangingPunct="1">
+              <a:lnSpc>
+                <a:spcPts val="1800"/>
+              </a:lnSpc>
+              <a:spcBef>
+                <a:spcPts val="1000"/>
+              </a:spcBef>
+              <a:spcAft>
+                <a:spcPts val="1000"/>
+              </a:spcAft>
+              <a:buFont typeface="Arial" panose="020B0604020202020204" pitchFamily="34" charset="0"/>
+              <a:buChar char="•"/>
+              <a:defRPr lang="en-US" sz="1200" kern="1200" smtClean="0">
+                <a:solidFill>
+                  <a:schemeClr val="tx1">
+                    <a:lumMod val="75000"/>
+                    <a:lumOff val="25000"/>
+                  </a:schemeClr>
+                </a:solidFill>
+                <a:latin typeface="+mn-lt"/>
+                <a:ea typeface="+mn-ea"/>
+                <a:cs typeface="+mn-cs"/>
+              </a:defRPr>
+            </a:lvl4pPr>
+            <a:lvl5pPr marL="2057400" indent="-228600" algn="l" defTabSz="914400" rtl="0" eaLnBrk="1" latinLnBrk="0" hangingPunct="1">
+              <a:lnSpc>
+                <a:spcPts val="1800"/>
+              </a:lnSpc>
+              <a:spcBef>
+                <a:spcPts val="1000"/>
+              </a:spcBef>
+              <a:spcAft>
+                <a:spcPts val="1000"/>
+              </a:spcAft>
+              <a:buFont typeface="Arial" panose="020B0604020202020204" pitchFamily="34" charset="0"/>
+              <a:buChar char="•"/>
+              <a:defRPr lang="en-US" sz="1200" kern="1200">
+                <a:solidFill>
+                  <a:schemeClr val="tx1">
+                    <a:lumMod val="75000"/>
+                    <a:lumOff val="25000"/>
+                  </a:schemeClr>
+                </a:solidFill>
+                <a:latin typeface="+mn-lt"/>
+                <a:ea typeface="+mn-ea"/>
+                <a:cs typeface="+mn-cs"/>
+              </a:defRPr>
+            </a:lvl5pPr>
+            <a:lvl6pPr marL="2514600" indent="-228600" algn="l" defTabSz="914400" rtl="0" eaLnBrk="1" latinLnBrk="0" hangingPunct="1">
+              <a:lnSpc>
+                <a:spcPct val="90000"/>
+              </a:lnSpc>
+              <a:spcBef>
+                <a:spcPct val="30000"/>
+              </a:spcBef>
+              <a:buFont typeface="Arial" panose="020B0604020202020204" pitchFamily="34" charset="0"/>
+              <a:buChar char="•"/>
+              <a:defRPr sz="1800" kern="1200">
+                <a:solidFill>
+                  <a:schemeClr val="tx1"/>
+                </a:solidFill>
+                <a:latin typeface="+mn-lt"/>
+                <a:ea typeface="+mn-ea"/>
+                <a:cs typeface="+mn-cs"/>
+              </a:defRPr>
+            </a:lvl6pPr>
+            <a:lvl7pPr marL="2971800" indent="-228600" algn="l" defTabSz="914400" rtl="0" eaLnBrk="1" latinLnBrk="0" hangingPunct="1">
+              <a:lnSpc>
+                <a:spcPct val="90000"/>
+              </a:lnSpc>
+              <a:spcBef>
+                <a:spcPct val="30000"/>
+              </a:spcBef>
+              <a:buFont typeface="Arial" panose="020B0604020202020204" pitchFamily="34" charset="0"/>
+              <a:buChar char="•"/>
+              <a:defRPr sz="1800" kern="1200">
+                <a:solidFill>
+                  <a:schemeClr val="tx1"/>
+                </a:solidFill>
+                <a:latin typeface="+mn-lt"/>
+                <a:ea typeface="+mn-ea"/>
+                <a:cs typeface="+mn-cs"/>
+              </a:defRPr>
+            </a:lvl7pPr>
+            <a:lvl8pPr marL="3429000" indent="-228600" algn="l" defTabSz="914400" rtl="0" eaLnBrk="1" latinLnBrk="0" hangingPunct="1">
+              <a:lnSpc>
+                <a:spcPct val="90000"/>
+              </a:lnSpc>
+              <a:spcBef>
+                <a:spcPct val="30000"/>
+              </a:spcBef>
+              <a:buFont typeface="Arial" panose="020B0604020202020204" pitchFamily="34" charset="0"/>
+              <a:buChar char="•"/>
+              <a:defRPr sz="1800" kern="1200">
+                <a:solidFill>
+                  <a:schemeClr val="tx1"/>
+                </a:solidFill>
+                <a:latin typeface="+mn-lt"/>
+                <a:ea typeface="+mn-ea"/>
+                <a:cs typeface="+mn-cs"/>
+              </a:defRPr>
+            </a:lvl8pPr>
+            <a:lvl9pPr marL="3886200" indent="-228600" algn="l" defTabSz="914400" rtl="0" eaLnBrk="1" latinLnBrk="0" hangingPunct="1">
+              <a:lnSpc>
+                <a:spcPct val="90000"/>
+              </a:lnSpc>
+              <a:spcBef>
+                <a:spcPct val="30000"/>
+              </a:spcBef>
+              <a:buFont typeface="Arial" panose="020B0604020202020204" pitchFamily="34" charset="0"/>
+              <a:buChar char="•"/>
+              <a:defRPr sz="1800" kern="1200">
+                <a:solidFill>
+                  <a:schemeClr val="tx1"/>
+                </a:solidFill>
+                <a:latin typeface="+mn-lt"/>
+                <a:ea typeface="+mn-ea"/>
+                <a:cs typeface="+mn-cs"/>
+              </a:defRPr>
+            </a:lvl9pPr>
+          </a:lstStyle>
+          <a:p>
+            <a:pPr marL="0" indent="0">
+              <a:spcAft>
+                <a:spcPts val="2000"/>
+              </a:spcAft>
+              <a:buNone/>
+            </a:pPr>
+            <a:endParaRPr lang="en-US" sz="1800" dirty="0">
+              <a:latin typeface="Segoe UI" panose="020B0502040204020203" pitchFamily="34" charset="0"/>
+              <a:cs typeface="Segoe UI" panose="020B0502040204020203" pitchFamily="34" charset="0"/>
+            </a:endParaRPr>
+          </a:p>
+        </p:txBody>
+      </p:sp>
+      <p:sp>
+        <p:nvSpPr>
+          <p:cNvPr id="8" name="TextBox 7">
+            <a:extLst>
+              <a:ext uri="{FF2B5EF4-FFF2-40B4-BE49-F238E27FC236}">
+                <a16:creationId xmlns:a16="http://schemas.microsoft.com/office/drawing/2014/main" id="{D4329088-EA16-420B-B145-A30265C6D3B4}"/>
+              </a:ext>
+            </a:extLst>
+          </p:cNvPr>
+          <p:cNvSpPr txBox="1"/>
+          <p:nvPr/>
+        </p:nvSpPr>
+        <p:spPr>
+          <a:xfrm>
+            <a:off x="541608" y="1060998"/>
+            <a:ext cx="10971964" cy="5370701"/>
+          </a:xfrm>
+          <a:prstGeom prst="rect">
+            <a:avLst/>
+          </a:prstGeom>
+          <a:noFill/>
+        </p:spPr>
+        <p:txBody>
+          <a:bodyPr wrap="square">
+            <a:spAutoFit/>
+          </a:bodyPr>
+          <a:lstStyle/>
+          <a:p>
+            <a:pPr marL="914400" lvl="1" indent="-457200">
+              <a:buFont typeface="Arial" panose="020B0604020202020204" pitchFamily="34" charset="0"/>
+              <a:buChar char="•"/>
+            </a:pPr>
+            <a:endParaRPr lang="en-GB" sz="1100" dirty="0">
+              <a:solidFill>
+                <a:schemeClr val="bg2">
+                  <a:lumMod val="25000"/>
+                </a:schemeClr>
+              </a:solidFill>
+              <a:latin typeface="Segoe UI Light" panose="020B0502040204020203" pitchFamily="34" charset="0"/>
+              <a:cs typeface="Segoe UI Light" panose="020B0502040204020203" pitchFamily="34" charset="0"/>
+            </a:endParaRPr>
+          </a:p>
+          <a:p>
+            <a:pPr marL="914400" lvl="1" indent="-457200">
+              <a:buFont typeface="Arial" panose="020B0604020202020204" pitchFamily="34" charset="0"/>
+              <a:buChar char="•"/>
+            </a:pPr>
+            <a:endParaRPr lang="en-GB" sz="3200" dirty="0">
+              <a:solidFill>
+                <a:schemeClr val="bg2">
+                  <a:lumMod val="25000"/>
+                </a:schemeClr>
+              </a:solidFill>
+              <a:latin typeface="Segoe UI Light" panose="020B0502040204020203" pitchFamily="34" charset="0"/>
+              <a:cs typeface="Segoe UI Light" panose="020B0502040204020203" pitchFamily="34" charset="0"/>
+            </a:endParaRPr>
+          </a:p>
+          <a:p>
+            <a:pPr lvl="1"/>
+            <a:r>
+              <a:rPr lang="en-GB" sz="3200" dirty="0">
+                <a:solidFill>
+                  <a:schemeClr val="bg2">
+                    <a:lumMod val="25000"/>
+                  </a:schemeClr>
+                </a:solidFill>
+                <a:latin typeface="Segoe UI Light" panose="020B0502040204020203" pitchFamily="34" charset="0"/>
+                <a:cs typeface="Segoe UI Light" panose="020B0502040204020203" pitchFamily="34" charset="0"/>
+              </a:rPr>
+              <a:t>How to deploy Web Components as a third party:</a:t>
+            </a:r>
+          </a:p>
+          <a:p>
+            <a:pPr marL="914400" lvl="1" indent="-457200">
+              <a:buFont typeface="Arial" panose="020B0604020202020204" pitchFamily="34" charset="0"/>
+              <a:buChar char="•"/>
+            </a:pPr>
+            <a:endParaRPr lang="en-GB" sz="3200" dirty="0">
+              <a:solidFill>
+                <a:schemeClr val="bg2">
+                  <a:lumMod val="25000"/>
+                </a:schemeClr>
+              </a:solidFill>
+              <a:latin typeface="Segoe UI Light" panose="020B0502040204020203" pitchFamily="34" charset="0"/>
+              <a:cs typeface="Segoe UI Light" panose="020B0502040204020203" pitchFamily="34" charset="0"/>
+            </a:endParaRPr>
+          </a:p>
+          <a:p>
+            <a:pPr marL="914400" lvl="1" indent="-457200">
+              <a:buFont typeface="Arial" panose="020B0604020202020204" pitchFamily="34" charset="0"/>
+              <a:buChar char="•"/>
+            </a:pPr>
+            <a:r>
+              <a:rPr lang="en-GB" sz="3200" dirty="0">
+                <a:solidFill>
+                  <a:schemeClr val="bg2">
+                    <a:lumMod val="25000"/>
+                  </a:schemeClr>
+                </a:solidFill>
+                <a:latin typeface="Segoe UI Light" panose="020B0502040204020203" pitchFamily="34" charset="0"/>
+                <a:cs typeface="Segoe UI Light" panose="020B0502040204020203" pitchFamily="34" charset="0"/>
+              </a:rPr>
+              <a:t>In HTML pages as we have seen.</a:t>
+            </a:r>
+          </a:p>
+          <a:p>
+            <a:pPr marL="914400" lvl="1" indent="-457200">
+              <a:buFont typeface="Arial" panose="020B0604020202020204" pitchFamily="34" charset="0"/>
+              <a:buChar char="•"/>
+            </a:pPr>
+            <a:r>
+              <a:rPr lang="en-GB" sz="3200" dirty="0">
+                <a:solidFill>
+                  <a:schemeClr val="bg2">
+                    <a:lumMod val="25000"/>
+                  </a:schemeClr>
+                </a:solidFill>
+                <a:latin typeface="Segoe UI Light" panose="020B0502040204020203" pitchFamily="34" charset="0"/>
+                <a:cs typeface="Segoe UI Light" panose="020B0502040204020203" pitchFamily="34" charset="0"/>
+              </a:rPr>
+              <a:t>Via NPM we can import into builds.</a:t>
+            </a:r>
+          </a:p>
+          <a:p>
+            <a:pPr marL="914400" lvl="1" indent="-457200">
+              <a:buFont typeface="Arial" panose="020B0604020202020204" pitchFamily="34" charset="0"/>
+              <a:buChar char="•"/>
+            </a:pPr>
+            <a:r>
+              <a:rPr lang="en-GB" sz="3200" dirty="0">
+                <a:solidFill>
+                  <a:schemeClr val="bg2">
+                    <a:lumMod val="25000"/>
+                  </a:schemeClr>
+                </a:solidFill>
+                <a:latin typeface="Segoe UI Light" panose="020B0502040204020203" pitchFamily="34" charset="0"/>
+                <a:cs typeface="Segoe UI Light" panose="020B0502040204020203" pitchFamily="34" charset="0"/>
+              </a:rPr>
+              <a:t>For Angular, Vue, React etc, there are well documented procedures, (e.g. https://stenciljs.com/docs/framework-bindings)</a:t>
+            </a:r>
+          </a:p>
+          <a:p>
+            <a:pPr marL="457200" lvl="1" indent="0">
+              <a:buNone/>
+            </a:pPr>
+            <a:endParaRPr lang="en-GB" sz="3800" dirty="0">
+              <a:solidFill>
+                <a:schemeClr val="bg2">
+                  <a:lumMod val="25000"/>
+                </a:schemeClr>
+              </a:solidFill>
+              <a:latin typeface="Segoe UI Light" panose="020B0502040204020203" pitchFamily="34" charset="0"/>
+              <a:cs typeface="Segoe UI Light" panose="020B0502040204020203" pitchFamily="34" charset="0"/>
+            </a:endParaRPr>
+          </a:p>
+          <a:p>
+            <a:pPr marL="457200" lvl="1" indent="0">
+              <a:buNone/>
+            </a:pPr>
+            <a:endParaRPr lang="en-GB" sz="3800" dirty="0">
+              <a:solidFill>
+                <a:schemeClr val="bg2">
+                  <a:lumMod val="25000"/>
+                </a:schemeClr>
+              </a:solidFill>
+              <a:latin typeface="Segoe UI Light" panose="020B0502040204020203" pitchFamily="34" charset="0"/>
+              <a:cs typeface="Segoe UI Light" panose="020B0502040204020203" pitchFamily="34" charset="0"/>
+            </a:endParaRPr>
+          </a:p>
+        </p:txBody>
+      </p:sp>
+    </p:spTree>
+    <p:extLst>
+      <p:ext uri="{BB962C8B-B14F-4D97-AF65-F5344CB8AC3E}">
+        <p14:creationId xmlns:p14="http://schemas.microsoft.com/office/powerpoint/2010/main" val="673831935"/>
+      </p:ext>
+    </p:extLst>
+  </p:cSld>
+  <p:clrMapOvr>
+    <a:masterClrMapping/>
+  </p:clrMapOvr>
+</p:sld>
+</file>
+
+<file path=ppt/slides/slide46.xml><?xml version="1.0" encoding="utf-8"?>
+<p:sld xmlns:a="http://schemas.openxmlformats.org/drawingml/2006/main" xmlns:r="http://schemas.openxmlformats.org/officeDocument/2006/relationships" xmlns:p="http://schemas.openxmlformats.org/presentationml/2006/main">
+  <p:cSld>
+    <p:spTree>
+      <p:nvGrpSpPr>
+        <p:cNvPr id="1" name=""/>
+        <p:cNvGrpSpPr/>
+        <p:nvPr/>
+      </p:nvGrpSpPr>
+      <p:grpSpPr>
+        <a:xfrm>
+          <a:off x="0" y="0"/>
+          <a:ext cx="0" cy="0"/>
+          <a:chOff x="0" y="0"/>
+          <a:chExt cx="0" cy="0"/>
+        </a:xfrm>
+      </p:grpSpPr>
+      <p:sp>
+        <p:nvSpPr>
+          <p:cNvPr id="4" name="Title 3"/>
+          <p:cNvSpPr>
+            <a:spLocks noGrp="1"/>
+          </p:cNvSpPr>
+          <p:nvPr>
+            <p:ph type="title"/>
+          </p:nvPr>
+        </p:nvSpPr>
+        <p:spPr>
+          <a:xfrm>
+            <a:off x="541608" y="426301"/>
+            <a:ext cx="10293539" cy="749992"/>
+          </a:xfrm>
+        </p:spPr>
+        <p:txBody>
+          <a:bodyPr>
+            <a:noAutofit/>
+          </a:bodyPr>
+          <a:lstStyle/>
+          <a:p>
+            <a:r>
+              <a:rPr lang="en-US" sz="4000" dirty="0">
+                <a:latin typeface="Segoe UI Light" panose="020B0502040204020203" pitchFamily="34" charset="0"/>
+                <a:cs typeface="Segoe UI Light" panose="020B0502040204020203" pitchFamily="34" charset="0"/>
+              </a:rPr>
               <a:t>Useful links</a:t>
             </a:r>
           </a:p>
@@ -26304,7 +26368,7 @@
 </p:sld>
 </file>
 
-<file path=ppt/slides/slide46.xml><?xml version="1.0" encoding="utf-8"?>
+<file path=ppt/slides/slide47.xml><?xml version="1.0" encoding="utf-8"?>
 <p:sld xmlns:a="http://schemas.openxmlformats.org/drawingml/2006/main" xmlns:r="http://schemas.openxmlformats.org/officeDocument/2006/relationships" xmlns:p="http://schemas.openxmlformats.org/presentationml/2006/main">
   <p:cSld>
     <p:spTree>
@@ -30917,15 +30981,6 @@
 </file>
 
 <file path=customXml/item1.xml><?xml version="1.0" encoding="utf-8"?>
-<p:properties xmlns:p="http://schemas.microsoft.com/office/2006/metadata/properties" xmlns:xsi="http://www.w3.org/2001/XMLSchema-instance" xmlns:pc="http://schemas.microsoft.com/office/infopath/2007/PartnerControls">
-  <documentManagement>
-    <Status xmlns="71af3243-3dd4-4a8d-8c0d-dd76da1f02a5">Not started</Status>
-    <MediaServiceKeyPoints xmlns="71af3243-3dd4-4a8d-8c0d-dd76da1f02a5" xsi:nil="true"/>
-  </documentManagement>
-</p:properties>
-</file>
-
-<file path=customXml/item2.xml><?xml version="1.0" encoding="utf-8"?>
 <?mso-contentType ?>
 <FormTemplates xmlns="http://schemas.microsoft.com/sharepoint/v3/contenttype/forms">
   <Display>DocumentLibraryForm</Display>
@@ -30934,7 +30989,7 @@
 </FormTemplates>
 </file>
 
-<file path=customXml/item3.xml><?xml version="1.0" encoding="utf-8"?>
+<file path=customXml/item2.xml><?xml version="1.0" encoding="utf-8"?>
 <ct:contentTypeSchema xmlns:ct="http://schemas.microsoft.com/office/2006/metadata/contentType" xmlns:ma="http://schemas.microsoft.com/office/2006/metadata/properties/metaAttributes" ct:_="" ma:_="" ma:contentTypeName="Document" ma:contentTypeID="0x01010079F111ED35F8CC479449609E8A0923A6" ma:contentTypeVersion="12" ma:contentTypeDescription="Create a new document." ma:contentTypeScope="" ma:versionID="a8a52e8c320b9a064ae3583ae3861c92">
   <xsd:schema xmlns:xsd="http://www.w3.org/2001/XMLSchema" xmlns:xs="http://www.w3.org/2001/XMLSchema" xmlns:p="http://schemas.microsoft.com/office/2006/metadata/properties" xmlns:ns2="71af3243-3dd4-4a8d-8c0d-dd76da1f02a5" xmlns:ns3="16c05727-aa75-4e4a-9b5f-8a80a1165891" targetNamespace="http://schemas.microsoft.com/office/2006/metadata/properties" ma:root="true" ma:fieldsID="88020cb39231a0945110f9cd888b521a" ns2:_="" ns3:_="">
     <xsd:import namespace="71af3243-3dd4-4a8d-8c0d-dd76da1f02a5"/>
@@ -31155,24 +31210,16 @@
 </ct:contentTypeSchema>
 </file>
 
-<file path=customXml/itemProps1.xml><?xml version="1.0" encoding="utf-8"?>
-<ds:datastoreItem xmlns:ds="http://schemas.openxmlformats.org/officeDocument/2006/customXml" ds:itemID="{950072C5-DDE0-4258-BA7A-4D4B80DFA632}">
-  <ds:schemaRefs>
-    <ds:schemaRef ds:uri="http://purl.org/dc/terms/"/>
-    <ds:schemaRef ds:uri="http://www.w3.org/XML/1998/namespace"/>
-    <ds:schemaRef ds:uri="71af3243-3dd4-4a8d-8c0d-dd76da1f02a5"/>
-    <ds:schemaRef ds:uri="http://schemas.microsoft.com/office/2006/documentManagement/types"/>
-    <ds:schemaRef ds:uri="http://purl.org/dc/elements/1.1/"/>
-    <ds:schemaRef ds:uri="http://schemas.microsoft.com/office/infopath/2007/PartnerControls"/>
-    <ds:schemaRef ds:uri="http://schemas.openxmlformats.org/package/2006/metadata/core-properties"/>
-    <ds:schemaRef ds:uri="16c05727-aa75-4e4a-9b5f-8a80a1165891"/>
-    <ds:schemaRef ds:uri="http://schemas.microsoft.com/office/2006/metadata/properties"/>
-    <ds:schemaRef ds:uri="http://purl.org/dc/dcmitype/"/>
-  </ds:schemaRefs>
-</ds:datastoreItem>
+<file path=customXml/item3.xml><?xml version="1.0" encoding="utf-8"?>
+<p:properties xmlns:p="http://schemas.microsoft.com/office/2006/metadata/properties" xmlns:xsi="http://www.w3.org/2001/XMLSchema-instance" xmlns:pc="http://schemas.microsoft.com/office/infopath/2007/PartnerControls">
+  <documentManagement>
+    <Status xmlns="71af3243-3dd4-4a8d-8c0d-dd76da1f02a5">Not started</Status>
+    <MediaServiceKeyPoints xmlns="71af3243-3dd4-4a8d-8c0d-dd76da1f02a5" xsi:nil="true"/>
+  </documentManagement>
+</p:properties>
 </file>
 
-<file path=customXml/itemProps2.xml><?xml version="1.0" encoding="utf-8"?>
+<file path=customXml/itemProps1.xml><?xml version="1.0" encoding="utf-8"?>
 <ds:datastoreItem xmlns:ds="http://schemas.openxmlformats.org/officeDocument/2006/customXml" ds:itemID="{7EE8C63A-4744-4DE4-BB49-0FF0B5375C60}">
   <ds:schemaRefs>
     <ds:schemaRef ds:uri="http://schemas.microsoft.com/sharepoint/v3/contenttype/forms"/>
@@ -31180,7 +31227,7 @@
 </ds:datastoreItem>
 </file>
 
-<file path=customXml/itemProps3.xml><?xml version="1.0" encoding="utf-8"?>
+<file path=customXml/itemProps2.xml><?xml version="1.0" encoding="utf-8"?>
 <ds:datastoreItem xmlns:ds="http://schemas.openxmlformats.org/officeDocument/2006/customXml" ds:itemID="{FD7FC771-7DFE-49DA-B577-71181BFBCB2E}">
   <ds:schemaRefs>
     <ds:schemaRef ds:uri="http://schemas.microsoft.com/office/2006/metadata/contentType"/>
@@ -31197,4 +31244,21 @@
     <ds:schemaRef ds:uri="http://schemas.microsoft.com/internal/obd"/>
   </ds:schemaRefs>
 </ds:datastoreItem>
+</file>
+
+<file path=customXml/itemProps3.xml><?xml version="1.0" encoding="utf-8"?>
+<ds:datastoreItem xmlns:ds="http://schemas.openxmlformats.org/officeDocument/2006/customXml" ds:itemID="{950072C5-DDE0-4258-BA7A-4D4B80DFA632}">
+  <ds:schemaRefs>
+    <ds:schemaRef ds:uri="http://purl.org/dc/terms/"/>
+    <ds:schemaRef ds:uri="http://www.w3.org/XML/1998/namespace"/>
+    <ds:schemaRef ds:uri="71af3243-3dd4-4a8d-8c0d-dd76da1f02a5"/>
+    <ds:schemaRef ds:uri="http://schemas.microsoft.com/office/2006/documentManagement/types"/>
+    <ds:schemaRef ds:uri="http://purl.org/dc/elements/1.1/"/>
+    <ds:schemaRef ds:uri="http://schemas.microsoft.com/office/infopath/2007/PartnerControls"/>
+    <ds:schemaRef ds:uri="http://schemas.openxmlformats.org/package/2006/metadata/core-properties"/>
+    <ds:schemaRef ds:uri="16c05727-aa75-4e4a-9b5f-8a80a1165891"/>
+    <ds:schemaRef ds:uri="http://schemas.microsoft.com/office/2006/metadata/properties"/>
+    <ds:schemaRef ds:uri="http://purl.org/dc/dcmitype/"/>
+  </ds:schemaRefs>
+</ds:datastoreItem>
 </file>
--- a/SLIDES/talk.pptx
+++ b/SLIDES/talk.pptx
@@ -21,7 +21,7 @@
     <p:sldId id="382" r:id="rId12"/>
     <p:sldId id="384" r:id="rId13"/>
     <p:sldId id="383" r:id="rId14"/>
-    <p:sldId id="385" r:id="rId15"/>
+    <p:sldId id="386" r:id="rId15"/>
     <p:sldId id="287" r:id="rId16"/>
     <p:sldId id="321" r:id="rId17"/>
     <p:sldId id="288" r:id="rId18"/>
@@ -44,19 +44,19 @@
     <p:sldId id="357" r:id="rId35"/>
     <p:sldId id="360" r:id="rId36"/>
     <p:sldId id="355" r:id="rId37"/>
-    <p:sldId id="367" r:id="rId38"/>
-    <p:sldId id="371" r:id="rId39"/>
-    <p:sldId id="378" r:id="rId40"/>
-    <p:sldId id="377" r:id="rId41"/>
-    <p:sldId id="354" r:id="rId42"/>
-    <p:sldId id="381" r:id="rId43"/>
-    <p:sldId id="361" r:id="rId44"/>
-    <p:sldId id="362" r:id="rId45"/>
-    <p:sldId id="353" r:id="rId46"/>
-    <p:sldId id="363" r:id="rId47"/>
-    <p:sldId id="364" r:id="rId48"/>
-    <p:sldId id="365" r:id="rId49"/>
-    <p:sldId id="379" r:id="rId50"/>
+    <p:sldId id="379" r:id="rId38"/>
+    <p:sldId id="367" r:id="rId39"/>
+    <p:sldId id="371" r:id="rId40"/>
+    <p:sldId id="378" r:id="rId41"/>
+    <p:sldId id="377" r:id="rId42"/>
+    <p:sldId id="354" r:id="rId43"/>
+    <p:sldId id="381" r:id="rId44"/>
+    <p:sldId id="361" r:id="rId45"/>
+    <p:sldId id="362" r:id="rId46"/>
+    <p:sldId id="353" r:id="rId47"/>
+    <p:sldId id="363" r:id="rId48"/>
+    <p:sldId id="364" r:id="rId49"/>
+    <p:sldId id="365" r:id="rId50"/>
     <p:sldId id="366" r:id="rId51"/>
   </p:sldIdLst>
   <p:sldSz cx="12192000" cy="6858000"/>
@@ -174,7 +174,7 @@
             <p14:sldId id="382"/>
             <p14:sldId id="384"/>
             <p14:sldId id="383"/>
-            <p14:sldId id="385"/>
+            <p14:sldId id="386"/>
             <p14:sldId id="287"/>
             <p14:sldId id="321"/>
             <p14:sldId id="288"/>
@@ -197,6 +197,7 @@
             <p14:sldId id="357"/>
             <p14:sldId id="360"/>
             <p14:sldId id="355"/>
+            <p14:sldId id="379"/>
             <p14:sldId id="367"/>
             <p14:sldId id="371"/>
             <p14:sldId id="378"/>
@@ -209,7 +210,6 @@
             <p14:sldId id="363"/>
             <p14:sldId id="364"/>
             <p14:sldId id="365"/>
-            <p14:sldId id="379"/>
             <p14:sldId id="366"/>
           </p14:sldIdLst>
         </p14:section>
@@ -3323,7 +3323,7 @@
                 <a:latin typeface="Segoe UI" panose="020B0502040204020203" pitchFamily="34" charset="0"/>
                 <a:cs typeface="Segoe UI" panose="020B0502040204020203" pitchFamily="34" charset="0"/>
               </a:rPr>
-              <a:t>The demo repo in this talk is a set of lessons on Vanilla JS Web Components and there is a YouTube video series explaining each lesson.</a:t>
+              <a:t>The demo repo in this talk is a set of lessons on Vanilla JS Web Components and there YouTube videos in my channel.</a:t>
             </a:r>
           </a:p>
           <a:p>
@@ -3473,7 +3473,7 @@
         </p:blipFill>
         <p:spPr>
           <a:xfrm>
-            <a:off x="1064093" y="1427921"/>
+            <a:off x="1102193" y="1427921"/>
             <a:ext cx="10222215" cy="5095782"/>
           </a:xfrm>
         </p:spPr>
@@ -3547,6 +3547,197 @@
           </a:p>
         </p:txBody>
       </p:sp>
+      <p:sp>
+        <p:nvSpPr>
+          <p:cNvPr id="2" name="Rectangle: Rounded Corners 1">
+            <a:extLst>
+              <a:ext uri="{FF2B5EF4-FFF2-40B4-BE49-F238E27FC236}">
+                <a16:creationId xmlns:a16="http://schemas.microsoft.com/office/drawing/2014/main" id="{A2A12BCF-38A4-4A2D-AE91-74D987CC1E15}"/>
+              </a:ext>
+            </a:extLst>
+          </p:cNvPr>
+          <p:cNvSpPr/>
+          <p:nvPr/>
+        </p:nvSpPr>
+        <p:spPr>
+          <a:xfrm>
+            <a:off x="292608" y="3241469"/>
+            <a:ext cx="3498342" cy="753839"/>
+          </a:xfrm>
+          <a:prstGeom prst="roundRect">
+            <a:avLst/>
+          </a:prstGeom>
+        </p:spPr>
+        <p:style>
+          <a:lnRef idx="2">
+            <a:schemeClr val="accent3">
+              <a:shade val="50000"/>
+            </a:schemeClr>
+          </a:lnRef>
+          <a:fillRef idx="1">
+            <a:schemeClr val="accent3"/>
+          </a:fillRef>
+          <a:effectRef idx="0">
+            <a:schemeClr val="accent3"/>
+          </a:effectRef>
+          <a:fontRef idx="minor">
+            <a:schemeClr val="lt1"/>
+          </a:fontRef>
+        </p:style>
+        <p:txBody>
+          <a:bodyPr rtlCol="0" anchor="ctr"/>
+          <a:lstStyle/>
+          <a:p>
+            <a:pPr algn="ctr"/>
+            <a:r>
+              <a:rPr lang="en-GB" sz="1600" b="1" dirty="0"/>
+              <a:t>Regular HTML get processed first and sent to Index</a:t>
+            </a:r>
+          </a:p>
+        </p:txBody>
+      </p:sp>
+      <p:cxnSp>
+        <p:nvCxnSpPr>
+          <p:cNvPr id="7" name="Straight Arrow Connector 6">
+            <a:extLst>
+              <a:ext uri="{FF2B5EF4-FFF2-40B4-BE49-F238E27FC236}">
+                <a16:creationId xmlns:a16="http://schemas.microsoft.com/office/drawing/2014/main" id="{BCBA619F-0127-438B-9E1C-AF38AAC18233}"/>
+              </a:ext>
+            </a:extLst>
+          </p:cNvPr>
+          <p:cNvCxnSpPr>
+            <a:cxnSpLocks/>
+            <a:stCxn id="2" idx="3"/>
+          </p:cNvCxnSpPr>
+          <p:nvPr/>
+        </p:nvCxnSpPr>
+        <p:spPr>
+          <a:xfrm flipV="1">
+            <a:off x="3790950" y="3030905"/>
+            <a:ext cx="533400" cy="587484"/>
+          </a:xfrm>
+          <a:prstGeom prst="straightConnector1">
+            <a:avLst/>
+          </a:prstGeom>
+          <a:ln w="50800">
+            <a:solidFill>
+              <a:schemeClr val="accent1">
+                <a:lumMod val="75000"/>
+              </a:schemeClr>
+            </a:solidFill>
+            <a:tailEnd type="triangle"/>
+          </a:ln>
+        </p:spPr>
+        <p:style>
+          <a:lnRef idx="1">
+            <a:schemeClr val="accent1"/>
+          </a:lnRef>
+          <a:fillRef idx="0">
+            <a:schemeClr val="accent1"/>
+          </a:fillRef>
+          <a:effectRef idx="0">
+            <a:schemeClr val="accent1"/>
+          </a:effectRef>
+          <a:fontRef idx="minor">
+            <a:schemeClr val="tx1"/>
+          </a:fontRef>
+        </p:style>
+      </p:cxnSp>
+      <p:sp>
+        <p:nvSpPr>
+          <p:cNvPr id="9" name="Rectangle: Rounded Corners 8">
+            <a:extLst>
+              <a:ext uri="{FF2B5EF4-FFF2-40B4-BE49-F238E27FC236}">
+                <a16:creationId xmlns:a16="http://schemas.microsoft.com/office/drawing/2014/main" id="{F87EDA14-0383-4E35-B195-DC5BB1DD034C}"/>
+              </a:ext>
+            </a:extLst>
+          </p:cNvPr>
+          <p:cNvSpPr/>
+          <p:nvPr/>
+        </p:nvSpPr>
+        <p:spPr>
+          <a:xfrm>
+            <a:off x="292606" y="4235208"/>
+            <a:ext cx="3498342" cy="865823"/>
+          </a:xfrm>
+          <a:prstGeom prst="roundRect">
+            <a:avLst/>
+          </a:prstGeom>
+        </p:spPr>
+        <p:style>
+          <a:lnRef idx="2">
+            <a:schemeClr val="accent3">
+              <a:shade val="50000"/>
+            </a:schemeClr>
+          </a:lnRef>
+          <a:fillRef idx="1">
+            <a:schemeClr val="accent3"/>
+          </a:fillRef>
+          <a:effectRef idx="0">
+            <a:schemeClr val="accent3"/>
+          </a:effectRef>
+          <a:fontRef idx="minor">
+            <a:schemeClr val="lt1"/>
+          </a:fontRef>
+        </p:style>
+        <p:txBody>
+          <a:bodyPr rtlCol="0" anchor="ctr"/>
+          <a:lstStyle/>
+          <a:p>
+            <a:pPr algn="ctr"/>
+            <a:r>
+              <a:rPr lang="en-GB" sz="1600" b="1" dirty="0"/>
+              <a:t>JS generated content gets placed in render queue to be processed later.</a:t>
+            </a:r>
+          </a:p>
+        </p:txBody>
+      </p:sp>
+      <p:cxnSp>
+        <p:nvCxnSpPr>
+          <p:cNvPr id="12" name="Straight Arrow Connector 11">
+            <a:extLst>
+              <a:ext uri="{FF2B5EF4-FFF2-40B4-BE49-F238E27FC236}">
+                <a16:creationId xmlns:a16="http://schemas.microsoft.com/office/drawing/2014/main" id="{F6C9B1A3-DAB2-4579-9FCE-0CB3F78CE2DE}"/>
+              </a:ext>
+            </a:extLst>
+          </p:cNvPr>
+          <p:cNvCxnSpPr>
+            <a:cxnSpLocks/>
+          </p:cNvCxnSpPr>
+          <p:nvPr/>
+        </p:nvCxnSpPr>
+        <p:spPr>
+          <a:xfrm flipV="1">
+            <a:off x="3790949" y="3858289"/>
+            <a:ext cx="533400" cy="666086"/>
+          </a:xfrm>
+          <a:prstGeom prst="straightConnector1">
+            <a:avLst/>
+          </a:prstGeom>
+          <a:ln w="50800">
+            <a:solidFill>
+              <a:schemeClr val="accent1">
+                <a:lumMod val="75000"/>
+              </a:schemeClr>
+            </a:solidFill>
+            <a:tailEnd type="triangle"/>
+          </a:ln>
+        </p:spPr>
+        <p:style>
+          <a:lnRef idx="1">
+            <a:schemeClr val="accent1"/>
+          </a:lnRef>
+          <a:fillRef idx="0">
+            <a:schemeClr val="accent1"/>
+          </a:fillRef>
+          <a:effectRef idx="0">
+            <a:schemeClr val="accent1"/>
+          </a:effectRef>
+          <a:fontRef idx="minor">
+            <a:schemeClr val="tx1"/>
+          </a:fontRef>
+        </p:style>
+      </p:cxnSp>
     </p:spTree>
     <p:extLst>
       <p:ext uri="{BB962C8B-B14F-4D97-AF65-F5344CB8AC3E}">
@@ -3609,16 +3800,274 @@
           </a:p>
         </p:txBody>
       </p:sp>
+      <p:sp>
+        <p:nvSpPr>
+          <p:cNvPr id="5" name="Content Placeholder 4"/>
+          <p:cNvSpPr>
+            <a:spLocks noGrp="1"/>
+          </p:cNvSpPr>
+          <p:nvPr>
+            <p:ph sz="half" idx="4294967295"/>
+          </p:nvPr>
+        </p:nvSpPr>
+        <p:spPr>
+          <a:xfrm>
+            <a:off x="595269" y="1548997"/>
+            <a:ext cx="11001461" cy="4790886"/>
+          </a:xfrm>
+        </p:spPr>
+        <p:txBody>
+          <a:bodyPr vert="horz" lIns="91440" tIns="45720" rIns="91440" bIns="45720" rtlCol="0">
+            <a:normAutofit fontScale="25000" lnSpcReduction="20000"/>
+          </a:bodyPr>
+          <a:lstStyle/>
+          <a:p>
+            <a:pPr lvl="1">
+              <a:lnSpc>
+                <a:spcPts val="4000"/>
+              </a:lnSpc>
+            </a:pPr>
+            <a:r>
+              <a:rPr lang="en-GB" sz="11200" dirty="0">
+                <a:solidFill>
+                  <a:schemeClr val="bg2">
+                    <a:lumMod val="25000"/>
+                  </a:schemeClr>
+                </a:solidFill>
+                <a:latin typeface="Segoe UI Light" panose="020B0502040204020203" pitchFamily="34" charset="0"/>
+                <a:cs typeface="Segoe UI Light" panose="020B0502040204020203" pitchFamily="34" charset="0"/>
+              </a:rPr>
+              <a:t> Google is working on a proposal for SSR Web </a:t>
+            </a:r>
+            <a:r>
+              <a:rPr lang="en-GB" sz="11200" dirty="0" err="1">
+                <a:solidFill>
+                  <a:schemeClr val="bg2">
+                    <a:lumMod val="25000"/>
+                  </a:schemeClr>
+                </a:solidFill>
+                <a:latin typeface="Segoe UI Light" panose="020B0502040204020203" pitchFamily="34" charset="0"/>
+                <a:cs typeface="Segoe UI Light" panose="020B0502040204020203" pitchFamily="34" charset="0"/>
+              </a:rPr>
+              <a:t>Componts</a:t>
+            </a:r>
+            <a:r>
+              <a:rPr lang="en-GB" sz="11200" dirty="0">
+                <a:solidFill>
+                  <a:schemeClr val="bg2">
+                    <a:lumMod val="25000"/>
+                  </a:schemeClr>
+                </a:solidFill>
+                <a:latin typeface="Segoe UI Light" panose="020B0502040204020203" pitchFamily="34" charset="0"/>
+                <a:cs typeface="Segoe UI Light" panose="020B0502040204020203" pitchFamily="34" charset="0"/>
+              </a:rPr>
+              <a:t>.</a:t>
+            </a:r>
+          </a:p>
+          <a:p>
+            <a:pPr lvl="1">
+              <a:lnSpc>
+                <a:spcPts val="4000"/>
+              </a:lnSpc>
+            </a:pPr>
+            <a:r>
+              <a:rPr lang="en-US" sz="11200" dirty="0">
+                <a:solidFill>
+                  <a:schemeClr val="bg2">
+                    <a:lumMod val="25000"/>
+                  </a:schemeClr>
+                </a:solidFill>
+                <a:latin typeface="Segoe UI Light" panose="020B0502040204020203" pitchFamily="34" charset="0"/>
+                <a:cs typeface="Segoe UI Light" panose="020B0502040204020203" pitchFamily="34" charset="0"/>
+                <a:hlinkClick r:id="rId2"/>
+              </a:rPr>
+              <a:t>https://github.com/mfreed7/declarative-shadow-dom/blob/master/README.md</a:t>
+            </a:r>
+            <a:endParaRPr lang="en-US" sz="11200" dirty="0">
+              <a:solidFill>
+                <a:schemeClr val="bg2">
+                  <a:lumMod val="25000"/>
+                </a:schemeClr>
+              </a:solidFill>
+              <a:latin typeface="Segoe UI Light" panose="020B0502040204020203" pitchFamily="34" charset="0"/>
+              <a:cs typeface="Segoe UI Light" panose="020B0502040204020203" pitchFamily="34" charset="0"/>
+            </a:endParaRPr>
+          </a:p>
+          <a:p>
+            <a:pPr lvl="1">
+              <a:lnSpc>
+                <a:spcPts val="4000"/>
+              </a:lnSpc>
+            </a:pPr>
+            <a:r>
+              <a:rPr lang="en-US" sz="11200" dirty="0">
+                <a:solidFill>
+                  <a:schemeClr val="bg2">
+                    <a:lumMod val="25000"/>
+                  </a:schemeClr>
+                </a:solidFill>
+                <a:latin typeface="Segoe UI Light" panose="020B0502040204020203" pitchFamily="34" charset="0"/>
+                <a:cs typeface="Segoe UI Light" panose="020B0502040204020203" pitchFamily="34" charset="0"/>
+              </a:rPr>
+              <a:t>It would allow two versions on page – the SSR one using HTML and the current client-side Web Component.</a:t>
+            </a:r>
+          </a:p>
+        </p:txBody>
+      </p:sp>
     </p:spTree>
     <p:extLst>
       <p:ext uri="{BB962C8B-B14F-4D97-AF65-F5344CB8AC3E}">
-        <p14:creationId xmlns:p14="http://schemas.microsoft.com/office/powerpoint/2010/main" val="3045601482"/>
+        <p14:creationId xmlns:p14="http://schemas.microsoft.com/office/powerpoint/2010/main" val="1635395108"/>
       </p:ext>
     </p:extLst>
   </p:cSld>
   <p:clrMapOvr>
     <a:masterClrMapping/>
   </p:clrMapOvr>
+  <p:timing>
+    <p:tnLst>
+      <p:par>
+        <p:cTn id="1" dur="indefinite" restart="never" nodeType="tmRoot">
+          <p:childTnLst>
+            <p:seq concurrent="1" nextAc="seek">
+              <p:cTn id="2" dur="indefinite" nodeType="mainSeq">
+                <p:childTnLst>
+                  <p:par>
+                    <p:cTn id="3" fill="hold">
+                      <p:stCondLst>
+                        <p:cond delay="indefinite"/>
+                      </p:stCondLst>
+                      <p:childTnLst>
+                        <p:par>
+                          <p:cTn id="4" fill="hold">
+                            <p:stCondLst>
+                              <p:cond delay="0"/>
+                            </p:stCondLst>
+                            <p:childTnLst>
+                              <p:par>
+                                <p:cTn id="5" presetID="1" presetClass="entr" presetSubtype="0" fill="hold" grpId="0" nodeType="clickEffect">
+                                  <p:stCondLst>
+                                    <p:cond delay="0"/>
+                                  </p:stCondLst>
+                                  <p:childTnLst>
+                                    <p:set>
+                                      <p:cBhvr>
+                                        <p:cTn id="6" dur="1" fill="hold">
+                                          <p:stCondLst>
+                                            <p:cond delay="0"/>
+                                          </p:stCondLst>
+                                        </p:cTn>
+                                        <p:tgtEl>
+                                          <p:spTgt spid="5">
+                                            <p:txEl>
+                                              <p:pRg st="0" end="0"/>
+                                            </p:txEl>
+                                          </p:spTgt>
+                                        </p:tgtEl>
+                                        <p:attrNameLst>
+                                          <p:attrName>style.visibility</p:attrName>
+                                        </p:attrNameLst>
+                                      </p:cBhvr>
+                                      <p:to>
+                                        <p:strVal val="visible"/>
+                                      </p:to>
+                                    </p:set>
+                                  </p:childTnLst>
+                                </p:cTn>
+                              </p:par>
+                              <p:par>
+                                <p:cTn id="7" presetID="1" presetClass="entr" presetSubtype="0" fill="hold" grpId="0" nodeType="withEffect">
+                                  <p:stCondLst>
+                                    <p:cond delay="0"/>
+                                  </p:stCondLst>
+                                  <p:childTnLst>
+                                    <p:set>
+                                      <p:cBhvr>
+                                        <p:cTn id="8" dur="1" fill="hold">
+                                          <p:stCondLst>
+                                            <p:cond delay="0"/>
+                                          </p:stCondLst>
+                                        </p:cTn>
+                                        <p:tgtEl>
+                                          <p:spTgt spid="5">
+                                            <p:txEl>
+                                              <p:pRg st="1" end="1"/>
+                                            </p:txEl>
+                                          </p:spTgt>
+                                        </p:tgtEl>
+                                        <p:attrNameLst>
+                                          <p:attrName>style.visibility</p:attrName>
+                                        </p:attrNameLst>
+                                      </p:cBhvr>
+                                      <p:to>
+                                        <p:strVal val="visible"/>
+                                      </p:to>
+                                    </p:set>
+                                  </p:childTnLst>
+                                </p:cTn>
+                              </p:par>
+                              <p:par>
+                                <p:cTn id="9" presetID="1" presetClass="entr" presetSubtype="0" fill="hold" grpId="0" nodeType="withEffect">
+                                  <p:stCondLst>
+                                    <p:cond delay="0"/>
+                                  </p:stCondLst>
+                                  <p:childTnLst>
+                                    <p:set>
+                                      <p:cBhvr>
+                                        <p:cTn id="10" dur="1" fill="hold">
+                                          <p:stCondLst>
+                                            <p:cond delay="0"/>
+                                          </p:stCondLst>
+                                        </p:cTn>
+                                        <p:tgtEl>
+                                          <p:spTgt spid="5">
+                                            <p:txEl>
+                                              <p:pRg st="2" end="2"/>
+                                            </p:txEl>
+                                          </p:spTgt>
+                                        </p:tgtEl>
+                                        <p:attrNameLst>
+                                          <p:attrName>style.visibility</p:attrName>
+                                        </p:attrNameLst>
+                                      </p:cBhvr>
+                                      <p:to>
+                                        <p:strVal val="visible"/>
+                                      </p:to>
+                                    </p:set>
+                                  </p:childTnLst>
+                                </p:cTn>
+                              </p:par>
+                            </p:childTnLst>
+                          </p:cTn>
+                        </p:par>
+                      </p:childTnLst>
+                    </p:cTn>
+                  </p:par>
+                </p:childTnLst>
+              </p:cTn>
+              <p:prevCondLst>
+                <p:cond evt="onPrev" delay="0">
+                  <p:tgtEl>
+                    <p:sldTgt/>
+                  </p:tgtEl>
+                </p:cond>
+              </p:prevCondLst>
+              <p:nextCondLst>
+                <p:cond evt="onNext" delay="0">
+                  <p:tgtEl>
+                    <p:sldTgt/>
+                  </p:tgtEl>
+                </p:cond>
+              </p:nextCondLst>
+            </p:seq>
+          </p:childTnLst>
+        </p:cTn>
+      </p:par>
+    </p:tnLst>
+    <p:bldLst>
+      <p:bldP spid="5" grpId="0" uiExpand="1" build="p"/>
+    </p:bldLst>
+  </p:timing>
 </p:sld>
 </file>
 
@@ -14103,6 +14552,55 @@
           </a:prstGeom>
         </p:spPr>
       </p:pic>
+      <p:sp>
+        <p:nvSpPr>
+          <p:cNvPr id="2" name="Speech Bubble: Oval 1">
+            <a:extLst>
+              <a:ext uri="{FF2B5EF4-FFF2-40B4-BE49-F238E27FC236}">
+                <a16:creationId xmlns:a16="http://schemas.microsoft.com/office/drawing/2014/main" id="{32156F86-F40C-4EEA-899E-637D5B7D0C28}"/>
+              </a:ext>
+            </a:extLst>
+          </p:cNvPr>
+          <p:cNvSpPr/>
+          <p:nvPr/>
+        </p:nvSpPr>
+        <p:spPr>
+          <a:xfrm>
+            <a:off x="9511386" y="4914437"/>
+            <a:ext cx="1627269" cy="1152988"/>
+          </a:xfrm>
+          <a:prstGeom prst="wedgeEllipseCallout">
+            <a:avLst/>
+          </a:prstGeom>
+        </p:spPr>
+        <p:style>
+          <a:lnRef idx="2">
+            <a:schemeClr val="accent1">
+              <a:shade val="50000"/>
+            </a:schemeClr>
+          </a:lnRef>
+          <a:fillRef idx="1">
+            <a:schemeClr val="accent1"/>
+          </a:fillRef>
+          <a:effectRef idx="0">
+            <a:schemeClr val="accent1"/>
+          </a:effectRef>
+          <a:fontRef idx="minor">
+            <a:schemeClr val="lt1"/>
+          </a:fontRef>
+        </p:style>
+        <p:txBody>
+          <a:bodyPr rtlCol="0" anchor="ctr"/>
+          <a:lstStyle/>
+          <a:p>
+            <a:pPr algn="ctr"/>
+            <a:r>
+              <a:rPr lang="en-GB" dirty="0"/>
+              <a:t>And pop-over UI!</a:t>
+            </a:r>
+          </a:p>
+        </p:txBody>
+      </p:sp>
     </p:spTree>
     <p:extLst>
       <p:ext uri="{BB962C8B-B14F-4D97-AF65-F5344CB8AC3E}">
@@ -15557,7 +16055,7 @@
                 <a:latin typeface="Segoe UI Light" panose="020B0502040204020203" pitchFamily="34" charset="0"/>
                 <a:cs typeface="Segoe UI Light" panose="020B0502040204020203" pitchFamily="34" charset="0"/>
               </a:rPr>
-              <a:t>Demo: 06-library/01-ndc-show-post/showPost.js </a:t>
+              <a:t>Demo: 05-events/05-showPost.html</a:t>
             </a:r>
           </a:p>
           <a:p>
@@ -16397,8 +16895,8 @@
         </p:nvSpPr>
         <p:spPr>
           <a:xfrm>
-            <a:off x="699461" y="1455491"/>
-            <a:ext cx="10356444" cy="4987797"/>
+            <a:off x="699461" y="1037480"/>
+            <a:ext cx="10356444" cy="5250109"/>
           </a:xfrm>
           <a:prstGeom prst="rect">
             <a:avLst/>
@@ -16616,6 +17114,19 @@
               <a:ea typeface="+mj-ea"/>
               <a:cs typeface="Segoe UI Light" panose="020B0502040204020203" pitchFamily="34" charset="0"/>
             </a:endParaRPr>
+          </a:p>
+          <a:p>
+            <a:pPr lvl="1">
+              <a:lnSpc>
+                <a:spcPts val="3000"/>
+              </a:lnSpc>
+            </a:pPr>
+            <a:r>
+              <a:rPr lang="en-GB" sz="1800" dirty="0">
+                <a:latin typeface="Avenir Next LT Pro" panose="020B0504020202020204" pitchFamily="34" charset="0"/>
+              </a:rPr>
+              <a:t>TALK: Decoupled/Headless WP and WP Components for non-WP sites -  WordCamp Brighton, August 2019.</a:t>
+            </a:r>
           </a:p>
           <a:p>
             <a:pPr lvl="1">
@@ -18037,7 +18548,12 @@
           <a:lstStyle/>
           <a:p>
             <a:r>
-              <a:rPr lang="en-GB" dirty="0">
+              <a:rPr lang="en-GB" b="1" dirty="0">
+                <a:solidFill>
+                  <a:schemeClr val="accent6">
+                    <a:lumMod val="75000"/>
+                  </a:schemeClr>
+                </a:solidFill>
                 <a:latin typeface="Segoe UI" panose="020B0502040204020203" pitchFamily="34" charset="0"/>
                 <a:cs typeface="Segoe UI" panose="020B0502040204020203" pitchFamily="34" charset="0"/>
               </a:rPr>
@@ -18334,8 +18850,8 @@
         </p:nvSpPr>
         <p:spPr>
           <a:xfrm>
-            <a:off x="847345" y="2512988"/>
-            <a:ext cx="3417558" cy="369332"/>
+            <a:off x="558950" y="2512989"/>
+            <a:ext cx="3806565" cy="369332"/>
           </a:xfrm>
           <a:prstGeom prst="rect">
             <a:avLst/>
@@ -18349,7 +18865,12 @@
           <a:lstStyle/>
           <a:p>
             <a:r>
-              <a:rPr lang="en-GB" dirty="0">
+              <a:rPr lang="en-GB" b="1" dirty="0">
+                <a:solidFill>
+                  <a:schemeClr val="accent6">
+                    <a:lumMod val="75000"/>
+                  </a:schemeClr>
+                </a:solidFill>
                 <a:latin typeface="Segoe UI" panose="020B0502040204020203" pitchFamily="34" charset="0"/>
                 <a:cs typeface="Segoe UI" panose="020B0502040204020203" pitchFamily="34" charset="0"/>
               </a:rPr>
@@ -18567,6 +19088,136 @@
           </a:fontRef>
         </p:style>
       </p:cxnSp>
+      <p:sp>
+        <p:nvSpPr>
+          <p:cNvPr id="2" name="TextBox 1">
+            <a:extLst>
+              <a:ext uri="{FF2B5EF4-FFF2-40B4-BE49-F238E27FC236}">
+                <a16:creationId xmlns:a16="http://schemas.microsoft.com/office/drawing/2014/main" id="{5E19AAFD-242C-4CEB-9799-C2AA5218CE71}"/>
+              </a:ext>
+            </a:extLst>
+          </p:cNvPr>
+          <p:cNvSpPr txBox="1"/>
+          <p:nvPr/>
+        </p:nvSpPr>
+        <p:spPr>
+          <a:xfrm>
+            <a:off x="4557320" y="1479421"/>
+            <a:ext cx="1636233" cy="369332"/>
+          </a:xfrm>
+          <a:prstGeom prst="rect">
+            <a:avLst/>
+          </a:prstGeom>
+          <a:noFill/>
+        </p:spPr>
+        <p:txBody>
+          <a:bodyPr wrap="square" rtlCol="0">
+            <a:spAutoFit/>
+          </a:bodyPr>
+          <a:lstStyle/>
+          <a:p>
+            <a:r>
+              <a:rPr lang="en-GB" b="1" dirty="0">
+                <a:solidFill>
+                  <a:schemeClr val="accent6">
+                    <a:lumMod val="75000"/>
+                  </a:schemeClr>
+                </a:solidFill>
+              </a:rPr>
+              <a:t>Props down</a:t>
+            </a:r>
+          </a:p>
+        </p:txBody>
+      </p:sp>
+      <p:sp>
+        <p:nvSpPr>
+          <p:cNvPr id="24" name="TextBox 23">
+            <a:extLst>
+              <a:ext uri="{FF2B5EF4-FFF2-40B4-BE49-F238E27FC236}">
+                <a16:creationId xmlns:a16="http://schemas.microsoft.com/office/drawing/2014/main" id="{01FCA26B-FE95-4535-AB03-07818D3C6506}"/>
+              </a:ext>
+            </a:extLst>
+          </p:cNvPr>
+          <p:cNvSpPr txBox="1"/>
+          <p:nvPr/>
+        </p:nvSpPr>
+        <p:spPr>
+          <a:xfrm>
+            <a:off x="1810554" y="2892016"/>
+            <a:ext cx="1636233" cy="369332"/>
+          </a:xfrm>
+          <a:prstGeom prst="rect">
+            <a:avLst/>
+          </a:prstGeom>
+          <a:noFill/>
+        </p:spPr>
+        <p:txBody>
+          <a:bodyPr wrap="square" rtlCol="0">
+            <a:spAutoFit/>
+          </a:bodyPr>
+          <a:lstStyle/>
+          <a:p>
+            <a:r>
+              <a:rPr lang="en-GB" b="1" dirty="0">
+                <a:solidFill>
+                  <a:schemeClr val="accent6">
+                    <a:lumMod val="75000"/>
+                  </a:schemeClr>
+                </a:solidFill>
+              </a:rPr>
+              <a:t>Events Up</a:t>
+            </a:r>
+          </a:p>
+        </p:txBody>
+      </p:sp>
+      <p:sp>
+        <p:nvSpPr>
+          <p:cNvPr id="3" name="TextBox 2">
+            <a:extLst>
+              <a:ext uri="{FF2B5EF4-FFF2-40B4-BE49-F238E27FC236}">
+                <a16:creationId xmlns:a16="http://schemas.microsoft.com/office/drawing/2014/main" id="{365CF3BF-CF49-43F5-BE5C-5D7DFE239894}"/>
+              </a:ext>
+            </a:extLst>
+          </p:cNvPr>
+          <p:cNvSpPr txBox="1"/>
+          <p:nvPr/>
+        </p:nvSpPr>
+        <p:spPr>
+          <a:xfrm>
+            <a:off x="558950" y="1419489"/>
+            <a:ext cx="3580298" cy="646331"/>
+          </a:xfrm>
+          <a:prstGeom prst="rect">
+            <a:avLst/>
+          </a:prstGeom>
+          <a:noFill/>
+          <a:ln w="50800">
+            <a:solidFill>
+              <a:schemeClr val="accent6">
+                <a:lumMod val="75000"/>
+              </a:schemeClr>
+            </a:solidFill>
+          </a:ln>
+        </p:spPr>
+        <p:txBody>
+          <a:bodyPr wrap="square" rtlCol="0">
+            <a:spAutoFit/>
+          </a:bodyPr>
+          <a:lstStyle/>
+          <a:p>
+            <a:r>
+              <a:rPr lang="en-GB" b="1" dirty="0">
+                <a:solidFill>
+                  <a:schemeClr val="accent6">
+                    <a:lumMod val="75000"/>
+                  </a:schemeClr>
+                </a:solidFill>
+              </a:rPr>
+              <a:t>Props down – Events up are the two normal design patterns.</a:t>
+            </a:r>
+          </a:p>
+        </p:txBody>
+      </p:sp>
     </p:spTree>
     <p:extLst>
       <p:ext uri="{BB962C8B-B14F-4D97-AF65-F5344CB8AC3E}">
@@ -19132,6 +19783,41 @@
           </a:prstGeom>
         </p:spPr>
       </p:pic>
+      <p:sp>
+        <p:nvSpPr>
+          <p:cNvPr id="2" name="TextBox 1">
+            <a:extLst>
+              <a:ext uri="{FF2B5EF4-FFF2-40B4-BE49-F238E27FC236}">
+                <a16:creationId xmlns:a16="http://schemas.microsoft.com/office/drawing/2014/main" id="{FF70A1D4-F741-470F-8D6B-13545BB01AD0}"/>
+              </a:ext>
+            </a:extLst>
+          </p:cNvPr>
+          <p:cNvSpPr txBox="1"/>
+          <p:nvPr/>
+        </p:nvSpPr>
+        <p:spPr>
+          <a:xfrm>
+            <a:off x="2619774" y="5821915"/>
+            <a:ext cx="5638800" cy="523220"/>
+          </a:xfrm>
+          <a:prstGeom prst="rect">
+            <a:avLst/>
+          </a:prstGeom>
+          <a:noFill/>
+        </p:spPr>
+        <p:txBody>
+          <a:bodyPr wrap="square" rtlCol="0">
+            <a:spAutoFit/>
+          </a:bodyPr>
+          <a:lstStyle/>
+          <a:p>
+            <a:r>
+              <a:rPr lang="en-GB" sz="2800" dirty="0"/>
+              <a:t>https://www.webcomponents.org/</a:t>
+            </a:r>
+          </a:p>
+        </p:txBody>
+      </p:sp>
     </p:spTree>
     <p:extLst>
       <p:ext uri="{BB962C8B-B14F-4D97-AF65-F5344CB8AC3E}">
@@ -19174,6 +19860,570 @@
         </p:nvSpPr>
         <p:spPr>
           <a:xfrm>
+            <a:off x="541608" y="426301"/>
+            <a:ext cx="10293539" cy="749992"/>
+          </a:xfrm>
+        </p:spPr>
+        <p:txBody>
+          <a:bodyPr>
+            <a:noAutofit/>
+          </a:bodyPr>
+          <a:lstStyle/>
+          <a:p>
+            <a:r>
+              <a:rPr lang="en-US" sz="4000" dirty="0">
+                <a:latin typeface="Segoe UI Light" panose="020B0502040204020203" pitchFamily="34" charset="0"/>
+                <a:cs typeface="Segoe UI Light" panose="020B0502040204020203" pitchFamily="34" charset="0"/>
+              </a:rPr>
+              <a:t>Useful links</a:t>
+            </a:r>
+          </a:p>
+        </p:txBody>
+      </p:sp>
+      <p:sp>
+        <p:nvSpPr>
+          <p:cNvPr id="25" name="Content Placeholder 17"/>
+          <p:cNvSpPr txBox="1">
+            <a:spLocks/>
+          </p:cNvSpPr>
+          <p:nvPr/>
+        </p:nvSpPr>
+        <p:spPr>
+          <a:xfrm>
+            <a:off x="541609" y="1455491"/>
+            <a:ext cx="5110161" cy="471149"/>
+          </a:xfrm>
+          <a:prstGeom prst="rect">
+            <a:avLst/>
+          </a:prstGeom>
+        </p:spPr>
+        <p:txBody>
+          <a:bodyPr vert="horz" lIns="91440" tIns="45720" rIns="91440" bIns="45720" rtlCol="0">
+            <a:normAutofit/>
+          </a:bodyPr>
+          <a:lstStyle>
+            <a:lvl1pPr marL="228600" indent="-228600" algn="l" defTabSz="914400" rtl="0" eaLnBrk="1" latinLnBrk="0" hangingPunct="1">
+              <a:lnSpc>
+                <a:spcPts val="1800"/>
+              </a:lnSpc>
+              <a:spcBef>
+                <a:spcPts val="1000"/>
+              </a:spcBef>
+              <a:spcAft>
+                <a:spcPts val="1000"/>
+              </a:spcAft>
+              <a:buFont typeface="Arial" panose="020B0604020202020204" pitchFamily="34" charset="0"/>
+              <a:buChar char="•"/>
+              <a:defRPr lang="en-US" sz="1200" kern="1200" smtClean="0">
+                <a:solidFill>
+                  <a:schemeClr val="tx1">
+                    <a:lumMod val="75000"/>
+                    <a:lumOff val="25000"/>
+                  </a:schemeClr>
+                </a:solidFill>
+                <a:latin typeface="+mn-lt"/>
+                <a:ea typeface="+mn-ea"/>
+                <a:cs typeface="+mn-cs"/>
+              </a:defRPr>
+            </a:lvl1pPr>
+            <a:lvl2pPr marL="685800" indent="-228600" algn="l" defTabSz="914400" rtl="0" eaLnBrk="1" latinLnBrk="0" hangingPunct="1">
+              <a:lnSpc>
+                <a:spcPts val="1800"/>
+              </a:lnSpc>
+              <a:spcBef>
+                <a:spcPts val="1000"/>
+              </a:spcBef>
+              <a:spcAft>
+                <a:spcPts val="1000"/>
+              </a:spcAft>
+              <a:buFont typeface="Arial" panose="020B0604020202020204" pitchFamily="34" charset="0"/>
+              <a:buChar char="•"/>
+              <a:defRPr lang="en-US" sz="1200" kern="1200" smtClean="0">
+                <a:solidFill>
+                  <a:schemeClr val="tx1">
+                    <a:lumMod val="75000"/>
+                    <a:lumOff val="25000"/>
+                  </a:schemeClr>
+                </a:solidFill>
+                <a:latin typeface="+mn-lt"/>
+                <a:ea typeface="+mn-ea"/>
+                <a:cs typeface="+mn-cs"/>
+              </a:defRPr>
+            </a:lvl2pPr>
+            <a:lvl3pPr marL="1143000" indent="-228600" algn="l" defTabSz="914400" rtl="0" eaLnBrk="1" latinLnBrk="0" hangingPunct="1">
+              <a:lnSpc>
+                <a:spcPts val="1800"/>
+              </a:lnSpc>
+              <a:spcBef>
+                <a:spcPts val="1000"/>
+              </a:spcBef>
+              <a:spcAft>
+                <a:spcPts val="1000"/>
+              </a:spcAft>
+              <a:buFont typeface="Arial" panose="020B0604020202020204" pitchFamily="34" charset="0"/>
+              <a:buChar char="•"/>
+              <a:defRPr lang="en-US" sz="1200" kern="1200" smtClean="0">
+                <a:solidFill>
+                  <a:schemeClr val="tx1">
+                    <a:lumMod val="75000"/>
+                    <a:lumOff val="25000"/>
+                  </a:schemeClr>
+                </a:solidFill>
+                <a:latin typeface="+mn-lt"/>
+                <a:ea typeface="+mn-ea"/>
+                <a:cs typeface="+mn-cs"/>
+              </a:defRPr>
+            </a:lvl3pPr>
+            <a:lvl4pPr marL="1600200" indent="-228600" algn="l" defTabSz="914400" rtl="0" eaLnBrk="1" latinLnBrk="0" hangingPunct="1">
+              <a:lnSpc>
+                <a:spcPts val="1800"/>
+              </a:lnSpc>
+              <a:spcBef>
+                <a:spcPts val="1000"/>
+              </a:spcBef>
+              <a:spcAft>
+                <a:spcPts val="1000"/>
+              </a:spcAft>
+              <a:buFont typeface="Arial" panose="020B0604020202020204" pitchFamily="34" charset="0"/>
+              <a:buChar char="•"/>
+              <a:defRPr lang="en-US" sz="1200" kern="1200" smtClean="0">
+                <a:solidFill>
+                  <a:schemeClr val="tx1">
+                    <a:lumMod val="75000"/>
+                    <a:lumOff val="25000"/>
+                  </a:schemeClr>
+                </a:solidFill>
+                <a:latin typeface="+mn-lt"/>
+                <a:ea typeface="+mn-ea"/>
+                <a:cs typeface="+mn-cs"/>
+              </a:defRPr>
+            </a:lvl4pPr>
+            <a:lvl5pPr marL="2057400" indent="-228600" algn="l" defTabSz="914400" rtl="0" eaLnBrk="1" latinLnBrk="0" hangingPunct="1">
+              <a:lnSpc>
+                <a:spcPts val="1800"/>
+              </a:lnSpc>
+              <a:spcBef>
+                <a:spcPts val="1000"/>
+              </a:spcBef>
+              <a:spcAft>
+                <a:spcPts val="1000"/>
+              </a:spcAft>
+              <a:buFont typeface="Arial" panose="020B0604020202020204" pitchFamily="34" charset="0"/>
+              <a:buChar char="•"/>
+              <a:defRPr lang="en-US" sz="1200" kern="1200">
+                <a:solidFill>
+                  <a:schemeClr val="tx1">
+                    <a:lumMod val="75000"/>
+                    <a:lumOff val="25000"/>
+                  </a:schemeClr>
+                </a:solidFill>
+                <a:latin typeface="+mn-lt"/>
+                <a:ea typeface="+mn-ea"/>
+                <a:cs typeface="+mn-cs"/>
+              </a:defRPr>
+            </a:lvl5pPr>
+            <a:lvl6pPr marL="2514600" indent="-228600" algn="l" defTabSz="914400" rtl="0" eaLnBrk="1" latinLnBrk="0" hangingPunct="1">
+              <a:lnSpc>
+                <a:spcPct val="90000"/>
+              </a:lnSpc>
+              <a:spcBef>
+                <a:spcPct val="30000"/>
+              </a:spcBef>
+              <a:buFont typeface="Arial" panose="020B0604020202020204" pitchFamily="34" charset="0"/>
+              <a:buChar char="•"/>
+              <a:defRPr sz="1800" kern="1200">
+                <a:solidFill>
+                  <a:schemeClr val="tx1"/>
+                </a:solidFill>
+                <a:latin typeface="+mn-lt"/>
+                <a:ea typeface="+mn-ea"/>
+                <a:cs typeface="+mn-cs"/>
+              </a:defRPr>
+            </a:lvl6pPr>
+            <a:lvl7pPr marL="2971800" indent="-228600" algn="l" defTabSz="914400" rtl="0" eaLnBrk="1" latinLnBrk="0" hangingPunct="1">
+              <a:lnSpc>
+                <a:spcPct val="90000"/>
+              </a:lnSpc>
+              <a:spcBef>
+                <a:spcPct val="30000"/>
+              </a:spcBef>
+              <a:buFont typeface="Arial" panose="020B0604020202020204" pitchFamily="34" charset="0"/>
+              <a:buChar char="•"/>
+              <a:defRPr sz="1800" kern="1200">
+                <a:solidFill>
+                  <a:schemeClr val="tx1"/>
+                </a:solidFill>
+                <a:latin typeface="+mn-lt"/>
+                <a:ea typeface="+mn-ea"/>
+                <a:cs typeface="+mn-cs"/>
+              </a:defRPr>
+            </a:lvl7pPr>
+            <a:lvl8pPr marL="3429000" indent="-228600" algn="l" defTabSz="914400" rtl="0" eaLnBrk="1" latinLnBrk="0" hangingPunct="1">
+              <a:lnSpc>
+                <a:spcPct val="90000"/>
+              </a:lnSpc>
+              <a:spcBef>
+                <a:spcPct val="30000"/>
+              </a:spcBef>
+              <a:buFont typeface="Arial" panose="020B0604020202020204" pitchFamily="34" charset="0"/>
+              <a:buChar char="•"/>
+              <a:defRPr sz="1800" kern="1200">
+                <a:solidFill>
+                  <a:schemeClr val="tx1"/>
+                </a:solidFill>
+                <a:latin typeface="+mn-lt"/>
+                <a:ea typeface="+mn-ea"/>
+                <a:cs typeface="+mn-cs"/>
+              </a:defRPr>
+            </a:lvl8pPr>
+            <a:lvl9pPr marL="3886200" indent="-228600" algn="l" defTabSz="914400" rtl="0" eaLnBrk="1" latinLnBrk="0" hangingPunct="1">
+              <a:lnSpc>
+                <a:spcPct val="90000"/>
+              </a:lnSpc>
+              <a:spcBef>
+                <a:spcPct val="30000"/>
+              </a:spcBef>
+              <a:buFont typeface="Arial" panose="020B0604020202020204" pitchFamily="34" charset="0"/>
+              <a:buChar char="•"/>
+              <a:defRPr sz="1800" kern="1200">
+                <a:solidFill>
+                  <a:schemeClr val="tx1"/>
+                </a:solidFill>
+                <a:latin typeface="+mn-lt"/>
+                <a:ea typeface="+mn-ea"/>
+                <a:cs typeface="+mn-cs"/>
+              </a:defRPr>
+            </a:lvl9pPr>
+          </a:lstStyle>
+          <a:p>
+            <a:pPr marL="0" indent="0">
+              <a:spcAft>
+                <a:spcPts val="2000"/>
+              </a:spcAft>
+              <a:buNone/>
+            </a:pPr>
+            <a:endParaRPr lang="en-US" sz="1800" dirty="0">
+              <a:latin typeface="Segoe UI" panose="020B0502040204020203" pitchFamily="34" charset="0"/>
+              <a:cs typeface="Segoe UI" panose="020B0502040204020203" pitchFamily="34" charset="0"/>
+            </a:endParaRPr>
+          </a:p>
+        </p:txBody>
+      </p:sp>
+      <p:sp>
+        <p:nvSpPr>
+          <p:cNvPr id="8" name="TextBox 7">
+            <a:extLst>
+              <a:ext uri="{FF2B5EF4-FFF2-40B4-BE49-F238E27FC236}">
+                <a16:creationId xmlns:a16="http://schemas.microsoft.com/office/drawing/2014/main" id="{D4329088-EA16-420B-B145-A30265C6D3B4}"/>
+              </a:ext>
+            </a:extLst>
+          </p:cNvPr>
+          <p:cNvSpPr txBox="1"/>
+          <p:nvPr/>
+        </p:nvSpPr>
+        <p:spPr>
+          <a:xfrm>
+            <a:off x="541608" y="1060998"/>
+            <a:ext cx="10971964" cy="3422347"/>
+          </a:xfrm>
+          <a:prstGeom prst="rect">
+            <a:avLst/>
+          </a:prstGeom>
+          <a:noFill/>
+        </p:spPr>
+        <p:txBody>
+          <a:bodyPr wrap="square">
+            <a:spAutoFit/>
+          </a:bodyPr>
+          <a:lstStyle/>
+          <a:p>
+            <a:pPr marL="914400" lvl="1" indent="-457200">
+              <a:buFont typeface="Arial" panose="020B0604020202020204" pitchFamily="34" charset="0"/>
+              <a:buChar char="•"/>
+            </a:pPr>
+            <a:endParaRPr lang="en-GB" sz="1100" dirty="0">
+              <a:solidFill>
+                <a:schemeClr val="bg2">
+                  <a:lumMod val="25000"/>
+                </a:schemeClr>
+              </a:solidFill>
+              <a:latin typeface="Segoe UI Light" panose="020B0502040204020203" pitchFamily="34" charset="0"/>
+              <a:cs typeface="Segoe UI Light" panose="020B0502040204020203" pitchFamily="34" charset="0"/>
+            </a:endParaRPr>
+          </a:p>
+          <a:p>
+            <a:pPr marL="914400" lvl="1" indent="-457200">
+              <a:buFont typeface="Arial" panose="020B0604020202020204" pitchFamily="34" charset="0"/>
+              <a:buChar char="•"/>
+            </a:pPr>
+            <a:endParaRPr lang="en-GB" sz="3200" dirty="0">
+              <a:solidFill>
+                <a:schemeClr val="bg2">
+                  <a:lumMod val="25000"/>
+                </a:schemeClr>
+              </a:solidFill>
+              <a:latin typeface="Segoe UI Light" panose="020B0502040204020203" pitchFamily="34" charset="0"/>
+              <a:cs typeface="Segoe UI Light" panose="020B0502040204020203" pitchFamily="34" charset="0"/>
+            </a:endParaRPr>
+          </a:p>
+          <a:p>
+            <a:pPr>
+              <a:lnSpc>
+                <a:spcPct val="107000"/>
+              </a:lnSpc>
+              <a:spcAft>
+                <a:spcPts val="800"/>
+              </a:spcAft>
+            </a:pPr>
+            <a:r>
+              <a:rPr lang="en-GB" sz="1800" u="sng" dirty="0">
+                <a:solidFill>
+                  <a:srgbClr val="0563C1"/>
+                </a:solidFill>
+                <a:effectLst/>
+                <a:latin typeface="Segoe UI" panose="020B0502040204020203" pitchFamily="34" charset="0"/>
+                <a:ea typeface="Calibri" panose="020F0502020204030204" pitchFamily="34" charset="0"/>
+                <a:cs typeface="Times New Roman" panose="02020603050405020304" pitchFamily="18" charset="0"/>
+                <a:hlinkClick r:id="rId2"/>
+              </a:rPr>
+              <a:t>https://coryrylan.com/blog/using-web-components-in-react-video-tutorial</a:t>
+            </a:r>
+            <a:endParaRPr lang="en-GB" sz="1800" dirty="0">
+              <a:effectLst/>
+              <a:latin typeface="Calibri" panose="020F0502020204030204" pitchFamily="34" charset="0"/>
+              <a:ea typeface="Calibri" panose="020F0502020204030204" pitchFamily="34" charset="0"/>
+              <a:cs typeface="Times New Roman" panose="02020603050405020304" pitchFamily="18" charset="0"/>
+            </a:endParaRPr>
+          </a:p>
+          <a:p>
+            <a:pPr>
+              <a:lnSpc>
+                <a:spcPct val="107000"/>
+              </a:lnSpc>
+              <a:spcAft>
+                <a:spcPts val="800"/>
+              </a:spcAft>
+            </a:pPr>
+            <a:r>
+              <a:rPr lang="en-GB" sz="1800" u="sng" dirty="0">
+                <a:solidFill>
+                  <a:srgbClr val="0563C1"/>
+                </a:solidFill>
+                <a:effectLst/>
+                <a:latin typeface="Segoe UI" panose="020B0502040204020203" pitchFamily="34" charset="0"/>
+                <a:ea typeface="Calibri" panose="020F0502020204030204" pitchFamily="34" charset="0"/>
+                <a:cs typeface="Times New Roman" panose="02020603050405020304" pitchFamily="18" charset="0"/>
+                <a:hlinkClick r:id="rId3"/>
+              </a:rPr>
+              <a:t>https://coryrylan.com/blog/using-web-components-in-angular-video-tutorial</a:t>
+            </a:r>
+            <a:endParaRPr lang="en-GB" sz="1800" dirty="0">
+              <a:effectLst/>
+              <a:latin typeface="Calibri" panose="020F0502020204030204" pitchFamily="34" charset="0"/>
+              <a:ea typeface="Calibri" panose="020F0502020204030204" pitchFamily="34" charset="0"/>
+              <a:cs typeface="Times New Roman" panose="02020603050405020304" pitchFamily="18" charset="0"/>
+            </a:endParaRPr>
+          </a:p>
+          <a:p>
+            <a:pPr>
+              <a:lnSpc>
+                <a:spcPct val="107000"/>
+              </a:lnSpc>
+              <a:spcAft>
+                <a:spcPts val="800"/>
+              </a:spcAft>
+            </a:pPr>
+            <a:r>
+              <a:rPr lang="en-GB" sz="1800" u="sng" dirty="0">
+                <a:solidFill>
+                  <a:srgbClr val="0563C1"/>
+                </a:solidFill>
+                <a:effectLst/>
+                <a:latin typeface="Segoe UI" panose="020B0502040204020203" pitchFamily="34" charset="0"/>
+                <a:ea typeface="Calibri" panose="020F0502020204030204" pitchFamily="34" charset="0"/>
+                <a:cs typeface="Times New Roman" panose="02020603050405020304" pitchFamily="18" charset="0"/>
+                <a:hlinkClick r:id="rId4"/>
+              </a:rPr>
+              <a:t>https://coryrylan.com/blog/using-web-components-in-vue</a:t>
+            </a:r>
+            <a:endParaRPr lang="en-GB" u="sng" dirty="0">
+              <a:latin typeface="Calibri" panose="020F0502020204030204" pitchFamily="34" charset="0"/>
+              <a:ea typeface="Calibri" panose="020F0502020204030204" pitchFamily="34" charset="0"/>
+              <a:cs typeface="Times New Roman" panose="02020603050405020304" pitchFamily="18" charset="0"/>
+            </a:endParaRPr>
+          </a:p>
+          <a:p>
+            <a:pPr>
+              <a:lnSpc>
+                <a:spcPct val="107000"/>
+              </a:lnSpc>
+              <a:spcAft>
+                <a:spcPts val="800"/>
+              </a:spcAft>
+            </a:pPr>
+            <a:r>
+              <a:rPr lang="en-GB" b="1" dirty="0">
+                <a:solidFill>
+                  <a:schemeClr val="bg2">
+                    <a:lumMod val="25000"/>
+                  </a:schemeClr>
+                </a:solidFill>
+                <a:latin typeface="Segoe UI Light" panose="020B0502040204020203" pitchFamily="34" charset="0"/>
+                <a:cs typeface="Segoe UI Light" panose="020B0502040204020203" pitchFamily="34" charset="0"/>
+                <a:hlinkClick r:id="rId5"/>
+              </a:rPr>
+              <a:t>https://stenciljs.com/docs/overview</a:t>
+            </a:r>
+            <a:endParaRPr lang="en-GB" b="1" dirty="0">
+              <a:solidFill>
+                <a:schemeClr val="bg2">
+                  <a:lumMod val="25000"/>
+                </a:schemeClr>
+              </a:solidFill>
+              <a:latin typeface="Segoe UI Light" panose="020B0502040204020203" pitchFamily="34" charset="0"/>
+              <a:cs typeface="Segoe UI Light" panose="020B0502040204020203" pitchFamily="34" charset="0"/>
+            </a:endParaRPr>
+          </a:p>
+          <a:p>
+            <a:pPr>
+              <a:lnSpc>
+                <a:spcPct val="107000"/>
+              </a:lnSpc>
+              <a:spcAft>
+                <a:spcPts val="800"/>
+              </a:spcAft>
+            </a:pPr>
+            <a:r>
+              <a:rPr lang="en-GB" b="1" dirty="0">
+                <a:solidFill>
+                  <a:schemeClr val="bg2">
+                    <a:lumMod val="25000"/>
+                  </a:schemeClr>
+                </a:solidFill>
+                <a:latin typeface="Segoe UI Light" panose="020B0502040204020203" pitchFamily="34" charset="0"/>
+                <a:cs typeface="Segoe UI Light" panose="020B0502040204020203" pitchFamily="34" charset="0"/>
+                <a:hlinkClick r:id="rId6"/>
+              </a:rPr>
+              <a:t>https://webcomponents.dev/</a:t>
+            </a:r>
+            <a:endParaRPr lang="en-GB" b="1" dirty="0">
+              <a:solidFill>
+                <a:schemeClr val="bg2">
+                  <a:lumMod val="25000"/>
+                </a:schemeClr>
+              </a:solidFill>
+              <a:latin typeface="Segoe UI Light" panose="020B0502040204020203" pitchFamily="34" charset="0"/>
+              <a:cs typeface="Segoe UI Light" panose="020B0502040204020203" pitchFamily="34" charset="0"/>
+            </a:endParaRPr>
+          </a:p>
+          <a:p>
+            <a:pPr>
+              <a:lnSpc>
+                <a:spcPct val="107000"/>
+              </a:lnSpc>
+              <a:spcAft>
+                <a:spcPts val="800"/>
+              </a:spcAft>
+            </a:pPr>
+            <a:r>
+              <a:rPr lang="en-GB" b="1" dirty="0">
+                <a:solidFill>
+                  <a:schemeClr val="bg2">
+                    <a:lumMod val="25000"/>
+                  </a:schemeClr>
+                </a:solidFill>
+                <a:latin typeface="Segoe UI Light" panose="020B0502040204020203" pitchFamily="34" charset="0"/>
+                <a:cs typeface="Segoe UI Light" panose="020B0502040204020203" pitchFamily="34" charset="0"/>
+                <a:hlinkClick r:id="rId7"/>
+              </a:rPr>
+              <a:t>https://custom-elements-everywhere.com/</a:t>
+            </a:r>
+            <a:endParaRPr lang="en-GB" b="1" dirty="0">
+              <a:solidFill>
+                <a:schemeClr val="bg2">
+                  <a:lumMod val="25000"/>
+                </a:schemeClr>
+              </a:solidFill>
+              <a:latin typeface="Segoe UI Light" panose="020B0502040204020203" pitchFamily="34" charset="0"/>
+              <a:cs typeface="Segoe UI Light" panose="020B0502040204020203" pitchFamily="34" charset="0"/>
+            </a:endParaRPr>
+          </a:p>
+          <a:p>
+            <a:pPr>
+              <a:lnSpc>
+                <a:spcPct val="107000"/>
+              </a:lnSpc>
+              <a:spcAft>
+                <a:spcPts val="800"/>
+              </a:spcAft>
+            </a:pPr>
+            <a:r>
+              <a:rPr lang="en-GB" b="1" dirty="0">
+                <a:solidFill>
+                  <a:schemeClr val="bg2">
+                    <a:lumMod val="25000"/>
+                  </a:schemeClr>
+                </a:solidFill>
+                <a:latin typeface="Segoe UI Light" panose="020B0502040204020203" pitchFamily="34" charset="0"/>
+                <a:cs typeface="Segoe UI Light" panose="020B0502040204020203" pitchFamily="34" charset="0"/>
+                <a:hlinkClick r:id="rId8"/>
+              </a:rPr>
+              <a:t>https://developers.google.com/web/fundamentals/web-components</a:t>
+            </a:r>
+            <a:endParaRPr lang="en-GB" b="1" dirty="0">
+              <a:solidFill>
+                <a:schemeClr val="bg2">
+                  <a:lumMod val="25000"/>
+                </a:schemeClr>
+              </a:solidFill>
+              <a:latin typeface="Segoe UI Light" panose="020B0502040204020203" pitchFamily="34" charset="0"/>
+              <a:cs typeface="Segoe UI Light" panose="020B0502040204020203" pitchFamily="34" charset="0"/>
+            </a:endParaRPr>
+          </a:p>
+        </p:txBody>
+      </p:sp>
+    </p:spTree>
+    <p:extLst>
+      <p:ext uri="{BB962C8B-B14F-4D97-AF65-F5344CB8AC3E}">
+        <p14:creationId xmlns:p14="http://schemas.microsoft.com/office/powerpoint/2010/main" val="223144042"/>
+      </p:ext>
+    </p:extLst>
+  </p:cSld>
+  <p:clrMapOvr>
+    <a:masterClrMapping/>
+  </p:clrMapOvr>
+</p:sld>
+</file>
+
+<file path=ppt/slides/slide35.xml><?xml version="1.0" encoding="utf-8"?>
+<p:sld xmlns:a="http://schemas.openxmlformats.org/drawingml/2006/main" xmlns:r="http://schemas.openxmlformats.org/officeDocument/2006/relationships" xmlns:p="http://schemas.openxmlformats.org/presentationml/2006/main">
+  <p:cSld>
+    <p:spTree>
+      <p:nvGrpSpPr>
+        <p:cNvPr id="1" name=""/>
+        <p:cNvGrpSpPr/>
+        <p:nvPr/>
+      </p:nvGrpSpPr>
+      <p:grpSpPr>
+        <a:xfrm>
+          <a:off x="0" y="0"/>
+          <a:ext cx="0" cy="0"/>
+          <a:chOff x="0" y="0"/>
+          <a:chExt cx="0" cy="0"/>
+        </a:xfrm>
+      </p:grpSpPr>
+      <p:sp>
+        <p:nvSpPr>
+          <p:cNvPr id="4" name="Title 3"/>
+          <p:cNvSpPr>
+            <a:spLocks noGrp="1"/>
+          </p:cNvSpPr>
+          <p:nvPr>
+            <p:ph type="title"/>
+          </p:nvPr>
+        </p:nvSpPr>
+        <p:spPr>
+          <a:xfrm>
             <a:off x="541609" y="426301"/>
             <a:ext cx="8578726" cy="749992"/>
           </a:xfrm>
@@ -19558,7 +20808,7 @@
 </p:sld>
 </file>
 
-<file path=ppt/slides/slide35.xml><?xml version="1.0" encoding="utf-8"?>
+<file path=ppt/slides/slide36.xml><?xml version="1.0" encoding="utf-8"?>
 <p:sld xmlns:a="http://schemas.openxmlformats.org/drawingml/2006/main" xmlns:r="http://schemas.openxmlformats.org/officeDocument/2006/relationships" xmlns:p="http://schemas.openxmlformats.org/presentationml/2006/main">
   <p:cSld>
     <p:spTree>
@@ -19883,7 +21133,7 @@
 </p:sld>
 </file>
 
-<file path=ppt/slides/slide36.xml><?xml version="1.0" encoding="utf-8"?>
+<file path=ppt/slides/slide37.xml><?xml version="1.0" encoding="utf-8"?>
 <p:sld xmlns:a="http://schemas.openxmlformats.org/drawingml/2006/main" xmlns:r="http://schemas.openxmlformats.org/officeDocument/2006/relationships" xmlns:p="http://schemas.openxmlformats.org/presentationml/2006/main">
   <p:cSld>
     <p:spTree>
@@ -20281,7 +21531,7 @@
 </p:sld>
 </file>
 
-<file path=ppt/slides/slide37.xml><?xml version="1.0" encoding="utf-8"?>
+<file path=ppt/slides/slide38.xml><?xml version="1.0" encoding="utf-8"?>
 <p:sld xmlns:a="http://schemas.openxmlformats.org/drawingml/2006/main" xmlns:r="http://schemas.openxmlformats.org/officeDocument/2006/relationships" xmlns:p="http://schemas.openxmlformats.org/presentationml/2006/main">
   <p:cSld>
     <p:spTree>
@@ -20681,6 +21931,92 @@
           </a:p>
         </p:txBody>
       </p:sp>
+      <p:sp>
+        <p:nvSpPr>
+          <p:cNvPr id="7" name="Arrow: Right 6">
+            <a:extLst>
+              <a:ext uri="{FF2B5EF4-FFF2-40B4-BE49-F238E27FC236}">
+                <a16:creationId xmlns:a16="http://schemas.microsoft.com/office/drawing/2014/main" id="{6F35A331-6587-4EF4-AF53-B39D1C303A85}"/>
+              </a:ext>
+            </a:extLst>
+          </p:cNvPr>
+          <p:cNvSpPr/>
+          <p:nvPr/>
+        </p:nvSpPr>
+        <p:spPr>
+          <a:xfrm>
+            <a:off x="541609" y="5082609"/>
+            <a:ext cx="1095602" cy="261257"/>
+          </a:xfrm>
+          <a:prstGeom prst="rightArrow">
+            <a:avLst/>
+          </a:prstGeom>
+          <a:solidFill>
+            <a:schemeClr val="accent6">
+              <a:lumMod val="75000"/>
+            </a:schemeClr>
+          </a:solidFill>
+        </p:spPr>
+        <p:style>
+          <a:lnRef idx="2">
+            <a:schemeClr val="accent1">
+              <a:shade val="50000"/>
+            </a:schemeClr>
+          </a:lnRef>
+          <a:fillRef idx="1">
+            <a:schemeClr val="accent1"/>
+          </a:fillRef>
+          <a:effectRef idx="0">
+            <a:schemeClr val="accent1"/>
+          </a:effectRef>
+          <a:fontRef idx="minor">
+            <a:schemeClr val="lt1"/>
+          </a:fontRef>
+        </p:style>
+        <p:txBody>
+          <a:bodyPr rtlCol="0" anchor="ctr"/>
+          <a:lstStyle/>
+          <a:p>
+            <a:pPr algn="ctr"/>
+            <a:endParaRPr lang="en-GB"/>
+          </a:p>
+        </p:txBody>
+      </p:sp>
+      <p:sp>
+        <p:nvSpPr>
+          <p:cNvPr id="5" name="TextBox 4">
+            <a:extLst>
+              <a:ext uri="{FF2B5EF4-FFF2-40B4-BE49-F238E27FC236}">
+                <a16:creationId xmlns:a16="http://schemas.microsoft.com/office/drawing/2014/main" id="{C1B792B1-1E45-409C-B9A3-221597B52F37}"/>
+              </a:ext>
+            </a:extLst>
+          </p:cNvPr>
+          <p:cNvSpPr txBox="1"/>
+          <p:nvPr/>
+        </p:nvSpPr>
+        <p:spPr>
+          <a:xfrm>
+            <a:off x="0" y="4748487"/>
+            <a:ext cx="2798718" cy="307777"/>
+          </a:xfrm>
+          <a:prstGeom prst="rect">
+            <a:avLst/>
+          </a:prstGeom>
+          <a:noFill/>
+        </p:spPr>
+        <p:txBody>
+          <a:bodyPr wrap="square" rtlCol="0">
+            <a:spAutoFit/>
+          </a:bodyPr>
+          <a:lstStyle/>
+          <a:p>
+            <a:r>
+              <a:rPr lang="en-GB" sz="1400" dirty="0"/>
+              <a:t>Render on state change</a:t>
+            </a:r>
+          </a:p>
+        </p:txBody>
+      </p:sp>
     </p:spTree>
     <p:extLst>
       <p:ext uri="{BB962C8B-B14F-4D97-AF65-F5344CB8AC3E}">
@@ -20694,7 +22030,7 @@
 </p:sld>
 </file>
 
-<file path=ppt/slides/slide38.xml><?xml version="1.0" encoding="utf-8"?>
+<file path=ppt/slides/slide39.xml><?xml version="1.0" encoding="utf-8"?>
 <p:sld xmlns:a="http://schemas.openxmlformats.org/drawingml/2006/main" xmlns:r="http://schemas.openxmlformats.org/officeDocument/2006/relationships" xmlns:p="http://schemas.openxmlformats.org/presentationml/2006/main">
   <p:cSld>
     <p:spTree>
@@ -21493,605 +22829,12 @@
           </a:p>
         </p:txBody>
       </p:sp>
-    </p:spTree>
-    <p:extLst>
-      <p:ext uri="{BB962C8B-B14F-4D97-AF65-F5344CB8AC3E}">
-        <p14:creationId xmlns:p14="http://schemas.microsoft.com/office/powerpoint/2010/main" val="2389234216"/>
-      </p:ext>
-    </p:extLst>
-  </p:cSld>
-  <p:clrMapOvr>
-    <a:masterClrMapping/>
-  </p:clrMapOvr>
-</p:sld>
-</file>
-
-<file path=ppt/slides/slide39.xml><?xml version="1.0" encoding="utf-8"?>
-<p:sld xmlns:a="http://schemas.openxmlformats.org/drawingml/2006/main" xmlns:r="http://schemas.openxmlformats.org/officeDocument/2006/relationships" xmlns:p="http://schemas.openxmlformats.org/presentationml/2006/main">
-  <p:cSld>
-    <p:spTree>
-      <p:nvGrpSpPr>
-        <p:cNvPr id="1" name=""/>
-        <p:cNvGrpSpPr/>
-        <p:nvPr/>
-      </p:nvGrpSpPr>
-      <p:grpSpPr>
-        <a:xfrm>
-          <a:off x="0" y="0"/>
-          <a:ext cx="0" cy="0"/>
-          <a:chOff x="0" y="0"/>
-          <a:chExt cx="0" cy="0"/>
-        </a:xfrm>
-      </p:grpSpPr>
       <p:sp>
         <p:nvSpPr>
-          <p:cNvPr id="4" name="Title 3"/>
-          <p:cNvSpPr>
-            <a:spLocks noGrp="1"/>
-          </p:cNvSpPr>
-          <p:nvPr>
-            <p:ph type="title"/>
-          </p:nvPr>
-        </p:nvSpPr>
-        <p:spPr>
-          <a:xfrm>
-            <a:off x="541609" y="426301"/>
-            <a:ext cx="8578726" cy="749992"/>
-          </a:xfrm>
-        </p:spPr>
-        <p:txBody>
-          <a:bodyPr>
-            <a:noAutofit/>
-          </a:bodyPr>
-          <a:lstStyle/>
-          <a:p>
-            <a:r>
-              <a:rPr lang="en-US" sz="4000" dirty="0">
-                <a:latin typeface="Segoe UI Light" panose="020B0502040204020203" pitchFamily="34" charset="0"/>
-                <a:cs typeface="Segoe UI Light" panose="020B0502040204020203" pitchFamily="34" charset="0"/>
-              </a:rPr>
-              <a:t>WordPress Full Site Editing</a:t>
-            </a:r>
-          </a:p>
-        </p:txBody>
-      </p:sp>
-      <p:sp>
-        <p:nvSpPr>
-          <p:cNvPr id="25" name="Content Placeholder 17"/>
-          <p:cNvSpPr txBox="1">
-            <a:spLocks/>
-          </p:cNvSpPr>
-          <p:nvPr/>
-        </p:nvSpPr>
-        <p:spPr>
-          <a:xfrm>
-            <a:off x="541609" y="1455491"/>
-            <a:ext cx="5110161" cy="471149"/>
-          </a:xfrm>
-          <a:prstGeom prst="rect">
-            <a:avLst/>
-          </a:prstGeom>
-        </p:spPr>
-        <p:txBody>
-          <a:bodyPr vert="horz" lIns="91440" tIns="45720" rIns="91440" bIns="45720" rtlCol="0">
-            <a:normAutofit/>
-          </a:bodyPr>
-          <a:lstStyle>
-            <a:lvl1pPr marL="228600" indent="-228600" algn="l" defTabSz="914400" rtl="0" eaLnBrk="1" latinLnBrk="0" hangingPunct="1">
-              <a:lnSpc>
-                <a:spcPts val="1800"/>
-              </a:lnSpc>
-              <a:spcBef>
-                <a:spcPts val="1000"/>
-              </a:spcBef>
-              <a:spcAft>
-                <a:spcPts val="1000"/>
-              </a:spcAft>
-              <a:buFont typeface="Arial" panose="020B0604020202020204" pitchFamily="34" charset="0"/>
-              <a:buChar char="•"/>
-              <a:defRPr lang="en-US" sz="1200" kern="1200" smtClean="0">
-                <a:solidFill>
-                  <a:schemeClr val="tx1">
-                    <a:lumMod val="75000"/>
-                    <a:lumOff val="25000"/>
-                  </a:schemeClr>
-                </a:solidFill>
-                <a:latin typeface="+mn-lt"/>
-                <a:ea typeface="+mn-ea"/>
-                <a:cs typeface="+mn-cs"/>
-              </a:defRPr>
-            </a:lvl1pPr>
-            <a:lvl2pPr marL="685800" indent="-228600" algn="l" defTabSz="914400" rtl="0" eaLnBrk="1" latinLnBrk="0" hangingPunct="1">
-              <a:lnSpc>
-                <a:spcPts val="1800"/>
-              </a:lnSpc>
-              <a:spcBef>
-                <a:spcPts val="1000"/>
-              </a:spcBef>
-              <a:spcAft>
-                <a:spcPts val="1000"/>
-              </a:spcAft>
-              <a:buFont typeface="Arial" panose="020B0604020202020204" pitchFamily="34" charset="0"/>
-              <a:buChar char="•"/>
-              <a:defRPr lang="en-US" sz="1200" kern="1200" smtClean="0">
-                <a:solidFill>
-                  <a:schemeClr val="tx1">
-                    <a:lumMod val="75000"/>
-                    <a:lumOff val="25000"/>
-                  </a:schemeClr>
-                </a:solidFill>
-                <a:latin typeface="+mn-lt"/>
-                <a:ea typeface="+mn-ea"/>
-                <a:cs typeface="+mn-cs"/>
-              </a:defRPr>
-            </a:lvl2pPr>
-            <a:lvl3pPr marL="1143000" indent="-228600" algn="l" defTabSz="914400" rtl="0" eaLnBrk="1" latinLnBrk="0" hangingPunct="1">
-              <a:lnSpc>
-                <a:spcPts val="1800"/>
-              </a:lnSpc>
-              <a:spcBef>
-                <a:spcPts val="1000"/>
-              </a:spcBef>
-              <a:spcAft>
-                <a:spcPts val="1000"/>
-              </a:spcAft>
-              <a:buFont typeface="Arial" panose="020B0604020202020204" pitchFamily="34" charset="0"/>
-              <a:buChar char="•"/>
-              <a:defRPr lang="en-US" sz="1200" kern="1200" smtClean="0">
-                <a:solidFill>
-                  <a:schemeClr val="tx1">
-                    <a:lumMod val="75000"/>
-                    <a:lumOff val="25000"/>
-                  </a:schemeClr>
-                </a:solidFill>
-                <a:latin typeface="+mn-lt"/>
-                <a:ea typeface="+mn-ea"/>
-                <a:cs typeface="+mn-cs"/>
-              </a:defRPr>
-            </a:lvl3pPr>
-            <a:lvl4pPr marL="1600200" indent="-228600" algn="l" defTabSz="914400" rtl="0" eaLnBrk="1" latinLnBrk="0" hangingPunct="1">
-              <a:lnSpc>
-                <a:spcPts val="1800"/>
-              </a:lnSpc>
-              <a:spcBef>
-                <a:spcPts val="1000"/>
-              </a:spcBef>
-              <a:spcAft>
-                <a:spcPts val="1000"/>
-              </a:spcAft>
-              <a:buFont typeface="Arial" panose="020B0604020202020204" pitchFamily="34" charset="0"/>
-              <a:buChar char="•"/>
-              <a:defRPr lang="en-US" sz="1200" kern="1200" smtClean="0">
-                <a:solidFill>
-                  <a:schemeClr val="tx1">
-                    <a:lumMod val="75000"/>
-                    <a:lumOff val="25000"/>
-                  </a:schemeClr>
-                </a:solidFill>
-                <a:latin typeface="+mn-lt"/>
-                <a:ea typeface="+mn-ea"/>
-                <a:cs typeface="+mn-cs"/>
-              </a:defRPr>
-            </a:lvl4pPr>
-            <a:lvl5pPr marL="2057400" indent="-228600" algn="l" defTabSz="914400" rtl="0" eaLnBrk="1" latinLnBrk="0" hangingPunct="1">
-              <a:lnSpc>
-                <a:spcPts val="1800"/>
-              </a:lnSpc>
-              <a:spcBef>
-                <a:spcPts val="1000"/>
-              </a:spcBef>
-              <a:spcAft>
-                <a:spcPts val="1000"/>
-              </a:spcAft>
-              <a:buFont typeface="Arial" panose="020B0604020202020204" pitchFamily="34" charset="0"/>
-              <a:buChar char="•"/>
-              <a:defRPr lang="en-US" sz="1200" kern="1200">
-                <a:solidFill>
-                  <a:schemeClr val="tx1">
-                    <a:lumMod val="75000"/>
-                    <a:lumOff val="25000"/>
-                  </a:schemeClr>
-                </a:solidFill>
-                <a:latin typeface="+mn-lt"/>
-                <a:ea typeface="+mn-ea"/>
-                <a:cs typeface="+mn-cs"/>
-              </a:defRPr>
-            </a:lvl5pPr>
-            <a:lvl6pPr marL="2514600" indent="-228600" algn="l" defTabSz="914400" rtl="0" eaLnBrk="1" latinLnBrk="0" hangingPunct="1">
-              <a:lnSpc>
-                <a:spcPct val="90000"/>
-              </a:lnSpc>
-              <a:spcBef>
-                <a:spcPct val="30000"/>
-              </a:spcBef>
-              <a:buFont typeface="Arial" panose="020B0604020202020204" pitchFamily="34" charset="0"/>
-              <a:buChar char="•"/>
-              <a:defRPr sz="1800" kern="1200">
-                <a:solidFill>
-                  <a:schemeClr val="tx1"/>
-                </a:solidFill>
-                <a:latin typeface="+mn-lt"/>
-                <a:ea typeface="+mn-ea"/>
-                <a:cs typeface="+mn-cs"/>
-              </a:defRPr>
-            </a:lvl6pPr>
-            <a:lvl7pPr marL="2971800" indent="-228600" algn="l" defTabSz="914400" rtl="0" eaLnBrk="1" latinLnBrk="0" hangingPunct="1">
-              <a:lnSpc>
-                <a:spcPct val="90000"/>
-              </a:lnSpc>
-              <a:spcBef>
-                <a:spcPct val="30000"/>
-              </a:spcBef>
-              <a:buFont typeface="Arial" panose="020B0604020202020204" pitchFamily="34" charset="0"/>
-              <a:buChar char="•"/>
-              <a:defRPr sz="1800" kern="1200">
-                <a:solidFill>
-                  <a:schemeClr val="tx1"/>
-                </a:solidFill>
-                <a:latin typeface="+mn-lt"/>
-                <a:ea typeface="+mn-ea"/>
-                <a:cs typeface="+mn-cs"/>
-              </a:defRPr>
-            </a:lvl7pPr>
-            <a:lvl8pPr marL="3429000" indent="-228600" algn="l" defTabSz="914400" rtl="0" eaLnBrk="1" latinLnBrk="0" hangingPunct="1">
-              <a:lnSpc>
-                <a:spcPct val="90000"/>
-              </a:lnSpc>
-              <a:spcBef>
-                <a:spcPct val="30000"/>
-              </a:spcBef>
-              <a:buFont typeface="Arial" panose="020B0604020202020204" pitchFamily="34" charset="0"/>
-              <a:buChar char="•"/>
-              <a:defRPr sz="1800" kern="1200">
-                <a:solidFill>
-                  <a:schemeClr val="tx1"/>
-                </a:solidFill>
-                <a:latin typeface="+mn-lt"/>
-                <a:ea typeface="+mn-ea"/>
-                <a:cs typeface="+mn-cs"/>
-              </a:defRPr>
-            </a:lvl8pPr>
-            <a:lvl9pPr marL="3886200" indent="-228600" algn="l" defTabSz="914400" rtl="0" eaLnBrk="1" latinLnBrk="0" hangingPunct="1">
-              <a:lnSpc>
-                <a:spcPct val="90000"/>
-              </a:lnSpc>
-              <a:spcBef>
-                <a:spcPct val="30000"/>
-              </a:spcBef>
-              <a:buFont typeface="Arial" panose="020B0604020202020204" pitchFamily="34" charset="0"/>
-              <a:buChar char="•"/>
-              <a:defRPr sz="1800" kern="1200">
-                <a:solidFill>
-                  <a:schemeClr val="tx1"/>
-                </a:solidFill>
-                <a:latin typeface="+mn-lt"/>
-                <a:ea typeface="+mn-ea"/>
-                <a:cs typeface="+mn-cs"/>
-              </a:defRPr>
-            </a:lvl9pPr>
-          </a:lstStyle>
-          <a:p>
-            <a:pPr marL="0" indent="0">
-              <a:spcAft>
-                <a:spcPts val="2000"/>
-              </a:spcAft>
-              <a:buNone/>
-            </a:pPr>
-            <a:endParaRPr lang="en-US" sz="1800" dirty="0">
-              <a:latin typeface="Segoe UI" panose="020B0502040204020203" pitchFamily="34" charset="0"/>
-              <a:cs typeface="Segoe UI" panose="020B0502040204020203" pitchFamily="34" charset="0"/>
-            </a:endParaRPr>
-          </a:p>
-        </p:txBody>
-      </p:sp>
-      <p:sp>
-        <p:nvSpPr>
-          <p:cNvPr id="36" name="Content Placeholder 17"/>
-          <p:cNvSpPr txBox="1">
-            <a:spLocks/>
-          </p:cNvSpPr>
-          <p:nvPr/>
-        </p:nvSpPr>
-        <p:spPr>
-          <a:xfrm>
-            <a:off x="473548" y="1498232"/>
-            <a:ext cx="10356444" cy="5496598"/>
-          </a:xfrm>
-          <a:prstGeom prst="rect">
-            <a:avLst/>
-          </a:prstGeom>
-        </p:spPr>
-        <p:txBody>
-          <a:bodyPr vert="horz" lIns="91440" tIns="45720" rIns="91440" bIns="45720" rtlCol="0">
-            <a:noAutofit/>
-          </a:bodyPr>
-          <a:lstStyle>
-            <a:lvl1pPr marL="228600" indent="-228600" algn="l" defTabSz="914400" rtl="0" eaLnBrk="1" latinLnBrk="0" hangingPunct="1">
-              <a:lnSpc>
-                <a:spcPts val="1800"/>
-              </a:lnSpc>
-              <a:spcBef>
-                <a:spcPts val="1000"/>
-              </a:spcBef>
-              <a:spcAft>
-                <a:spcPts val="1000"/>
-              </a:spcAft>
-              <a:buFont typeface="Arial" panose="020B0604020202020204" pitchFamily="34" charset="0"/>
-              <a:buChar char="•"/>
-              <a:defRPr lang="en-US" sz="1200" kern="1200" smtClean="0">
-                <a:solidFill>
-                  <a:schemeClr val="tx1">
-                    <a:lumMod val="75000"/>
-                    <a:lumOff val="25000"/>
-                  </a:schemeClr>
-                </a:solidFill>
-                <a:latin typeface="+mn-lt"/>
-                <a:ea typeface="+mn-ea"/>
-                <a:cs typeface="+mn-cs"/>
-              </a:defRPr>
-            </a:lvl1pPr>
-            <a:lvl2pPr marL="685800" indent="-228600" algn="l" defTabSz="914400" rtl="0" eaLnBrk="1" latinLnBrk="0" hangingPunct="1">
-              <a:lnSpc>
-                <a:spcPts val="1800"/>
-              </a:lnSpc>
-              <a:spcBef>
-                <a:spcPts val="1000"/>
-              </a:spcBef>
-              <a:spcAft>
-                <a:spcPts val="1000"/>
-              </a:spcAft>
-              <a:buFont typeface="Arial" panose="020B0604020202020204" pitchFamily="34" charset="0"/>
-              <a:buChar char="•"/>
-              <a:defRPr lang="en-US" sz="1200" kern="1200" smtClean="0">
-                <a:solidFill>
-                  <a:schemeClr val="tx1">
-                    <a:lumMod val="75000"/>
-                    <a:lumOff val="25000"/>
-                  </a:schemeClr>
-                </a:solidFill>
-                <a:latin typeface="+mn-lt"/>
-                <a:ea typeface="+mn-ea"/>
-                <a:cs typeface="+mn-cs"/>
-              </a:defRPr>
-            </a:lvl2pPr>
-            <a:lvl3pPr marL="1143000" indent="-228600" algn="l" defTabSz="914400" rtl="0" eaLnBrk="1" latinLnBrk="0" hangingPunct="1">
-              <a:lnSpc>
-                <a:spcPts val="1800"/>
-              </a:lnSpc>
-              <a:spcBef>
-                <a:spcPts val="1000"/>
-              </a:spcBef>
-              <a:spcAft>
-                <a:spcPts val="1000"/>
-              </a:spcAft>
-              <a:buFont typeface="Arial" panose="020B0604020202020204" pitchFamily="34" charset="0"/>
-              <a:buChar char="•"/>
-              <a:defRPr lang="en-US" sz="1200" kern="1200" smtClean="0">
-                <a:solidFill>
-                  <a:schemeClr val="tx1">
-                    <a:lumMod val="75000"/>
-                    <a:lumOff val="25000"/>
-                  </a:schemeClr>
-                </a:solidFill>
-                <a:latin typeface="+mn-lt"/>
-                <a:ea typeface="+mn-ea"/>
-                <a:cs typeface="+mn-cs"/>
-              </a:defRPr>
-            </a:lvl3pPr>
-            <a:lvl4pPr marL="1600200" indent="-228600" algn="l" defTabSz="914400" rtl="0" eaLnBrk="1" latinLnBrk="0" hangingPunct="1">
-              <a:lnSpc>
-                <a:spcPts val="1800"/>
-              </a:lnSpc>
-              <a:spcBef>
-                <a:spcPts val="1000"/>
-              </a:spcBef>
-              <a:spcAft>
-                <a:spcPts val="1000"/>
-              </a:spcAft>
-              <a:buFont typeface="Arial" panose="020B0604020202020204" pitchFamily="34" charset="0"/>
-              <a:buChar char="•"/>
-              <a:defRPr lang="en-US" sz="1200" kern="1200" smtClean="0">
-                <a:solidFill>
-                  <a:schemeClr val="tx1">
-                    <a:lumMod val="75000"/>
-                    <a:lumOff val="25000"/>
-                  </a:schemeClr>
-                </a:solidFill>
-                <a:latin typeface="+mn-lt"/>
-                <a:ea typeface="+mn-ea"/>
-                <a:cs typeface="+mn-cs"/>
-              </a:defRPr>
-            </a:lvl4pPr>
-            <a:lvl5pPr marL="2057400" indent="-228600" algn="l" defTabSz="914400" rtl="0" eaLnBrk="1" latinLnBrk="0" hangingPunct="1">
-              <a:lnSpc>
-                <a:spcPts val="1800"/>
-              </a:lnSpc>
-              <a:spcBef>
-                <a:spcPts val="1000"/>
-              </a:spcBef>
-              <a:spcAft>
-                <a:spcPts val="1000"/>
-              </a:spcAft>
-              <a:buFont typeface="Arial" panose="020B0604020202020204" pitchFamily="34" charset="0"/>
-              <a:buChar char="•"/>
-              <a:defRPr lang="en-US" sz="1200" kern="1200">
-                <a:solidFill>
-                  <a:schemeClr val="tx1">
-                    <a:lumMod val="75000"/>
-                    <a:lumOff val="25000"/>
-                  </a:schemeClr>
-                </a:solidFill>
-                <a:latin typeface="+mn-lt"/>
-                <a:ea typeface="+mn-ea"/>
-                <a:cs typeface="+mn-cs"/>
-              </a:defRPr>
-            </a:lvl5pPr>
-            <a:lvl6pPr marL="2514600" indent="-228600" algn="l" defTabSz="914400" rtl="0" eaLnBrk="1" latinLnBrk="0" hangingPunct="1">
-              <a:lnSpc>
-                <a:spcPct val="90000"/>
-              </a:lnSpc>
-              <a:spcBef>
-                <a:spcPct val="30000"/>
-              </a:spcBef>
-              <a:buFont typeface="Arial" panose="020B0604020202020204" pitchFamily="34" charset="0"/>
-              <a:buChar char="•"/>
-              <a:defRPr sz="1800" kern="1200">
-                <a:solidFill>
-                  <a:schemeClr val="tx1"/>
-                </a:solidFill>
-                <a:latin typeface="+mn-lt"/>
-                <a:ea typeface="+mn-ea"/>
-                <a:cs typeface="+mn-cs"/>
-              </a:defRPr>
-            </a:lvl6pPr>
-            <a:lvl7pPr marL="2971800" indent="-228600" algn="l" defTabSz="914400" rtl="0" eaLnBrk="1" latinLnBrk="0" hangingPunct="1">
-              <a:lnSpc>
-                <a:spcPct val="90000"/>
-              </a:lnSpc>
-              <a:spcBef>
-                <a:spcPct val="30000"/>
-              </a:spcBef>
-              <a:buFont typeface="Arial" panose="020B0604020202020204" pitchFamily="34" charset="0"/>
-              <a:buChar char="•"/>
-              <a:defRPr sz="1800" kern="1200">
-                <a:solidFill>
-                  <a:schemeClr val="tx1"/>
-                </a:solidFill>
-                <a:latin typeface="+mn-lt"/>
-                <a:ea typeface="+mn-ea"/>
-                <a:cs typeface="+mn-cs"/>
-              </a:defRPr>
-            </a:lvl7pPr>
-            <a:lvl8pPr marL="3429000" indent="-228600" algn="l" defTabSz="914400" rtl="0" eaLnBrk="1" latinLnBrk="0" hangingPunct="1">
-              <a:lnSpc>
-                <a:spcPct val="90000"/>
-              </a:lnSpc>
-              <a:spcBef>
-                <a:spcPct val="30000"/>
-              </a:spcBef>
-              <a:buFont typeface="Arial" panose="020B0604020202020204" pitchFamily="34" charset="0"/>
-              <a:buChar char="•"/>
-              <a:defRPr sz="1800" kern="1200">
-                <a:solidFill>
-                  <a:schemeClr val="tx1"/>
-                </a:solidFill>
-                <a:latin typeface="+mn-lt"/>
-                <a:ea typeface="+mn-ea"/>
-                <a:cs typeface="+mn-cs"/>
-              </a:defRPr>
-            </a:lvl8pPr>
-            <a:lvl9pPr marL="3886200" indent="-228600" algn="l" defTabSz="914400" rtl="0" eaLnBrk="1" latinLnBrk="0" hangingPunct="1">
-              <a:lnSpc>
-                <a:spcPct val="90000"/>
-              </a:lnSpc>
-              <a:spcBef>
-                <a:spcPct val="30000"/>
-              </a:spcBef>
-              <a:buFont typeface="Arial" panose="020B0604020202020204" pitchFamily="34" charset="0"/>
-              <a:buChar char="•"/>
-              <a:defRPr sz="1800" kern="1200">
-                <a:solidFill>
-                  <a:schemeClr val="tx1"/>
-                </a:solidFill>
-                <a:latin typeface="+mn-lt"/>
-                <a:ea typeface="+mn-ea"/>
-                <a:cs typeface="+mn-cs"/>
-              </a:defRPr>
-            </a:lvl9pPr>
-          </a:lstStyle>
-          <a:p>
-            <a:pPr marL="457200" lvl="1" indent="0">
-              <a:lnSpc>
-                <a:spcPts val="4000"/>
-              </a:lnSpc>
-              <a:buNone/>
-            </a:pPr>
-            <a:endParaRPr lang="en-GB" sz="3800" dirty="0">
-              <a:solidFill>
-                <a:schemeClr val="bg2">
-                  <a:lumMod val="25000"/>
-                </a:schemeClr>
-              </a:solidFill>
-              <a:latin typeface="Segoe UI Light" panose="020B0502040204020203" pitchFamily="34" charset="0"/>
-              <a:cs typeface="Segoe UI Light" panose="020B0502040204020203" pitchFamily="34" charset="0"/>
-            </a:endParaRPr>
-          </a:p>
-          <a:p>
-            <a:pPr marL="457200" lvl="1" indent="0">
-              <a:lnSpc>
-                <a:spcPts val="4000"/>
-              </a:lnSpc>
-              <a:buNone/>
-            </a:pPr>
-            <a:endParaRPr lang="en-GB" sz="3800" dirty="0">
-              <a:solidFill>
-                <a:schemeClr val="bg2">
-                  <a:lumMod val="25000"/>
-                </a:schemeClr>
-              </a:solidFill>
-              <a:latin typeface="Segoe UI Light" panose="020B0502040204020203" pitchFamily="34" charset="0"/>
-              <a:cs typeface="Segoe UI Light" panose="020B0502040204020203" pitchFamily="34" charset="0"/>
-            </a:endParaRPr>
-          </a:p>
-          <a:p>
-            <a:pPr marL="0" lvl="0" indent="0">
-              <a:spcBef>
-                <a:spcPct val="0"/>
-              </a:spcBef>
-              <a:spcAft>
-                <a:spcPts val="2000"/>
-              </a:spcAft>
-              <a:buNone/>
-              <a:defRPr/>
-            </a:pPr>
-            <a:endParaRPr lang="en-US" sz="3800" dirty="0">
-              <a:solidFill>
-                <a:schemeClr val="bg2">
-                  <a:lumMod val="25000"/>
-                </a:schemeClr>
-              </a:solidFill>
-              <a:latin typeface="Segoe UI Light" panose="020B0502040204020203" pitchFamily="34" charset="0"/>
-              <a:cs typeface="Segoe UI Light" panose="020B0502040204020203" pitchFamily="34" charset="0"/>
-            </a:endParaRPr>
-          </a:p>
-        </p:txBody>
-      </p:sp>
-      <p:pic>
-        <p:nvPicPr>
-          <p:cNvPr id="7" name="Picture 6" descr="Text&#10;&#10;Description automatically generated">
+          <p:cNvPr id="3" name="TextBox 2">
             <a:extLst>
               <a:ext uri="{FF2B5EF4-FFF2-40B4-BE49-F238E27FC236}">
-                <a16:creationId xmlns:a16="http://schemas.microsoft.com/office/drawing/2014/main" id="{80F64189-908D-45E9-8369-B11FE7FF9413}"/>
-              </a:ext>
-            </a:extLst>
-          </p:cNvPr>
-          <p:cNvPicPr>
-            <a:picLocks noChangeAspect="1"/>
-          </p:cNvPicPr>
-          <p:nvPr/>
-        </p:nvPicPr>
-        <p:blipFill>
-          <a:blip r:embed="rId2"/>
-          <a:stretch>
-            <a:fillRect/>
-          </a:stretch>
-        </p:blipFill>
-        <p:spPr>
-          <a:xfrm>
-            <a:off x="473548" y="1725369"/>
-            <a:ext cx="11556274" cy="3970037"/>
-          </a:xfrm>
-          <a:prstGeom prst="rect">
-            <a:avLst/>
-          </a:prstGeom>
-        </p:spPr>
-      </p:pic>
-      <p:sp>
-        <p:nvSpPr>
-          <p:cNvPr id="9" name="TextBox 8">
-            <a:extLst>
-              <a:ext uri="{FF2B5EF4-FFF2-40B4-BE49-F238E27FC236}">
-                <a16:creationId xmlns:a16="http://schemas.microsoft.com/office/drawing/2014/main" id="{C69DDB52-1F05-444A-8C5E-D9B93CCC6BB3}"/>
+                <a16:creationId xmlns:a16="http://schemas.microsoft.com/office/drawing/2014/main" id="{CAB2E916-7863-4F35-9DD1-24DE9588B7C6}"/>
               </a:ext>
             </a:extLst>
           </p:cNvPr>
@@ -22100,8 +22843,8 @@
         </p:nvSpPr>
         <p:spPr>
           <a:xfrm>
-            <a:off x="4830972" y="2691344"/>
-            <a:ext cx="6176662" cy="471149"/>
+            <a:off x="4276725" y="1249455"/>
+            <a:ext cx="7686675" cy="369332"/>
           </a:xfrm>
           <a:prstGeom prst="rect">
             <a:avLst/>
@@ -22115,16 +22858,8 @@
           <a:lstStyle/>
           <a:p>
             <a:r>
-              <a:rPr lang="en-GB" sz="2400" dirty="0">
-                <a:solidFill>
-                  <a:schemeClr val="bg1"/>
-                </a:solidFill>
-              </a:rPr>
-              <a:t>Comments used as component identifiers</a:t>
-            </a:r>
-            <a:r>
-              <a:rPr lang="en-GB" sz="2400" dirty="0"/>
-              <a:t>.</a:t>
+              <a:rPr lang="en-GB" dirty="0"/>
+              <a:t>https://github.blog/2021-05-04-how-we-use-web-components-at-github/</a:t>
             </a:r>
           </a:p>
         </p:txBody>
@@ -22132,7 +22867,7 @@
     </p:spTree>
     <p:extLst>
       <p:ext uri="{BB962C8B-B14F-4D97-AF65-F5344CB8AC3E}">
-        <p14:creationId xmlns:p14="http://schemas.microsoft.com/office/powerpoint/2010/main" val="3760473997"/>
+        <p14:creationId xmlns:p14="http://schemas.microsoft.com/office/powerpoint/2010/main" val="2389234216"/>
       </p:ext>
     </p:extLst>
   </p:cSld>
@@ -22897,7 +23632,7 @@
                 <a:latin typeface="Segoe UI Light" panose="020B0502040204020203" pitchFamily="34" charset="0"/>
                 <a:cs typeface="Segoe UI Light" panose="020B0502040204020203" pitchFamily="34" charset="0"/>
               </a:rPr>
-              <a:t>Types of Web Components</a:t>
+              <a:t>WordPress Full Site Editing</a:t>
             </a:r>
           </a:p>
         </p:txBody>
@@ -22912,7 +23647,7 @@
         </p:nvSpPr>
         <p:spPr>
           <a:xfrm>
-            <a:off x="678427" y="1330374"/>
+            <a:off x="541609" y="1455491"/>
             <a:ext cx="5110161" cy="471149"/>
           </a:xfrm>
           <a:prstGeom prst="rect">
@@ -23133,50 +23868,224 @@
       </p:sp>
       <p:sp>
         <p:nvSpPr>
-          <p:cNvPr id="8" name="TextBox 7">
-            <a:extLst>
-              <a:ext uri="{FF2B5EF4-FFF2-40B4-BE49-F238E27FC236}">
-                <a16:creationId xmlns:a16="http://schemas.microsoft.com/office/drawing/2014/main" id="{D4329088-EA16-420B-B145-A30265C6D3B4}"/>
-              </a:ext>
-            </a:extLst>
-          </p:cNvPr>
-          <p:cNvSpPr txBox="1"/>
+          <p:cNvPr id="36" name="Content Placeholder 17"/>
+          <p:cNvSpPr txBox="1">
+            <a:spLocks/>
+          </p:cNvSpPr>
           <p:nvPr/>
         </p:nvSpPr>
         <p:spPr>
           <a:xfrm>
-            <a:off x="541609" y="1691065"/>
-            <a:ext cx="10971964" cy="4185761"/>
+            <a:off x="473548" y="1498232"/>
+            <a:ext cx="10356444" cy="5496598"/>
           </a:xfrm>
           <a:prstGeom prst="rect">
             <a:avLst/>
           </a:prstGeom>
-          <a:noFill/>
         </p:spPr>
         <p:txBody>
-          <a:bodyPr wrap="square">
-            <a:spAutoFit/>
+          <a:bodyPr vert="horz" lIns="91440" tIns="45720" rIns="91440" bIns="45720" rtlCol="0">
+            <a:noAutofit/>
           </a:bodyPr>
-          <a:lstStyle/>
+          <a:lstStyle>
+            <a:lvl1pPr marL="228600" indent="-228600" algn="l" defTabSz="914400" rtl="0" eaLnBrk="1" latinLnBrk="0" hangingPunct="1">
+              <a:lnSpc>
+                <a:spcPts val="1800"/>
+              </a:lnSpc>
+              <a:spcBef>
+                <a:spcPts val="1000"/>
+              </a:spcBef>
+              <a:spcAft>
+                <a:spcPts val="1000"/>
+              </a:spcAft>
+              <a:buFont typeface="Arial" panose="020B0604020202020204" pitchFamily="34" charset="0"/>
+              <a:buChar char="•"/>
+              <a:defRPr lang="en-US" sz="1200" kern="1200" smtClean="0">
+                <a:solidFill>
+                  <a:schemeClr val="tx1">
+                    <a:lumMod val="75000"/>
+                    <a:lumOff val="25000"/>
+                  </a:schemeClr>
+                </a:solidFill>
+                <a:latin typeface="+mn-lt"/>
+                <a:ea typeface="+mn-ea"/>
+                <a:cs typeface="+mn-cs"/>
+              </a:defRPr>
+            </a:lvl1pPr>
+            <a:lvl2pPr marL="685800" indent="-228600" algn="l" defTabSz="914400" rtl="0" eaLnBrk="1" latinLnBrk="0" hangingPunct="1">
+              <a:lnSpc>
+                <a:spcPts val="1800"/>
+              </a:lnSpc>
+              <a:spcBef>
+                <a:spcPts val="1000"/>
+              </a:spcBef>
+              <a:spcAft>
+                <a:spcPts val="1000"/>
+              </a:spcAft>
+              <a:buFont typeface="Arial" panose="020B0604020202020204" pitchFamily="34" charset="0"/>
+              <a:buChar char="•"/>
+              <a:defRPr lang="en-US" sz="1200" kern="1200" smtClean="0">
+                <a:solidFill>
+                  <a:schemeClr val="tx1">
+                    <a:lumMod val="75000"/>
+                    <a:lumOff val="25000"/>
+                  </a:schemeClr>
+                </a:solidFill>
+                <a:latin typeface="+mn-lt"/>
+                <a:ea typeface="+mn-ea"/>
+                <a:cs typeface="+mn-cs"/>
+              </a:defRPr>
+            </a:lvl2pPr>
+            <a:lvl3pPr marL="1143000" indent="-228600" algn="l" defTabSz="914400" rtl="0" eaLnBrk="1" latinLnBrk="0" hangingPunct="1">
+              <a:lnSpc>
+                <a:spcPts val="1800"/>
+              </a:lnSpc>
+              <a:spcBef>
+                <a:spcPts val="1000"/>
+              </a:spcBef>
+              <a:spcAft>
+                <a:spcPts val="1000"/>
+              </a:spcAft>
+              <a:buFont typeface="Arial" panose="020B0604020202020204" pitchFamily="34" charset="0"/>
+              <a:buChar char="•"/>
+              <a:defRPr lang="en-US" sz="1200" kern="1200" smtClean="0">
+                <a:solidFill>
+                  <a:schemeClr val="tx1">
+                    <a:lumMod val="75000"/>
+                    <a:lumOff val="25000"/>
+                  </a:schemeClr>
+                </a:solidFill>
+                <a:latin typeface="+mn-lt"/>
+                <a:ea typeface="+mn-ea"/>
+                <a:cs typeface="+mn-cs"/>
+              </a:defRPr>
+            </a:lvl3pPr>
+            <a:lvl4pPr marL="1600200" indent="-228600" algn="l" defTabSz="914400" rtl="0" eaLnBrk="1" latinLnBrk="0" hangingPunct="1">
+              <a:lnSpc>
+                <a:spcPts val="1800"/>
+              </a:lnSpc>
+              <a:spcBef>
+                <a:spcPts val="1000"/>
+              </a:spcBef>
+              <a:spcAft>
+                <a:spcPts val="1000"/>
+              </a:spcAft>
+              <a:buFont typeface="Arial" panose="020B0604020202020204" pitchFamily="34" charset="0"/>
+              <a:buChar char="•"/>
+              <a:defRPr lang="en-US" sz="1200" kern="1200" smtClean="0">
+                <a:solidFill>
+                  <a:schemeClr val="tx1">
+                    <a:lumMod val="75000"/>
+                    <a:lumOff val="25000"/>
+                  </a:schemeClr>
+                </a:solidFill>
+                <a:latin typeface="+mn-lt"/>
+                <a:ea typeface="+mn-ea"/>
+                <a:cs typeface="+mn-cs"/>
+              </a:defRPr>
+            </a:lvl4pPr>
+            <a:lvl5pPr marL="2057400" indent="-228600" algn="l" defTabSz="914400" rtl="0" eaLnBrk="1" latinLnBrk="0" hangingPunct="1">
+              <a:lnSpc>
+                <a:spcPts val="1800"/>
+              </a:lnSpc>
+              <a:spcBef>
+                <a:spcPts val="1000"/>
+              </a:spcBef>
+              <a:spcAft>
+                <a:spcPts val="1000"/>
+              </a:spcAft>
+              <a:buFont typeface="Arial" panose="020B0604020202020204" pitchFamily="34" charset="0"/>
+              <a:buChar char="•"/>
+              <a:defRPr lang="en-US" sz="1200" kern="1200">
+                <a:solidFill>
+                  <a:schemeClr val="tx1">
+                    <a:lumMod val="75000"/>
+                    <a:lumOff val="25000"/>
+                  </a:schemeClr>
+                </a:solidFill>
+                <a:latin typeface="+mn-lt"/>
+                <a:ea typeface="+mn-ea"/>
+                <a:cs typeface="+mn-cs"/>
+              </a:defRPr>
+            </a:lvl5pPr>
+            <a:lvl6pPr marL="2514600" indent="-228600" algn="l" defTabSz="914400" rtl="0" eaLnBrk="1" latinLnBrk="0" hangingPunct="1">
+              <a:lnSpc>
+                <a:spcPct val="90000"/>
+              </a:lnSpc>
+              <a:spcBef>
+                <a:spcPct val="30000"/>
+              </a:spcBef>
+              <a:buFont typeface="Arial" panose="020B0604020202020204" pitchFamily="34" charset="0"/>
+              <a:buChar char="•"/>
+              <a:defRPr sz="1800" kern="1200">
+                <a:solidFill>
+                  <a:schemeClr val="tx1"/>
+                </a:solidFill>
+                <a:latin typeface="+mn-lt"/>
+                <a:ea typeface="+mn-ea"/>
+                <a:cs typeface="+mn-cs"/>
+              </a:defRPr>
+            </a:lvl6pPr>
+            <a:lvl7pPr marL="2971800" indent="-228600" algn="l" defTabSz="914400" rtl="0" eaLnBrk="1" latinLnBrk="0" hangingPunct="1">
+              <a:lnSpc>
+                <a:spcPct val="90000"/>
+              </a:lnSpc>
+              <a:spcBef>
+                <a:spcPct val="30000"/>
+              </a:spcBef>
+              <a:buFont typeface="Arial" panose="020B0604020202020204" pitchFamily="34" charset="0"/>
+              <a:buChar char="•"/>
+              <a:defRPr sz="1800" kern="1200">
+                <a:solidFill>
+                  <a:schemeClr val="tx1"/>
+                </a:solidFill>
+                <a:latin typeface="+mn-lt"/>
+                <a:ea typeface="+mn-ea"/>
+                <a:cs typeface="+mn-cs"/>
+              </a:defRPr>
+            </a:lvl7pPr>
+            <a:lvl8pPr marL="3429000" indent="-228600" algn="l" defTabSz="914400" rtl="0" eaLnBrk="1" latinLnBrk="0" hangingPunct="1">
+              <a:lnSpc>
+                <a:spcPct val="90000"/>
+              </a:lnSpc>
+              <a:spcBef>
+                <a:spcPct val="30000"/>
+              </a:spcBef>
+              <a:buFont typeface="Arial" panose="020B0604020202020204" pitchFamily="34" charset="0"/>
+              <a:buChar char="•"/>
+              <a:defRPr sz="1800" kern="1200">
+                <a:solidFill>
+                  <a:schemeClr val="tx1"/>
+                </a:solidFill>
+                <a:latin typeface="+mn-lt"/>
+                <a:ea typeface="+mn-ea"/>
+                <a:cs typeface="+mn-cs"/>
+              </a:defRPr>
+            </a:lvl8pPr>
+            <a:lvl9pPr marL="3886200" indent="-228600" algn="l" defTabSz="914400" rtl="0" eaLnBrk="1" latinLnBrk="0" hangingPunct="1">
+              <a:lnSpc>
+                <a:spcPct val="90000"/>
+              </a:lnSpc>
+              <a:spcBef>
+                <a:spcPct val="30000"/>
+              </a:spcBef>
+              <a:buFont typeface="Arial" panose="020B0604020202020204" pitchFamily="34" charset="0"/>
+              <a:buChar char="•"/>
+              <a:defRPr sz="1800" kern="1200">
+                <a:solidFill>
+                  <a:schemeClr val="tx1"/>
+                </a:solidFill>
+                <a:latin typeface="+mn-lt"/>
+                <a:ea typeface="+mn-ea"/>
+                <a:cs typeface="+mn-cs"/>
+              </a:defRPr>
+            </a:lvl9pPr>
+          </a:lstStyle>
           <a:p>
             <a:pPr marL="457200" lvl="1" indent="0">
-              <a:buNone/>
-            </a:pPr>
-            <a:r>
-              <a:rPr lang="en-GB" sz="3800" dirty="0">
-                <a:solidFill>
-                  <a:schemeClr val="bg2">
-                    <a:lumMod val="25000"/>
-                  </a:schemeClr>
-                </a:solidFill>
-                <a:latin typeface="Segoe UI Light" panose="020B0502040204020203" pitchFamily="34" charset="0"/>
-                <a:cs typeface="Segoe UI Light" panose="020B0502040204020203" pitchFamily="34" charset="0"/>
-              </a:rPr>
-              <a:t>These are only limited by our use of JS as they are regular JS components.</a:t>
-            </a:r>
-          </a:p>
-          <a:p>
-            <a:pPr marL="457200" lvl="1" indent="0">
+              <a:lnSpc>
+                <a:spcPts val="4000"/>
+              </a:lnSpc>
               <a:buNone/>
             </a:pPr>
             <a:endParaRPr lang="en-GB" sz="3800" dirty="0">
@@ -23191,23 +24100,9 @@
           </a:p>
           <a:p>
             <a:pPr marL="457200" lvl="1" indent="0">
-              <a:buNone/>
-            </a:pPr>
-            <a:r>
-              <a:rPr lang="en-GB" sz="3800" dirty="0">
-                <a:solidFill>
-                  <a:schemeClr val="bg2">
-                    <a:lumMod val="25000"/>
-                  </a:schemeClr>
-                </a:solidFill>
-                <a:latin typeface="Segoe UI Light" panose="020B0502040204020203" pitchFamily="34" charset="0"/>
-                <a:cs typeface="Segoe UI Light" panose="020B0502040204020203" pitchFamily="34" charset="0"/>
-              </a:rPr>
-              <a:t>We will look at couple of UI components and many more highly functional components that have built in functionality…</a:t>
-            </a:r>
-          </a:p>
-          <a:p>
-            <a:pPr marL="457200" lvl="1" indent="0">
+              <a:lnSpc>
+                <a:spcPts val="4000"/>
+              </a:lnSpc>
               <a:buNone/>
             </a:pPr>
             <a:endParaRPr lang="en-GB" sz="3800" dirty="0">
@@ -23220,12 +24115,106 @@
               <a:cs typeface="Segoe UI Light" panose="020B0502040204020203" pitchFamily="34" charset="0"/>
             </a:endParaRPr>
           </a:p>
+          <a:p>
+            <a:pPr marL="0" lvl="0" indent="0">
+              <a:spcBef>
+                <a:spcPct val="0"/>
+              </a:spcBef>
+              <a:spcAft>
+                <a:spcPts val="2000"/>
+              </a:spcAft>
+              <a:buNone/>
+              <a:defRPr/>
+            </a:pPr>
+            <a:endParaRPr lang="en-US" sz="3800" dirty="0">
+              <a:solidFill>
+                <a:schemeClr val="bg2">
+                  <a:lumMod val="25000"/>
+                </a:schemeClr>
+              </a:solidFill>
+              <a:latin typeface="Segoe UI Light" panose="020B0502040204020203" pitchFamily="34" charset="0"/>
+              <a:cs typeface="Segoe UI Light" panose="020B0502040204020203" pitchFamily="34" charset="0"/>
+            </a:endParaRPr>
+          </a:p>
+        </p:txBody>
+      </p:sp>
+      <p:pic>
+        <p:nvPicPr>
+          <p:cNvPr id="7" name="Picture 6" descr="Text&#10;&#10;Description automatically generated">
+            <a:extLst>
+              <a:ext uri="{FF2B5EF4-FFF2-40B4-BE49-F238E27FC236}">
+                <a16:creationId xmlns:a16="http://schemas.microsoft.com/office/drawing/2014/main" id="{80F64189-908D-45E9-8369-B11FE7FF9413}"/>
+              </a:ext>
+            </a:extLst>
+          </p:cNvPr>
+          <p:cNvPicPr>
+            <a:picLocks noChangeAspect="1"/>
+          </p:cNvPicPr>
+          <p:nvPr/>
+        </p:nvPicPr>
+        <p:blipFill>
+          <a:blip r:embed="rId2"/>
+          <a:stretch>
+            <a:fillRect/>
+          </a:stretch>
+        </p:blipFill>
+        <p:spPr>
+          <a:xfrm>
+            <a:off x="473548" y="1725369"/>
+            <a:ext cx="11556274" cy="3970037"/>
+          </a:xfrm>
+          <a:prstGeom prst="rect">
+            <a:avLst/>
+          </a:prstGeom>
+        </p:spPr>
+      </p:pic>
+      <p:sp>
+        <p:nvSpPr>
+          <p:cNvPr id="9" name="TextBox 8">
+            <a:extLst>
+              <a:ext uri="{FF2B5EF4-FFF2-40B4-BE49-F238E27FC236}">
+                <a16:creationId xmlns:a16="http://schemas.microsoft.com/office/drawing/2014/main" id="{C69DDB52-1F05-444A-8C5E-D9B93CCC6BB3}"/>
+              </a:ext>
+            </a:extLst>
+          </p:cNvPr>
+          <p:cNvSpPr txBox="1"/>
+          <p:nvPr/>
+        </p:nvSpPr>
+        <p:spPr>
+          <a:xfrm>
+            <a:off x="4830972" y="2691344"/>
+            <a:ext cx="6176662" cy="471149"/>
+          </a:xfrm>
+          <a:prstGeom prst="rect">
+            <a:avLst/>
+          </a:prstGeom>
+          <a:noFill/>
+        </p:spPr>
+        <p:txBody>
+          <a:bodyPr wrap="square" rtlCol="0">
+            <a:spAutoFit/>
+          </a:bodyPr>
+          <a:lstStyle/>
+          <a:p>
+            <a:r>
+              <a:rPr lang="en-GB" sz="2400" dirty="0">
+                <a:solidFill>
+                  <a:schemeClr val="bg1"/>
+                </a:solidFill>
+              </a:rPr>
+              <a:t>Comments used as component identifiers</a:t>
+            </a:r>
+            <a:r>
+              <a:rPr lang="en-GB" sz="2400" dirty="0"/>
+              <a:t>.</a:t>
+            </a:r>
+          </a:p>
         </p:txBody>
       </p:sp>
     </p:spTree>
     <p:extLst>
       <p:ext uri="{BB962C8B-B14F-4D97-AF65-F5344CB8AC3E}">
-        <p14:creationId xmlns:p14="http://schemas.microsoft.com/office/powerpoint/2010/main" val="2010978496"/>
+        <p14:creationId xmlns:p14="http://schemas.microsoft.com/office/powerpoint/2010/main" val="3760473997"/>
       </p:ext>
     </p:extLst>
   </p:cSld>
@@ -23294,7 +24283,7 @@
         </p:nvSpPr>
         <p:spPr>
           <a:xfrm>
-            <a:off x="541609" y="1455491"/>
+            <a:off x="678427" y="1330374"/>
             <a:ext cx="5110161" cy="471149"/>
           </a:xfrm>
           <a:prstGeom prst="rect">
@@ -23527,8 +24516,8 @@
         </p:nvSpPr>
         <p:spPr>
           <a:xfrm>
-            <a:off x="541609" y="1012639"/>
-            <a:ext cx="10971964" cy="6524863"/>
+            <a:off x="541609" y="1691065"/>
+            <a:ext cx="10971964" cy="4185761"/>
           </a:xfrm>
           <a:prstGeom prst="rect">
             <a:avLst/>
@@ -23540,6 +24529,23 @@
             <a:spAutoFit/>
           </a:bodyPr>
           <a:lstStyle/>
+          <a:p>
+            <a:pPr marL="457200" lvl="1" indent="0">
+              <a:buNone/>
+            </a:pPr>
+            <a:r>
+              <a:rPr lang="en-GB" sz="3800" dirty="0">
+                <a:solidFill>
+                  <a:schemeClr val="bg2">
+                    <a:lumMod val="25000"/>
+                  </a:schemeClr>
+                </a:solidFill>
+                <a:latin typeface="Segoe UI Light" panose="020B0502040204020203" pitchFamily="34" charset="0"/>
+                <a:cs typeface="Segoe UI Light" panose="020B0502040204020203" pitchFamily="34" charset="0"/>
+              </a:rPr>
+              <a:t>These are only limited by our use of JS as they are regular JS components.</a:t>
+            </a:r>
+          </a:p>
           <a:p>
             <a:pPr marL="457200" lvl="1" indent="0">
               <a:buNone/>
@@ -23555,9 +24561,8 @@
             </a:endParaRPr>
           </a:p>
           <a:p>
-            <a:pPr marL="1028700" lvl="1" indent="-571500">
-              <a:buFont typeface="Arial" panose="020B0604020202020204" pitchFamily="34" charset="0"/>
-              <a:buChar char="•"/>
+            <a:pPr marL="457200" lvl="1" indent="0">
+              <a:buNone/>
             </a:pPr>
             <a:r>
               <a:rPr lang="en-GB" sz="3800" dirty="0">
@@ -23569,79 +24574,7 @@
                 <a:latin typeface="Segoe UI Light" panose="020B0502040204020203" pitchFamily="34" charset="0"/>
                 <a:cs typeface="Segoe UI Light" panose="020B0502040204020203" pitchFamily="34" charset="0"/>
               </a:rPr>
-              <a:t>Fetch requests.</a:t>
-            </a:r>
-          </a:p>
-          <a:p>
-            <a:pPr marL="1028700" lvl="1" indent="-571500">
-              <a:buFont typeface="Arial" panose="020B0604020202020204" pitchFamily="34" charset="0"/>
-              <a:buChar char="•"/>
-            </a:pPr>
-            <a:r>
-              <a:rPr lang="en-GB" sz="3800" dirty="0">
-                <a:solidFill>
-                  <a:schemeClr val="bg2">
-                    <a:lumMod val="25000"/>
-                  </a:schemeClr>
-                </a:solidFill>
-                <a:latin typeface="Segoe UI Light" panose="020B0502040204020203" pitchFamily="34" charset="0"/>
-                <a:cs typeface="Segoe UI Light" panose="020B0502040204020203" pitchFamily="34" charset="0"/>
-              </a:rPr>
-              <a:t>Lazy loading and dynamic loading (scripts/components).</a:t>
-            </a:r>
-          </a:p>
-          <a:p>
-            <a:pPr marL="1028700" lvl="1" indent="-571500">
-              <a:buFont typeface="Arial" panose="020B0604020202020204" pitchFamily="34" charset="0"/>
-              <a:buChar char="•"/>
-            </a:pPr>
-            <a:r>
-              <a:rPr lang="en-GB" sz="3800" dirty="0">
-                <a:solidFill>
-                  <a:schemeClr val="bg2">
-                    <a:lumMod val="25000"/>
-                  </a:schemeClr>
-                </a:solidFill>
-                <a:latin typeface="Segoe UI Light" panose="020B0502040204020203" pitchFamily="34" charset="0"/>
-                <a:cs typeface="Segoe UI Light" panose="020B0502040204020203" pitchFamily="34" charset="0"/>
-              </a:rPr>
-              <a:t>Storing JSON in IndexedDB and rendering it via templates.</a:t>
-            </a:r>
-          </a:p>
-          <a:p>
-            <a:pPr marL="1028700" lvl="1" indent="-571500">
-              <a:buFont typeface="Arial" panose="020B0604020202020204" pitchFamily="34" charset="0"/>
-              <a:buChar char="•"/>
-            </a:pPr>
-            <a:r>
-              <a:rPr lang="en-GB" sz="3800" dirty="0">
-                <a:solidFill>
-                  <a:schemeClr val="bg2">
-                    <a:lumMod val="25000"/>
-                  </a:schemeClr>
-                </a:solidFill>
-                <a:latin typeface="Segoe UI Light" panose="020B0502040204020203" pitchFamily="34" charset="0"/>
-                <a:cs typeface="Segoe UI Light" panose="020B0502040204020203" pitchFamily="34" charset="0"/>
-              </a:rPr>
-              <a:t>Authentication and storage of JSON Web Tokens.</a:t>
-            </a:r>
-          </a:p>
-          <a:p>
-            <a:pPr marL="1028700" lvl="1" indent="-571500">
-              <a:buFont typeface="Arial" panose="020B0604020202020204" pitchFamily="34" charset="0"/>
-              <a:buChar char="•"/>
-            </a:pPr>
-            <a:r>
-              <a:rPr lang="en-GB" sz="3800" dirty="0">
-                <a:solidFill>
-                  <a:schemeClr val="bg2">
-                    <a:lumMod val="25000"/>
-                  </a:schemeClr>
-                </a:solidFill>
-                <a:latin typeface="Segoe UI Light" panose="020B0502040204020203" pitchFamily="34" charset="0"/>
-                <a:cs typeface="Segoe UI Light" panose="020B0502040204020203" pitchFamily="34" charset="0"/>
-              </a:rPr>
-              <a:t>Added offline capability and ‘instant’ pages.</a:t>
+              <a:t>We will look at couple of UI components and many more highly functional components that have built in functionality…</a:t>
             </a:r>
           </a:p>
           <a:p>
@@ -23658,26 +24591,12 @@
               <a:cs typeface="Segoe UI Light" panose="020B0502040204020203" pitchFamily="34" charset="0"/>
             </a:endParaRPr>
           </a:p>
-          <a:p>
-            <a:pPr marL="457200" lvl="1" indent="0">
-              <a:buNone/>
-            </a:pPr>
-            <a:endParaRPr lang="en-GB" sz="3800" dirty="0">
-              <a:solidFill>
-                <a:schemeClr val="bg2">
-                  <a:lumMod val="25000"/>
-                </a:schemeClr>
-              </a:solidFill>
-              <a:latin typeface="Segoe UI Light" panose="020B0502040204020203" pitchFamily="34" charset="0"/>
-              <a:cs typeface="Segoe UI Light" panose="020B0502040204020203" pitchFamily="34" charset="0"/>
-            </a:endParaRPr>
-          </a:p>
         </p:txBody>
       </p:sp>
     </p:spTree>
     <p:extLst>
       <p:ext uri="{BB962C8B-B14F-4D97-AF65-F5344CB8AC3E}">
-        <p14:creationId xmlns:p14="http://schemas.microsoft.com/office/powerpoint/2010/main" val="1862207496"/>
+        <p14:creationId xmlns:p14="http://schemas.microsoft.com/office/powerpoint/2010/main" val="2010978496"/>
       </p:ext>
     </p:extLst>
   </p:cSld>
@@ -23731,7 +24650,7 @@
                 <a:latin typeface="Segoe UI Light" panose="020B0502040204020203" pitchFamily="34" charset="0"/>
                 <a:cs typeface="Segoe UI Light" panose="020B0502040204020203" pitchFamily="34" charset="0"/>
               </a:rPr>
-              <a:t>Useful references</a:t>
+              <a:t>Types of Web Components</a:t>
             </a:r>
           </a:p>
         </p:txBody>
@@ -23967,422 +24886,34 @@
       </p:sp>
       <p:sp>
         <p:nvSpPr>
-          <p:cNvPr id="36" name="Content Placeholder 17"/>
-          <p:cNvSpPr txBox="1">
-            <a:spLocks/>
-          </p:cNvSpPr>
+          <p:cNvPr id="8" name="TextBox 7">
+            <a:extLst>
+              <a:ext uri="{FF2B5EF4-FFF2-40B4-BE49-F238E27FC236}">
+                <a16:creationId xmlns:a16="http://schemas.microsoft.com/office/drawing/2014/main" id="{D4329088-EA16-420B-B145-A30265C6D3B4}"/>
+              </a:ext>
+            </a:extLst>
+          </p:cNvPr>
+          <p:cNvSpPr txBox="1"/>
           <p:nvPr/>
         </p:nvSpPr>
         <p:spPr>
           <a:xfrm>
-            <a:off x="667892" y="1550741"/>
-            <a:ext cx="10356444" cy="5147658"/>
+            <a:off x="541609" y="1012639"/>
+            <a:ext cx="10971964" cy="6524863"/>
           </a:xfrm>
           <a:prstGeom prst="rect">
             <a:avLst/>
           </a:prstGeom>
+          <a:noFill/>
         </p:spPr>
         <p:txBody>
-          <a:bodyPr vert="horz" lIns="91440" tIns="45720" rIns="91440" bIns="45720" rtlCol="0">
-            <a:noAutofit/>
+          <a:bodyPr wrap="square">
+            <a:spAutoFit/>
           </a:bodyPr>
-          <a:lstStyle>
-            <a:lvl1pPr marL="228600" indent="-228600" algn="l" defTabSz="914400" rtl="0" eaLnBrk="1" latinLnBrk="0" hangingPunct="1">
-              <a:lnSpc>
-                <a:spcPts val="1800"/>
-              </a:lnSpc>
-              <a:spcBef>
-                <a:spcPts val="1000"/>
-              </a:spcBef>
-              <a:spcAft>
-                <a:spcPts val="1000"/>
-              </a:spcAft>
-              <a:buFont typeface="Arial" panose="020B0604020202020204" pitchFamily="34" charset="0"/>
-              <a:buChar char="•"/>
-              <a:defRPr lang="en-US" sz="1200" kern="1200" smtClean="0">
-                <a:solidFill>
-                  <a:schemeClr val="tx1">
-                    <a:lumMod val="75000"/>
-                    <a:lumOff val="25000"/>
-                  </a:schemeClr>
-                </a:solidFill>
-                <a:latin typeface="+mn-lt"/>
-                <a:ea typeface="+mn-ea"/>
-                <a:cs typeface="+mn-cs"/>
-              </a:defRPr>
-            </a:lvl1pPr>
-            <a:lvl2pPr marL="685800" indent="-228600" algn="l" defTabSz="914400" rtl="0" eaLnBrk="1" latinLnBrk="0" hangingPunct="1">
-              <a:lnSpc>
-                <a:spcPts val="1800"/>
-              </a:lnSpc>
-              <a:spcBef>
-                <a:spcPts val="1000"/>
-              </a:spcBef>
-              <a:spcAft>
-                <a:spcPts val="1000"/>
-              </a:spcAft>
-              <a:buFont typeface="Arial" panose="020B0604020202020204" pitchFamily="34" charset="0"/>
-              <a:buChar char="•"/>
-              <a:defRPr lang="en-US" sz="1200" kern="1200" smtClean="0">
-                <a:solidFill>
-                  <a:schemeClr val="tx1">
-                    <a:lumMod val="75000"/>
-                    <a:lumOff val="25000"/>
-                  </a:schemeClr>
-                </a:solidFill>
-                <a:latin typeface="+mn-lt"/>
-                <a:ea typeface="+mn-ea"/>
-                <a:cs typeface="+mn-cs"/>
-              </a:defRPr>
-            </a:lvl2pPr>
-            <a:lvl3pPr marL="1143000" indent="-228600" algn="l" defTabSz="914400" rtl="0" eaLnBrk="1" latinLnBrk="0" hangingPunct="1">
-              <a:lnSpc>
-                <a:spcPts val="1800"/>
-              </a:lnSpc>
-              <a:spcBef>
-                <a:spcPts val="1000"/>
-              </a:spcBef>
-              <a:spcAft>
-                <a:spcPts val="1000"/>
-              </a:spcAft>
-              <a:buFont typeface="Arial" panose="020B0604020202020204" pitchFamily="34" charset="0"/>
-              <a:buChar char="•"/>
-              <a:defRPr lang="en-US" sz="1200" kern="1200" smtClean="0">
-                <a:solidFill>
-                  <a:schemeClr val="tx1">
-                    <a:lumMod val="75000"/>
-                    <a:lumOff val="25000"/>
-                  </a:schemeClr>
-                </a:solidFill>
-                <a:latin typeface="+mn-lt"/>
-                <a:ea typeface="+mn-ea"/>
-                <a:cs typeface="+mn-cs"/>
-              </a:defRPr>
-            </a:lvl3pPr>
-            <a:lvl4pPr marL="1600200" indent="-228600" algn="l" defTabSz="914400" rtl="0" eaLnBrk="1" latinLnBrk="0" hangingPunct="1">
-              <a:lnSpc>
-                <a:spcPts val="1800"/>
-              </a:lnSpc>
-              <a:spcBef>
-                <a:spcPts val="1000"/>
-              </a:spcBef>
-              <a:spcAft>
-                <a:spcPts val="1000"/>
-              </a:spcAft>
-              <a:buFont typeface="Arial" panose="020B0604020202020204" pitchFamily="34" charset="0"/>
-              <a:buChar char="•"/>
-              <a:defRPr lang="en-US" sz="1200" kern="1200" smtClean="0">
-                <a:solidFill>
-                  <a:schemeClr val="tx1">
-                    <a:lumMod val="75000"/>
-                    <a:lumOff val="25000"/>
-                  </a:schemeClr>
-                </a:solidFill>
-                <a:latin typeface="+mn-lt"/>
-                <a:ea typeface="+mn-ea"/>
-                <a:cs typeface="+mn-cs"/>
-              </a:defRPr>
-            </a:lvl4pPr>
-            <a:lvl5pPr marL="2057400" indent="-228600" algn="l" defTabSz="914400" rtl="0" eaLnBrk="1" latinLnBrk="0" hangingPunct="1">
-              <a:lnSpc>
-                <a:spcPts val="1800"/>
-              </a:lnSpc>
-              <a:spcBef>
-                <a:spcPts val="1000"/>
-              </a:spcBef>
-              <a:spcAft>
-                <a:spcPts val="1000"/>
-              </a:spcAft>
-              <a:buFont typeface="Arial" panose="020B0604020202020204" pitchFamily="34" charset="0"/>
-              <a:buChar char="•"/>
-              <a:defRPr lang="en-US" sz="1200" kern="1200">
-                <a:solidFill>
-                  <a:schemeClr val="tx1">
-                    <a:lumMod val="75000"/>
-                    <a:lumOff val="25000"/>
-                  </a:schemeClr>
-                </a:solidFill>
-                <a:latin typeface="+mn-lt"/>
-                <a:ea typeface="+mn-ea"/>
-                <a:cs typeface="+mn-cs"/>
-              </a:defRPr>
-            </a:lvl5pPr>
-            <a:lvl6pPr marL="2514600" indent="-228600" algn="l" defTabSz="914400" rtl="0" eaLnBrk="1" latinLnBrk="0" hangingPunct="1">
-              <a:lnSpc>
-                <a:spcPct val="90000"/>
-              </a:lnSpc>
-              <a:spcBef>
-                <a:spcPct val="30000"/>
-              </a:spcBef>
-              <a:buFont typeface="Arial" panose="020B0604020202020204" pitchFamily="34" charset="0"/>
-              <a:buChar char="•"/>
-              <a:defRPr sz="1800" kern="1200">
-                <a:solidFill>
-                  <a:schemeClr val="tx1"/>
-                </a:solidFill>
-                <a:latin typeface="+mn-lt"/>
-                <a:ea typeface="+mn-ea"/>
-                <a:cs typeface="+mn-cs"/>
-              </a:defRPr>
-            </a:lvl6pPr>
-            <a:lvl7pPr marL="2971800" indent="-228600" algn="l" defTabSz="914400" rtl="0" eaLnBrk="1" latinLnBrk="0" hangingPunct="1">
-              <a:lnSpc>
-                <a:spcPct val="90000"/>
-              </a:lnSpc>
-              <a:spcBef>
-                <a:spcPct val="30000"/>
-              </a:spcBef>
-              <a:buFont typeface="Arial" panose="020B0604020202020204" pitchFamily="34" charset="0"/>
-              <a:buChar char="•"/>
-              <a:defRPr sz="1800" kern="1200">
-                <a:solidFill>
-                  <a:schemeClr val="tx1"/>
-                </a:solidFill>
-                <a:latin typeface="+mn-lt"/>
-                <a:ea typeface="+mn-ea"/>
-                <a:cs typeface="+mn-cs"/>
-              </a:defRPr>
-            </a:lvl7pPr>
-            <a:lvl8pPr marL="3429000" indent="-228600" algn="l" defTabSz="914400" rtl="0" eaLnBrk="1" latinLnBrk="0" hangingPunct="1">
-              <a:lnSpc>
-                <a:spcPct val="90000"/>
-              </a:lnSpc>
-              <a:spcBef>
-                <a:spcPct val="30000"/>
-              </a:spcBef>
-              <a:buFont typeface="Arial" panose="020B0604020202020204" pitchFamily="34" charset="0"/>
-              <a:buChar char="•"/>
-              <a:defRPr sz="1800" kern="1200">
-                <a:solidFill>
-                  <a:schemeClr val="tx1"/>
-                </a:solidFill>
-                <a:latin typeface="+mn-lt"/>
-                <a:ea typeface="+mn-ea"/>
-                <a:cs typeface="+mn-cs"/>
-              </a:defRPr>
-            </a:lvl8pPr>
-            <a:lvl9pPr marL="3886200" indent="-228600" algn="l" defTabSz="914400" rtl="0" eaLnBrk="1" latinLnBrk="0" hangingPunct="1">
-              <a:lnSpc>
-                <a:spcPct val="90000"/>
-              </a:lnSpc>
-              <a:spcBef>
-                <a:spcPct val="30000"/>
-              </a:spcBef>
-              <a:buFont typeface="Arial" panose="020B0604020202020204" pitchFamily="34" charset="0"/>
-              <a:buChar char="•"/>
-              <a:defRPr sz="1800" kern="1200">
-                <a:solidFill>
-                  <a:schemeClr val="tx1"/>
-                </a:solidFill>
-                <a:latin typeface="+mn-lt"/>
-                <a:ea typeface="+mn-ea"/>
-                <a:cs typeface="+mn-cs"/>
-              </a:defRPr>
-            </a:lvl9pPr>
-          </a:lstStyle>
+          <a:lstStyle/>
           <a:p>
             <a:pPr marL="457200" lvl="1" indent="0">
-              <a:lnSpc>
-                <a:spcPts val="3000"/>
-              </a:lnSpc>
               <a:buNone/>
-            </a:pPr>
-            <a:r>
-              <a:rPr lang="en-GB" sz="3800" b="1" dirty="0">
-                <a:solidFill>
-                  <a:schemeClr val="bg2">
-                    <a:lumMod val="25000"/>
-                  </a:schemeClr>
-                </a:solidFill>
-                <a:latin typeface="Segoe UI Light" panose="020B0502040204020203" pitchFamily="34" charset="0"/>
-                <a:cs typeface="Segoe UI Light" panose="020B0502040204020203" pitchFamily="34" charset="0"/>
-                <a:hlinkClick r:id="rId2">
-                  <a:extLst>
-                    <a:ext uri="{A12FA001-AC4F-418D-AE19-62706E023703}">
-                      <ahyp:hlinkClr xmlns:ahyp="http://schemas.microsoft.com/office/drawing/2018/hyperlinkcolor" val="tx"/>
-                    </a:ext>
-                  </a:extLst>
-                </a:hlinkClick>
-              </a:rPr>
-              <a:t>https://www.webcomponents.org/</a:t>
-            </a:r>
-            <a:r>
-              <a:rPr lang="en-GB" sz="3800" b="1" dirty="0">
-                <a:solidFill>
-                  <a:schemeClr val="bg2">
-                    <a:lumMod val="25000"/>
-                  </a:schemeClr>
-                </a:solidFill>
-                <a:latin typeface="Segoe UI Light" panose="020B0502040204020203" pitchFamily="34" charset="0"/>
-                <a:cs typeface="Segoe UI Light" panose="020B0502040204020203" pitchFamily="34" charset="0"/>
-              </a:rPr>
-              <a:t> </a:t>
-            </a:r>
-          </a:p>
-          <a:p>
-            <a:pPr marL="457200" lvl="1" indent="0">
-              <a:lnSpc>
-                <a:spcPts val="3000"/>
-              </a:lnSpc>
-              <a:buNone/>
-            </a:pPr>
-            <a:r>
-              <a:rPr lang="en-GB" sz="3800" dirty="0">
-                <a:solidFill>
-                  <a:schemeClr val="bg2">
-                    <a:lumMod val="25000"/>
-                  </a:schemeClr>
-                </a:solidFill>
-                <a:latin typeface="Segoe UI Light" panose="020B0502040204020203" pitchFamily="34" charset="0"/>
-                <a:cs typeface="Segoe UI Light" panose="020B0502040204020203" pitchFamily="34" charset="0"/>
-              </a:rPr>
-              <a:t>- main reference site</a:t>
-            </a:r>
-          </a:p>
-          <a:p>
-            <a:pPr marL="457200" lvl="1" indent="0">
-              <a:lnSpc>
-                <a:spcPts val="3000"/>
-              </a:lnSpc>
-              <a:buNone/>
-            </a:pPr>
-            <a:r>
-              <a:rPr lang="en-GB" sz="3800" b="1" dirty="0">
-                <a:solidFill>
-                  <a:schemeClr val="bg2">
-                    <a:lumMod val="25000"/>
-                  </a:schemeClr>
-                </a:solidFill>
-                <a:latin typeface="Segoe UI Light" panose="020B0502040204020203" pitchFamily="34" charset="0"/>
-                <a:cs typeface="Segoe UI Light" panose="020B0502040204020203" pitchFamily="34" charset="0"/>
-                <a:hlinkClick r:id="rId3">
-                  <a:extLst>
-                    <a:ext uri="{A12FA001-AC4F-418D-AE19-62706E023703}">
-                      <ahyp:hlinkClr xmlns:ahyp="http://schemas.microsoft.com/office/drawing/2018/hyperlinkcolor" val="tx"/>
-                    </a:ext>
-                  </a:extLst>
-                </a:hlinkClick>
-              </a:rPr>
-              <a:t>https://custom-elements-everywhere.com/</a:t>
-            </a:r>
-            <a:r>
-              <a:rPr lang="en-GB" sz="3800" b="1" dirty="0">
-                <a:solidFill>
-                  <a:schemeClr val="bg2">
-                    <a:lumMod val="25000"/>
-                  </a:schemeClr>
-                </a:solidFill>
-                <a:latin typeface="Segoe UI Light" panose="020B0502040204020203" pitchFamily="34" charset="0"/>
-                <a:cs typeface="Segoe UI Light" panose="020B0502040204020203" pitchFamily="34" charset="0"/>
-              </a:rPr>
-              <a:t> </a:t>
-            </a:r>
-          </a:p>
-          <a:p>
-            <a:pPr marL="457200" lvl="1" indent="0">
-              <a:lnSpc>
-                <a:spcPts val="3500"/>
-              </a:lnSpc>
-              <a:buNone/>
-            </a:pPr>
-            <a:r>
-              <a:rPr lang="en-GB" sz="3800" dirty="0">
-                <a:solidFill>
-                  <a:schemeClr val="bg2">
-                    <a:lumMod val="25000"/>
-                  </a:schemeClr>
-                </a:solidFill>
-                <a:latin typeface="Segoe UI Light" panose="020B0502040204020203" pitchFamily="34" charset="0"/>
-                <a:cs typeface="Segoe UI Light" panose="020B0502040204020203" pitchFamily="34" charset="0"/>
-              </a:rPr>
-              <a:t>(Making sure frameworks and custom elements can be BFFs )</a:t>
-            </a:r>
-          </a:p>
-          <a:p>
-            <a:pPr marL="457200" lvl="1" indent="0">
-              <a:lnSpc>
-                <a:spcPts val="3000"/>
-              </a:lnSpc>
-              <a:buNone/>
-            </a:pPr>
-            <a:r>
-              <a:rPr lang="en-GB" sz="3800" b="1" dirty="0">
-                <a:solidFill>
-                  <a:schemeClr val="bg2">
-                    <a:lumMod val="25000"/>
-                  </a:schemeClr>
-                </a:solidFill>
-                <a:latin typeface="Segoe UI Light" panose="020B0502040204020203" pitchFamily="34" charset="0"/>
-                <a:cs typeface="Segoe UI Light" panose="020B0502040204020203" pitchFamily="34" charset="0"/>
-                <a:hlinkClick r:id="rId4">
-                  <a:extLst>
-                    <a:ext uri="{A12FA001-AC4F-418D-AE19-62706E023703}">
-                      <ahyp:hlinkClr xmlns:ahyp="http://schemas.microsoft.com/office/drawing/2018/hyperlinkcolor" val="tx"/>
-                    </a:ext>
-                  </a:extLst>
-                </a:hlinkClick>
-              </a:rPr>
-              <a:t>https://webcomponents.dev/</a:t>
-            </a:r>
-            <a:r>
-              <a:rPr lang="en-GB" sz="3800" b="1" dirty="0">
-                <a:solidFill>
-                  <a:schemeClr val="bg2">
-                    <a:lumMod val="25000"/>
-                  </a:schemeClr>
-                </a:solidFill>
-                <a:latin typeface="Segoe UI Light" panose="020B0502040204020203" pitchFamily="34" charset="0"/>
-                <a:cs typeface="Segoe UI Light" panose="020B0502040204020203" pitchFamily="34" charset="0"/>
-              </a:rPr>
-              <a:t> </a:t>
-            </a:r>
-          </a:p>
-          <a:p>
-            <a:pPr lvl="1">
-              <a:lnSpc>
-                <a:spcPts val="3000"/>
-              </a:lnSpc>
-              <a:buFontTx/>
-              <a:buChar char="-"/>
-            </a:pPr>
-            <a:r>
-              <a:rPr lang="en-GB" sz="3800" dirty="0">
-                <a:solidFill>
-                  <a:schemeClr val="bg2">
-                    <a:lumMod val="25000"/>
-                  </a:schemeClr>
-                </a:solidFill>
-                <a:latin typeface="Segoe UI Light" panose="020B0502040204020203" pitchFamily="34" charset="0"/>
-                <a:cs typeface="Segoe UI Light" panose="020B0502040204020203" pitchFamily="34" charset="0"/>
-              </a:rPr>
-              <a:t>over 40 libraries and compilers </a:t>
-            </a:r>
-          </a:p>
-          <a:p>
-            <a:pPr marL="457200" lvl="1" indent="0">
-              <a:lnSpc>
-                <a:spcPts val="3000"/>
-              </a:lnSpc>
-              <a:buNone/>
-            </a:pPr>
-            <a:r>
-              <a:rPr lang="en-GB" sz="3800" i="1" dirty="0">
-                <a:solidFill>
-                  <a:schemeClr val="bg2">
-                    <a:lumMod val="25000"/>
-                  </a:schemeClr>
-                </a:solidFill>
-                <a:latin typeface="Segoe UI Light" panose="020B0502040204020203" pitchFamily="34" charset="0"/>
-                <a:cs typeface="Segoe UI Light" panose="020B0502040204020203" pitchFamily="34" charset="0"/>
-              </a:rPr>
-              <a:t>let’s see these libraries and compilers…</a:t>
-            </a:r>
-          </a:p>
-          <a:p>
-            <a:pPr lvl="1">
-              <a:lnSpc>
-                <a:spcPts val="4000"/>
-              </a:lnSpc>
             </a:pPr>
             <a:endParaRPr lang="en-GB" sz="3800" dirty="0">
               <a:solidFill>
@@ -24395,17 +24926,100 @@
             </a:endParaRPr>
           </a:p>
           <a:p>
-            <a:pPr marL="0" lvl="0" indent="0">
-              <a:spcBef>
-                <a:spcPct val="0"/>
-              </a:spcBef>
-              <a:spcAft>
-                <a:spcPts val="2000"/>
-              </a:spcAft>
+            <a:pPr marL="1028700" lvl="1" indent="-571500">
+              <a:buFont typeface="Arial" panose="020B0604020202020204" pitchFamily="34" charset="0"/>
+              <a:buChar char="•"/>
+            </a:pPr>
+            <a:r>
+              <a:rPr lang="en-GB" sz="3800" dirty="0">
+                <a:solidFill>
+                  <a:schemeClr val="bg2">
+                    <a:lumMod val="25000"/>
+                  </a:schemeClr>
+                </a:solidFill>
+                <a:latin typeface="Segoe UI Light" panose="020B0502040204020203" pitchFamily="34" charset="0"/>
+                <a:cs typeface="Segoe UI Light" panose="020B0502040204020203" pitchFamily="34" charset="0"/>
+              </a:rPr>
+              <a:t>Fetch requests.</a:t>
+            </a:r>
+          </a:p>
+          <a:p>
+            <a:pPr marL="1028700" lvl="1" indent="-571500">
+              <a:buFont typeface="Arial" panose="020B0604020202020204" pitchFamily="34" charset="0"/>
+              <a:buChar char="•"/>
+            </a:pPr>
+            <a:r>
+              <a:rPr lang="en-GB" sz="3800" dirty="0">
+                <a:solidFill>
+                  <a:schemeClr val="bg2">
+                    <a:lumMod val="25000"/>
+                  </a:schemeClr>
+                </a:solidFill>
+                <a:latin typeface="Segoe UI Light" panose="020B0502040204020203" pitchFamily="34" charset="0"/>
+                <a:cs typeface="Segoe UI Light" panose="020B0502040204020203" pitchFamily="34" charset="0"/>
+              </a:rPr>
+              <a:t>Lazy loading and dynamic loading (scripts/components).</a:t>
+            </a:r>
+          </a:p>
+          <a:p>
+            <a:pPr marL="1028700" lvl="1" indent="-571500">
+              <a:buFont typeface="Arial" panose="020B0604020202020204" pitchFamily="34" charset="0"/>
+              <a:buChar char="•"/>
+            </a:pPr>
+            <a:r>
+              <a:rPr lang="en-GB" sz="3800" dirty="0">
+                <a:solidFill>
+                  <a:schemeClr val="bg2">
+                    <a:lumMod val="25000"/>
+                  </a:schemeClr>
+                </a:solidFill>
+                <a:latin typeface="Segoe UI Light" panose="020B0502040204020203" pitchFamily="34" charset="0"/>
+                <a:cs typeface="Segoe UI Light" panose="020B0502040204020203" pitchFamily="34" charset="0"/>
+              </a:rPr>
+              <a:t>Storing JSON in IndexedDB and rendering it via templates.</a:t>
+            </a:r>
+          </a:p>
+          <a:p>
+            <a:pPr marL="1028700" lvl="1" indent="-571500">
+              <a:buFont typeface="Arial" panose="020B0604020202020204" pitchFamily="34" charset="0"/>
+              <a:buChar char="•"/>
+            </a:pPr>
+            <a:r>
+              <a:rPr lang="en-GB" sz="3800" dirty="0">
+                <a:solidFill>
+                  <a:schemeClr val="bg2">
+                    <a:lumMod val="25000"/>
+                  </a:schemeClr>
+                </a:solidFill>
+                <a:latin typeface="Segoe UI Light" panose="020B0502040204020203" pitchFamily="34" charset="0"/>
+                <a:cs typeface="Segoe UI Light" panose="020B0502040204020203" pitchFamily="34" charset="0"/>
+              </a:rPr>
+              <a:t>Authentication and storage of JSON Web Tokens.</a:t>
+            </a:r>
+          </a:p>
+          <a:p>
+            <a:pPr marL="1028700" lvl="1" indent="-571500">
+              <a:buFont typeface="Arial" panose="020B0604020202020204" pitchFamily="34" charset="0"/>
+              <a:buChar char="•"/>
+            </a:pPr>
+            <a:r>
+              <a:rPr lang="en-GB" sz="3800" dirty="0">
+                <a:solidFill>
+                  <a:schemeClr val="bg2">
+                    <a:lumMod val="25000"/>
+                  </a:schemeClr>
+                </a:solidFill>
+                <a:latin typeface="Segoe UI Light" panose="020B0502040204020203" pitchFamily="34" charset="0"/>
+                <a:cs typeface="Segoe UI Light" panose="020B0502040204020203" pitchFamily="34" charset="0"/>
+              </a:rPr>
+              <a:t>Added offline capability and ‘instant’ pages.</a:t>
+            </a:r>
+          </a:p>
+          <a:p>
+            <a:pPr marL="457200" lvl="1" indent="0">
               <a:buNone/>
-              <a:defRPr/>
             </a:pPr>
-            <a:endParaRPr lang="en-US" sz="3800" dirty="0">
+            <a:endParaRPr lang="en-GB" sz="3800" dirty="0">
               <a:solidFill>
                 <a:schemeClr val="bg2">
                   <a:lumMod val="25000"/>
@@ -24415,12 +25029,26 @@
               <a:cs typeface="Segoe UI Light" panose="020B0502040204020203" pitchFamily="34" charset="0"/>
             </a:endParaRPr>
           </a:p>
+          <a:p>
+            <a:pPr marL="457200" lvl="1" indent="0">
+              <a:buNone/>
+            </a:pPr>
+            <a:endParaRPr lang="en-GB" sz="3800" dirty="0">
+              <a:solidFill>
+                <a:schemeClr val="bg2">
+                  <a:lumMod val="25000"/>
+                </a:schemeClr>
+              </a:solidFill>
+              <a:latin typeface="Segoe UI Light" panose="020B0502040204020203" pitchFamily="34" charset="0"/>
+              <a:cs typeface="Segoe UI Light" panose="020B0502040204020203" pitchFamily="34" charset="0"/>
+            </a:endParaRPr>
+          </a:p>
         </p:txBody>
       </p:sp>
     </p:spTree>
     <p:extLst>
       <p:ext uri="{BB962C8B-B14F-4D97-AF65-F5344CB8AC3E}">
-        <p14:creationId xmlns:p14="http://schemas.microsoft.com/office/powerpoint/2010/main" val="2661540520"/>
+        <p14:creationId xmlns:p14="http://schemas.microsoft.com/office/powerpoint/2010/main" val="1862207496"/>
       </p:ext>
     </p:extLst>
   </p:cSld>
@@ -24474,7 +25102,7 @@
                 <a:latin typeface="Segoe UI Light" panose="020B0502040204020203" pitchFamily="34" charset="0"/>
                 <a:cs typeface="Segoe UI Light" panose="020B0502040204020203" pitchFamily="34" charset="0"/>
               </a:rPr>
-              <a:t>Demo time</a:t>
+              <a:t>Useful references</a:t>
             </a:r>
           </a:p>
         </p:txBody>
@@ -24710,34 +25338,422 @@
       </p:sp>
       <p:sp>
         <p:nvSpPr>
-          <p:cNvPr id="8" name="TextBox 7">
-            <a:extLst>
-              <a:ext uri="{FF2B5EF4-FFF2-40B4-BE49-F238E27FC236}">
-                <a16:creationId xmlns:a16="http://schemas.microsoft.com/office/drawing/2014/main" id="{D4329088-EA16-420B-B145-A30265C6D3B4}"/>
-              </a:ext>
-            </a:extLst>
-          </p:cNvPr>
-          <p:cNvSpPr txBox="1"/>
+          <p:cNvPr id="36" name="Content Placeholder 17"/>
+          <p:cNvSpPr txBox="1">
+            <a:spLocks/>
+          </p:cNvSpPr>
           <p:nvPr/>
         </p:nvSpPr>
         <p:spPr>
           <a:xfrm>
-            <a:off x="610018" y="1102145"/>
-            <a:ext cx="10971964" cy="3753463"/>
+            <a:off x="667892" y="1550741"/>
+            <a:ext cx="10356444" cy="5147658"/>
           </a:xfrm>
           <a:prstGeom prst="rect">
             <a:avLst/>
           </a:prstGeom>
-          <a:noFill/>
         </p:spPr>
         <p:txBody>
-          <a:bodyPr wrap="square">
-            <a:spAutoFit/>
+          <a:bodyPr vert="horz" lIns="91440" tIns="45720" rIns="91440" bIns="45720" rtlCol="0">
+            <a:noAutofit/>
           </a:bodyPr>
-          <a:lstStyle/>
+          <a:lstStyle>
+            <a:lvl1pPr marL="228600" indent="-228600" algn="l" defTabSz="914400" rtl="0" eaLnBrk="1" latinLnBrk="0" hangingPunct="1">
+              <a:lnSpc>
+                <a:spcPts val="1800"/>
+              </a:lnSpc>
+              <a:spcBef>
+                <a:spcPts val="1000"/>
+              </a:spcBef>
+              <a:spcAft>
+                <a:spcPts val="1000"/>
+              </a:spcAft>
+              <a:buFont typeface="Arial" panose="020B0604020202020204" pitchFamily="34" charset="0"/>
+              <a:buChar char="•"/>
+              <a:defRPr lang="en-US" sz="1200" kern="1200" smtClean="0">
+                <a:solidFill>
+                  <a:schemeClr val="tx1">
+                    <a:lumMod val="75000"/>
+                    <a:lumOff val="25000"/>
+                  </a:schemeClr>
+                </a:solidFill>
+                <a:latin typeface="+mn-lt"/>
+                <a:ea typeface="+mn-ea"/>
+                <a:cs typeface="+mn-cs"/>
+              </a:defRPr>
+            </a:lvl1pPr>
+            <a:lvl2pPr marL="685800" indent="-228600" algn="l" defTabSz="914400" rtl="0" eaLnBrk="1" latinLnBrk="0" hangingPunct="1">
+              <a:lnSpc>
+                <a:spcPts val="1800"/>
+              </a:lnSpc>
+              <a:spcBef>
+                <a:spcPts val="1000"/>
+              </a:spcBef>
+              <a:spcAft>
+                <a:spcPts val="1000"/>
+              </a:spcAft>
+              <a:buFont typeface="Arial" panose="020B0604020202020204" pitchFamily="34" charset="0"/>
+              <a:buChar char="•"/>
+              <a:defRPr lang="en-US" sz="1200" kern="1200" smtClean="0">
+                <a:solidFill>
+                  <a:schemeClr val="tx1">
+                    <a:lumMod val="75000"/>
+                    <a:lumOff val="25000"/>
+                  </a:schemeClr>
+                </a:solidFill>
+                <a:latin typeface="+mn-lt"/>
+                <a:ea typeface="+mn-ea"/>
+                <a:cs typeface="+mn-cs"/>
+              </a:defRPr>
+            </a:lvl2pPr>
+            <a:lvl3pPr marL="1143000" indent="-228600" algn="l" defTabSz="914400" rtl="0" eaLnBrk="1" latinLnBrk="0" hangingPunct="1">
+              <a:lnSpc>
+                <a:spcPts val="1800"/>
+              </a:lnSpc>
+              <a:spcBef>
+                <a:spcPts val="1000"/>
+              </a:spcBef>
+              <a:spcAft>
+                <a:spcPts val="1000"/>
+              </a:spcAft>
+              <a:buFont typeface="Arial" panose="020B0604020202020204" pitchFamily="34" charset="0"/>
+              <a:buChar char="•"/>
+              <a:defRPr lang="en-US" sz="1200" kern="1200" smtClean="0">
+                <a:solidFill>
+                  <a:schemeClr val="tx1">
+                    <a:lumMod val="75000"/>
+                    <a:lumOff val="25000"/>
+                  </a:schemeClr>
+                </a:solidFill>
+                <a:latin typeface="+mn-lt"/>
+                <a:ea typeface="+mn-ea"/>
+                <a:cs typeface="+mn-cs"/>
+              </a:defRPr>
+            </a:lvl3pPr>
+            <a:lvl4pPr marL="1600200" indent="-228600" algn="l" defTabSz="914400" rtl="0" eaLnBrk="1" latinLnBrk="0" hangingPunct="1">
+              <a:lnSpc>
+                <a:spcPts val="1800"/>
+              </a:lnSpc>
+              <a:spcBef>
+                <a:spcPts val="1000"/>
+              </a:spcBef>
+              <a:spcAft>
+                <a:spcPts val="1000"/>
+              </a:spcAft>
+              <a:buFont typeface="Arial" panose="020B0604020202020204" pitchFamily="34" charset="0"/>
+              <a:buChar char="•"/>
+              <a:defRPr lang="en-US" sz="1200" kern="1200" smtClean="0">
+                <a:solidFill>
+                  <a:schemeClr val="tx1">
+                    <a:lumMod val="75000"/>
+                    <a:lumOff val="25000"/>
+                  </a:schemeClr>
+                </a:solidFill>
+                <a:latin typeface="+mn-lt"/>
+                <a:ea typeface="+mn-ea"/>
+                <a:cs typeface="+mn-cs"/>
+              </a:defRPr>
+            </a:lvl4pPr>
+            <a:lvl5pPr marL="2057400" indent="-228600" algn="l" defTabSz="914400" rtl="0" eaLnBrk="1" latinLnBrk="0" hangingPunct="1">
+              <a:lnSpc>
+                <a:spcPts val="1800"/>
+              </a:lnSpc>
+              <a:spcBef>
+                <a:spcPts val="1000"/>
+              </a:spcBef>
+              <a:spcAft>
+                <a:spcPts val="1000"/>
+              </a:spcAft>
+              <a:buFont typeface="Arial" panose="020B0604020202020204" pitchFamily="34" charset="0"/>
+              <a:buChar char="•"/>
+              <a:defRPr lang="en-US" sz="1200" kern="1200">
+                <a:solidFill>
+                  <a:schemeClr val="tx1">
+                    <a:lumMod val="75000"/>
+                    <a:lumOff val="25000"/>
+                  </a:schemeClr>
+                </a:solidFill>
+                <a:latin typeface="+mn-lt"/>
+                <a:ea typeface="+mn-ea"/>
+                <a:cs typeface="+mn-cs"/>
+              </a:defRPr>
+            </a:lvl5pPr>
+            <a:lvl6pPr marL="2514600" indent="-228600" algn="l" defTabSz="914400" rtl="0" eaLnBrk="1" latinLnBrk="0" hangingPunct="1">
+              <a:lnSpc>
+                <a:spcPct val="90000"/>
+              </a:lnSpc>
+              <a:spcBef>
+                <a:spcPct val="30000"/>
+              </a:spcBef>
+              <a:buFont typeface="Arial" panose="020B0604020202020204" pitchFamily="34" charset="0"/>
+              <a:buChar char="•"/>
+              <a:defRPr sz="1800" kern="1200">
+                <a:solidFill>
+                  <a:schemeClr val="tx1"/>
+                </a:solidFill>
+                <a:latin typeface="+mn-lt"/>
+                <a:ea typeface="+mn-ea"/>
+                <a:cs typeface="+mn-cs"/>
+              </a:defRPr>
+            </a:lvl6pPr>
+            <a:lvl7pPr marL="2971800" indent="-228600" algn="l" defTabSz="914400" rtl="0" eaLnBrk="1" latinLnBrk="0" hangingPunct="1">
+              <a:lnSpc>
+                <a:spcPct val="90000"/>
+              </a:lnSpc>
+              <a:spcBef>
+                <a:spcPct val="30000"/>
+              </a:spcBef>
+              <a:buFont typeface="Arial" panose="020B0604020202020204" pitchFamily="34" charset="0"/>
+              <a:buChar char="•"/>
+              <a:defRPr sz="1800" kern="1200">
+                <a:solidFill>
+                  <a:schemeClr val="tx1"/>
+                </a:solidFill>
+                <a:latin typeface="+mn-lt"/>
+                <a:ea typeface="+mn-ea"/>
+                <a:cs typeface="+mn-cs"/>
+              </a:defRPr>
+            </a:lvl7pPr>
+            <a:lvl8pPr marL="3429000" indent="-228600" algn="l" defTabSz="914400" rtl="0" eaLnBrk="1" latinLnBrk="0" hangingPunct="1">
+              <a:lnSpc>
+                <a:spcPct val="90000"/>
+              </a:lnSpc>
+              <a:spcBef>
+                <a:spcPct val="30000"/>
+              </a:spcBef>
+              <a:buFont typeface="Arial" panose="020B0604020202020204" pitchFamily="34" charset="0"/>
+              <a:buChar char="•"/>
+              <a:defRPr sz="1800" kern="1200">
+                <a:solidFill>
+                  <a:schemeClr val="tx1"/>
+                </a:solidFill>
+                <a:latin typeface="+mn-lt"/>
+                <a:ea typeface="+mn-ea"/>
+                <a:cs typeface="+mn-cs"/>
+              </a:defRPr>
+            </a:lvl8pPr>
+            <a:lvl9pPr marL="3886200" indent="-228600" algn="l" defTabSz="914400" rtl="0" eaLnBrk="1" latinLnBrk="0" hangingPunct="1">
+              <a:lnSpc>
+                <a:spcPct val="90000"/>
+              </a:lnSpc>
+              <a:spcBef>
+                <a:spcPct val="30000"/>
+              </a:spcBef>
+              <a:buFont typeface="Arial" panose="020B0604020202020204" pitchFamily="34" charset="0"/>
+              <a:buChar char="•"/>
+              <a:defRPr sz="1800" kern="1200">
+                <a:solidFill>
+                  <a:schemeClr val="tx1"/>
+                </a:solidFill>
+                <a:latin typeface="+mn-lt"/>
+                <a:ea typeface="+mn-ea"/>
+                <a:cs typeface="+mn-cs"/>
+              </a:defRPr>
+            </a:lvl9pPr>
+          </a:lstStyle>
           <a:p>
             <a:pPr marL="457200" lvl="1" indent="0">
+              <a:lnSpc>
+                <a:spcPts val="3000"/>
+              </a:lnSpc>
               <a:buNone/>
+            </a:pPr>
+            <a:r>
+              <a:rPr lang="en-GB" sz="3800" b="1" dirty="0">
+                <a:solidFill>
+                  <a:schemeClr val="bg2">
+                    <a:lumMod val="25000"/>
+                  </a:schemeClr>
+                </a:solidFill>
+                <a:latin typeface="Segoe UI Light" panose="020B0502040204020203" pitchFamily="34" charset="0"/>
+                <a:cs typeface="Segoe UI Light" panose="020B0502040204020203" pitchFamily="34" charset="0"/>
+                <a:hlinkClick r:id="rId2">
+                  <a:extLst>
+                    <a:ext uri="{A12FA001-AC4F-418D-AE19-62706E023703}">
+                      <ahyp:hlinkClr xmlns:ahyp="http://schemas.microsoft.com/office/drawing/2018/hyperlinkcolor" val="tx"/>
+                    </a:ext>
+                  </a:extLst>
+                </a:hlinkClick>
+              </a:rPr>
+              <a:t>https://www.webcomponents.org/</a:t>
+            </a:r>
+            <a:r>
+              <a:rPr lang="en-GB" sz="3800" b="1" dirty="0">
+                <a:solidFill>
+                  <a:schemeClr val="bg2">
+                    <a:lumMod val="25000"/>
+                  </a:schemeClr>
+                </a:solidFill>
+                <a:latin typeface="Segoe UI Light" panose="020B0502040204020203" pitchFamily="34" charset="0"/>
+                <a:cs typeface="Segoe UI Light" panose="020B0502040204020203" pitchFamily="34" charset="0"/>
+              </a:rPr>
+              <a:t> </a:t>
+            </a:r>
+          </a:p>
+          <a:p>
+            <a:pPr marL="457200" lvl="1" indent="0">
+              <a:lnSpc>
+                <a:spcPts val="3000"/>
+              </a:lnSpc>
+              <a:buNone/>
+            </a:pPr>
+            <a:r>
+              <a:rPr lang="en-GB" sz="3800" dirty="0">
+                <a:solidFill>
+                  <a:schemeClr val="bg2">
+                    <a:lumMod val="25000"/>
+                  </a:schemeClr>
+                </a:solidFill>
+                <a:latin typeface="Segoe UI Light" panose="020B0502040204020203" pitchFamily="34" charset="0"/>
+                <a:cs typeface="Segoe UI Light" panose="020B0502040204020203" pitchFamily="34" charset="0"/>
+              </a:rPr>
+              <a:t>- main reference site</a:t>
+            </a:r>
+          </a:p>
+          <a:p>
+            <a:pPr marL="457200" lvl="1" indent="0">
+              <a:lnSpc>
+                <a:spcPts val="3000"/>
+              </a:lnSpc>
+              <a:buNone/>
+            </a:pPr>
+            <a:r>
+              <a:rPr lang="en-GB" sz="3800" b="1" dirty="0">
+                <a:solidFill>
+                  <a:schemeClr val="bg2">
+                    <a:lumMod val="25000"/>
+                  </a:schemeClr>
+                </a:solidFill>
+                <a:latin typeface="Segoe UI Light" panose="020B0502040204020203" pitchFamily="34" charset="0"/>
+                <a:cs typeface="Segoe UI Light" panose="020B0502040204020203" pitchFamily="34" charset="0"/>
+                <a:hlinkClick r:id="rId3">
+                  <a:extLst>
+                    <a:ext uri="{A12FA001-AC4F-418D-AE19-62706E023703}">
+                      <ahyp:hlinkClr xmlns:ahyp="http://schemas.microsoft.com/office/drawing/2018/hyperlinkcolor" val="tx"/>
+                    </a:ext>
+                  </a:extLst>
+                </a:hlinkClick>
+              </a:rPr>
+              <a:t>https://custom-elements-everywhere.com/</a:t>
+            </a:r>
+            <a:r>
+              <a:rPr lang="en-GB" sz="3800" b="1" dirty="0">
+                <a:solidFill>
+                  <a:schemeClr val="bg2">
+                    <a:lumMod val="25000"/>
+                  </a:schemeClr>
+                </a:solidFill>
+                <a:latin typeface="Segoe UI Light" panose="020B0502040204020203" pitchFamily="34" charset="0"/>
+                <a:cs typeface="Segoe UI Light" panose="020B0502040204020203" pitchFamily="34" charset="0"/>
+              </a:rPr>
+              <a:t> </a:t>
+            </a:r>
+          </a:p>
+          <a:p>
+            <a:pPr marL="457200" lvl="1" indent="0">
+              <a:lnSpc>
+                <a:spcPts val="3500"/>
+              </a:lnSpc>
+              <a:buNone/>
+            </a:pPr>
+            <a:r>
+              <a:rPr lang="en-GB" sz="3800" dirty="0">
+                <a:solidFill>
+                  <a:schemeClr val="bg2">
+                    <a:lumMod val="25000"/>
+                  </a:schemeClr>
+                </a:solidFill>
+                <a:latin typeface="Segoe UI Light" panose="020B0502040204020203" pitchFamily="34" charset="0"/>
+                <a:cs typeface="Segoe UI Light" panose="020B0502040204020203" pitchFamily="34" charset="0"/>
+              </a:rPr>
+              <a:t>(Making sure frameworks and custom elements can be BFFs )</a:t>
+            </a:r>
+          </a:p>
+          <a:p>
+            <a:pPr marL="457200" lvl="1" indent="0">
+              <a:lnSpc>
+                <a:spcPts val="3000"/>
+              </a:lnSpc>
+              <a:buNone/>
+            </a:pPr>
+            <a:r>
+              <a:rPr lang="en-GB" sz="3800" b="1" dirty="0">
+                <a:solidFill>
+                  <a:schemeClr val="bg2">
+                    <a:lumMod val="25000"/>
+                  </a:schemeClr>
+                </a:solidFill>
+                <a:latin typeface="Segoe UI Light" panose="020B0502040204020203" pitchFamily="34" charset="0"/>
+                <a:cs typeface="Segoe UI Light" panose="020B0502040204020203" pitchFamily="34" charset="0"/>
+                <a:hlinkClick r:id="rId4">
+                  <a:extLst>
+                    <a:ext uri="{A12FA001-AC4F-418D-AE19-62706E023703}">
+                      <ahyp:hlinkClr xmlns:ahyp="http://schemas.microsoft.com/office/drawing/2018/hyperlinkcolor" val="tx"/>
+                    </a:ext>
+                  </a:extLst>
+                </a:hlinkClick>
+              </a:rPr>
+              <a:t>https://webcomponents.dev/</a:t>
+            </a:r>
+            <a:r>
+              <a:rPr lang="en-GB" sz="3800" b="1" dirty="0">
+                <a:solidFill>
+                  <a:schemeClr val="bg2">
+                    <a:lumMod val="25000"/>
+                  </a:schemeClr>
+                </a:solidFill>
+                <a:latin typeface="Segoe UI Light" panose="020B0502040204020203" pitchFamily="34" charset="0"/>
+                <a:cs typeface="Segoe UI Light" panose="020B0502040204020203" pitchFamily="34" charset="0"/>
+              </a:rPr>
+              <a:t> </a:t>
+            </a:r>
+          </a:p>
+          <a:p>
+            <a:pPr lvl="1">
+              <a:lnSpc>
+                <a:spcPts val="3000"/>
+              </a:lnSpc>
+              <a:buFontTx/>
+              <a:buChar char="-"/>
+            </a:pPr>
+            <a:r>
+              <a:rPr lang="en-GB" sz="3800" dirty="0">
+                <a:solidFill>
+                  <a:schemeClr val="bg2">
+                    <a:lumMod val="25000"/>
+                  </a:schemeClr>
+                </a:solidFill>
+                <a:latin typeface="Segoe UI Light" panose="020B0502040204020203" pitchFamily="34" charset="0"/>
+                <a:cs typeface="Segoe UI Light" panose="020B0502040204020203" pitchFamily="34" charset="0"/>
+              </a:rPr>
+              <a:t>over 40 libraries and compilers </a:t>
+            </a:r>
+          </a:p>
+          <a:p>
+            <a:pPr marL="457200" lvl="1" indent="0">
+              <a:lnSpc>
+                <a:spcPts val="3000"/>
+              </a:lnSpc>
+              <a:buNone/>
+            </a:pPr>
+            <a:r>
+              <a:rPr lang="en-GB" sz="3800" i="1" dirty="0">
+                <a:solidFill>
+                  <a:schemeClr val="bg2">
+                    <a:lumMod val="25000"/>
+                  </a:schemeClr>
+                </a:solidFill>
+                <a:latin typeface="Segoe UI Light" panose="020B0502040204020203" pitchFamily="34" charset="0"/>
+                <a:cs typeface="Segoe UI Light" panose="020B0502040204020203" pitchFamily="34" charset="0"/>
+              </a:rPr>
+              <a:t>let’s see these libraries and compilers…</a:t>
+            </a:r>
+          </a:p>
+          <a:p>
+            <a:pPr lvl="1">
+              <a:lnSpc>
+                <a:spcPts val="4000"/>
+              </a:lnSpc>
             </a:pPr>
             <a:endParaRPr lang="en-GB" sz="3800" dirty="0">
               <a:solidFill>
@@ -24750,27 +25766,17 @@
             </a:endParaRPr>
           </a:p>
           <a:p>
-            <a:pPr marL="457200" lvl="1" indent="0">
+            <a:pPr marL="0" lvl="0" indent="0">
+              <a:spcBef>
+                <a:spcPct val="0"/>
+              </a:spcBef>
+              <a:spcAft>
+                <a:spcPts val="2000"/>
+              </a:spcAft>
               <a:buNone/>
+              <a:defRPr/>
             </a:pPr>
-            <a:r>
-              <a:rPr lang="en-GB" sz="3800" dirty="0">
-                <a:solidFill>
-                  <a:schemeClr val="bg2">
-                    <a:lumMod val="25000"/>
-                  </a:schemeClr>
-                </a:solidFill>
-                <a:latin typeface="Segoe UI Light" panose="020B0502040204020203" pitchFamily="34" charset="0"/>
-                <a:cs typeface="Segoe UI Light" panose="020B0502040204020203" pitchFamily="34" charset="0"/>
-              </a:rPr>
-              <a:t>This will help give context to the workshop:</a:t>
-            </a:r>
-          </a:p>
-          <a:p>
-            <a:pPr marL="457200" lvl="1" indent="0">
-              <a:buNone/>
-            </a:pPr>
-            <a:endParaRPr lang="en-GB" sz="1600" dirty="0">
+            <a:endParaRPr lang="en-US" sz="3800" dirty="0">
               <a:solidFill>
                 <a:schemeClr val="bg2">
                   <a:lumMod val="25000"/>
@@ -24780,106 +25786,12 @@
               <a:cs typeface="Segoe UI Light" panose="020B0502040204020203" pitchFamily="34" charset="0"/>
             </a:endParaRPr>
           </a:p>
-          <a:p>
-            <a:pPr marL="457200" lvl="1" indent="0">
-              <a:lnSpc>
-                <a:spcPts val="4500"/>
-              </a:lnSpc>
-              <a:buNone/>
-            </a:pPr>
-            <a:r>
-              <a:rPr lang="en-GB" sz="2800" b="1" dirty="0">
-                <a:solidFill>
-                  <a:schemeClr val="bg2">
-                    <a:lumMod val="25000"/>
-                  </a:schemeClr>
-                </a:solidFill>
-                <a:latin typeface="Segoe UI Light" panose="020B0502040204020203" pitchFamily="34" charset="0"/>
-                <a:cs typeface="Segoe UI Light" panose="020B0502040204020203" pitchFamily="34" charset="0"/>
-              </a:rPr>
-              <a:t>1. Business case (1) site: WordPress converted to Micro Apps.</a:t>
-            </a:r>
-          </a:p>
-          <a:p>
-            <a:pPr lvl="1">
-              <a:lnSpc>
-                <a:spcPts val="4500"/>
-              </a:lnSpc>
-            </a:pPr>
-            <a:r>
-              <a:rPr lang="en-GB" sz="2800" dirty="0">
-                <a:solidFill>
-                  <a:srgbClr val="0070C0"/>
-                </a:solidFill>
-                <a:latin typeface="Segoe UI Light" panose="020B0502040204020203" pitchFamily="34" charset="0"/>
-                <a:cs typeface="Segoe UI Light" panose="020B0502040204020203" pitchFamily="34" charset="0"/>
-                <a:hlinkClick r:id="rId2">
-                  <a:extLst>
-                    <a:ext uri="{A12FA001-AC4F-418D-AE19-62706E023703}">
-                      <ahyp:hlinkClr xmlns:ahyp="http://schemas.microsoft.com/office/drawing/2018/hyperlinkcolor" val="tx"/>
-                    </a:ext>
-                  </a:extLst>
-                </a:hlinkClick>
-              </a:rPr>
-              <a:t>https://wpjs.co.uk/demo1</a:t>
-            </a:r>
-            <a:r>
-              <a:rPr lang="en-GB" sz="2800" dirty="0">
-                <a:solidFill>
-                  <a:srgbClr val="0070C0"/>
-                </a:solidFill>
-                <a:latin typeface="Segoe UI Light" panose="020B0502040204020203" pitchFamily="34" charset="0"/>
-                <a:cs typeface="Segoe UI Light" panose="020B0502040204020203" pitchFamily="34" charset="0"/>
-              </a:rPr>
-              <a:t> (in repo)</a:t>
-            </a:r>
-          </a:p>
-          <a:p>
-            <a:pPr lvl="1">
-              <a:lnSpc>
-                <a:spcPts val="4500"/>
-              </a:lnSpc>
-            </a:pPr>
-            <a:r>
-              <a:rPr lang="en-GB" sz="2800" b="1" dirty="0">
-                <a:solidFill>
-                  <a:schemeClr val="bg2">
-                    <a:lumMod val="25000"/>
-                  </a:schemeClr>
-                </a:solidFill>
-                <a:latin typeface="Segoe UI Light" panose="020B0502040204020203" pitchFamily="34" charset="0"/>
-                <a:cs typeface="Segoe UI Light" panose="020B0502040204020203" pitchFamily="34" charset="0"/>
-              </a:rPr>
-              <a:t>2. Conference app: MVP of many frameworks working together as separate </a:t>
-            </a:r>
-            <a:r>
-              <a:rPr lang="en-GB" sz="2800" b="1">
-                <a:solidFill>
-                  <a:schemeClr val="bg2">
-                    <a:lumMod val="25000"/>
-                  </a:schemeClr>
-                </a:solidFill>
-                <a:latin typeface="Segoe UI Light" panose="020B0502040204020203" pitchFamily="34" charset="0"/>
-                <a:cs typeface="Segoe UI Light" panose="020B0502040204020203" pitchFamily="34" charset="0"/>
-              </a:rPr>
-              <a:t>and independent Micro Apps.</a:t>
-            </a:r>
-            <a:endParaRPr lang="en-GB" sz="2800" b="1" dirty="0">
-              <a:solidFill>
-                <a:schemeClr val="bg2">
-                  <a:lumMod val="25000"/>
-                </a:schemeClr>
-              </a:solidFill>
-              <a:latin typeface="Segoe UI Light" panose="020B0502040204020203" pitchFamily="34" charset="0"/>
-              <a:cs typeface="Segoe UI Light" panose="020B0502040204020203" pitchFamily="34" charset="0"/>
-            </a:endParaRPr>
-          </a:p>
         </p:txBody>
       </p:sp>
     </p:spTree>
     <p:extLst>
       <p:ext uri="{BB962C8B-B14F-4D97-AF65-F5344CB8AC3E}">
-        <p14:creationId xmlns:p14="http://schemas.microsoft.com/office/powerpoint/2010/main" val="2710248439"/>
+        <p14:creationId xmlns:p14="http://schemas.microsoft.com/office/powerpoint/2010/main" val="2661540520"/>
       </p:ext>
     </p:extLst>
   </p:cSld>
@@ -24918,8 +25830,8 @@
         </p:nvSpPr>
         <p:spPr>
           <a:xfrm>
-            <a:off x="541608" y="426301"/>
-            <a:ext cx="10293539" cy="749992"/>
+            <a:off x="541609" y="426301"/>
+            <a:ext cx="8578726" cy="749992"/>
           </a:xfrm>
         </p:spPr>
         <p:txBody>
@@ -24933,7 +25845,7 @@
                 <a:latin typeface="Segoe UI Light" panose="020B0502040204020203" pitchFamily="34" charset="0"/>
                 <a:cs typeface="Segoe UI Light" panose="020B0502040204020203" pitchFamily="34" charset="0"/>
               </a:rPr>
-              <a:t>Converting Frameworks to Web Components</a:t>
+              <a:t>Demo time</a:t>
             </a:r>
           </a:p>
         </p:txBody>
@@ -25181,8 +26093,8 @@
         </p:nvSpPr>
         <p:spPr>
           <a:xfrm>
-            <a:off x="541608" y="1691065"/>
-            <a:ext cx="10971964" cy="5370701"/>
+            <a:off x="610018" y="1102145"/>
+            <a:ext cx="10971964" cy="3753463"/>
           </a:xfrm>
           <a:prstGeom prst="rect">
             <a:avLst/>
@@ -25194,111 +26106,6 @@
             <a:spAutoFit/>
           </a:bodyPr>
           <a:lstStyle/>
-          <a:p>
-            <a:pPr marL="914400" lvl="1" indent="-457200">
-              <a:buFont typeface="Arial" panose="020B0604020202020204" pitchFamily="34" charset="0"/>
-              <a:buChar char="•"/>
-            </a:pPr>
-            <a:endParaRPr lang="en-GB" sz="1100" dirty="0">
-              <a:solidFill>
-                <a:schemeClr val="bg2">
-                  <a:lumMod val="25000"/>
-                </a:schemeClr>
-              </a:solidFill>
-              <a:latin typeface="Segoe UI Light" panose="020B0502040204020203" pitchFamily="34" charset="0"/>
-              <a:cs typeface="Segoe UI Light" panose="020B0502040204020203" pitchFamily="34" charset="0"/>
-            </a:endParaRPr>
-          </a:p>
-          <a:p>
-            <a:pPr marL="914400" lvl="1" indent="-457200">
-              <a:buFont typeface="Arial" panose="020B0604020202020204" pitchFamily="34" charset="0"/>
-              <a:buChar char="•"/>
-            </a:pPr>
-            <a:r>
-              <a:rPr lang="en-GB" sz="3200" dirty="0">
-                <a:solidFill>
-                  <a:schemeClr val="bg2">
-                    <a:lumMod val="25000"/>
-                  </a:schemeClr>
-                </a:solidFill>
-                <a:latin typeface="Segoe UI Light" panose="020B0502040204020203" pitchFamily="34" charset="0"/>
-                <a:cs typeface="Segoe UI Light" panose="020B0502040204020203" pitchFamily="34" charset="0"/>
-              </a:rPr>
-              <a:t>Angular: https://angular.io/guide/elements</a:t>
-            </a:r>
-          </a:p>
-          <a:p>
-            <a:pPr marL="914400" lvl="1" indent="-457200">
-              <a:buFont typeface="Arial" panose="020B0604020202020204" pitchFamily="34" charset="0"/>
-              <a:buChar char="•"/>
-            </a:pPr>
-            <a:r>
-              <a:rPr lang="en-GB" sz="3200" dirty="0">
-                <a:solidFill>
-                  <a:schemeClr val="bg2">
-                    <a:lumMod val="25000"/>
-                  </a:schemeClr>
-                </a:solidFill>
-                <a:latin typeface="Segoe UI Light" panose="020B0502040204020203" pitchFamily="34" charset="0"/>
-                <a:cs typeface="Segoe UI Light" panose="020B0502040204020203" pitchFamily="34" charset="0"/>
-              </a:rPr>
-              <a:t>Vue: https://www.npmjs.com/package/vue-custom-element</a:t>
-            </a:r>
-          </a:p>
-          <a:p>
-            <a:pPr marL="914400" lvl="1" indent="-457200">
-              <a:buFont typeface="Arial" panose="020B0604020202020204" pitchFamily="34" charset="0"/>
-              <a:buChar char="•"/>
-            </a:pPr>
-            <a:r>
-              <a:rPr lang="en-GB" sz="3200" dirty="0">
-                <a:solidFill>
-                  <a:schemeClr val="bg2">
-                    <a:lumMod val="25000"/>
-                  </a:schemeClr>
-                </a:solidFill>
-                <a:latin typeface="Segoe UI Light" panose="020B0502040204020203" pitchFamily="34" charset="0"/>
-                <a:cs typeface="Segoe UI Light" panose="020B0502040204020203" pitchFamily="34" charset="0"/>
-              </a:rPr>
-              <a:t>Vue: https://github.com/karol-f/vue-custom-element#demo</a:t>
-            </a:r>
-          </a:p>
-          <a:p>
-            <a:pPr marL="914400" lvl="1" indent="-457200">
-              <a:buFont typeface="Arial" panose="020B0604020202020204" pitchFamily="34" charset="0"/>
-              <a:buChar char="•"/>
-            </a:pPr>
-            <a:r>
-              <a:rPr lang="en-GB" sz="3200" dirty="0">
-                <a:solidFill>
-                  <a:schemeClr val="bg2">
-                    <a:lumMod val="25000"/>
-                  </a:schemeClr>
-                </a:solidFill>
-                <a:latin typeface="Segoe UI Light" panose="020B0502040204020203" pitchFamily="34" charset="0"/>
-                <a:cs typeface="Segoe UI Light" panose="020B0502040204020203" pitchFamily="34" charset="0"/>
-              </a:rPr>
-              <a:t>React: https://github.com/LukasBombach/react-web-component</a:t>
-            </a:r>
-          </a:p>
-          <a:p>
-            <a:pPr marL="914400" lvl="1" indent="-457200">
-              <a:buFont typeface="Arial" panose="020B0604020202020204" pitchFamily="34" charset="0"/>
-              <a:buChar char="•"/>
-            </a:pPr>
-            <a:r>
-              <a:rPr lang="en-GB" sz="3200" i="1" dirty="0">
-                <a:solidFill>
-                  <a:schemeClr val="bg2">
-                    <a:lumMod val="25000"/>
-                  </a:schemeClr>
-                </a:solidFill>
-                <a:latin typeface="Segoe UI Light" panose="020B0502040204020203" pitchFamily="34" charset="0"/>
-                <a:cs typeface="Segoe UI Light" panose="020B0502040204020203" pitchFamily="34" charset="0"/>
-              </a:rPr>
-              <a:t>Many others: https://webcomponents.dev/</a:t>
-            </a:r>
-          </a:p>
           <a:p>
             <a:pPr marL="457200" lvl="1" indent="0">
               <a:buNone/>
@@ -25317,7 +26124,24 @@
             <a:pPr marL="457200" lvl="1" indent="0">
               <a:buNone/>
             </a:pPr>
-            <a:endParaRPr lang="en-GB" sz="3800" dirty="0">
+            <a:r>
+              <a:rPr lang="en-GB" sz="3800" dirty="0">
+                <a:solidFill>
+                  <a:schemeClr val="bg2">
+                    <a:lumMod val="25000"/>
+                  </a:schemeClr>
+                </a:solidFill>
+                <a:latin typeface="Segoe UI Light" panose="020B0502040204020203" pitchFamily="34" charset="0"/>
+                <a:cs typeface="Segoe UI Light" panose="020B0502040204020203" pitchFamily="34" charset="0"/>
+              </a:rPr>
+              <a:t>This will help give context to the workshop:</a:t>
+            </a:r>
+          </a:p>
+          <a:p>
+            <a:pPr marL="457200" lvl="1" indent="0">
+              <a:buNone/>
+            </a:pPr>
+            <a:endParaRPr lang="en-GB" sz="1600" dirty="0">
               <a:solidFill>
                 <a:schemeClr val="bg2">
                   <a:lumMod val="25000"/>
@@ -25327,12 +26151,106 @@
               <a:cs typeface="Segoe UI Light" panose="020B0502040204020203" pitchFamily="34" charset="0"/>
             </a:endParaRPr>
           </a:p>
+          <a:p>
+            <a:pPr marL="457200" lvl="1" indent="0">
+              <a:lnSpc>
+                <a:spcPts val="4500"/>
+              </a:lnSpc>
+              <a:buNone/>
+            </a:pPr>
+            <a:r>
+              <a:rPr lang="en-GB" sz="2800" b="1" dirty="0">
+                <a:solidFill>
+                  <a:schemeClr val="bg2">
+                    <a:lumMod val="25000"/>
+                  </a:schemeClr>
+                </a:solidFill>
+                <a:latin typeface="Segoe UI Light" panose="020B0502040204020203" pitchFamily="34" charset="0"/>
+                <a:cs typeface="Segoe UI Light" panose="020B0502040204020203" pitchFamily="34" charset="0"/>
+              </a:rPr>
+              <a:t>1. Business case (1) site: WordPress converted to Micro Apps.</a:t>
+            </a:r>
+          </a:p>
+          <a:p>
+            <a:pPr lvl="1">
+              <a:lnSpc>
+                <a:spcPts val="4500"/>
+              </a:lnSpc>
+            </a:pPr>
+            <a:r>
+              <a:rPr lang="en-GB" sz="2800" dirty="0">
+                <a:solidFill>
+                  <a:srgbClr val="0070C0"/>
+                </a:solidFill>
+                <a:latin typeface="Segoe UI Light" panose="020B0502040204020203" pitchFamily="34" charset="0"/>
+                <a:cs typeface="Segoe UI Light" panose="020B0502040204020203" pitchFamily="34" charset="0"/>
+                <a:hlinkClick r:id="rId2">
+                  <a:extLst>
+                    <a:ext uri="{A12FA001-AC4F-418D-AE19-62706E023703}">
+                      <ahyp:hlinkClr xmlns:ahyp="http://schemas.microsoft.com/office/drawing/2018/hyperlinkcolor" val="tx"/>
+                    </a:ext>
+                  </a:extLst>
+                </a:hlinkClick>
+              </a:rPr>
+              <a:t>https://wpjs.co.uk/demo1</a:t>
+            </a:r>
+            <a:r>
+              <a:rPr lang="en-GB" sz="2800" dirty="0">
+                <a:solidFill>
+                  <a:srgbClr val="0070C0"/>
+                </a:solidFill>
+                <a:latin typeface="Segoe UI Light" panose="020B0502040204020203" pitchFamily="34" charset="0"/>
+                <a:cs typeface="Segoe UI Light" panose="020B0502040204020203" pitchFamily="34" charset="0"/>
+              </a:rPr>
+              <a:t> (in repo)</a:t>
+            </a:r>
+          </a:p>
+          <a:p>
+            <a:pPr lvl="1">
+              <a:lnSpc>
+                <a:spcPts val="4500"/>
+              </a:lnSpc>
+            </a:pPr>
+            <a:r>
+              <a:rPr lang="en-GB" sz="2800" b="1" dirty="0">
+                <a:solidFill>
+                  <a:schemeClr val="bg2">
+                    <a:lumMod val="25000"/>
+                  </a:schemeClr>
+                </a:solidFill>
+                <a:latin typeface="Segoe UI Light" panose="020B0502040204020203" pitchFamily="34" charset="0"/>
+                <a:cs typeface="Segoe UI Light" panose="020B0502040204020203" pitchFamily="34" charset="0"/>
+              </a:rPr>
+              <a:t>2. Conference app: MVP of many frameworks working together as separate </a:t>
+            </a:r>
+            <a:r>
+              <a:rPr lang="en-GB" sz="2800" b="1">
+                <a:solidFill>
+                  <a:schemeClr val="bg2">
+                    <a:lumMod val="25000"/>
+                  </a:schemeClr>
+                </a:solidFill>
+                <a:latin typeface="Segoe UI Light" panose="020B0502040204020203" pitchFamily="34" charset="0"/>
+                <a:cs typeface="Segoe UI Light" panose="020B0502040204020203" pitchFamily="34" charset="0"/>
+              </a:rPr>
+              <a:t>and independent Micro Apps.</a:t>
+            </a:r>
+            <a:endParaRPr lang="en-GB" sz="2800" b="1" dirty="0">
+              <a:solidFill>
+                <a:schemeClr val="bg2">
+                  <a:lumMod val="25000"/>
+                </a:schemeClr>
+              </a:solidFill>
+              <a:latin typeface="Segoe UI Light" panose="020B0502040204020203" pitchFamily="34" charset="0"/>
+              <a:cs typeface="Segoe UI Light" panose="020B0502040204020203" pitchFamily="34" charset="0"/>
+            </a:endParaRPr>
+          </a:p>
         </p:txBody>
       </p:sp>
     </p:spTree>
     <p:extLst>
       <p:ext uri="{BB962C8B-B14F-4D97-AF65-F5344CB8AC3E}">
-        <p14:creationId xmlns:p14="http://schemas.microsoft.com/office/powerpoint/2010/main" val="2544231288"/>
+        <p14:creationId xmlns:p14="http://schemas.microsoft.com/office/powerpoint/2010/main" val="2710248439"/>
       </p:ext>
     </p:extLst>
   </p:cSld>
@@ -25386,7 +26304,7 @@
                 <a:latin typeface="Segoe UI Light" panose="020B0502040204020203" pitchFamily="34" charset="0"/>
                 <a:cs typeface="Segoe UI Light" panose="020B0502040204020203" pitchFamily="34" charset="0"/>
               </a:rPr>
-              <a:t>Deployment</a:t>
+              <a:t>Converting Frameworks to Web Components</a:t>
             </a:r>
           </a:p>
         </p:txBody>
@@ -25634,7 +26552,7 @@
         </p:nvSpPr>
         <p:spPr>
           <a:xfrm>
-            <a:off x="541608" y="1060998"/>
+            <a:off x="541608" y="1691065"/>
             <a:ext cx="10971964" cy="5370701"/>
           </a:xfrm>
           <a:prstGeom prst="rect">
@@ -25667,18 +26585,6 @@
               <a:buFont typeface="Arial" panose="020B0604020202020204" pitchFamily="34" charset="0"/>
               <a:buChar char="•"/>
             </a:pPr>
-            <a:endParaRPr lang="en-GB" sz="3200" dirty="0">
-              <a:solidFill>
-                <a:schemeClr val="bg2">
-                  <a:lumMod val="25000"/>
-                </a:schemeClr>
-              </a:solidFill>
-              <a:latin typeface="Segoe UI Light" panose="020B0502040204020203" pitchFamily="34" charset="0"/>
-              <a:cs typeface="Segoe UI Light" panose="020B0502040204020203" pitchFamily="34" charset="0"/>
-            </a:endParaRPr>
-          </a:p>
-          <a:p>
-            <a:pPr lvl="1"/>
             <a:r>
               <a:rPr lang="en-GB" sz="3200" dirty="0">
                 <a:solidFill>
@@ -25689,23 +26595,8 @@
                 <a:latin typeface="Segoe UI Light" panose="020B0502040204020203" pitchFamily="34" charset="0"/>
                 <a:cs typeface="Segoe UI Light" panose="020B0502040204020203" pitchFamily="34" charset="0"/>
               </a:rPr>
-              <a:t>How to deploy Web Components as a third party:</a:t>
+              <a:t>Angular: https://angular.io/guide/elements</a:t>
             </a:r>
-          </a:p>
-          <a:p>
-            <a:pPr marL="914400" lvl="1" indent="-457200">
-              <a:buFont typeface="Arial" panose="020B0604020202020204" pitchFamily="34" charset="0"/>
-              <a:buChar char="•"/>
-            </a:pPr>
-            <a:endParaRPr lang="en-GB" sz="3200" dirty="0">
-              <a:solidFill>
-                <a:schemeClr val="bg2">
-                  <a:lumMod val="25000"/>
-                </a:schemeClr>
-              </a:solidFill>
-              <a:latin typeface="Segoe UI Light" panose="020B0502040204020203" pitchFamily="34" charset="0"/>
-              <a:cs typeface="Segoe UI Light" panose="020B0502040204020203" pitchFamily="34" charset="0"/>
-            </a:endParaRPr>
           </a:p>
           <a:p>
             <a:pPr marL="914400" lvl="1" indent="-457200">
@@ -25722,7 +26613,7 @@
                 <a:latin typeface="Segoe UI Light" panose="020B0502040204020203" pitchFamily="34" charset="0"/>
                 <a:cs typeface="Segoe UI Light" panose="020B0502040204020203" pitchFamily="34" charset="0"/>
               </a:rPr>
-              <a:t>In HTML pages as we have seen.</a:t>
+              <a:t>Vue: https://www.npmjs.com/package/vue-custom-element</a:t>
             </a:r>
           </a:p>
           <a:p>
@@ -25740,7 +26631,7 @@
                 <a:latin typeface="Segoe UI Light" panose="020B0502040204020203" pitchFamily="34" charset="0"/>
                 <a:cs typeface="Segoe UI Light" panose="020B0502040204020203" pitchFamily="34" charset="0"/>
               </a:rPr>
-              <a:t>Via NPM we can import into builds.</a:t>
+              <a:t>Vue: https://github.com/karol-f/vue-custom-element#demo</a:t>
             </a:r>
           </a:p>
           <a:p>
@@ -25758,7 +26649,25 @@
                 <a:latin typeface="Segoe UI Light" panose="020B0502040204020203" pitchFamily="34" charset="0"/>
                 <a:cs typeface="Segoe UI Light" panose="020B0502040204020203" pitchFamily="34" charset="0"/>
               </a:rPr>
-              <a:t>For Angular, Vue, React etc, there are well documented procedures, (e.g. https://stenciljs.com/docs/framework-bindings)</a:t>
+              <a:t>React: https://github.com/LukasBombach/react-web-component</a:t>
+            </a:r>
+          </a:p>
+          <a:p>
+            <a:pPr marL="914400" lvl="1" indent="-457200">
+              <a:buFont typeface="Arial" panose="020B0604020202020204" pitchFamily="34" charset="0"/>
+              <a:buChar char="•"/>
+            </a:pPr>
+            <a:r>
+              <a:rPr lang="en-GB" sz="3200" i="1" dirty="0">
+                <a:solidFill>
+                  <a:schemeClr val="bg2">
+                    <a:lumMod val="25000"/>
+                  </a:schemeClr>
+                </a:solidFill>
+                <a:latin typeface="Segoe UI Light" panose="020B0502040204020203" pitchFamily="34" charset="0"/>
+                <a:cs typeface="Segoe UI Light" panose="020B0502040204020203" pitchFamily="34" charset="0"/>
+              </a:rPr>
+              <a:t>Many others: https://webcomponents.dev/</a:t>
             </a:r>
           </a:p>
           <a:p>
@@ -25794,7 +26703,7 @@
     </p:spTree>
     <p:extLst>
       <p:ext uri="{BB962C8B-B14F-4D97-AF65-F5344CB8AC3E}">
-        <p14:creationId xmlns:p14="http://schemas.microsoft.com/office/powerpoint/2010/main" val="673831935"/>
+        <p14:creationId xmlns:p14="http://schemas.microsoft.com/office/powerpoint/2010/main" val="2544231288"/>
       </p:ext>
     </p:extLst>
   </p:cSld>
@@ -25848,7 +26757,7 @@
                 <a:latin typeface="Segoe UI Light" panose="020B0502040204020203" pitchFamily="34" charset="0"/>
                 <a:cs typeface="Segoe UI Light" panose="020B0502040204020203" pitchFamily="34" charset="0"/>
               </a:rPr>
-              <a:t>Useful links</a:t>
+              <a:t>Deployment</a:t>
             </a:r>
           </a:p>
         </p:txBody>
@@ -26097,7 +27006,7 @@
         <p:spPr>
           <a:xfrm>
             <a:off x="541608" y="1060998"/>
-            <a:ext cx="10971964" cy="3422347"/>
+            <a:ext cx="10971964" cy="5370701"/>
           </a:xfrm>
           <a:prstGeom prst="rect">
             <a:avLst/>
@@ -26140,102 +27049,9 @@
             </a:endParaRPr>
           </a:p>
           <a:p>
-            <a:pPr>
-              <a:lnSpc>
-                <a:spcPct val="107000"/>
-              </a:lnSpc>
-              <a:spcAft>
-                <a:spcPts val="800"/>
-              </a:spcAft>
-            </a:pPr>
+            <a:pPr lvl="1"/>
             <a:r>
-              <a:rPr lang="en-GB" sz="1800" u="sng" dirty="0">
-                <a:solidFill>
-                  <a:srgbClr val="0563C1"/>
-                </a:solidFill>
-                <a:effectLst/>
-                <a:latin typeface="Segoe UI" panose="020B0502040204020203" pitchFamily="34" charset="0"/>
-                <a:ea typeface="Calibri" panose="020F0502020204030204" pitchFamily="34" charset="0"/>
-                <a:cs typeface="Times New Roman" panose="02020603050405020304" pitchFamily="18" charset="0"/>
-                <a:hlinkClick r:id="rId2"/>
-              </a:rPr>
-              <a:t>https://coryrylan.com/blog/using-web-components-in-react-video-tutorial</a:t>
-            </a:r>
-            <a:endParaRPr lang="en-GB" sz="1800" dirty="0">
-              <a:effectLst/>
-              <a:latin typeface="Calibri" panose="020F0502020204030204" pitchFamily="34" charset="0"/>
-              <a:ea typeface="Calibri" panose="020F0502020204030204" pitchFamily="34" charset="0"/>
-              <a:cs typeface="Times New Roman" panose="02020603050405020304" pitchFamily="18" charset="0"/>
-            </a:endParaRPr>
-          </a:p>
-          <a:p>
-            <a:pPr>
-              <a:lnSpc>
-                <a:spcPct val="107000"/>
-              </a:lnSpc>
-              <a:spcAft>
-                <a:spcPts val="800"/>
-              </a:spcAft>
-            </a:pPr>
-            <a:r>
-              <a:rPr lang="en-GB" sz="1800" u="sng" dirty="0">
-                <a:solidFill>
-                  <a:srgbClr val="0563C1"/>
-                </a:solidFill>
-                <a:effectLst/>
-                <a:latin typeface="Segoe UI" panose="020B0502040204020203" pitchFamily="34" charset="0"/>
-                <a:ea typeface="Calibri" panose="020F0502020204030204" pitchFamily="34" charset="0"/>
-                <a:cs typeface="Times New Roman" panose="02020603050405020304" pitchFamily="18" charset="0"/>
-                <a:hlinkClick r:id="rId3"/>
-              </a:rPr>
-              <a:t>https://coryrylan.com/blog/using-web-components-in-angular-video-tutorial</a:t>
-            </a:r>
-            <a:endParaRPr lang="en-GB" sz="1800" dirty="0">
-              <a:effectLst/>
-              <a:latin typeface="Calibri" panose="020F0502020204030204" pitchFamily="34" charset="0"/>
-              <a:ea typeface="Calibri" panose="020F0502020204030204" pitchFamily="34" charset="0"/>
-              <a:cs typeface="Times New Roman" panose="02020603050405020304" pitchFamily="18" charset="0"/>
-            </a:endParaRPr>
-          </a:p>
-          <a:p>
-            <a:pPr>
-              <a:lnSpc>
-                <a:spcPct val="107000"/>
-              </a:lnSpc>
-              <a:spcAft>
-                <a:spcPts val="800"/>
-              </a:spcAft>
-            </a:pPr>
-            <a:r>
-              <a:rPr lang="en-GB" sz="1800" u="sng" dirty="0">
-                <a:solidFill>
-                  <a:srgbClr val="0563C1"/>
-                </a:solidFill>
-                <a:effectLst/>
-                <a:latin typeface="Segoe UI" panose="020B0502040204020203" pitchFamily="34" charset="0"/>
-                <a:ea typeface="Calibri" panose="020F0502020204030204" pitchFamily="34" charset="0"/>
-                <a:cs typeface="Times New Roman" panose="02020603050405020304" pitchFamily="18" charset="0"/>
-                <a:hlinkClick r:id="rId4"/>
-              </a:rPr>
-              <a:t>https://coryrylan.com/blog/using-web-components-in-vue</a:t>
-            </a:r>
-            <a:endParaRPr lang="en-GB" u="sng" dirty="0">
-              <a:latin typeface="Calibri" panose="020F0502020204030204" pitchFamily="34" charset="0"/>
-              <a:ea typeface="Calibri" panose="020F0502020204030204" pitchFamily="34" charset="0"/>
-              <a:cs typeface="Times New Roman" panose="02020603050405020304" pitchFamily="18" charset="0"/>
-            </a:endParaRPr>
-          </a:p>
-          <a:p>
-            <a:pPr>
-              <a:lnSpc>
-                <a:spcPct val="107000"/>
-              </a:lnSpc>
-              <a:spcAft>
-                <a:spcPts val="800"/>
-              </a:spcAft>
-            </a:pPr>
-            <a:r>
-              <a:rPr lang="en-GB" b="1" dirty="0">
+              <a:rPr lang="en-GB" sz="3200" dirty="0">
                 <a:solidFill>
                   <a:schemeClr val="bg2">
                     <a:lumMod val="25000"/>
@@ -26243,11 +27059,16 @@
                 </a:solidFill>
                 <a:latin typeface="Segoe UI Light" panose="020B0502040204020203" pitchFamily="34" charset="0"/>
                 <a:cs typeface="Segoe UI Light" panose="020B0502040204020203" pitchFamily="34" charset="0"/>
-                <a:hlinkClick r:id="rId5"/>
               </a:rPr>
-              <a:t>https://stenciljs.com/docs/overview</a:t>
+              <a:t>How to deploy Web Components as a third party:</a:t>
             </a:r>
-            <a:endParaRPr lang="en-GB" b="1" dirty="0">
+          </a:p>
+          <a:p>
+            <a:pPr marL="914400" lvl="1" indent="-457200">
+              <a:buFont typeface="Arial" panose="020B0604020202020204" pitchFamily="34" charset="0"/>
+              <a:buChar char="•"/>
+            </a:pPr>
+            <a:endParaRPr lang="en-GB" sz="3200" dirty="0">
               <a:solidFill>
                 <a:schemeClr val="bg2">
                   <a:lumMod val="25000"/>
@@ -26258,16 +27079,12 @@
             </a:endParaRPr>
           </a:p>
           <a:p>
-            <a:pPr>
-              <a:lnSpc>
-                <a:spcPct val="107000"/>
-              </a:lnSpc>
-              <a:spcAft>
-                <a:spcPts val="800"/>
-              </a:spcAft>
+            <a:pPr marL="914400" lvl="1" indent="-457200">
+              <a:buFont typeface="Arial" panose="020B0604020202020204" pitchFamily="34" charset="0"/>
+              <a:buChar char="•"/>
             </a:pPr>
             <a:r>
-              <a:rPr lang="en-GB" b="1" dirty="0">
+              <a:rPr lang="en-GB" sz="3200" dirty="0">
                 <a:solidFill>
                   <a:schemeClr val="bg2">
                     <a:lumMod val="25000"/>
@@ -26275,11 +27092,51 @@
                 </a:solidFill>
                 <a:latin typeface="Segoe UI Light" panose="020B0502040204020203" pitchFamily="34" charset="0"/>
                 <a:cs typeface="Segoe UI Light" panose="020B0502040204020203" pitchFamily="34" charset="0"/>
-                <a:hlinkClick r:id="rId6"/>
               </a:rPr>
-              <a:t>https://webcomponents.dev/</a:t>
+              <a:t>In HTML pages as we have seen.</a:t>
             </a:r>
-            <a:endParaRPr lang="en-GB" b="1" dirty="0">
+          </a:p>
+          <a:p>
+            <a:pPr marL="914400" lvl="1" indent="-457200">
+              <a:buFont typeface="Arial" panose="020B0604020202020204" pitchFamily="34" charset="0"/>
+              <a:buChar char="•"/>
+            </a:pPr>
+            <a:r>
+              <a:rPr lang="en-GB" sz="3200" dirty="0">
+                <a:solidFill>
+                  <a:schemeClr val="bg2">
+                    <a:lumMod val="25000"/>
+                  </a:schemeClr>
+                </a:solidFill>
+                <a:latin typeface="Segoe UI Light" panose="020B0502040204020203" pitchFamily="34" charset="0"/>
+                <a:cs typeface="Segoe UI Light" panose="020B0502040204020203" pitchFamily="34" charset="0"/>
+              </a:rPr>
+              <a:t>Via NPM we can import into builds.</a:t>
+            </a:r>
+          </a:p>
+          <a:p>
+            <a:pPr marL="914400" lvl="1" indent="-457200">
+              <a:buFont typeface="Arial" panose="020B0604020202020204" pitchFamily="34" charset="0"/>
+              <a:buChar char="•"/>
+            </a:pPr>
+            <a:r>
+              <a:rPr lang="en-GB" sz="3200" dirty="0">
+                <a:solidFill>
+                  <a:schemeClr val="bg2">
+                    <a:lumMod val="25000"/>
+                  </a:schemeClr>
+                </a:solidFill>
+                <a:latin typeface="Segoe UI Light" panose="020B0502040204020203" pitchFamily="34" charset="0"/>
+                <a:cs typeface="Segoe UI Light" panose="020B0502040204020203" pitchFamily="34" charset="0"/>
+              </a:rPr>
+              <a:t>For Angular, Vue, React etc, there are well documented procedures, (e.g. https://stenciljs.com/docs/framework-bindings)</a:t>
+            </a:r>
+          </a:p>
+          <a:p>
+            <a:pPr marL="457200" lvl="1" indent="0">
+              <a:buNone/>
+            </a:pPr>
+            <a:endParaRPr lang="en-GB" sz="3800" dirty="0">
               <a:solidFill>
                 <a:schemeClr val="bg2">
                   <a:lumMod val="25000"/>
@@ -26290,28 +27147,10 @@
             </a:endParaRPr>
           </a:p>
           <a:p>
-            <a:pPr>
-              <a:lnSpc>
-                <a:spcPct val="107000"/>
-              </a:lnSpc>
-              <a:spcAft>
-                <a:spcPts val="800"/>
-              </a:spcAft>
+            <a:pPr marL="457200" lvl="1" indent="0">
+              <a:buNone/>
             </a:pPr>
-            <a:r>
-              <a:rPr lang="en-GB" b="1" dirty="0">
-                <a:solidFill>
-                  <a:schemeClr val="bg2">
-                    <a:lumMod val="25000"/>
-                  </a:schemeClr>
-                </a:solidFill>
-                <a:latin typeface="Segoe UI Light" panose="020B0502040204020203" pitchFamily="34" charset="0"/>
-                <a:cs typeface="Segoe UI Light" panose="020B0502040204020203" pitchFamily="34" charset="0"/>
-                <a:hlinkClick r:id="rId7"/>
-              </a:rPr>
-              <a:t>https://custom-elements-everywhere.com/</a:t>
-            </a:r>
-            <a:endParaRPr lang="en-GB" b="1" dirty="0">
+            <a:endParaRPr lang="en-GB" sz="3800" dirty="0">
               <a:solidFill>
                 <a:schemeClr val="bg2">
                   <a:lumMod val="25000"/>
@@ -26321,44 +27160,12 @@
               <a:cs typeface="Segoe UI Light" panose="020B0502040204020203" pitchFamily="34" charset="0"/>
             </a:endParaRPr>
           </a:p>
-          <a:p>
-            <a:pPr>
-              <a:lnSpc>
-                <a:spcPct val="107000"/>
-              </a:lnSpc>
-              <a:spcAft>
-                <a:spcPts val="800"/>
-              </a:spcAft>
-            </a:pPr>
-            <a:r>
-              <a:rPr lang="en-GB" b="1" dirty="0">
-                <a:solidFill>
-                  <a:schemeClr val="bg2">
-                    <a:lumMod val="25000"/>
-                  </a:schemeClr>
-                </a:solidFill>
-                <a:latin typeface="Segoe UI Light" panose="020B0502040204020203" pitchFamily="34" charset="0"/>
-                <a:cs typeface="Segoe UI Light" panose="020B0502040204020203" pitchFamily="34" charset="0"/>
-                <a:hlinkClick r:id="rId8"/>
-              </a:rPr>
-              <a:t>https://developers.google.com/web/fundamentals/web-components</a:t>
-            </a:r>
-            <a:endParaRPr lang="en-GB" b="1" dirty="0">
-              <a:solidFill>
-                <a:schemeClr val="bg2">
-                  <a:lumMod val="25000"/>
-                </a:schemeClr>
-              </a:solidFill>
-              <a:latin typeface="Segoe UI Light" panose="020B0502040204020203" pitchFamily="34" charset="0"/>
-              <a:cs typeface="Segoe UI Light" panose="020B0502040204020203" pitchFamily="34" charset="0"/>
-            </a:endParaRPr>
-          </a:p>
         </p:txBody>
       </p:sp>
     </p:spTree>
     <p:extLst>
       <p:ext uri="{BB962C8B-B14F-4D97-AF65-F5344CB8AC3E}">
-        <p14:creationId xmlns:p14="http://schemas.microsoft.com/office/powerpoint/2010/main" val="223144042"/>
+        <p14:creationId xmlns:p14="http://schemas.microsoft.com/office/powerpoint/2010/main" val="673831935"/>
       </p:ext>
     </p:extLst>
   </p:cSld>
@@ -28326,7 +29133,7 @@
           <a:p>
             <a:pPr lvl="1">
               <a:lnSpc>
-                <a:spcPts val="3000"/>
+                <a:spcPts val="3700"/>
               </a:lnSpc>
             </a:pPr>
             <a:r>
@@ -30981,15 +31788,6 @@
 </file>
 
 <file path=customXml/item1.xml><?xml version="1.0" encoding="utf-8"?>
-<?mso-contentType ?>
-<FormTemplates xmlns="http://schemas.microsoft.com/sharepoint/v3/contenttype/forms">
-  <Display>DocumentLibraryForm</Display>
-  <Edit>DocumentLibraryForm</Edit>
-  <New>DocumentLibraryForm</New>
-</FormTemplates>
-</file>
-
-<file path=customXml/item2.xml><?xml version="1.0" encoding="utf-8"?>
 <ct:contentTypeSchema xmlns:ct="http://schemas.microsoft.com/office/2006/metadata/contentType" xmlns:ma="http://schemas.microsoft.com/office/2006/metadata/properties/metaAttributes" ct:_="" ma:_="" ma:contentTypeName="Document" ma:contentTypeID="0x01010079F111ED35F8CC479449609E8A0923A6" ma:contentTypeVersion="12" ma:contentTypeDescription="Create a new document." ma:contentTypeScope="" ma:versionID="a8a52e8c320b9a064ae3583ae3861c92">
   <xsd:schema xmlns:xsd="http://www.w3.org/2001/XMLSchema" xmlns:xs="http://www.w3.org/2001/XMLSchema" xmlns:p="http://schemas.microsoft.com/office/2006/metadata/properties" xmlns:ns2="71af3243-3dd4-4a8d-8c0d-dd76da1f02a5" xmlns:ns3="16c05727-aa75-4e4a-9b5f-8a80a1165891" targetNamespace="http://schemas.microsoft.com/office/2006/metadata/properties" ma:root="true" ma:fieldsID="88020cb39231a0945110f9cd888b521a" ns2:_="" ns3:_="">
     <xsd:import namespace="71af3243-3dd4-4a8d-8c0d-dd76da1f02a5"/>
@@ -31210,7 +32008,7 @@
 </ct:contentTypeSchema>
 </file>
 
-<file path=customXml/item3.xml><?xml version="1.0" encoding="utf-8"?>
+<file path=customXml/item2.xml><?xml version="1.0" encoding="utf-8"?>
 <p:properties xmlns:p="http://schemas.microsoft.com/office/2006/metadata/properties" xmlns:xsi="http://www.w3.org/2001/XMLSchema-instance" xmlns:pc="http://schemas.microsoft.com/office/infopath/2007/PartnerControls">
   <documentManagement>
     <Status xmlns="71af3243-3dd4-4a8d-8c0d-dd76da1f02a5">Not started</Status>
@@ -31219,15 +32017,16 @@
 </p:properties>
 </file>
 
-<file path=customXml/itemProps1.xml><?xml version="1.0" encoding="utf-8"?>
-<ds:datastoreItem xmlns:ds="http://schemas.openxmlformats.org/officeDocument/2006/customXml" ds:itemID="{7EE8C63A-4744-4DE4-BB49-0FF0B5375C60}">
-  <ds:schemaRefs>
-    <ds:schemaRef ds:uri="http://schemas.microsoft.com/sharepoint/v3/contenttype/forms"/>
-  </ds:schemaRefs>
-</ds:datastoreItem>
+<file path=customXml/item3.xml><?xml version="1.0" encoding="utf-8"?>
+<?mso-contentType ?>
+<FormTemplates xmlns="http://schemas.microsoft.com/sharepoint/v3/contenttype/forms">
+  <Display>DocumentLibraryForm</Display>
+  <Edit>DocumentLibraryForm</Edit>
+  <New>DocumentLibraryForm</New>
+</FormTemplates>
 </file>
 
-<file path=customXml/itemProps2.xml><?xml version="1.0" encoding="utf-8"?>
+<file path=customXml/itemProps1.xml><?xml version="1.0" encoding="utf-8"?>
 <ds:datastoreItem xmlns:ds="http://schemas.openxmlformats.org/officeDocument/2006/customXml" ds:itemID="{FD7FC771-7DFE-49DA-B577-71181BFBCB2E}">
   <ds:schemaRefs>
     <ds:schemaRef ds:uri="http://schemas.microsoft.com/office/2006/metadata/contentType"/>
@@ -31246,7 +32045,7 @@
 </ds:datastoreItem>
 </file>
 
-<file path=customXml/itemProps3.xml><?xml version="1.0" encoding="utf-8"?>
+<file path=customXml/itemProps2.xml><?xml version="1.0" encoding="utf-8"?>
 <ds:datastoreItem xmlns:ds="http://schemas.openxmlformats.org/officeDocument/2006/customXml" ds:itemID="{950072C5-DDE0-4258-BA7A-4D4B80DFA632}">
   <ds:schemaRefs>
     <ds:schemaRef ds:uri="http://purl.org/dc/terms/"/>
@@ -31261,4 +32060,12 @@
     <ds:schemaRef ds:uri="http://purl.org/dc/dcmitype/"/>
   </ds:schemaRefs>
 </ds:datastoreItem>
+</file>
+
+<file path=customXml/itemProps3.xml><?xml version="1.0" encoding="utf-8"?>
+<ds:datastoreItem xmlns:ds="http://schemas.openxmlformats.org/officeDocument/2006/customXml" ds:itemID="{7EE8C63A-4744-4DE4-BB49-0FF0B5375C60}">
+  <ds:schemaRefs>
+    <ds:schemaRef ds:uri="http://schemas.microsoft.com/sharepoint/v3/contenttype/forms"/>
+  </ds:schemaRefs>
+</ds:datastoreItem>
 </file>